--- a/docs/distributedsystemtransaction.pptx
+++ b/docs/distributedsystemtransaction.pptx
@@ -5,33 +5,47 @@
     <p:sldMasterId id="2147483648" r:id="rId1"/>
   </p:sldMasterIdLst>
   <p:notesMasterIdLst>
-    <p:notesMasterId r:id="rId8"/>
+    <p:notesMasterId r:id="rId4"/>
   </p:notesMasterIdLst>
   <p:sldIdLst>
     <p:sldId id="256" r:id="rId3"/>
-    <p:sldId id="257" r:id="rId4"/>
-    <p:sldId id="258" r:id="rId5"/>
+    <p:sldId id="257" r:id="rId5"/>
     <p:sldId id="259" r:id="rId6"/>
-    <p:sldId id="260" r:id="rId7"/>
-    <p:sldId id="261" r:id="rId9"/>
-    <p:sldId id="262" r:id="rId10"/>
-    <p:sldId id="263" r:id="rId11"/>
-    <p:sldId id="264" r:id="rId12"/>
-    <p:sldId id="265" r:id="rId13"/>
-    <p:sldId id="266" r:id="rId14"/>
-    <p:sldId id="267" r:id="rId15"/>
-    <p:sldId id="268" r:id="rId16"/>
-    <p:sldId id="269" r:id="rId17"/>
-    <p:sldId id="270" r:id="rId18"/>
-    <p:sldId id="271" r:id="rId19"/>
-    <p:sldId id="272" r:id="rId20"/>
-    <p:sldId id="273" r:id="rId21"/>
-    <p:sldId id="274" r:id="rId22"/>
-    <p:sldId id="275" r:id="rId23"/>
-    <p:sldId id="276" r:id="rId24"/>
-    <p:sldId id="277" r:id="rId25"/>
-    <p:sldId id="278" r:id="rId26"/>
-    <p:sldId id="279" r:id="rId27"/>
+    <p:sldId id="258" r:id="rId7"/>
+    <p:sldId id="260" r:id="rId8"/>
+    <p:sldId id="292" r:id="rId9"/>
+    <p:sldId id="261" r:id="rId10"/>
+    <p:sldId id="280" r:id="rId11"/>
+    <p:sldId id="281" r:id="rId12"/>
+    <p:sldId id="282" r:id="rId13"/>
+    <p:sldId id="283" r:id="rId14"/>
+    <p:sldId id="284" r:id="rId15"/>
+    <p:sldId id="285" r:id="rId16"/>
+    <p:sldId id="286" r:id="rId17"/>
+    <p:sldId id="287" r:id="rId18"/>
+    <p:sldId id="288" r:id="rId19"/>
+    <p:sldId id="262" r:id="rId20"/>
+    <p:sldId id="263" r:id="rId21"/>
+    <p:sldId id="289" r:id="rId22"/>
+    <p:sldId id="290" r:id="rId23"/>
+    <p:sldId id="291" r:id="rId24"/>
+    <p:sldId id="264" r:id="rId25"/>
+    <p:sldId id="265" r:id="rId26"/>
+    <p:sldId id="266" r:id="rId27"/>
+    <p:sldId id="267" r:id="rId28"/>
+    <p:sldId id="268" r:id="rId29"/>
+    <p:sldId id="269" r:id="rId30"/>
+    <p:sldId id="270" r:id="rId31"/>
+    <p:sldId id="271" r:id="rId32"/>
+    <p:sldId id="272" r:id="rId33"/>
+    <p:sldId id="273" r:id="rId34"/>
+    <p:sldId id="274" r:id="rId35"/>
+    <p:sldId id="275" r:id="rId36"/>
+    <p:sldId id="276" r:id="rId37"/>
+    <p:sldId id="277" r:id="rId38"/>
+    <p:sldId id="278" r:id="rId39"/>
+    <p:sldId id="279" r:id="rId40"/>
+    <p:sldId id="293" r:id="rId41"/>
   </p:sldIdLst>
   <p:sldSz cx="12192000" cy="6858000"/>
   <p:notesSz cx="6858000" cy="9144000"/>
@@ -140,27 +154,38 @@
         </p14:section>
         <p14:section name="分布式事务" id="{9bd903e1-33a4-489f-9a0f-73afc4a7cf46}">
           <p14:sldIdLst>
+            <p14:sldId id="260"/>
+            <p14:sldId id="292"/>
             <p14:sldId id="257"/>
+            <p14:sldId id="259"/>
             <p14:sldId id="258"/>
-            <p14:sldId id="259"/>
-            <p14:sldId id="260"/>
           </p14:sldIdLst>
         </p14:section>
         <p14:section name="Spring分布式实现" id="{41e07a71-3558-4fa5-8638-b04a83776b83}">
           <p14:sldIdLst>
             <p14:sldId id="261"/>
-            <p14:sldId id="262"/>
+            <p14:sldId id="282"/>
             <p14:sldId id="263"/>
+            <p14:sldId id="290"/>
+            <p14:sldId id="291"/>
             <p14:sldId id="264"/>
             <p14:sldId id="265"/>
             <p14:sldId id="266"/>
+            <p14:sldId id="280"/>
+            <p14:sldId id="284"/>
+            <p14:sldId id="285"/>
+            <p14:sldId id="286"/>
+            <p14:sldId id="288"/>
+            <p14:sldId id="281"/>
+            <p14:sldId id="262"/>
+            <p14:sldId id="287"/>
+            <p14:sldId id="283"/>
+            <p14:sldId id="289"/>
           </p14:sldIdLst>
         </p14:section>
         <p14:section name="不使用JTA" id="{a1e4495f-3ef2-4370-a049-5ea14e4c5b0b}">
           <p14:sldIdLst>
-            <p14:sldId id="267"/>
             <p14:sldId id="269"/>
-            <p14:sldId id="270"/>
             <p14:sldId id="271"/>
             <p14:sldId id="272"/>
             <p14:sldId id="273"/>
@@ -171,6 +196,13 @@
             <p14:sldId id="278"/>
             <p14:sldId id="279"/>
             <p14:sldId id="268"/>
+            <p14:sldId id="270"/>
+            <p14:sldId id="267"/>
+          </p14:sldIdLst>
+        </p14:section>
+        <p14:section name="参考资料" id="{18cec514-9ae0-4c12-9247-8aaeda3d09e6}">
+          <p14:sldIdLst>
+            <p14:sldId id="293"/>
           </p14:sldIdLst>
         </p14:section>
       </p14:sectionLst>
@@ -558,40 +590,6 @@
         <p:txBody>
           <a:bodyPr/>
           <a:p>
-            <a:r>
-              <a:rPr lang="zh-CN" altLang="en-US"/>
-              <a:t>强一致性：</a:t>
-            </a:r>
-            <a:r>
-              <a:rPr lang="en-US" altLang="zh-CN"/>
-              <a:t>ACID</a:t>
-            </a:r>
-            <a:r>
-              <a:rPr lang="zh-CN" altLang="en-US"/>
-              <a:t>的完全实现（</a:t>
-            </a:r>
-            <a:r>
-              <a:rPr lang="en-US" altLang="zh-CN"/>
-              <a:t>JTA</a:t>
-            </a:r>
-            <a:r>
-              <a:rPr lang="zh-CN" altLang="en-US"/>
-              <a:t>）</a:t>
-            </a:r>
-            <a:endParaRPr lang="zh-CN" altLang="en-US"/>
-          </a:p>
-          <a:p>
-            <a:r>
-              <a:rPr lang="zh-CN" altLang="en-US"/>
-              <a:t>弱一致性：放弃原子性和隔离性，还是要回滚操作来保证一致性</a:t>
-            </a:r>
-            <a:endParaRPr lang="zh-CN" altLang="en-US"/>
-          </a:p>
-          <a:p>
-            <a:r>
-              <a:rPr lang="zh-CN" altLang="en-US"/>
-              <a:t>最终一致性：在弱一致性基础上，不要求完全一致性，定时任务来完成最终一致性。（大部分情况下）</a:t>
-            </a:r>
             <a:endParaRPr lang="zh-CN" altLang="en-US"/>
           </a:p>
         </p:txBody>
@@ -636,10 +634,6 @@
         <p:txBody>
           <a:bodyPr/>
           <a:p>
-            <a:r>
-              <a:rPr lang="zh-CN" altLang="en-US"/>
-              <a:t>参考第九张幻灯片的例子</a:t>
-            </a:r>
             <a:endParaRPr lang="zh-CN" altLang="en-US"/>
           </a:p>
         </p:txBody>
@@ -684,10 +678,6 @@
         <p:txBody>
           <a:bodyPr/>
           <a:p>
-            <a:r>
-              <a:rPr lang="zh-CN" altLang="en-US"/>
-              <a:t>尽量降低出错的概率，还是可能会出现</a:t>
-            </a:r>
             <a:endParaRPr lang="zh-CN" altLang="en-US"/>
           </a:p>
         </p:txBody>
@@ -876,6 +866,239 @@
 </p:notes>
 </file>
 
+<file path=ppt/notesSlides/notesSlide16.xml><?xml version="1.0" encoding="utf-8"?>
+<p:notes xmlns:a="http://schemas.openxmlformats.org/drawingml/2006/main" xmlns:r="http://schemas.openxmlformats.org/officeDocument/2006/relationships" xmlns:p="http://schemas.openxmlformats.org/presentationml/2006/main">
+  <p:cSld>
+    <p:spTree>
+      <p:nvGrpSpPr>
+        <p:cNvPr id="1" name=""/>
+        <p:cNvGrpSpPr/>
+        <p:nvPr/>
+      </p:nvGrpSpPr>
+      <p:grpSpPr/>
+      <p:sp>
+        <p:nvSpPr>
+          <p:cNvPr id="2" name="幻灯片图像占位符 1"/>
+          <p:cNvSpPr/>
+          <p:nvPr>
+            <p:ph type="sldImg" idx="2"/>
+          </p:nvPr>
+        </p:nvSpPr>
+        <p:spPr/>
+      </p:sp>
+      <p:sp>
+        <p:nvSpPr>
+          <p:cNvPr id="3" name="文本占位符 2"/>
+          <p:cNvSpPr/>
+          <p:nvPr>
+            <p:ph type="body" idx="3"/>
+          </p:nvPr>
+        </p:nvSpPr>
+        <p:spPr/>
+        <p:txBody>
+          <a:bodyPr/>
+          <a:p>
+            <a:r>
+              <a:rPr lang="en-US" altLang="zh-CN"/>
+              <a:t>XA</a:t>
+            </a:r>
+            <a:r>
+              <a:rPr lang="zh-CN" altLang="en-US"/>
+              <a:t>编程规范，定义了一些事务管理的接口，定义了</a:t>
+            </a:r>
+            <a:r>
+              <a:rPr lang="en-US" altLang="zh-CN"/>
+              <a:t>XA Resource </a:t>
+            </a:r>
+            <a:r>
+              <a:rPr lang="zh-CN" altLang="en-US"/>
+              <a:t>针对数据资源的封装；事务管理的接口使用资源管理器，通过两阶段提交针对多个数据的资源进行事务的管理，</a:t>
+            </a:r>
+            <a:endParaRPr lang="zh-CN" altLang="en-US"/>
+          </a:p>
+          <a:p>
+            <a:r>
+              <a:rPr lang="en-US" altLang="zh-CN"/>
+              <a:t>JTA</a:t>
+            </a:r>
+            <a:r>
+              <a:rPr lang="zh-CN" altLang="en-US"/>
+              <a:t>是</a:t>
+            </a:r>
+            <a:r>
+              <a:rPr lang="en-US" altLang="zh-CN"/>
+              <a:t>XA</a:t>
+            </a:r>
+            <a:r>
+              <a:rPr lang="zh-CN" altLang="en-US"/>
+              <a:t>规范在</a:t>
+            </a:r>
+            <a:r>
+              <a:rPr lang="en-US" altLang="zh-CN"/>
+              <a:t>Java </a:t>
+            </a:r>
+            <a:r>
+              <a:rPr lang="zh-CN" altLang="en-US"/>
+              <a:t>中实现。</a:t>
+            </a:r>
+            <a:endParaRPr lang="zh-CN" altLang="en-US"/>
+          </a:p>
+          <a:p>
+            <a:endParaRPr lang="zh-CN" altLang="en-US"/>
+          </a:p>
+          <a:p>
+            <a:r>
+              <a:rPr lang="zh-CN" altLang="en-US"/>
+              <a:t>在一个请求里面操作两个数据源，用两个事务管理器，我们就要用某种方式让这两个事务管理器的事务管理达成某种同步，让他们能够一起提交或回滚。</a:t>
+            </a:r>
+            <a:endParaRPr lang="zh-CN" altLang="en-US"/>
+          </a:p>
+        </p:txBody>
+      </p:sp>
+    </p:spTree>
+  </p:cSld>
+  <p:clrMapOvr>
+    <a:masterClrMapping/>
+  </p:clrMapOvr>
+</p:notes>
+</file>
+
+<file path=ppt/notesSlides/notesSlide17.xml><?xml version="1.0" encoding="utf-8"?>
+<p:notes xmlns:a="http://schemas.openxmlformats.org/drawingml/2006/main" xmlns:r="http://schemas.openxmlformats.org/officeDocument/2006/relationships" xmlns:p="http://schemas.openxmlformats.org/presentationml/2006/main">
+  <p:cSld>
+    <p:spTree>
+      <p:nvGrpSpPr>
+        <p:cNvPr id="1" name=""/>
+        <p:cNvGrpSpPr/>
+        <p:nvPr/>
+      </p:nvGrpSpPr>
+      <p:grpSpPr/>
+      <p:sp>
+        <p:nvSpPr>
+          <p:cNvPr id="2" name="幻灯片图像占位符 1"/>
+          <p:cNvSpPr/>
+          <p:nvPr>
+            <p:ph type="sldImg" idx="2"/>
+          </p:nvPr>
+        </p:nvSpPr>
+        <p:spPr/>
+      </p:sp>
+      <p:sp>
+        <p:nvSpPr>
+          <p:cNvPr id="3" name="文本占位符 2"/>
+          <p:cNvSpPr/>
+          <p:nvPr>
+            <p:ph type="body" idx="3"/>
+          </p:nvPr>
+        </p:nvSpPr>
+        <p:spPr/>
+        <p:txBody>
+          <a:bodyPr/>
+          <a:p>
+            <a:endParaRPr lang="zh-CN" altLang="en-US"/>
+          </a:p>
+        </p:txBody>
+      </p:sp>
+    </p:spTree>
+  </p:cSld>
+  <p:clrMapOvr>
+    <a:masterClrMapping/>
+  </p:clrMapOvr>
+</p:notes>
+</file>
+
+<file path=ppt/notesSlides/notesSlide18.xml><?xml version="1.0" encoding="utf-8"?>
+<p:notes xmlns:a="http://schemas.openxmlformats.org/drawingml/2006/main" xmlns:r="http://schemas.openxmlformats.org/officeDocument/2006/relationships" xmlns:p="http://schemas.openxmlformats.org/presentationml/2006/main">
+  <p:cSld>
+    <p:spTree>
+      <p:nvGrpSpPr>
+        <p:cNvPr id="1" name=""/>
+        <p:cNvGrpSpPr/>
+        <p:nvPr/>
+      </p:nvGrpSpPr>
+      <p:grpSpPr/>
+      <p:sp>
+        <p:nvSpPr>
+          <p:cNvPr id="2" name="幻灯片图像占位符 1"/>
+          <p:cNvSpPr/>
+          <p:nvPr>
+            <p:ph type="sldImg" idx="2"/>
+          </p:nvPr>
+        </p:nvSpPr>
+        <p:spPr/>
+      </p:sp>
+      <p:sp>
+        <p:nvSpPr>
+          <p:cNvPr id="3" name="文本占位符 2"/>
+          <p:cNvSpPr/>
+          <p:nvPr>
+            <p:ph type="body" idx="3"/>
+          </p:nvPr>
+        </p:nvSpPr>
+        <p:spPr/>
+        <p:txBody>
+          <a:bodyPr/>
+          <a:p>
+            <a:endParaRPr lang="zh-CN" altLang="en-US"/>
+          </a:p>
+        </p:txBody>
+      </p:sp>
+    </p:spTree>
+  </p:cSld>
+  <p:clrMapOvr>
+    <a:masterClrMapping/>
+  </p:clrMapOvr>
+</p:notes>
+</file>
+
+<file path=ppt/notesSlides/notesSlide19.xml><?xml version="1.0" encoding="utf-8"?>
+<p:notes xmlns:a="http://schemas.openxmlformats.org/drawingml/2006/main" xmlns:r="http://schemas.openxmlformats.org/officeDocument/2006/relationships" xmlns:p="http://schemas.openxmlformats.org/presentationml/2006/main">
+  <p:cSld>
+    <p:spTree>
+      <p:nvGrpSpPr>
+        <p:cNvPr id="1" name=""/>
+        <p:cNvGrpSpPr/>
+        <p:nvPr/>
+      </p:nvGrpSpPr>
+      <p:grpSpPr/>
+      <p:sp>
+        <p:nvSpPr>
+          <p:cNvPr id="2" name="幻灯片图像占位符 1"/>
+          <p:cNvSpPr/>
+          <p:nvPr>
+            <p:ph type="sldImg" idx="2"/>
+          </p:nvPr>
+        </p:nvSpPr>
+        <p:spPr/>
+      </p:sp>
+      <p:sp>
+        <p:nvSpPr>
+          <p:cNvPr id="3" name="文本占位符 2"/>
+          <p:cNvSpPr/>
+          <p:nvPr>
+            <p:ph type="body" idx="3"/>
+          </p:nvPr>
+        </p:nvSpPr>
+        <p:spPr/>
+        <p:txBody>
+          <a:bodyPr/>
+          <a:p>
+            <a:r>
+              <a:rPr lang="zh-CN" altLang="en-US"/>
+              <a:t>多数据源下，最慢的数据源时长影响</a:t>
+            </a:r>
+            <a:endParaRPr lang="zh-CN" altLang="en-US"/>
+          </a:p>
+        </p:txBody>
+      </p:sp>
+    </p:spTree>
+  </p:cSld>
+  <p:clrMapOvr>
+    <a:masterClrMapping/>
+  </p:clrMapOvr>
+</p:notes>
+</file>
+
 <file path=ppt/notesSlides/notesSlide2.xml><?xml version="1.0" encoding="utf-8"?>
 <p:notes xmlns:a="http://schemas.openxmlformats.org/drawingml/2006/main" xmlns:r="http://schemas.openxmlformats.org/officeDocument/2006/relationships" xmlns:p="http://schemas.openxmlformats.org/presentationml/2006/main">
   <p:cSld>
@@ -909,48 +1132,586 @@
           <a:bodyPr/>
           <a:p>
             <a:r>
+              <a:rPr lang="zh-CN" altLang="en-US"/>
+              <a:t>分布式事务要解决的问题：</a:t>
+            </a:r>
+            <a:endParaRPr lang="zh-CN" altLang="en-US"/>
+          </a:p>
+          <a:p>
+            <a:endParaRPr lang="zh-CN" altLang="en-US"/>
+          </a:p>
+          <a:p>
+            <a:endParaRPr lang="zh-CN" altLang="en-US"/>
+          </a:p>
+          <a:p>
+            <a:r>
+              <a:rPr lang="zh-CN" altLang="en-US"/>
+              <a:t>在一个请求里面操作两个或多个数据源，用两个或多个事务管理器，我们就要用某种方式让这两个或多个事务管理器的事务管理达成某种同步，让他们能够一起提交或回滚。</a:t>
+            </a:r>
+            <a:endParaRPr lang="zh-CN" altLang="en-US"/>
+          </a:p>
+          <a:p>
+            <a:endParaRPr lang="zh-CN" altLang="en-US"/>
+          </a:p>
+          <a:p>
+            <a:r>
+              <a:rPr lang="zh-CN" altLang="en-US"/>
+              <a:t>所以，重点是如何保证同步，特别是提交完第一个以后，第二个事务是有可能出错的。</a:t>
+            </a:r>
+            <a:endParaRPr lang="zh-CN" altLang="en-US"/>
+          </a:p>
+        </p:txBody>
+      </p:sp>
+    </p:spTree>
+  </p:cSld>
+  <p:clrMapOvr>
+    <a:masterClrMapping/>
+  </p:clrMapOvr>
+</p:notes>
+</file>
+
+<file path=ppt/notesSlides/notesSlide20.xml><?xml version="1.0" encoding="utf-8"?>
+<p:notes xmlns:a="http://schemas.openxmlformats.org/drawingml/2006/main" xmlns:r="http://schemas.openxmlformats.org/officeDocument/2006/relationships" xmlns:p="http://schemas.openxmlformats.org/presentationml/2006/main">
+  <p:cSld>
+    <p:spTree>
+      <p:nvGrpSpPr>
+        <p:cNvPr id="1" name=""/>
+        <p:cNvGrpSpPr/>
+        <p:nvPr/>
+      </p:nvGrpSpPr>
+      <p:grpSpPr/>
+      <p:sp>
+        <p:nvSpPr>
+          <p:cNvPr id="2" name="幻灯片图像占位符 1"/>
+          <p:cNvSpPr/>
+          <p:nvPr>
+            <p:ph type="sldImg" idx="2"/>
+          </p:nvPr>
+        </p:nvSpPr>
+        <p:spPr/>
+      </p:sp>
+      <p:sp>
+        <p:nvSpPr>
+          <p:cNvPr id="3" name="文本占位符 2"/>
+          <p:cNvSpPr/>
+          <p:nvPr>
+            <p:ph type="body" idx="3"/>
+          </p:nvPr>
+        </p:nvSpPr>
+        <p:spPr/>
+        <p:txBody>
+          <a:bodyPr/>
+          <a:p>
+            <a:endParaRPr lang="zh-CN" altLang="en-US"/>
+          </a:p>
+        </p:txBody>
+      </p:sp>
+    </p:spTree>
+  </p:cSld>
+  <p:clrMapOvr>
+    <a:masterClrMapping/>
+  </p:clrMapOvr>
+</p:notes>
+</file>
+
+<file path=ppt/notesSlides/notesSlide21.xml><?xml version="1.0" encoding="utf-8"?>
+<p:notes xmlns:a="http://schemas.openxmlformats.org/drawingml/2006/main" xmlns:r="http://schemas.openxmlformats.org/officeDocument/2006/relationships" xmlns:p="http://schemas.openxmlformats.org/presentationml/2006/main">
+  <p:cSld>
+    <p:spTree>
+      <p:nvGrpSpPr>
+        <p:cNvPr id="1" name=""/>
+        <p:cNvGrpSpPr/>
+        <p:nvPr/>
+      </p:nvGrpSpPr>
+      <p:grpSpPr/>
+      <p:sp>
+        <p:nvSpPr>
+          <p:cNvPr id="2" name="幻灯片图像占位符 1"/>
+          <p:cNvSpPr/>
+          <p:nvPr>
+            <p:ph type="sldImg" idx="2"/>
+          </p:nvPr>
+        </p:nvSpPr>
+        <p:spPr/>
+      </p:sp>
+      <p:sp>
+        <p:nvSpPr>
+          <p:cNvPr id="3" name="文本占位符 2"/>
+          <p:cNvSpPr/>
+          <p:nvPr>
+            <p:ph type="body" idx="3"/>
+          </p:nvPr>
+        </p:nvSpPr>
+        <p:spPr/>
+        <p:txBody>
+          <a:bodyPr/>
+          <a:p>
+            <a:endParaRPr lang="zh-CN" altLang="en-US"/>
+          </a:p>
+        </p:txBody>
+      </p:sp>
+    </p:spTree>
+  </p:cSld>
+  <p:clrMapOvr>
+    <a:masterClrMapping/>
+  </p:clrMapOvr>
+</p:notes>
+</file>
+
+<file path=ppt/notesSlides/notesSlide22.xml><?xml version="1.0" encoding="utf-8"?>
+<p:notes xmlns:a="http://schemas.openxmlformats.org/drawingml/2006/main" xmlns:r="http://schemas.openxmlformats.org/officeDocument/2006/relationships" xmlns:p="http://schemas.openxmlformats.org/presentationml/2006/main">
+  <p:cSld>
+    <p:spTree>
+      <p:nvGrpSpPr>
+        <p:cNvPr id="1" name=""/>
+        <p:cNvGrpSpPr/>
+        <p:nvPr/>
+      </p:nvGrpSpPr>
+      <p:grpSpPr/>
+      <p:sp>
+        <p:nvSpPr>
+          <p:cNvPr id="2" name="幻灯片图像占位符 1"/>
+          <p:cNvSpPr/>
+          <p:nvPr>
+            <p:ph type="sldImg" idx="2"/>
+          </p:nvPr>
+        </p:nvSpPr>
+        <p:spPr/>
+      </p:sp>
+      <p:sp>
+        <p:nvSpPr>
+          <p:cNvPr id="3" name="文本占位符 2"/>
+          <p:cNvSpPr/>
+          <p:nvPr>
+            <p:ph type="body" idx="3"/>
+          </p:nvPr>
+        </p:nvSpPr>
+        <p:spPr/>
+        <p:txBody>
+          <a:bodyPr/>
+          <a:p>
+            <a:r>
               <a:rPr lang="en-US" altLang="zh-CN"/>
-              <a:t>XA</a:t>
+              <a:t>JBOSS| Websphere </a:t>
             </a:r>
             <a:r>
               <a:rPr lang="zh-CN" altLang="en-US"/>
-              <a:t>编程规范，定义了一些事务管理的接口，定义了</a:t>
+              <a:t>方式： </a:t>
             </a:r>
             <a:r>
               <a:rPr lang="en-US" altLang="zh-CN"/>
-              <a:t>XA Resource </a:t>
+              <a:t>Spring </a:t>
             </a:r>
             <a:r>
               <a:rPr lang="zh-CN" altLang="en-US"/>
-              <a:t>针对数据资源的封装；事务管理的接口使用资源管理器，通过两阶段提交针对多个数据的资源进行事务的管理，</a:t>
-            </a:r>
-            <a:endParaRPr lang="zh-CN" altLang="en-US"/>
-          </a:p>
-          <a:p>
+              <a:t>事务接口，通过</a:t>
+            </a:r>
+            <a:r>
+              <a:rPr lang="en-US" altLang="zh-CN"/>
+              <a:t>JNDI</a:t>
+            </a:r>
+            <a:r>
+              <a:rPr lang="zh-CN" altLang="en-US"/>
+              <a:t>控制</a:t>
+            </a:r>
             <a:r>
               <a:rPr lang="en-US" altLang="zh-CN"/>
               <a:t>JTA</a:t>
             </a:r>
             <a:r>
               <a:rPr lang="zh-CN" altLang="en-US"/>
-              <a:t>是</a:t>
-            </a:r>
+              <a:t>事务管理器</a:t>
+            </a:r>
+            <a:endParaRPr lang="zh-CN" altLang="en-US"/>
+          </a:p>
+          <a:p>
+            <a:endParaRPr lang="zh-CN" altLang="en-US"/>
+          </a:p>
+          <a:p>
             <a:r>
               <a:rPr lang="en-US" altLang="zh-CN"/>
-              <a:t>XA</a:t>
+              <a:t>Atomikos|Bitronix </a:t>
             </a:r>
             <a:r>
               <a:rPr lang="zh-CN" altLang="en-US"/>
-              <a:t>规范在</a:t>
+              <a:t>： 起一个线程，在线程里运行一个事务管理器，在这个线程里进行多个数据源的事务管理。</a:t>
             </a:r>
             <a:r>
               <a:rPr lang="en-US" altLang="zh-CN"/>
-              <a:t>Java </a:t>
+              <a:t>Spring </a:t>
             </a:r>
             <a:r>
               <a:rPr lang="zh-CN" altLang="en-US"/>
-              <a:t>中实现。</a:t>
-            </a:r>
+              <a:t>事务接口通过线程里的事务管理器来进行管理。</a:t>
+            </a:r>
+            <a:endParaRPr lang="zh-CN" altLang="en-US"/>
+          </a:p>
+        </p:txBody>
+      </p:sp>
+    </p:spTree>
+  </p:cSld>
+  <p:clrMapOvr>
+    <a:masterClrMapping/>
+  </p:clrMapOvr>
+</p:notes>
+</file>
+
+<file path=ppt/notesSlides/notesSlide23.xml><?xml version="1.0" encoding="utf-8"?>
+<p:notes xmlns:a="http://schemas.openxmlformats.org/drawingml/2006/main" xmlns:r="http://schemas.openxmlformats.org/officeDocument/2006/relationships" xmlns:p="http://schemas.openxmlformats.org/presentationml/2006/main">
+  <p:cSld>
+    <p:spTree>
+      <p:nvGrpSpPr>
+        <p:cNvPr id="1" name=""/>
+        <p:cNvGrpSpPr/>
+        <p:nvPr/>
+      </p:nvGrpSpPr>
+      <p:grpSpPr/>
+      <p:sp>
+        <p:nvSpPr>
+          <p:cNvPr id="2" name="幻灯片图像占位符 1"/>
+          <p:cNvSpPr/>
+          <p:nvPr>
+            <p:ph type="sldImg" idx="2"/>
+          </p:nvPr>
+        </p:nvSpPr>
+        <p:spPr/>
+      </p:sp>
+      <p:sp>
+        <p:nvSpPr>
+          <p:cNvPr id="3" name="文本占位符 2"/>
+          <p:cNvSpPr/>
+          <p:nvPr>
+            <p:ph type="body" idx="3"/>
+          </p:nvPr>
+        </p:nvSpPr>
+        <p:spPr/>
+        <p:txBody>
+          <a:bodyPr/>
+          <a:p>
+            <a:r>
+              <a:rPr lang="zh-CN" altLang="en-US">
+                <a:sym typeface="+mn-ea"/>
+              </a:rPr>
+              <a:t>为什么不使用</a:t>
+            </a:r>
+            <a:r>
+              <a:rPr lang="en-US" altLang="zh-CN">
+                <a:sym typeface="+mn-ea"/>
+              </a:rPr>
+              <a:t>JTA</a:t>
+            </a:r>
+            <a:r>
+              <a:rPr lang="zh-CN" altLang="en-US">
+                <a:sym typeface="+mn-ea"/>
+              </a:rPr>
+              <a:t>：两阶段提交，性能问题。</a:t>
+            </a:r>
+            <a:endParaRPr lang="zh-CN" altLang="en-US"/>
+          </a:p>
+        </p:txBody>
+      </p:sp>
+    </p:spTree>
+  </p:cSld>
+  <p:clrMapOvr>
+    <a:masterClrMapping/>
+  </p:clrMapOvr>
+</p:notes>
+</file>
+
+<file path=ppt/notesSlides/notesSlide24.xml><?xml version="1.0" encoding="utf-8"?>
+<p:notes xmlns:a="http://schemas.openxmlformats.org/drawingml/2006/main" xmlns:r="http://schemas.openxmlformats.org/officeDocument/2006/relationships" xmlns:p="http://schemas.openxmlformats.org/presentationml/2006/main">
+  <p:cSld>
+    <p:spTree>
+      <p:nvGrpSpPr>
+        <p:cNvPr id="1" name=""/>
+        <p:cNvGrpSpPr/>
+        <p:nvPr/>
+      </p:nvGrpSpPr>
+      <p:grpSpPr/>
+      <p:sp>
+        <p:nvSpPr>
+          <p:cNvPr id="2" name="幻灯片图像占位符 1"/>
+          <p:cNvSpPr/>
+          <p:nvPr>
+            <p:ph type="sldImg" idx="2"/>
+          </p:nvPr>
+        </p:nvSpPr>
+        <p:spPr/>
+      </p:sp>
+      <p:sp>
+        <p:nvSpPr>
+          <p:cNvPr id="3" name="文本占位符 2"/>
+          <p:cNvSpPr/>
+          <p:nvPr>
+            <p:ph type="body" idx="3"/>
+          </p:nvPr>
+        </p:nvSpPr>
+        <p:spPr/>
+        <p:txBody>
+          <a:bodyPr/>
+          <a:p>
+            <a:r>
+              <a:rPr lang="zh-CN" altLang="en-US"/>
+              <a:t>两个数据源：</a:t>
+            </a:r>
+            <a:r>
+              <a:rPr lang="en-US" altLang="zh-CN"/>
+              <a:t>MQ</a:t>
+            </a:r>
+            <a:r>
+              <a:rPr lang="zh-CN" altLang="en-US"/>
+              <a:t>和</a:t>
+            </a:r>
+            <a:r>
+              <a:rPr lang="en-US" altLang="zh-CN"/>
+              <a:t>DB</a:t>
+            </a:r>
+            <a:endParaRPr lang="en-US" altLang="zh-CN"/>
+          </a:p>
+          <a:p>
+            <a:r>
+              <a:rPr lang="zh-CN" altLang="en-US"/>
+              <a:t>问题在于：</a:t>
+            </a:r>
+            <a:endParaRPr lang="zh-CN" altLang="en-US"/>
+          </a:p>
+          <a:p>
+            <a:r>
+              <a:rPr lang="zh-CN" altLang="en-US"/>
+              <a:t>第五步提交后，第六步失败，第五步就无法回滚</a:t>
+            </a:r>
+            <a:endParaRPr lang="zh-CN" altLang="en-US"/>
+          </a:p>
+        </p:txBody>
+      </p:sp>
+    </p:spTree>
+  </p:cSld>
+  <p:clrMapOvr>
+    <a:masterClrMapping/>
+  </p:clrMapOvr>
+</p:notes>
+</file>
+
+<file path=ppt/notesSlides/notesSlide25.xml><?xml version="1.0" encoding="utf-8"?>
+<p:notes xmlns:a="http://schemas.openxmlformats.org/drawingml/2006/main" xmlns:r="http://schemas.openxmlformats.org/officeDocument/2006/relationships" xmlns:p="http://schemas.openxmlformats.org/presentationml/2006/main">
+  <p:cSld>
+    <p:spTree>
+      <p:nvGrpSpPr>
+        <p:cNvPr id="1" name=""/>
+        <p:cNvGrpSpPr/>
+        <p:nvPr/>
+      </p:nvGrpSpPr>
+      <p:grpSpPr/>
+      <p:sp>
+        <p:nvSpPr>
+          <p:cNvPr id="2" name="幻灯片图像占位符 1"/>
+          <p:cNvSpPr/>
+          <p:nvPr>
+            <p:ph type="sldImg" idx="2"/>
+          </p:nvPr>
+        </p:nvSpPr>
+        <p:spPr/>
+      </p:sp>
+      <p:sp>
+        <p:nvSpPr>
+          <p:cNvPr id="3" name="文本占位符 2"/>
+          <p:cNvSpPr/>
+          <p:nvPr>
+            <p:ph type="body" idx="3"/>
+          </p:nvPr>
+        </p:nvSpPr>
+        <p:spPr/>
+        <p:txBody>
+          <a:bodyPr/>
+          <a:p>
+            <a:r>
+              <a:rPr lang="zh-CN" altLang="en-US"/>
+              <a:t>如果第七步出错，还是无法回滚第六步；但还是能很大的降低该问题的概率</a:t>
+            </a:r>
+            <a:endParaRPr lang="zh-CN" altLang="en-US"/>
+          </a:p>
+        </p:txBody>
+      </p:sp>
+    </p:spTree>
+  </p:cSld>
+  <p:clrMapOvr>
+    <a:masterClrMapping/>
+  </p:clrMapOvr>
+</p:notes>
+</file>
+
+<file path=ppt/notesSlides/notesSlide26.xml><?xml version="1.0" encoding="utf-8"?>
+<p:notes xmlns:a="http://schemas.openxmlformats.org/drawingml/2006/main" xmlns:r="http://schemas.openxmlformats.org/officeDocument/2006/relationships" xmlns:p="http://schemas.openxmlformats.org/presentationml/2006/main">
+  <p:cSld>
+    <p:spTree>
+      <p:nvGrpSpPr>
+        <p:cNvPr id="1" name=""/>
+        <p:cNvGrpSpPr/>
+        <p:nvPr/>
+      </p:nvGrpSpPr>
+      <p:grpSpPr/>
+      <p:sp>
+        <p:nvSpPr>
+          <p:cNvPr id="2" name="幻灯片图像占位符 1"/>
+          <p:cNvSpPr/>
+          <p:nvPr>
+            <p:ph type="sldImg" idx="2"/>
+          </p:nvPr>
+        </p:nvSpPr>
+        <p:spPr/>
+      </p:sp>
+      <p:sp>
+        <p:nvSpPr>
+          <p:cNvPr id="3" name="文本占位符 2"/>
+          <p:cNvSpPr/>
+          <p:nvPr>
+            <p:ph type="body" idx="3"/>
+          </p:nvPr>
+        </p:nvSpPr>
+        <p:spPr/>
+        <p:txBody>
+          <a:bodyPr/>
+          <a:p>
+            <a:endParaRPr lang="zh-CN" altLang="en-US"/>
+          </a:p>
+        </p:txBody>
+      </p:sp>
+    </p:spTree>
+  </p:cSld>
+  <p:clrMapOvr>
+    <a:masterClrMapping/>
+  </p:clrMapOvr>
+</p:notes>
+</file>
+
+<file path=ppt/notesSlides/notesSlide27.xml><?xml version="1.0" encoding="utf-8"?>
+<p:notes xmlns:a="http://schemas.openxmlformats.org/drawingml/2006/main" xmlns:r="http://schemas.openxmlformats.org/officeDocument/2006/relationships" xmlns:p="http://schemas.openxmlformats.org/presentationml/2006/main">
+  <p:cSld>
+    <p:spTree>
+      <p:nvGrpSpPr>
+        <p:cNvPr id="1" name=""/>
+        <p:cNvGrpSpPr/>
+        <p:nvPr/>
+      </p:nvGrpSpPr>
+      <p:grpSpPr/>
+      <p:sp>
+        <p:nvSpPr>
+          <p:cNvPr id="2" name="幻灯片图像占位符 1"/>
+          <p:cNvSpPr/>
+          <p:nvPr>
+            <p:ph type="sldImg" idx="2"/>
+          </p:nvPr>
+        </p:nvSpPr>
+        <p:spPr/>
+      </p:sp>
+      <p:sp>
+        <p:nvSpPr>
+          <p:cNvPr id="3" name="文本占位符 2"/>
+          <p:cNvSpPr/>
+          <p:nvPr>
+            <p:ph type="body" idx="3"/>
+          </p:nvPr>
+        </p:nvSpPr>
+        <p:spPr/>
+        <p:txBody>
+          <a:bodyPr/>
+          <a:p>
+            <a:r>
+              <a:rPr lang="zh-CN" altLang="en-US"/>
+              <a:t>参考第九张幻灯片的例子</a:t>
+            </a:r>
+            <a:endParaRPr lang="zh-CN" altLang="en-US"/>
+          </a:p>
+        </p:txBody>
+      </p:sp>
+    </p:spTree>
+  </p:cSld>
+  <p:clrMapOvr>
+    <a:masterClrMapping/>
+  </p:clrMapOvr>
+</p:notes>
+</file>
+
+<file path=ppt/notesSlides/notesSlide28.xml><?xml version="1.0" encoding="utf-8"?>
+<p:notes xmlns:a="http://schemas.openxmlformats.org/drawingml/2006/main" xmlns:r="http://schemas.openxmlformats.org/officeDocument/2006/relationships" xmlns:p="http://schemas.openxmlformats.org/presentationml/2006/main">
+  <p:cSld>
+    <p:spTree>
+      <p:nvGrpSpPr>
+        <p:cNvPr id="1" name=""/>
+        <p:cNvGrpSpPr/>
+        <p:nvPr/>
+      </p:nvGrpSpPr>
+      <p:grpSpPr/>
+      <p:sp>
+        <p:nvSpPr>
+          <p:cNvPr id="2" name="幻灯片图像占位符 1"/>
+          <p:cNvSpPr/>
+          <p:nvPr>
+            <p:ph type="sldImg" idx="2"/>
+          </p:nvPr>
+        </p:nvSpPr>
+        <p:spPr/>
+      </p:sp>
+      <p:sp>
+        <p:nvSpPr>
+          <p:cNvPr id="3" name="文本占位符 2"/>
+          <p:cNvSpPr/>
+          <p:nvPr>
+            <p:ph type="body" idx="3"/>
+          </p:nvPr>
+        </p:nvSpPr>
+        <p:spPr/>
+        <p:txBody>
+          <a:bodyPr/>
+          <a:p>
+            <a:r>
+              <a:rPr lang="zh-CN" altLang="en-US"/>
+              <a:t>尽量降低出错的概率，还是可能会出现</a:t>
+            </a:r>
+            <a:endParaRPr lang="zh-CN" altLang="en-US"/>
+          </a:p>
+        </p:txBody>
+      </p:sp>
+    </p:spTree>
+  </p:cSld>
+  <p:clrMapOvr>
+    <a:masterClrMapping/>
+  </p:clrMapOvr>
+</p:notes>
+</file>
+
+<file path=ppt/notesSlides/notesSlide29.xml><?xml version="1.0" encoding="utf-8"?>
+<p:notes xmlns:a="http://schemas.openxmlformats.org/drawingml/2006/main" xmlns:r="http://schemas.openxmlformats.org/officeDocument/2006/relationships" xmlns:p="http://schemas.openxmlformats.org/presentationml/2006/main">
+  <p:cSld>
+    <p:spTree>
+      <p:nvGrpSpPr>
+        <p:cNvPr id="1" name=""/>
+        <p:cNvGrpSpPr/>
+        <p:nvPr/>
+      </p:nvGrpSpPr>
+      <p:grpSpPr/>
+      <p:sp>
+        <p:nvSpPr>
+          <p:cNvPr id="2" name="幻灯片图像占位符 1"/>
+          <p:cNvSpPr/>
+          <p:nvPr>
+            <p:ph type="sldImg" idx="2"/>
+          </p:nvPr>
+        </p:nvSpPr>
+        <p:spPr/>
+      </p:sp>
+      <p:sp>
+        <p:nvSpPr>
+          <p:cNvPr id="3" name="文本占位符 2"/>
+          <p:cNvSpPr/>
+          <p:nvPr>
+            <p:ph type="body" idx="3"/>
+          </p:nvPr>
+        </p:nvSpPr>
+        <p:spPr/>
+        <p:txBody>
+          <a:bodyPr/>
+          <a:p>
             <a:endParaRPr lang="zh-CN" altLang="en-US"/>
           </a:p>
         </p:txBody>
@@ -1007,6 +1768,138 @@
 </p:notes>
 </file>
 
+<file path=ppt/notesSlides/notesSlide30.xml><?xml version="1.0" encoding="utf-8"?>
+<p:notes xmlns:a="http://schemas.openxmlformats.org/drawingml/2006/main" xmlns:r="http://schemas.openxmlformats.org/officeDocument/2006/relationships" xmlns:p="http://schemas.openxmlformats.org/presentationml/2006/main">
+  <p:cSld>
+    <p:spTree>
+      <p:nvGrpSpPr>
+        <p:cNvPr id="1" name=""/>
+        <p:cNvGrpSpPr/>
+        <p:nvPr/>
+      </p:nvGrpSpPr>
+      <p:grpSpPr/>
+      <p:sp>
+        <p:nvSpPr>
+          <p:cNvPr id="2" name="幻灯片图像占位符 1"/>
+          <p:cNvSpPr/>
+          <p:nvPr>
+            <p:ph type="sldImg" idx="2"/>
+          </p:nvPr>
+        </p:nvSpPr>
+        <p:spPr/>
+      </p:sp>
+      <p:sp>
+        <p:nvSpPr>
+          <p:cNvPr id="3" name="文本占位符 2"/>
+          <p:cNvSpPr/>
+          <p:nvPr>
+            <p:ph type="body" idx="3"/>
+          </p:nvPr>
+        </p:nvSpPr>
+        <p:spPr/>
+        <p:txBody>
+          <a:bodyPr/>
+          <a:p>
+            <a:endParaRPr lang="zh-CN" altLang="en-US"/>
+          </a:p>
+        </p:txBody>
+      </p:sp>
+    </p:spTree>
+  </p:cSld>
+  <p:clrMapOvr>
+    <a:masterClrMapping/>
+  </p:clrMapOvr>
+</p:notes>
+</file>
+
+<file path=ppt/notesSlides/notesSlide31.xml><?xml version="1.0" encoding="utf-8"?>
+<p:notes xmlns:a="http://schemas.openxmlformats.org/drawingml/2006/main" xmlns:r="http://schemas.openxmlformats.org/officeDocument/2006/relationships" xmlns:p="http://schemas.openxmlformats.org/presentationml/2006/main">
+  <p:cSld>
+    <p:spTree>
+      <p:nvGrpSpPr>
+        <p:cNvPr id="1" name=""/>
+        <p:cNvGrpSpPr/>
+        <p:nvPr/>
+      </p:nvGrpSpPr>
+      <p:grpSpPr/>
+      <p:sp>
+        <p:nvSpPr>
+          <p:cNvPr id="2" name="幻灯片图像占位符 1"/>
+          <p:cNvSpPr/>
+          <p:nvPr>
+            <p:ph type="sldImg" idx="2"/>
+          </p:nvPr>
+        </p:nvSpPr>
+        <p:spPr/>
+      </p:sp>
+      <p:sp>
+        <p:nvSpPr>
+          <p:cNvPr id="3" name="文本占位符 2"/>
+          <p:cNvSpPr/>
+          <p:nvPr>
+            <p:ph type="body" idx="3"/>
+          </p:nvPr>
+        </p:nvSpPr>
+        <p:spPr/>
+        <p:txBody>
+          <a:bodyPr/>
+          <a:p>
+            <a:endParaRPr lang="zh-CN" altLang="en-US"/>
+          </a:p>
+        </p:txBody>
+      </p:sp>
+    </p:spTree>
+  </p:cSld>
+  <p:clrMapOvr>
+    <a:masterClrMapping/>
+  </p:clrMapOvr>
+</p:notes>
+</file>
+
+<file path=ppt/notesSlides/notesSlide32.xml><?xml version="1.0" encoding="utf-8"?>
+<p:notes xmlns:a="http://schemas.openxmlformats.org/drawingml/2006/main" xmlns:r="http://schemas.openxmlformats.org/officeDocument/2006/relationships" xmlns:p="http://schemas.openxmlformats.org/presentationml/2006/main">
+  <p:cSld>
+    <p:spTree>
+      <p:nvGrpSpPr>
+        <p:cNvPr id="1" name=""/>
+        <p:cNvGrpSpPr/>
+        <p:nvPr/>
+      </p:nvGrpSpPr>
+      <p:grpSpPr/>
+      <p:sp>
+        <p:nvSpPr>
+          <p:cNvPr id="2" name="幻灯片图像占位符 1"/>
+          <p:cNvSpPr/>
+          <p:nvPr>
+            <p:ph type="sldImg" idx="2"/>
+          </p:nvPr>
+        </p:nvSpPr>
+        <p:spPr/>
+      </p:sp>
+      <p:sp>
+        <p:nvSpPr>
+          <p:cNvPr id="3" name="文本占位符 2"/>
+          <p:cNvSpPr/>
+          <p:nvPr>
+            <p:ph type="body" idx="3"/>
+          </p:nvPr>
+        </p:nvSpPr>
+        <p:spPr/>
+        <p:txBody>
+          <a:bodyPr/>
+          <a:p>
+            <a:endParaRPr lang="zh-CN" altLang="en-US"/>
+          </a:p>
+        </p:txBody>
+      </p:sp>
+    </p:spTree>
+  </p:cSld>
+  <p:clrMapOvr>
+    <a:masterClrMapping/>
+  </p:clrMapOvr>
+</p:notes>
+</file>
+
 <file path=ppt/notesSlides/notesSlide4.xml><?xml version="1.0" encoding="utf-8"?>
 <p:notes xmlns:a="http://schemas.openxmlformats.org/drawingml/2006/main" xmlns:r="http://schemas.openxmlformats.org/officeDocument/2006/relationships" xmlns:p="http://schemas.openxmlformats.org/presentationml/2006/main">
   <p:cSld>
@@ -1039,6 +1932,50 @@
         <p:txBody>
           <a:bodyPr/>
           <a:p>
+            <a:r>
+              <a:rPr lang="zh-CN" altLang="en-US"/>
+              <a:t>强一致性：</a:t>
+            </a:r>
+            <a:r>
+              <a:rPr lang="en-US" altLang="zh-CN"/>
+              <a:t>ACID</a:t>
+            </a:r>
+            <a:r>
+              <a:rPr lang="zh-CN" altLang="en-US"/>
+              <a:t>的完全实现（</a:t>
+            </a:r>
+            <a:r>
+              <a:rPr lang="en-US" altLang="zh-CN"/>
+              <a:t>JTA</a:t>
+            </a:r>
+            <a:r>
+              <a:rPr lang="zh-CN" altLang="en-US"/>
+              <a:t>）</a:t>
+            </a:r>
+            <a:endParaRPr lang="zh-CN" altLang="en-US"/>
+          </a:p>
+          <a:p>
+            <a:r>
+              <a:rPr lang="zh-CN" altLang="en-US"/>
+              <a:t>弱一致性：放弃原子性和隔离性，还是要回滚操作来保证一致性</a:t>
+            </a:r>
+            <a:endParaRPr lang="zh-CN" altLang="en-US"/>
+          </a:p>
+          <a:p>
+            <a:r>
+              <a:rPr lang="zh-CN" altLang="en-US"/>
+              <a:t>最终一致性：在弱一致性基础上，不要求完全一致性，定时任务来完成最终一致性。（大部分情况下）</a:t>
+            </a:r>
+            <a:endParaRPr lang="zh-CN" altLang="en-US"/>
+          </a:p>
+          <a:p>
+            <a:endParaRPr lang="zh-CN" altLang="en-US"/>
+          </a:p>
+          <a:p>
+            <a:r>
+              <a:rPr lang="zh-CN" altLang="en-US"/>
+              <a:t>弱一致性与最终一致性区别在于错误处理机制</a:t>
+            </a:r>
             <a:endParaRPr lang="zh-CN" altLang="en-US"/>
           </a:p>
         </p:txBody>
@@ -1083,57 +2020,6 @@
         <p:txBody>
           <a:bodyPr/>
           <a:p>
-            <a:r>
-              <a:rPr lang="en-US" altLang="zh-CN"/>
-              <a:t>JBOSS| Websphere </a:t>
-            </a:r>
-            <a:r>
-              <a:rPr lang="zh-CN" altLang="en-US"/>
-              <a:t>方式： </a:t>
-            </a:r>
-            <a:r>
-              <a:rPr lang="en-US" altLang="zh-CN"/>
-              <a:t>Spring </a:t>
-            </a:r>
-            <a:r>
-              <a:rPr lang="zh-CN" altLang="en-US"/>
-              <a:t>事务接口，通过</a:t>
-            </a:r>
-            <a:r>
-              <a:rPr lang="en-US" altLang="zh-CN"/>
-              <a:t>JNDI</a:t>
-            </a:r>
-            <a:r>
-              <a:rPr lang="zh-CN" altLang="en-US"/>
-              <a:t>控制</a:t>
-            </a:r>
-            <a:r>
-              <a:rPr lang="en-US" altLang="zh-CN"/>
-              <a:t>JTA</a:t>
-            </a:r>
-            <a:r>
-              <a:rPr lang="zh-CN" altLang="en-US"/>
-              <a:t>事务管理器</a:t>
-            </a:r>
-            <a:endParaRPr lang="zh-CN" altLang="en-US"/>
-          </a:p>
-          <a:p>
-            <a:r>
-              <a:rPr lang="en-US" altLang="zh-CN"/>
-              <a:t>Atomikos|Bitronix </a:t>
-            </a:r>
-            <a:r>
-              <a:rPr lang="zh-CN" altLang="en-US"/>
-              <a:t>： 起一个线程，在线程里运行一个事务管理器，在这个线程里进行多个数据源的事务管理。</a:t>
-            </a:r>
-            <a:r>
-              <a:rPr lang="en-US" altLang="zh-CN"/>
-              <a:t>Spring </a:t>
-            </a:r>
-            <a:r>
-              <a:rPr lang="zh-CN" altLang="en-US"/>
-              <a:t>事务接口通过线程里的事务管理器来进行管理。</a:t>
-            </a:r>
             <a:endParaRPr lang="zh-CN" altLang="en-US"/>
           </a:p>
         </p:txBody>
@@ -1178,24 +2064,6 @@
         <p:txBody>
           <a:bodyPr/>
           <a:p>
-            <a:r>
-              <a:rPr lang="zh-CN" altLang="en-US">
-                <a:sym typeface="+mn-ea"/>
-              </a:rPr>
-              <a:t>为什么不使用</a:t>
-            </a:r>
-            <a:r>
-              <a:rPr lang="en-US" altLang="zh-CN">
-                <a:sym typeface="+mn-ea"/>
-              </a:rPr>
-              <a:t>JTA</a:t>
-            </a:r>
-            <a:r>
-              <a:rPr lang="zh-CN" altLang="en-US">
-                <a:sym typeface="+mn-ea"/>
-              </a:rPr>
-              <a:t>：两阶段提交，性能问题。</a:t>
-            </a:r>
             <a:endParaRPr lang="zh-CN" altLang="en-US"/>
           </a:p>
         </p:txBody>
@@ -1242,33 +2110,15 @@
           <a:p>
             <a:r>
               <a:rPr lang="zh-CN" altLang="en-US"/>
-              <a:t>两个数据源：</a:t>
+              <a:t>在业务代码里不需要添加事务相关的代码通过标签或者说</a:t>
             </a:r>
             <a:r>
               <a:rPr lang="en-US" altLang="zh-CN"/>
-              <a:t>MQ</a:t>
+              <a:t>AOP</a:t>
             </a:r>
             <a:r>
               <a:rPr lang="zh-CN" altLang="en-US"/>
-              <a:t>和</a:t>
-            </a:r>
-            <a:r>
-              <a:rPr lang="en-US" altLang="zh-CN"/>
-              <a:t>DB</a:t>
-            </a:r>
-            <a:endParaRPr lang="en-US" altLang="zh-CN"/>
-          </a:p>
-          <a:p>
-            <a:r>
-              <a:rPr lang="zh-CN" altLang="en-US"/>
-              <a:t>问题在于：</a:t>
-            </a:r>
-            <a:endParaRPr lang="zh-CN" altLang="en-US"/>
-          </a:p>
-          <a:p>
-            <a:r>
-              <a:rPr lang="zh-CN" altLang="en-US"/>
-              <a:t>第五步提交后，第六步失败，第五步就无法回滚</a:t>
+              <a:t>来实现事务</a:t>
             </a:r>
             <a:endParaRPr lang="zh-CN" altLang="en-US"/>
           </a:p>
@@ -1314,10 +2164,6 @@
         <p:txBody>
           <a:bodyPr/>
           <a:p>
-            <a:r>
-              <a:rPr lang="zh-CN" altLang="en-US"/>
-              <a:t>如果第七步出错，还是无法回滚第六步；但还是能很大的降低该问题的概率</a:t>
-            </a:r>
             <a:endParaRPr lang="zh-CN" altLang="en-US"/>
           </a:p>
         </p:txBody>
@@ -5720,6 +6566,2741 @@
           <a:p>
             <a:r>
               <a:rPr lang="en-US" altLang="zh-CN"/>
+              <a:t>Spring</a:t>
+            </a:r>
+            <a:r>
+              <a:rPr lang="zh-CN" altLang="en-US"/>
+              <a:t>事务机制</a:t>
+            </a:r>
+            <a:r>
+              <a:rPr lang="en-US" altLang="zh-CN"/>
+              <a:t>-</a:t>
+            </a:r>
+            <a:r>
+              <a:rPr lang="zh-CN" altLang="en-US"/>
+              <a:t>外部（全局）事务</a:t>
+            </a:r>
+            <a:endParaRPr lang="zh-CN" altLang="en-US"/>
+          </a:p>
+        </p:txBody>
+      </p:sp>
+      <p:sp>
+        <p:nvSpPr>
+          <p:cNvPr id="3" name="内容占位符 2"/>
+          <p:cNvSpPr>
+            <a:spLocks noGrp="1"/>
+          </p:cNvSpPr>
+          <p:nvPr>
+            <p:ph idx="1"/>
+          </p:nvPr>
+        </p:nvSpPr>
+        <p:spPr/>
+        <p:txBody>
+          <a:bodyPr/>
+          <a:p>
+            <a:endParaRPr lang="zh-CN" altLang="en-US"/>
+          </a:p>
+          <a:p>
+            <a:endParaRPr lang="zh-CN" altLang="en-US"/>
+          </a:p>
+          <a:p>
+            <a:r>
+              <a:rPr lang="zh-CN" altLang="en-US"/>
+              <a:t>外部事务管理器提供事务管理</a:t>
+            </a:r>
+            <a:endParaRPr lang="zh-CN" altLang="en-US"/>
+          </a:p>
+          <a:p>
+            <a:endParaRPr lang="zh-CN" altLang="en-US"/>
+          </a:p>
+          <a:p>
+            <a:r>
+              <a:rPr lang="zh-CN" altLang="en-US"/>
+              <a:t>通过</a:t>
+            </a:r>
+            <a:r>
+              <a:rPr lang="en-US" altLang="zh-CN"/>
+              <a:t>Spring </a:t>
+            </a:r>
+            <a:r>
+              <a:rPr lang="zh-CN" altLang="en-US"/>
+              <a:t>事务接口，调用外部事务管理器</a:t>
+            </a:r>
+            <a:endParaRPr lang="zh-CN" altLang="en-US"/>
+          </a:p>
+          <a:p>
+            <a:endParaRPr lang="zh-CN" altLang="en-US"/>
+          </a:p>
+          <a:p>
+            <a:r>
+              <a:rPr lang="zh-CN" altLang="en-US"/>
+              <a:t>通过</a:t>
+            </a:r>
+            <a:r>
+              <a:rPr lang="en-US" altLang="zh-CN"/>
+              <a:t>JNDI</a:t>
+            </a:r>
+            <a:r>
+              <a:rPr lang="zh-CN" altLang="en-US"/>
+              <a:t>等方式获取外部事务管理器的实例</a:t>
+            </a:r>
+            <a:endParaRPr lang="zh-CN" altLang="en-US"/>
+          </a:p>
+          <a:p>
+            <a:endParaRPr lang="zh-CN" altLang="en-US"/>
+          </a:p>
+          <a:p>
+            <a:r>
+              <a:rPr lang="zh-CN" altLang="en-US"/>
+              <a:t>外部事务管理器一般由应用服务器提供，如</a:t>
+            </a:r>
+            <a:r>
+              <a:rPr lang="en-US" altLang="zh-CN"/>
+              <a:t>JBoss</a:t>
+            </a:r>
+            <a:r>
+              <a:rPr lang="zh-CN" altLang="en-US"/>
+              <a:t>，</a:t>
+            </a:r>
+            <a:r>
+              <a:rPr lang="en-US" altLang="zh-CN"/>
+              <a:t>Websphere</a:t>
+            </a:r>
+            <a:endParaRPr lang="en-US" altLang="zh-CN"/>
+          </a:p>
+        </p:txBody>
+      </p:sp>
+    </p:spTree>
+    <p:custDataLst>
+      <p:tags r:id="rId1"/>
+    </p:custDataLst>
+  </p:cSld>
+  <p:clrMapOvr>
+    <a:masterClrMapping/>
+  </p:clrMapOvr>
+</p:sld>
+</file>
+
+<file path=ppt/slides/slide11.xml><?xml version="1.0" encoding="utf-8"?>
+<p:sld xmlns:a="http://schemas.openxmlformats.org/drawingml/2006/main" xmlns:r="http://schemas.openxmlformats.org/officeDocument/2006/relationships" xmlns:p="http://schemas.openxmlformats.org/presentationml/2006/main">
+  <p:cSld>
+    <p:spTree>
+      <p:nvGrpSpPr>
+        <p:cNvPr id="1" name=""/>
+        <p:cNvGrpSpPr/>
+        <p:nvPr/>
+      </p:nvGrpSpPr>
+      <p:grpSpPr/>
+      <p:sp>
+        <p:nvSpPr>
+          <p:cNvPr id="2" name="标题 1"/>
+          <p:cNvSpPr>
+            <a:spLocks noGrp="1"/>
+          </p:cNvSpPr>
+          <p:nvPr>
+            <p:ph type="title"/>
+          </p:nvPr>
+        </p:nvSpPr>
+        <p:spPr/>
+        <p:txBody>
+          <a:bodyPr>
+            <a:normAutofit/>
+          </a:bodyPr>
+          <a:p>
+            <a:r>
+              <a:rPr lang="en-US" altLang="zh-CN">
+                <a:sym typeface="+mn-ea"/>
+              </a:rPr>
+              <a:t>Spring</a:t>
+            </a:r>
+            <a:r>
+              <a:rPr lang="zh-CN" altLang="en-US">
+                <a:sym typeface="+mn-ea"/>
+              </a:rPr>
+              <a:t>事务机制</a:t>
+            </a:r>
+            <a:r>
+              <a:rPr lang="en-US" altLang="zh-CN">
+                <a:sym typeface="+mn-ea"/>
+              </a:rPr>
+              <a:t>-</a:t>
+            </a:r>
+            <a:r>
+              <a:rPr lang="zh-CN" altLang="en-US">
+                <a:sym typeface="+mn-ea"/>
+              </a:rPr>
+              <a:t>外部（全局）事务</a:t>
+            </a:r>
+            <a:r>
+              <a:rPr lang="en-US" altLang="zh-CN">
+                <a:sym typeface="+mn-ea"/>
+              </a:rPr>
+              <a:t>-JTA</a:t>
+            </a:r>
+            <a:endParaRPr lang="en-US" altLang="zh-CN">
+              <a:sym typeface="+mn-ea"/>
+            </a:endParaRPr>
+          </a:p>
+        </p:txBody>
+      </p:sp>
+      <p:sp>
+        <p:nvSpPr>
+          <p:cNvPr id="3" name="内容占位符 2"/>
+          <p:cNvSpPr>
+            <a:spLocks noGrp="1"/>
+          </p:cNvSpPr>
+          <p:nvPr>
+            <p:ph idx="1"/>
+          </p:nvPr>
+        </p:nvSpPr>
+        <p:spPr>
+          <a:xfrm>
+            <a:off x="875665" y="2749550"/>
+            <a:ext cx="10440035" cy="2756535"/>
+          </a:xfrm>
+        </p:spPr>
+        <p:txBody>
+          <a:bodyPr/>
+          <a:p>
+            <a:r>
+              <a:rPr lang="zh-CN" altLang="en-US"/>
+              <a:t>外部事务管理器提供</a:t>
+            </a:r>
+            <a:r>
+              <a:rPr lang="en-US" altLang="zh-CN"/>
+              <a:t>JTA</a:t>
+            </a:r>
+            <a:r>
+              <a:rPr lang="zh-CN" altLang="en-US"/>
+              <a:t>事务管理</a:t>
+            </a:r>
+            <a:endParaRPr lang="zh-CN" altLang="en-US"/>
+          </a:p>
+          <a:p>
+            <a:endParaRPr lang="zh-CN" altLang="en-US"/>
+          </a:p>
+          <a:p>
+            <a:r>
+              <a:rPr lang="en-US" altLang="zh-CN"/>
+              <a:t>JTA</a:t>
+            </a:r>
+            <a:r>
+              <a:rPr lang="zh-CN" altLang="en-US"/>
+              <a:t>事务管理器可以管理多个数据资源</a:t>
+            </a:r>
+            <a:endParaRPr lang="zh-CN" altLang="en-US"/>
+          </a:p>
+          <a:p>
+            <a:endParaRPr lang="zh-CN" altLang="en-US"/>
+          </a:p>
+          <a:p>
+            <a:r>
+              <a:rPr lang="zh-CN" altLang="en-US"/>
+              <a:t>通过</a:t>
+            </a:r>
+            <a:r>
+              <a:rPr lang="en-US" altLang="zh-CN"/>
+              <a:t>2</a:t>
+            </a:r>
+            <a:r>
+              <a:rPr lang="zh-CN" altLang="en-US"/>
+              <a:t>阶段提交实现多数据源的事务</a:t>
+            </a:r>
+            <a:endParaRPr lang="zh-CN" altLang="en-US"/>
+          </a:p>
+        </p:txBody>
+      </p:sp>
+    </p:spTree>
+    <p:custDataLst>
+      <p:tags r:id="rId1"/>
+    </p:custDataLst>
+  </p:cSld>
+  <p:clrMapOvr>
+    <a:masterClrMapping/>
+  </p:clrMapOvr>
+</p:sld>
+</file>
+
+<file path=ppt/slides/slide12.xml><?xml version="1.0" encoding="utf-8"?>
+<p:sld xmlns:a="http://schemas.openxmlformats.org/drawingml/2006/main" xmlns:r="http://schemas.openxmlformats.org/officeDocument/2006/relationships" xmlns:p="http://schemas.openxmlformats.org/presentationml/2006/main">
+  <p:cSld>
+    <p:spTree>
+      <p:nvGrpSpPr>
+        <p:cNvPr id="1" name=""/>
+        <p:cNvGrpSpPr/>
+        <p:nvPr/>
+      </p:nvGrpSpPr>
+      <p:grpSpPr/>
+      <p:sp>
+        <p:nvSpPr>
+          <p:cNvPr id="2" name="标题 1"/>
+          <p:cNvSpPr>
+            <a:spLocks noGrp="1"/>
+          </p:cNvSpPr>
+          <p:nvPr>
+            <p:ph type="title"/>
+          </p:nvPr>
+        </p:nvSpPr>
+        <p:spPr/>
+        <p:txBody>
+          <a:bodyPr>
+            <a:normAutofit/>
+          </a:bodyPr>
+          <a:p>
+            <a:r>
+              <a:rPr lang="en-US" altLang="zh-CN">
+                <a:sym typeface="+mn-ea"/>
+              </a:rPr>
+              <a:t>Spring</a:t>
+            </a:r>
+            <a:r>
+              <a:rPr lang="zh-CN" altLang="en-US">
+                <a:sym typeface="+mn-ea"/>
+              </a:rPr>
+              <a:t>事务机制</a:t>
+            </a:r>
+            <a:r>
+              <a:rPr lang="en-US" altLang="zh-CN">
+                <a:sym typeface="+mn-ea"/>
+              </a:rPr>
+              <a:t>-</a:t>
+            </a:r>
+            <a:r>
+              <a:rPr lang="zh-CN" altLang="en-US">
+                <a:sym typeface="+mn-ea"/>
+              </a:rPr>
+              <a:t>外部（全局）事务</a:t>
+            </a:r>
+            <a:endParaRPr lang="zh-CN" altLang="en-US"/>
+          </a:p>
+        </p:txBody>
+      </p:sp>
+      <p:pic>
+        <p:nvPicPr>
+          <p:cNvPr id="4" name="内容占位符 3"/>
+          <p:cNvPicPr>
+            <a:picLocks noChangeAspect="1"/>
+          </p:cNvPicPr>
+          <p:nvPr>
+            <p:ph idx="1"/>
+          </p:nvPr>
+        </p:nvPicPr>
+        <p:blipFill>
+          <a:blip r:embed="rId1"/>
+          <a:stretch>
+            <a:fillRect/>
+          </a:stretch>
+        </p:blipFill>
+        <p:spPr>
+          <a:xfrm>
+            <a:off x="953770" y="1852295"/>
+            <a:ext cx="10284460" cy="4319905"/>
+          </a:xfrm>
+          <a:prstGeom prst="rect">
+            <a:avLst/>
+          </a:prstGeom>
+        </p:spPr>
+      </p:pic>
+    </p:spTree>
+    <p:custDataLst>
+      <p:tags r:id="rId2"/>
+    </p:custDataLst>
+  </p:cSld>
+  <p:clrMapOvr>
+    <a:masterClrMapping/>
+  </p:clrMapOvr>
+</p:sld>
+</file>
+
+<file path=ppt/slides/slide13.xml><?xml version="1.0" encoding="utf-8"?>
+<p:sld xmlns:a="http://schemas.openxmlformats.org/drawingml/2006/main" xmlns:r="http://schemas.openxmlformats.org/officeDocument/2006/relationships" xmlns:p="http://schemas.openxmlformats.org/presentationml/2006/main">
+  <p:cSld>
+    <p:spTree>
+      <p:nvGrpSpPr>
+        <p:cNvPr id="1" name=""/>
+        <p:cNvGrpSpPr/>
+        <p:nvPr/>
+      </p:nvGrpSpPr>
+      <p:grpSpPr/>
+      <p:sp>
+        <p:nvSpPr>
+          <p:cNvPr id="2" name="标题 1"/>
+          <p:cNvSpPr>
+            <a:spLocks noGrp="1"/>
+          </p:cNvSpPr>
+          <p:nvPr>
+            <p:ph type="title"/>
+          </p:nvPr>
+        </p:nvSpPr>
+        <p:spPr/>
+        <p:txBody>
+          <a:bodyPr>
+            <a:normAutofit/>
+          </a:bodyPr>
+          <a:p>
+            <a:r>
+              <a:rPr lang="en-US" altLang="zh-CN">
+                <a:sym typeface="+mn-ea"/>
+              </a:rPr>
+              <a:t>Spring</a:t>
+            </a:r>
+            <a:r>
+              <a:rPr lang="zh-CN" altLang="en-US">
+                <a:sym typeface="+mn-ea"/>
+              </a:rPr>
+              <a:t>事务机制</a:t>
+            </a:r>
+            <a:r>
+              <a:rPr lang="en-US" altLang="zh-CN">
+                <a:sym typeface="+mn-ea"/>
+              </a:rPr>
+              <a:t>-</a:t>
+            </a:r>
+            <a:r>
+              <a:rPr lang="zh-CN" altLang="en-US">
+                <a:sym typeface="+mn-ea"/>
+              </a:rPr>
+              <a:t>外部（全局）事务</a:t>
+            </a:r>
+            <a:endParaRPr lang="zh-CN" altLang="en-US"/>
+          </a:p>
+        </p:txBody>
+      </p:sp>
+      <p:pic>
+        <p:nvPicPr>
+          <p:cNvPr id="4" name="内容占位符 3"/>
+          <p:cNvPicPr>
+            <a:picLocks noChangeAspect="1"/>
+          </p:cNvPicPr>
+          <p:nvPr>
+            <p:ph idx="1"/>
+          </p:nvPr>
+        </p:nvPicPr>
+        <p:blipFill>
+          <a:blip r:embed="rId1"/>
+          <a:stretch>
+            <a:fillRect/>
+          </a:stretch>
+        </p:blipFill>
+        <p:spPr>
+          <a:xfrm>
+            <a:off x="916940" y="1852295"/>
+            <a:ext cx="10357485" cy="4319905"/>
+          </a:xfrm>
+          <a:prstGeom prst="rect">
+            <a:avLst/>
+          </a:prstGeom>
+        </p:spPr>
+      </p:pic>
+    </p:spTree>
+    <p:custDataLst>
+      <p:tags r:id="rId2"/>
+    </p:custDataLst>
+  </p:cSld>
+  <p:clrMapOvr>
+    <a:masterClrMapping/>
+  </p:clrMapOvr>
+</p:sld>
+</file>
+
+<file path=ppt/slides/slide14.xml><?xml version="1.0" encoding="utf-8"?>
+<p:sld xmlns:a="http://schemas.openxmlformats.org/drawingml/2006/main" xmlns:r="http://schemas.openxmlformats.org/officeDocument/2006/relationships" xmlns:p="http://schemas.openxmlformats.org/presentationml/2006/main">
+  <p:cSld>
+    <p:spTree>
+      <p:nvGrpSpPr>
+        <p:cNvPr id="1" name=""/>
+        <p:cNvGrpSpPr/>
+        <p:nvPr/>
+      </p:nvGrpSpPr>
+      <p:grpSpPr/>
+      <p:sp>
+        <p:nvSpPr>
+          <p:cNvPr id="2" name="标题 1"/>
+          <p:cNvSpPr>
+            <a:spLocks noGrp="1"/>
+          </p:cNvSpPr>
+          <p:nvPr>
+            <p:ph type="title"/>
+          </p:nvPr>
+        </p:nvSpPr>
+        <p:spPr/>
+        <p:txBody>
+          <a:bodyPr/>
+          <a:p>
+            <a:r>
+              <a:rPr lang="en-US" altLang="zh-CN">
+                <a:solidFill>
+                  <a:srgbClr val="FF0000"/>
+                </a:solidFill>
+              </a:rPr>
+              <a:t>Spring</a:t>
+            </a:r>
+            <a:r>
+              <a:rPr lang="zh-CN" altLang="en-US">
+                <a:solidFill>
+                  <a:srgbClr val="FF0000"/>
+                </a:solidFill>
+              </a:rPr>
+              <a:t>事务机制</a:t>
+            </a:r>
+            <a:r>
+              <a:rPr lang="en-US" altLang="zh-CN">
+                <a:solidFill>
+                  <a:srgbClr val="FF0000"/>
+                </a:solidFill>
+              </a:rPr>
+              <a:t>-JTA</a:t>
+            </a:r>
+            <a:r>
+              <a:rPr lang="zh-CN" altLang="en-US">
+                <a:solidFill>
+                  <a:srgbClr val="FF0000"/>
+                </a:solidFill>
+              </a:rPr>
+              <a:t>事务管理</a:t>
+            </a:r>
+            <a:endParaRPr lang="zh-CN" altLang="en-US">
+              <a:noFill/>
+            </a:endParaRPr>
+          </a:p>
+        </p:txBody>
+      </p:sp>
+      <p:sp>
+        <p:nvSpPr>
+          <p:cNvPr id="165" name=" 165"/>
+          <p:cNvSpPr/>
+          <p:nvPr/>
+        </p:nvSpPr>
+        <p:spPr>
+          <a:xfrm>
+            <a:off x="1678940" y="2583815"/>
+            <a:ext cx="3388360" cy="2258695"/>
+          </a:xfrm>
+          <a:prstGeom prst="rect">
+            <a:avLst/>
+          </a:prstGeom>
+          <a:solidFill>
+            <a:srgbClr val="C40D3D"/>
+          </a:solidFill>
+          <a:ln>
+            <a:noFill/>
+          </a:ln>
+        </p:spPr>
+        <p:style>
+          <a:lnRef idx="2">
+            <a:schemeClr val="accent1">
+              <a:shade val="50000"/>
+            </a:schemeClr>
+          </a:lnRef>
+          <a:fillRef idx="1">
+            <a:schemeClr val="accent1"/>
+          </a:fillRef>
+          <a:effectRef idx="0">
+            <a:schemeClr val="accent1"/>
+          </a:effectRef>
+          <a:fontRef idx="minor">
+            <a:schemeClr val="lt1"/>
+          </a:fontRef>
+        </p:style>
+        <p:txBody>
+          <a:bodyPr anchor="ctr">
+            <a:scene3d>
+              <a:camera prst="orthographicFront"/>
+              <a:lightRig rig="threePt" dir="t"/>
+            </a:scene3d>
+            <a:sp3d>
+              <a:contourClr>
+                <a:srgbClr val="FFFFFF"/>
+              </a:contourClr>
+            </a:sp3d>
+          </a:bodyPr>
+          <a:lstStyle>
+            <a:defPPr>
+              <a:defRPr lang="zh-CN"/>
+            </a:defPPr>
+            <a:lvl1pPr algn="l" rtl="0" eaLnBrk="0" fontAlgn="base" hangingPunct="0">
+              <a:spcBef>
+                <a:spcPct val="0"/>
+              </a:spcBef>
+              <a:spcAft>
+                <a:spcPct val="0"/>
+              </a:spcAft>
+              <a:defRPr kern="1200">
+                <a:solidFill>
+                  <a:schemeClr val="lt1"/>
+                </a:solidFill>
+                <a:latin typeface="+mn-lt"/>
+                <a:ea typeface="+mn-ea"/>
+                <a:cs typeface="+mn-cs"/>
+              </a:defRPr>
+            </a:lvl1pPr>
+            <a:lvl2pPr marL="457200" algn="l" rtl="0" eaLnBrk="0" fontAlgn="base" hangingPunct="0">
+              <a:spcBef>
+                <a:spcPct val="0"/>
+              </a:spcBef>
+              <a:spcAft>
+                <a:spcPct val="0"/>
+              </a:spcAft>
+              <a:defRPr kern="1200">
+                <a:solidFill>
+                  <a:schemeClr val="lt1"/>
+                </a:solidFill>
+                <a:latin typeface="+mn-lt"/>
+                <a:ea typeface="+mn-ea"/>
+                <a:cs typeface="+mn-cs"/>
+              </a:defRPr>
+            </a:lvl2pPr>
+            <a:lvl3pPr marL="914400" algn="l" rtl="0" eaLnBrk="0" fontAlgn="base" hangingPunct="0">
+              <a:spcBef>
+                <a:spcPct val="0"/>
+              </a:spcBef>
+              <a:spcAft>
+                <a:spcPct val="0"/>
+              </a:spcAft>
+              <a:defRPr kern="1200">
+                <a:solidFill>
+                  <a:schemeClr val="lt1"/>
+                </a:solidFill>
+                <a:latin typeface="+mn-lt"/>
+                <a:ea typeface="+mn-ea"/>
+                <a:cs typeface="+mn-cs"/>
+              </a:defRPr>
+            </a:lvl3pPr>
+            <a:lvl4pPr marL="1371600" algn="l" rtl="0" eaLnBrk="0" fontAlgn="base" hangingPunct="0">
+              <a:spcBef>
+                <a:spcPct val="0"/>
+              </a:spcBef>
+              <a:spcAft>
+                <a:spcPct val="0"/>
+              </a:spcAft>
+              <a:defRPr kern="1200">
+                <a:solidFill>
+                  <a:schemeClr val="lt1"/>
+                </a:solidFill>
+                <a:latin typeface="+mn-lt"/>
+                <a:ea typeface="+mn-ea"/>
+                <a:cs typeface="+mn-cs"/>
+              </a:defRPr>
+            </a:lvl4pPr>
+            <a:lvl5pPr marL="1828800" algn="l" rtl="0" eaLnBrk="0" fontAlgn="base" hangingPunct="0">
+              <a:spcBef>
+                <a:spcPct val="0"/>
+              </a:spcBef>
+              <a:spcAft>
+                <a:spcPct val="0"/>
+              </a:spcAft>
+              <a:defRPr kern="1200">
+                <a:solidFill>
+                  <a:schemeClr val="lt1"/>
+                </a:solidFill>
+                <a:latin typeface="+mn-lt"/>
+                <a:ea typeface="+mn-ea"/>
+                <a:cs typeface="+mn-cs"/>
+              </a:defRPr>
+            </a:lvl5pPr>
+            <a:lvl6pPr marL="2286000" algn="l" defTabSz="914400" rtl="0" eaLnBrk="1" latinLnBrk="0" hangingPunct="1">
+              <a:defRPr kern="1200">
+                <a:solidFill>
+                  <a:schemeClr val="lt1"/>
+                </a:solidFill>
+                <a:latin typeface="+mn-lt"/>
+                <a:ea typeface="+mn-ea"/>
+                <a:cs typeface="+mn-cs"/>
+              </a:defRPr>
+            </a:lvl6pPr>
+            <a:lvl7pPr marL="2743200" algn="l" defTabSz="914400" rtl="0" eaLnBrk="1" latinLnBrk="0" hangingPunct="1">
+              <a:defRPr kern="1200">
+                <a:solidFill>
+                  <a:schemeClr val="lt1"/>
+                </a:solidFill>
+                <a:latin typeface="+mn-lt"/>
+                <a:ea typeface="+mn-ea"/>
+                <a:cs typeface="+mn-cs"/>
+              </a:defRPr>
+            </a:lvl7pPr>
+            <a:lvl8pPr marL="3200400" algn="l" defTabSz="914400" rtl="0" eaLnBrk="1" latinLnBrk="0" hangingPunct="1">
+              <a:defRPr kern="1200">
+                <a:solidFill>
+                  <a:schemeClr val="lt1"/>
+                </a:solidFill>
+                <a:latin typeface="+mn-lt"/>
+                <a:ea typeface="+mn-ea"/>
+                <a:cs typeface="+mn-cs"/>
+              </a:defRPr>
+            </a:lvl8pPr>
+            <a:lvl9pPr marL="3657600" algn="l" defTabSz="914400" rtl="0" eaLnBrk="1" latinLnBrk="0" hangingPunct="1">
+              <a:defRPr kern="1200">
+                <a:solidFill>
+                  <a:schemeClr val="lt1"/>
+                </a:solidFill>
+                <a:latin typeface="+mn-lt"/>
+                <a:ea typeface="+mn-ea"/>
+                <a:cs typeface="+mn-cs"/>
+              </a:defRPr>
+            </a:lvl9pPr>
+          </a:lstStyle>
+          <a:p>
+            <a:pPr algn="ctr" eaLnBrk="1" fontAlgn="auto" hangingPunct="1">
+              <a:spcBef>
+                <a:spcPts val="0"/>
+              </a:spcBef>
+              <a:spcAft>
+                <a:spcPts val="0"/>
+              </a:spcAft>
+              <a:defRPr/>
+            </a:pPr>
+            <a:r>
+              <a:rPr lang="zh-CN" altLang="en-US" sz="5400">
+                <a:solidFill>
+                  <a:srgbClr val="FFFFFF"/>
+                </a:solidFill>
+              </a:rPr>
+              <a:t>服务</a:t>
+            </a:r>
+            <a:endParaRPr lang="zh-CN" altLang="en-US" sz="5400">
+              <a:solidFill>
+                <a:srgbClr val="FFFFFF"/>
+              </a:solidFill>
+            </a:endParaRPr>
+          </a:p>
+        </p:txBody>
+      </p:sp>
+      <p:sp>
+        <p:nvSpPr>
+          <p:cNvPr id="5" name=" 165"/>
+          <p:cNvSpPr/>
+          <p:nvPr/>
+        </p:nvSpPr>
+        <p:spPr>
+          <a:xfrm>
+            <a:off x="6130290" y="2583815"/>
+            <a:ext cx="1448435" cy="773430"/>
+          </a:xfrm>
+          <a:prstGeom prst="rect">
+            <a:avLst/>
+          </a:prstGeom>
+          <a:solidFill>
+            <a:srgbClr val="C40D3D"/>
+          </a:solidFill>
+          <a:ln>
+            <a:noFill/>
+          </a:ln>
+        </p:spPr>
+        <p:style>
+          <a:lnRef idx="2">
+            <a:schemeClr val="accent1">
+              <a:shade val="50000"/>
+            </a:schemeClr>
+          </a:lnRef>
+          <a:fillRef idx="1">
+            <a:schemeClr val="accent1"/>
+          </a:fillRef>
+          <a:effectRef idx="0">
+            <a:schemeClr val="accent1"/>
+          </a:effectRef>
+          <a:fontRef idx="minor">
+            <a:schemeClr val="lt1"/>
+          </a:fontRef>
+        </p:style>
+        <p:txBody>
+          <a:bodyPr anchor="ctr">
+            <a:scene3d>
+              <a:camera prst="orthographicFront"/>
+              <a:lightRig rig="threePt" dir="t"/>
+            </a:scene3d>
+            <a:sp3d>
+              <a:contourClr>
+                <a:srgbClr val="FFFFFF"/>
+              </a:contourClr>
+            </a:sp3d>
+          </a:bodyPr>
+          <a:lstStyle>
+            <a:defPPr>
+              <a:defRPr lang="zh-CN"/>
+            </a:defPPr>
+            <a:lvl1pPr algn="l" rtl="0" eaLnBrk="0" fontAlgn="base" hangingPunct="0">
+              <a:spcBef>
+                <a:spcPct val="0"/>
+              </a:spcBef>
+              <a:spcAft>
+                <a:spcPct val="0"/>
+              </a:spcAft>
+              <a:defRPr kern="1200">
+                <a:solidFill>
+                  <a:schemeClr val="lt1"/>
+                </a:solidFill>
+                <a:latin typeface="+mn-lt"/>
+                <a:ea typeface="+mn-ea"/>
+                <a:cs typeface="+mn-cs"/>
+              </a:defRPr>
+            </a:lvl1pPr>
+            <a:lvl2pPr marL="457200" algn="l" rtl="0" eaLnBrk="0" fontAlgn="base" hangingPunct="0">
+              <a:spcBef>
+                <a:spcPct val="0"/>
+              </a:spcBef>
+              <a:spcAft>
+                <a:spcPct val="0"/>
+              </a:spcAft>
+              <a:defRPr kern="1200">
+                <a:solidFill>
+                  <a:schemeClr val="lt1"/>
+                </a:solidFill>
+                <a:latin typeface="+mn-lt"/>
+                <a:ea typeface="+mn-ea"/>
+                <a:cs typeface="+mn-cs"/>
+              </a:defRPr>
+            </a:lvl2pPr>
+            <a:lvl3pPr marL="914400" algn="l" rtl="0" eaLnBrk="0" fontAlgn="base" hangingPunct="0">
+              <a:spcBef>
+                <a:spcPct val="0"/>
+              </a:spcBef>
+              <a:spcAft>
+                <a:spcPct val="0"/>
+              </a:spcAft>
+              <a:defRPr kern="1200">
+                <a:solidFill>
+                  <a:schemeClr val="lt1"/>
+                </a:solidFill>
+                <a:latin typeface="+mn-lt"/>
+                <a:ea typeface="+mn-ea"/>
+                <a:cs typeface="+mn-cs"/>
+              </a:defRPr>
+            </a:lvl3pPr>
+            <a:lvl4pPr marL="1371600" algn="l" rtl="0" eaLnBrk="0" fontAlgn="base" hangingPunct="0">
+              <a:spcBef>
+                <a:spcPct val="0"/>
+              </a:spcBef>
+              <a:spcAft>
+                <a:spcPct val="0"/>
+              </a:spcAft>
+              <a:defRPr kern="1200">
+                <a:solidFill>
+                  <a:schemeClr val="lt1"/>
+                </a:solidFill>
+                <a:latin typeface="+mn-lt"/>
+                <a:ea typeface="+mn-ea"/>
+                <a:cs typeface="+mn-cs"/>
+              </a:defRPr>
+            </a:lvl4pPr>
+            <a:lvl5pPr marL="1828800" algn="l" rtl="0" eaLnBrk="0" fontAlgn="base" hangingPunct="0">
+              <a:spcBef>
+                <a:spcPct val="0"/>
+              </a:spcBef>
+              <a:spcAft>
+                <a:spcPct val="0"/>
+              </a:spcAft>
+              <a:defRPr kern="1200">
+                <a:solidFill>
+                  <a:schemeClr val="lt1"/>
+                </a:solidFill>
+                <a:latin typeface="+mn-lt"/>
+                <a:ea typeface="+mn-ea"/>
+                <a:cs typeface="+mn-cs"/>
+              </a:defRPr>
+            </a:lvl5pPr>
+            <a:lvl6pPr marL="2286000" algn="l" defTabSz="914400" rtl="0" eaLnBrk="1" latinLnBrk="0" hangingPunct="1">
+              <a:defRPr kern="1200">
+                <a:solidFill>
+                  <a:schemeClr val="lt1"/>
+                </a:solidFill>
+                <a:latin typeface="+mn-lt"/>
+                <a:ea typeface="+mn-ea"/>
+                <a:cs typeface="+mn-cs"/>
+              </a:defRPr>
+            </a:lvl6pPr>
+            <a:lvl7pPr marL="2743200" algn="l" defTabSz="914400" rtl="0" eaLnBrk="1" latinLnBrk="0" hangingPunct="1">
+              <a:defRPr kern="1200">
+                <a:solidFill>
+                  <a:schemeClr val="lt1"/>
+                </a:solidFill>
+                <a:latin typeface="+mn-lt"/>
+                <a:ea typeface="+mn-ea"/>
+                <a:cs typeface="+mn-cs"/>
+              </a:defRPr>
+            </a:lvl7pPr>
+            <a:lvl8pPr marL="3200400" algn="l" defTabSz="914400" rtl="0" eaLnBrk="1" latinLnBrk="0" hangingPunct="1">
+              <a:defRPr kern="1200">
+                <a:solidFill>
+                  <a:schemeClr val="lt1"/>
+                </a:solidFill>
+                <a:latin typeface="+mn-lt"/>
+                <a:ea typeface="+mn-ea"/>
+                <a:cs typeface="+mn-cs"/>
+              </a:defRPr>
+            </a:lvl8pPr>
+            <a:lvl9pPr marL="3657600" algn="l" defTabSz="914400" rtl="0" eaLnBrk="1" latinLnBrk="0" hangingPunct="1">
+              <a:defRPr kern="1200">
+                <a:solidFill>
+                  <a:schemeClr val="lt1"/>
+                </a:solidFill>
+                <a:latin typeface="+mn-lt"/>
+                <a:ea typeface="+mn-ea"/>
+                <a:cs typeface="+mn-cs"/>
+              </a:defRPr>
+            </a:lvl9pPr>
+          </a:lstStyle>
+          <a:p>
+            <a:pPr algn="ctr" eaLnBrk="1" fontAlgn="auto" hangingPunct="1">
+              <a:spcBef>
+                <a:spcPts val="0"/>
+              </a:spcBef>
+              <a:spcAft>
+                <a:spcPts val="0"/>
+              </a:spcAft>
+              <a:defRPr/>
+            </a:pPr>
+            <a:r>
+              <a:rPr lang="en-US" altLang="zh-CN" sz="2800">
+                <a:solidFill>
+                  <a:srgbClr val="FFFFFF"/>
+                </a:solidFill>
+              </a:rPr>
+              <a:t>DB</a:t>
+            </a:r>
+            <a:endParaRPr lang="en-US" altLang="zh-CN" sz="2800">
+              <a:solidFill>
+                <a:srgbClr val="FFFFFF"/>
+              </a:solidFill>
+            </a:endParaRPr>
+          </a:p>
+        </p:txBody>
+      </p:sp>
+      <p:sp>
+        <p:nvSpPr>
+          <p:cNvPr id="7" name=" 165"/>
+          <p:cNvSpPr/>
+          <p:nvPr/>
+        </p:nvSpPr>
+        <p:spPr>
+          <a:xfrm>
+            <a:off x="6130290" y="3869055"/>
+            <a:ext cx="1448435" cy="773430"/>
+          </a:xfrm>
+          <a:prstGeom prst="rect">
+            <a:avLst/>
+          </a:prstGeom>
+          <a:solidFill>
+            <a:srgbClr val="C40D3D"/>
+          </a:solidFill>
+          <a:ln>
+            <a:noFill/>
+          </a:ln>
+        </p:spPr>
+        <p:style>
+          <a:lnRef idx="2">
+            <a:schemeClr val="accent1">
+              <a:shade val="50000"/>
+            </a:schemeClr>
+          </a:lnRef>
+          <a:fillRef idx="1">
+            <a:schemeClr val="accent1"/>
+          </a:fillRef>
+          <a:effectRef idx="0">
+            <a:schemeClr val="accent1"/>
+          </a:effectRef>
+          <a:fontRef idx="minor">
+            <a:schemeClr val="lt1"/>
+          </a:fontRef>
+        </p:style>
+        <p:txBody>
+          <a:bodyPr anchor="ctr">
+            <a:scene3d>
+              <a:camera prst="orthographicFront"/>
+              <a:lightRig rig="threePt" dir="t"/>
+            </a:scene3d>
+            <a:sp3d>
+              <a:contourClr>
+                <a:srgbClr val="FFFFFF"/>
+              </a:contourClr>
+            </a:sp3d>
+          </a:bodyPr>
+          <a:lstStyle>
+            <a:defPPr>
+              <a:defRPr lang="zh-CN"/>
+            </a:defPPr>
+            <a:lvl1pPr algn="l" rtl="0" eaLnBrk="0" fontAlgn="base" hangingPunct="0">
+              <a:spcBef>
+                <a:spcPct val="0"/>
+              </a:spcBef>
+              <a:spcAft>
+                <a:spcPct val="0"/>
+              </a:spcAft>
+              <a:defRPr kern="1200">
+                <a:solidFill>
+                  <a:schemeClr val="lt1"/>
+                </a:solidFill>
+                <a:latin typeface="+mn-lt"/>
+                <a:ea typeface="+mn-ea"/>
+                <a:cs typeface="+mn-cs"/>
+              </a:defRPr>
+            </a:lvl1pPr>
+            <a:lvl2pPr marL="457200" algn="l" rtl="0" eaLnBrk="0" fontAlgn="base" hangingPunct="0">
+              <a:spcBef>
+                <a:spcPct val="0"/>
+              </a:spcBef>
+              <a:spcAft>
+                <a:spcPct val="0"/>
+              </a:spcAft>
+              <a:defRPr kern="1200">
+                <a:solidFill>
+                  <a:schemeClr val="lt1"/>
+                </a:solidFill>
+                <a:latin typeface="+mn-lt"/>
+                <a:ea typeface="+mn-ea"/>
+                <a:cs typeface="+mn-cs"/>
+              </a:defRPr>
+            </a:lvl2pPr>
+            <a:lvl3pPr marL="914400" algn="l" rtl="0" eaLnBrk="0" fontAlgn="base" hangingPunct="0">
+              <a:spcBef>
+                <a:spcPct val="0"/>
+              </a:spcBef>
+              <a:spcAft>
+                <a:spcPct val="0"/>
+              </a:spcAft>
+              <a:defRPr kern="1200">
+                <a:solidFill>
+                  <a:schemeClr val="lt1"/>
+                </a:solidFill>
+                <a:latin typeface="+mn-lt"/>
+                <a:ea typeface="+mn-ea"/>
+                <a:cs typeface="+mn-cs"/>
+              </a:defRPr>
+            </a:lvl3pPr>
+            <a:lvl4pPr marL="1371600" algn="l" rtl="0" eaLnBrk="0" fontAlgn="base" hangingPunct="0">
+              <a:spcBef>
+                <a:spcPct val="0"/>
+              </a:spcBef>
+              <a:spcAft>
+                <a:spcPct val="0"/>
+              </a:spcAft>
+              <a:defRPr kern="1200">
+                <a:solidFill>
+                  <a:schemeClr val="lt1"/>
+                </a:solidFill>
+                <a:latin typeface="+mn-lt"/>
+                <a:ea typeface="+mn-ea"/>
+                <a:cs typeface="+mn-cs"/>
+              </a:defRPr>
+            </a:lvl4pPr>
+            <a:lvl5pPr marL="1828800" algn="l" rtl="0" eaLnBrk="0" fontAlgn="base" hangingPunct="0">
+              <a:spcBef>
+                <a:spcPct val="0"/>
+              </a:spcBef>
+              <a:spcAft>
+                <a:spcPct val="0"/>
+              </a:spcAft>
+              <a:defRPr kern="1200">
+                <a:solidFill>
+                  <a:schemeClr val="lt1"/>
+                </a:solidFill>
+                <a:latin typeface="+mn-lt"/>
+                <a:ea typeface="+mn-ea"/>
+                <a:cs typeface="+mn-cs"/>
+              </a:defRPr>
+            </a:lvl5pPr>
+            <a:lvl6pPr marL="2286000" algn="l" defTabSz="914400" rtl="0" eaLnBrk="1" latinLnBrk="0" hangingPunct="1">
+              <a:defRPr kern="1200">
+                <a:solidFill>
+                  <a:schemeClr val="lt1"/>
+                </a:solidFill>
+                <a:latin typeface="+mn-lt"/>
+                <a:ea typeface="+mn-ea"/>
+                <a:cs typeface="+mn-cs"/>
+              </a:defRPr>
+            </a:lvl6pPr>
+            <a:lvl7pPr marL="2743200" algn="l" defTabSz="914400" rtl="0" eaLnBrk="1" latinLnBrk="0" hangingPunct="1">
+              <a:defRPr kern="1200">
+                <a:solidFill>
+                  <a:schemeClr val="lt1"/>
+                </a:solidFill>
+                <a:latin typeface="+mn-lt"/>
+                <a:ea typeface="+mn-ea"/>
+                <a:cs typeface="+mn-cs"/>
+              </a:defRPr>
+            </a:lvl7pPr>
+            <a:lvl8pPr marL="3200400" algn="l" defTabSz="914400" rtl="0" eaLnBrk="1" latinLnBrk="0" hangingPunct="1">
+              <a:defRPr kern="1200">
+                <a:solidFill>
+                  <a:schemeClr val="lt1"/>
+                </a:solidFill>
+                <a:latin typeface="+mn-lt"/>
+                <a:ea typeface="+mn-ea"/>
+                <a:cs typeface="+mn-cs"/>
+              </a:defRPr>
+            </a:lvl8pPr>
+            <a:lvl9pPr marL="3657600" algn="l" defTabSz="914400" rtl="0" eaLnBrk="1" latinLnBrk="0" hangingPunct="1">
+              <a:defRPr kern="1200">
+                <a:solidFill>
+                  <a:schemeClr val="lt1"/>
+                </a:solidFill>
+                <a:latin typeface="+mn-lt"/>
+                <a:ea typeface="+mn-ea"/>
+                <a:cs typeface="+mn-cs"/>
+              </a:defRPr>
+            </a:lvl9pPr>
+          </a:lstStyle>
+          <a:p>
+            <a:pPr algn="ctr" eaLnBrk="1" fontAlgn="auto" hangingPunct="1">
+              <a:spcBef>
+                <a:spcPts val="0"/>
+              </a:spcBef>
+              <a:spcAft>
+                <a:spcPts val="0"/>
+              </a:spcAft>
+              <a:defRPr/>
+            </a:pPr>
+            <a:r>
+              <a:rPr lang="en-US" altLang="zh-CN" sz="2800">
+                <a:solidFill>
+                  <a:srgbClr val="FFFFFF"/>
+                </a:solidFill>
+              </a:rPr>
+              <a:t>MQ</a:t>
+            </a:r>
+            <a:endParaRPr lang="en-US" altLang="zh-CN" sz="2800">
+              <a:solidFill>
+                <a:srgbClr val="FFFFFF"/>
+              </a:solidFill>
+            </a:endParaRPr>
+          </a:p>
+        </p:txBody>
+      </p:sp>
+      <p:sp>
+        <p:nvSpPr>
+          <p:cNvPr id="141" name=" 141"/>
+          <p:cNvSpPr/>
+          <p:nvPr/>
+        </p:nvSpPr>
+        <p:spPr>
+          <a:xfrm>
+            <a:off x="5067300" y="2950210"/>
+            <a:ext cx="1032510" cy="75565"/>
+          </a:xfrm>
+          <a:custGeom>
+            <a:avLst/>
+            <a:gdLst>
+              <a:gd name="connsiteX0" fmla="*/ 4710315 w 7544313"/>
+              <a:gd name="connsiteY0" fmla="*/ 0 h 5784389"/>
+              <a:gd name="connsiteX1" fmla="*/ 5164538 w 7544313"/>
+              <a:gd name="connsiteY1" fmla="*/ 188144 h 5784389"/>
+              <a:gd name="connsiteX2" fmla="*/ 7343753 w 7544313"/>
+              <a:gd name="connsiteY2" fmla="*/ 2367358 h 5784389"/>
+              <a:gd name="connsiteX3" fmla="*/ 7428050 w 7544313"/>
+              <a:gd name="connsiteY3" fmla="*/ 2469120 h 5784389"/>
+              <a:gd name="connsiteX4" fmla="*/ 7438311 w 7544313"/>
+              <a:gd name="connsiteY4" fmla="*/ 2487626 h 5784389"/>
+              <a:gd name="connsiteX5" fmla="*/ 7479289 w 7544313"/>
+              <a:gd name="connsiteY5" fmla="*/ 2563973 h 5784389"/>
+              <a:gd name="connsiteX6" fmla="*/ 7544313 w 7544313"/>
+              <a:gd name="connsiteY6" fmla="*/ 2891210 h 5784389"/>
+              <a:gd name="connsiteX7" fmla="*/ 7479289 w 7544313"/>
+              <a:gd name="connsiteY7" fmla="*/ 3218447 h 5784389"/>
+              <a:gd name="connsiteX8" fmla="*/ 7454433 w 7544313"/>
+              <a:gd name="connsiteY8" fmla="*/ 3276193 h 5784389"/>
+              <a:gd name="connsiteX9" fmla="*/ 7421357 w 7544313"/>
+              <a:gd name="connsiteY9" fmla="*/ 3318247 h 5784389"/>
+              <a:gd name="connsiteX10" fmla="*/ 7325947 w 7544313"/>
+              <a:gd name="connsiteY10" fmla="*/ 3417030 h 5784389"/>
+              <a:gd name="connsiteX11" fmla="*/ 5146732 w 7544313"/>
+              <a:gd name="connsiteY11" fmla="*/ 5596244 h 5784389"/>
+              <a:gd name="connsiteX12" fmla="*/ 4238287 w 7544313"/>
+              <a:gd name="connsiteY12" fmla="*/ 5596244 h 5784389"/>
+              <a:gd name="connsiteX13" fmla="*/ 4238287 w 7544313"/>
+              <a:gd name="connsiteY13" fmla="*/ 4687801 h 5784389"/>
+              <a:gd name="connsiteX14" fmla="*/ 5378425 w 7544313"/>
+              <a:gd name="connsiteY14" fmla="*/ 3547663 h 5784389"/>
+              <a:gd name="connsiteX15" fmla="*/ 642367 w 7544313"/>
+              <a:gd name="connsiteY15" fmla="*/ 3547663 h 5784389"/>
+              <a:gd name="connsiteX16" fmla="*/ 0 w 7544313"/>
+              <a:gd name="connsiteY16" fmla="*/ 2905296 h 5784389"/>
+              <a:gd name="connsiteX17" fmla="*/ 642367 w 7544313"/>
+              <a:gd name="connsiteY17" fmla="*/ 2262930 h 5784389"/>
+              <a:gd name="connsiteX18" fmla="*/ 5422435 w 7544313"/>
+              <a:gd name="connsiteY18" fmla="*/ 2262930 h 5784389"/>
+              <a:gd name="connsiteX19" fmla="*/ 4256093 w 7544313"/>
+              <a:gd name="connsiteY19" fmla="*/ 1096587 h 5784389"/>
+              <a:gd name="connsiteX20" fmla="*/ 4256093 w 7544313"/>
+              <a:gd name="connsiteY20" fmla="*/ 188144 h 5784389"/>
+              <a:gd name="connsiteX21" fmla="*/ 4710315 w 7544313"/>
+              <a:gd name="connsiteY21" fmla="*/ 0 h 5784389"/>
+            </a:gdLst>
+            <a:ahLst/>
+            <a:cxnLst>
+              <a:cxn ang="0">
+                <a:pos x="connsiteX0" y="connsiteY0"/>
+              </a:cxn>
+              <a:cxn ang="0">
+                <a:pos x="connsiteX1" y="connsiteY1"/>
+              </a:cxn>
+              <a:cxn ang="0">
+                <a:pos x="connsiteX2" y="connsiteY2"/>
+              </a:cxn>
+              <a:cxn ang="0">
+                <a:pos x="connsiteX3" y="connsiteY3"/>
+              </a:cxn>
+              <a:cxn ang="0">
+                <a:pos x="connsiteX4" y="connsiteY4"/>
+              </a:cxn>
+              <a:cxn ang="0">
+                <a:pos x="connsiteX5" y="connsiteY5"/>
+              </a:cxn>
+              <a:cxn ang="0">
+                <a:pos x="connsiteX6" y="connsiteY6"/>
+              </a:cxn>
+              <a:cxn ang="0">
+                <a:pos x="connsiteX7" y="connsiteY7"/>
+              </a:cxn>
+              <a:cxn ang="0">
+                <a:pos x="connsiteX8" y="connsiteY8"/>
+              </a:cxn>
+              <a:cxn ang="0">
+                <a:pos x="connsiteX9" y="connsiteY9"/>
+              </a:cxn>
+              <a:cxn ang="0">
+                <a:pos x="connsiteX10" y="connsiteY10"/>
+              </a:cxn>
+              <a:cxn ang="0">
+                <a:pos x="connsiteX11" y="connsiteY11"/>
+              </a:cxn>
+              <a:cxn ang="0">
+                <a:pos x="connsiteX12" y="connsiteY12"/>
+              </a:cxn>
+              <a:cxn ang="0">
+                <a:pos x="connsiteX13" y="connsiteY13"/>
+              </a:cxn>
+              <a:cxn ang="0">
+                <a:pos x="connsiteX14" y="connsiteY14"/>
+              </a:cxn>
+              <a:cxn ang="0">
+                <a:pos x="connsiteX15" y="connsiteY15"/>
+              </a:cxn>
+              <a:cxn ang="0">
+                <a:pos x="connsiteX16" y="connsiteY16"/>
+              </a:cxn>
+              <a:cxn ang="0">
+                <a:pos x="connsiteX17" y="connsiteY17"/>
+              </a:cxn>
+              <a:cxn ang="0">
+                <a:pos x="connsiteX18" y="connsiteY18"/>
+              </a:cxn>
+              <a:cxn ang="0">
+                <a:pos x="connsiteX19" y="connsiteY19"/>
+              </a:cxn>
+              <a:cxn ang="0">
+                <a:pos x="connsiteX20" y="connsiteY20"/>
+              </a:cxn>
+              <a:cxn ang="0">
+                <a:pos x="connsiteX21" y="connsiteY21"/>
+              </a:cxn>
+            </a:cxnLst>
+            <a:rect l="l" t="t" r="r" b="b"/>
+            <a:pathLst>
+              <a:path w="7544313" h="5784389">
+                <a:moveTo>
+                  <a:pt x="4710315" y="0"/>
+                </a:moveTo>
+                <a:cubicBezTo>
+                  <a:pt x="4874713" y="0"/>
+                  <a:pt x="5039107" y="62713"/>
+                  <a:pt x="5164538" y="188144"/>
+                </a:cubicBezTo>
+                <a:lnTo>
+                  <a:pt x="7343753" y="2367358"/>
+                </a:lnTo>
+                <a:cubicBezTo>
+                  <a:pt x="7375110" y="2398716"/>
+                  <a:pt x="7403341" y="2432905"/>
+                  <a:pt x="7428050" y="2469120"/>
+                </a:cubicBezTo>
+                <a:lnTo>
+                  <a:pt x="7438311" y="2487626"/>
+                </a:lnTo>
+                <a:lnTo>
+                  <a:pt x="7479289" y="2563973"/>
+                </a:lnTo>
+                <a:cubicBezTo>
+                  <a:pt x="7520342" y="2657385"/>
+                  <a:pt x="7544313" y="2769994"/>
+                  <a:pt x="7544313" y="2891210"/>
+                </a:cubicBezTo>
+                <a:cubicBezTo>
+                  <a:pt x="7544313" y="3012426"/>
+                  <a:pt x="7520342" y="3125035"/>
+                  <a:pt x="7479289" y="3218447"/>
+                </a:cubicBezTo>
+                <a:lnTo>
+                  <a:pt x="7454433" y="3276193"/>
+                </a:lnTo>
+                <a:lnTo>
+                  <a:pt x="7421357" y="3318247"/>
+                </a:lnTo>
+                <a:cubicBezTo>
+                  <a:pt x="7391886" y="3351882"/>
+                  <a:pt x="7357304" y="3385674"/>
+                  <a:pt x="7325947" y="3417030"/>
+                </a:cubicBezTo>
+                <a:lnTo>
+                  <a:pt x="5146732" y="5596244"/>
+                </a:lnTo>
+                <a:cubicBezTo>
+                  <a:pt x="4895873" y="5847104"/>
+                  <a:pt x="4489147" y="5847104"/>
+                  <a:pt x="4238287" y="5596244"/>
+                </a:cubicBezTo>
+                <a:cubicBezTo>
+                  <a:pt x="3987430" y="5345384"/>
+                  <a:pt x="3987430" y="4938661"/>
+                  <a:pt x="4238287" y="4687801"/>
+                </a:cubicBezTo>
+                <a:lnTo>
+                  <a:pt x="5378425" y="3547663"/>
+                </a:lnTo>
+                <a:lnTo>
+                  <a:pt x="642367" y="3547663"/>
+                </a:lnTo>
+                <a:cubicBezTo>
+                  <a:pt x="287598" y="3547663"/>
+                  <a:pt x="0" y="3260065"/>
+                  <a:pt x="0" y="2905296"/>
+                </a:cubicBezTo>
+                <a:cubicBezTo>
+                  <a:pt x="0" y="2550527"/>
+                  <a:pt x="287598" y="2262930"/>
+                  <a:pt x="642367" y="2262930"/>
+                </a:cubicBezTo>
+                <a:lnTo>
+                  <a:pt x="5422435" y="2262930"/>
+                </a:lnTo>
+                <a:lnTo>
+                  <a:pt x="4256093" y="1096587"/>
+                </a:lnTo>
+                <a:cubicBezTo>
+                  <a:pt x="4005235" y="845727"/>
+                  <a:pt x="4005235" y="439004"/>
+                  <a:pt x="4256093" y="188144"/>
+                </a:cubicBezTo>
+                <a:cubicBezTo>
+                  <a:pt x="4381524" y="62713"/>
+                  <a:pt x="4545918" y="0"/>
+                  <a:pt x="4710315" y="0"/>
+                </a:cubicBezTo>
+                <a:close/>
+              </a:path>
+            </a:pathLst>
+          </a:custGeom>
+          <a:solidFill>
+            <a:srgbClr val="C00000"/>
+          </a:solidFill>
+          <a:ln>
+            <a:noFill/>
+          </a:ln>
+        </p:spPr>
+        <p:style>
+          <a:lnRef idx="2">
+            <a:schemeClr val="accent1">
+              <a:shade val="50000"/>
+            </a:schemeClr>
+          </a:lnRef>
+          <a:fillRef idx="1">
+            <a:schemeClr val="accent1"/>
+          </a:fillRef>
+          <a:effectRef idx="0">
+            <a:schemeClr val="accent1"/>
+          </a:effectRef>
+          <a:fontRef idx="minor">
+            <a:schemeClr val="lt1"/>
+          </a:fontRef>
+        </p:style>
+        <p:txBody>
+          <a:bodyPr anchor="ctr">
+            <a:scene3d>
+              <a:camera prst="orthographicFront"/>
+              <a:lightRig rig="threePt" dir="t"/>
+            </a:scene3d>
+            <a:sp3d>
+              <a:contourClr>
+                <a:srgbClr val="FFFFFF"/>
+              </a:contourClr>
+            </a:sp3d>
+          </a:bodyPr>
+          <a:lstStyle>
+            <a:defPPr>
+              <a:defRPr lang="zh-CN"/>
+            </a:defPPr>
+            <a:lvl1pPr algn="l" rtl="0" eaLnBrk="0" fontAlgn="base" hangingPunct="0">
+              <a:spcBef>
+                <a:spcPct val="0"/>
+              </a:spcBef>
+              <a:spcAft>
+                <a:spcPct val="0"/>
+              </a:spcAft>
+              <a:defRPr kern="1200">
+                <a:solidFill>
+                  <a:schemeClr val="lt1"/>
+                </a:solidFill>
+                <a:latin typeface="+mn-lt"/>
+                <a:ea typeface="+mn-ea"/>
+                <a:cs typeface="+mn-cs"/>
+              </a:defRPr>
+            </a:lvl1pPr>
+            <a:lvl2pPr marL="457200" algn="l" rtl="0" eaLnBrk="0" fontAlgn="base" hangingPunct="0">
+              <a:spcBef>
+                <a:spcPct val="0"/>
+              </a:spcBef>
+              <a:spcAft>
+                <a:spcPct val="0"/>
+              </a:spcAft>
+              <a:defRPr kern="1200">
+                <a:solidFill>
+                  <a:schemeClr val="lt1"/>
+                </a:solidFill>
+                <a:latin typeface="+mn-lt"/>
+                <a:ea typeface="+mn-ea"/>
+                <a:cs typeface="+mn-cs"/>
+              </a:defRPr>
+            </a:lvl2pPr>
+            <a:lvl3pPr marL="914400" algn="l" rtl="0" eaLnBrk="0" fontAlgn="base" hangingPunct="0">
+              <a:spcBef>
+                <a:spcPct val="0"/>
+              </a:spcBef>
+              <a:spcAft>
+                <a:spcPct val="0"/>
+              </a:spcAft>
+              <a:defRPr kern="1200">
+                <a:solidFill>
+                  <a:schemeClr val="lt1"/>
+                </a:solidFill>
+                <a:latin typeface="+mn-lt"/>
+                <a:ea typeface="+mn-ea"/>
+                <a:cs typeface="+mn-cs"/>
+              </a:defRPr>
+            </a:lvl3pPr>
+            <a:lvl4pPr marL="1371600" algn="l" rtl="0" eaLnBrk="0" fontAlgn="base" hangingPunct="0">
+              <a:spcBef>
+                <a:spcPct val="0"/>
+              </a:spcBef>
+              <a:spcAft>
+                <a:spcPct val="0"/>
+              </a:spcAft>
+              <a:defRPr kern="1200">
+                <a:solidFill>
+                  <a:schemeClr val="lt1"/>
+                </a:solidFill>
+                <a:latin typeface="+mn-lt"/>
+                <a:ea typeface="+mn-ea"/>
+                <a:cs typeface="+mn-cs"/>
+              </a:defRPr>
+            </a:lvl4pPr>
+            <a:lvl5pPr marL="1828800" algn="l" rtl="0" eaLnBrk="0" fontAlgn="base" hangingPunct="0">
+              <a:spcBef>
+                <a:spcPct val="0"/>
+              </a:spcBef>
+              <a:spcAft>
+                <a:spcPct val="0"/>
+              </a:spcAft>
+              <a:defRPr kern="1200">
+                <a:solidFill>
+                  <a:schemeClr val="lt1"/>
+                </a:solidFill>
+                <a:latin typeface="+mn-lt"/>
+                <a:ea typeface="+mn-ea"/>
+                <a:cs typeface="+mn-cs"/>
+              </a:defRPr>
+            </a:lvl5pPr>
+            <a:lvl6pPr marL="2286000" algn="l" defTabSz="914400" rtl="0" eaLnBrk="1" latinLnBrk="0" hangingPunct="1">
+              <a:defRPr kern="1200">
+                <a:solidFill>
+                  <a:schemeClr val="lt1"/>
+                </a:solidFill>
+                <a:latin typeface="+mn-lt"/>
+                <a:ea typeface="+mn-ea"/>
+                <a:cs typeface="+mn-cs"/>
+              </a:defRPr>
+            </a:lvl6pPr>
+            <a:lvl7pPr marL="2743200" algn="l" defTabSz="914400" rtl="0" eaLnBrk="1" latinLnBrk="0" hangingPunct="1">
+              <a:defRPr kern="1200">
+                <a:solidFill>
+                  <a:schemeClr val="lt1"/>
+                </a:solidFill>
+                <a:latin typeface="+mn-lt"/>
+                <a:ea typeface="+mn-ea"/>
+                <a:cs typeface="+mn-cs"/>
+              </a:defRPr>
+            </a:lvl7pPr>
+            <a:lvl8pPr marL="3200400" algn="l" defTabSz="914400" rtl="0" eaLnBrk="1" latinLnBrk="0" hangingPunct="1">
+              <a:defRPr kern="1200">
+                <a:solidFill>
+                  <a:schemeClr val="lt1"/>
+                </a:solidFill>
+                <a:latin typeface="+mn-lt"/>
+                <a:ea typeface="+mn-ea"/>
+                <a:cs typeface="+mn-cs"/>
+              </a:defRPr>
+            </a:lvl8pPr>
+            <a:lvl9pPr marL="3657600" algn="l" defTabSz="914400" rtl="0" eaLnBrk="1" latinLnBrk="0" hangingPunct="1">
+              <a:defRPr kern="1200">
+                <a:solidFill>
+                  <a:schemeClr val="lt1"/>
+                </a:solidFill>
+                <a:latin typeface="+mn-lt"/>
+                <a:ea typeface="+mn-ea"/>
+                <a:cs typeface="+mn-cs"/>
+              </a:defRPr>
+            </a:lvl9pPr>
+          </a:lstStyle>
+          <a:p>
+            <a:pPr algn="ctr" eaLnBrk="1" fontAlgn="auto" hangingPunct="1">
+              <a:spcBef>
+                <a:spcPts val="0"/>
+              </a:spcBef>
+              <a:spcAft>
+                <a:spcPts val="0"/>
+              </a:spcAft>
+              <a:defRPr/>
+            </a:pPr>
+            <a:endParaRPr lang="zh-CN" altLang="en-US">
+              <a:solidFill>
+                <a:srgbClr val="FFFFFF"/>
+              </a:solidFill>
+            </a:endParaRPr>
+          </a:p>
+        </p:txBody>
+      </p:sp>
+      <p:sp>
+        <p:nvSpPr>
+          <p:cNvPr id="8" name=" 8"/>
+          <p:cNvSpPr/>
+          <p:nvPr/>
+        </p:nvSpPr>
+        <p:spPr>
+          <a:xfrm>
+            <a:off x="5067300" y="4272915"/>
+            <a:ext cx="1052195" cy="75565"/>
+          </a:xfrm>
+          <a:custGeom>
+            <a:avLst/>
+            <a:gdLst>
+              <a:gd name="connsiteX0" fmla="*/ 4710315 w 7544313"/>
+              <a:gd name="connsiteY0" fmla="*/ 0 h 5784389"/>
+              <a:gd name="connsiteX1" fmla="*/ 5164538 w 7544313"/>
+              <a:gd name="connsiteY1" fmla="*/ 188144 h 5784389"/>
+              <a:gd name="connsiteX2" fmla="*/ 7343753 w 7544313"/>
+              <a:gd name="connsiteY2" fmla="*/ 2367358 h 5784389"/>
+              <a:gd name="connsiteX3" fmla="*/ 7428050 w 7544313"/>
+              <a:gd name="connsiteY3" fmla="*/ 2469120 h 5784389"/>
+              <a:gd name="connsiteX4" fmla="*/ 7438311 w 7544313"/>
+              <a:gd name="connsiteY4" fmla="*/ 2487626 h 5784389"/>
+              <a:gd name="connsiteX5" fmla="*/ 7479289 w 7544313"/>
+              <a:gd name="connsiteY5" fmla="*/ 2563973 h 5784389"/>
+              <a:gd name="connsiteX6" fmla="*/ 7544313 w 7544313"/>
+              <a:gd name="connsiteY6" fmla="*/ 2891210 h 5784389"/>
+              <a:gd name="connsiteX7" fmla="*/ 7479289 w 7544313"/>
+              <a:gd name="connsiteY7" fmla="*/ 3218447 h 5784389"/>
+              <a:gd name="connsiteX8" fmla="*/ 7454433 w 7544313"/>
+              <a:gd name="connsiteY8" fmla="*/ 3276193 h 5784389"/>
+              <a:gd name="connsiteX9" fmla="*/ 7421357 w 7544313"/>
+              <a:gd name="connsiteY9" fmla="*/ 3318247 h 5784389"/>
+              <a:gd name="connsiteX10" fmla="*/ 7325947 w 7544313"/>
+              <a:gd name="connsiteY10" fmla="*/ 3417030 h 5784389"/>
+              <a:gd name="connsiteX11" fmla="*/ 5146732 w 7544313"/>
+              <a:gd name="connsiteY11" fmla="*/ 5596244 h 5784389"/>
+              <a:gd name="connsiteX12" fmla="*/ 4238287 w 7544313"/>
+              <a:gd name="connsiteY12" fmla="*/ 5596244 h 5784389"/>
+              <a:gd name="connsiteX13" fmla="*/ 4238287 w 7544313"/>
+              <a:gd name="connsiteY13" fmla="*/ 4687801 h 5784389"/>
+              <a:gd name="connsiteX14" fmla="*/ 5378425 w 7544313"/>
+              <a:gd name="connsiteY14" fmla="*/ 3547663 h 5784389"/>
+              <a:gd name="connsiteX15" fmla="*/ 642367 w 7544313"/>
+              <a:gd name="connsiteY15" fmla="*/ 3547663 h 5784389"/>
+              <a:gd name="connsiteX16" fmla="*/ 0 w 7544313"/>
+              <a:gd name="connsiteY16" fmla="*/ 2905296 h 5784389"/>
+              <a:gd name="connsiteX17" fmla="*/ 642367 w 7544313"/>
+              <a:gd name="connsiteY17" fmla="*/ 2262930 h 5784389"/>
+              <a:gd name="connsiteX18" fmla="*/ 5422435 w 7544313"/>
+              <a:gd name="connsiteY18" fmla="*/ 2262930 h 5784389"/>
+              <a:gd name="connsiteX19" fmla="*/ 4256093 w 7544313"/>
+              <a:gd name="connsiteY19" fmla="*/ 1096587 h 5784389"/>
+              <a:gd name="connsiteX20" fmla="*/ 4256093 w 7544313"/>
+              <a:gd name="connsiteY20" fmla="*/ 188144 h 5784389"/>
+              <a:gd name="connsiteX21" fmla="*/ 4710315 w 7544313"/>
+              <a:gd name="connsiteY21" fmla="*/ 0 h 5784389"/>
+            </a:gdLst>
+            <a:ahLst/>
+            <a:cxnLst>
+              <a:cxn ang="0">
+                <a:pos x="connsiteX0" y="connsiteY0"/>
+              </a:cxn>
+              <a:cxn ang="0">
+                <a:pos x="connsiteX1" y="connsiteY1"/>
+              </a:cxn>
+              <a:cxn ang="0">
+                <a:pos x="connsiteX2" y="connsiteY2"/>
+              </a:cxn>
+              <a:cxn ang="0">
+                <a:pos x="connsiteX3" y="connsiteY3"/>
+              </a:cxn>
+              <a:cxn ang="0">
+                <a:pos x="connsiteX4" y="connsiteY4"/>
+              </a:cxn>
+              <a:cxn ang="0">
+                <a:pos x="connsiteX5" y="connsiteY5"/>
+              </a:cxn>
+              <a:cxn ang="0">
+                <a:pos x="connsiteX6" y="connsiteY6"/>
+              </a:cxn>
+              <a:cxn ang="0">
+                <a:pos x="connsiteX7" y="connsiteY7"/>
+              </a:cxn>
+              <a:cxn ang="0">
+                <a:pos x="connsiteX8" y="connsiteY8"/>
+              </a:cxn>
+              <a:cxn ang="0">
+                <a:pos x="connsiteX9" y="connsiteY9"/>
+              </a:cxn>
+              <a:cxn ang="0">
+                <a:pos x="connsiteX10" y="connsiteY10"/>
+              </a:cxn>
+              <a:cxn ang="0">
+                <a:pos x="connsiteX11" y="connsiteY11"/>
+              </a:cxn>
+              <a:cxn ang="0">
+                <a:pos x="connsiteX12" y="connsiteY12"/>
+              </a:cxn>
+              <a:cxn ang="0">
+                <a:pos x="connsiteX13" y="connsiteY13"/>
+              </a:cxn>
+              <a:cxn ang="0">
+                <a:pos x="connsiteX14" y="connsiteY14"/>
+              </a:cxn>
+              <a:cxn ang="0">
+                <a:pos x="connsiteX15" y="connsiteY15"/>
+              </a:cxn>
+              <a:cxn ang="0">
+                <a:pos x="connsiteX16" y="connsiteY16"/>
+              </a:cxn>
+              <a:cxn ang="0">
+                <a:pos x="connsiteX17" y="connsiteY17"/>
+              </a:cxn>
+              <a:cxn ang="0">
+                <a:pos x="connsiteX18" y="connsiteY18"/>
+              </a:cxn>
+              <a:cxn ang="0">
+                <a:pos x="connsiteX19" y="connsiteY19"/>
+              </a:cxn>
+              <a:cxn ang="0">
+                <a:pos x="connsiteX20" y="connsiteY20"/>
+              </a:cxn>
+              <a:cxn ang="0">
+                <a:pos x="connsiteX21" y="connsiteY21"/>
+              </a:cxn>
+            </a:cxnLst>
+            <a:rect l="l" t="t" r="r" b="b"/>
+            <a:pathLst>
+              <a:path w="7544313" h="5784389">
+                <a:moveTo>
+                  <a:pt x="4710315" y="0"/>
+                </a:moveTo>
+                <a:cubicBezTo>
+                  <a:pt x="4874713" y="0"/>
+                  <a:pt x="5039107" y="62713"/>
+                  <a:pt x="5164538" y="188144"/>
+                </a:cubicBezTo>
+                <a:lnTo>
+                  <a:pt x="7343753" y="2367358"/>
+                </a:lnTo>
+                <a:cubicBezTo>
+                  <a:pt x="7375110" y="2398716"/>
+                  <a:pt x="7403341" y="2432905"/>
+                  <a:pt x="7428050" y="2469120"/>
+                </a:cubicBezTo>
+                <a:lnTo>
+                  <a:pt x="7438311" y="2487626"/>
+                </a:lnTo>
+                <a:lnTo>
+                  <a:pt x="7479289" y="2563973"/>
+                </a:lnTo>
+                <a:cubicBezTo>
+                  <a:pt x="7520342" y="2657385"/>
+                  <a:pt x="7544313" y="2769994"/>
+                  <a:pt x="7544313" y="2891210"/>
+                </a:cubicBezTo>
+                <a:cubicBezTo>
+                  <a:pt x="7544313" y="3012426"/>
+                  <a:pt x="7520342" y="3125035"/>
+                  <a:pt x="7479289" y="3218447"/>
+                </a:cubicBezTo>
+                <a:lnTo>
+                  <a:pt x="7454433" y="3276193"/>
+                </a:lnTo>
+                <a:lnTo>
+                  <a:pt x="7421357" y="3318247"/>
+                </a:lnTo>
+                <a:cubicBezTo>
+                  <a:pt x="7391886" y="3351882"/>
+                  <a:pt x="7357304" y="3385674"/>
+                  <a:pt x="7325947" y="3417030"/>
+                </a:cubicBezTo>
+                <a:lnTo>
+                  <a:pt x="5146732" y="5596244"/>
+                </a:lnTo>
+                <a:cubicBezTo>
+                  <a:pt x="4895873" y="5847104"/>
+                  <a:pt x="4489147" y="5847104"/>
+                  <a:pt x="4238287" y="5596244"/>
+                </a:cubicBezTo>
+                <a:cubicBezTo>
+                  <a:pt x="3987430" y="5345384"/>
+                  <a:pt x="3987430" y="4938661"/>
+                  <a:pt x="4238287" y="4687801"/>
+                </a:cubicBezTo>
+                <a:lnTo>
+                  <a:pt x="5378425" y="3547663"/>
+                </a:lnTo>
+                <a:lnTo>
+                  <a:pt x="642367" y="3547663"/>
+                </a:lnTo>
+                <a:cubicBezTo>
+                  <a:pt x="287598" y="3547663"/>
+                  <a:pt x="0" y="3260065"/>
+                  <a:pt x="0" y="2905296"/>
+                </a:cubicBezTo>
+                <a:cubicBezTo>
+                  <a:pt x="0" y="2550527"/>
+                  <a:pt x="287598" y="2262930"/>
+                  <a:pt x="642367" y="2262930"/>
+                </a:cubicBezTo>
+                <a:lnTo>
+                  <a:pt x="5422435" y="2262930"/>
+                </a:lnTo>
+                <a:lnTo>
+                  <a:pt x="4256093" y="1096587"/>
+                </a:lnTo>
+                <a:cubicBezTo>
+                  <a:pt x="4005235" y="845727"/>
+                  <a:pt x="4005235" y="439004"/>
+                  <a:pt x="4256093" y="188144"/>
+                </a:cubicBezTo>
+                <a:cubicBezTo>
+                  <a:pt x="4381524" y="62713"/>
+                  <a:pt x="4545918" y="0"/>
+                  <a:pt x="4710315" y="0"/>
+                </a:cubicBezTo>
+                <a:close/>
+              </a:path>
+            </a:pathLst>
+          </a:custGeom>
+          <a:solidFill>
+            <a:srgbClr val="C00000"/>
+          </a:solidFill>
+          <a:ln>
+            <a:noFill/>
+          </a:ln>
+        </p:spPr>
+        <p:style>
+          <a:lnRef idx="2">
+            <a:schemeClr val="accent1">
+              <a:shade val="50000"/>
+            </a:schemeClr>
+          </a:lnRef>
+          <a:fillRef idx="1">
+            <a:schemeClr val="accent1"/>
+          </a:fillRef>
+          <a:effectRef idx="0">
+            <a:schemeClr val="accent1"/>
+          </a:effectRef>
+          <a:fontRef idx="minor">
+            <a:schemeClr val="lt1"/>
+          </a:fontRef>
+        </p:style>
+        <p:txBody>
+          <a:bodyPr anchor="ctr">
+            <a:scene3d>
+              <a:camera prst="orthographicFront"/>
+              <a:lightRig rig="threePt" dir="t"/>
+            </a:scene3d>
+            <a:sp3d>
+              <a:contourClr>
+                <a:srgbClr val="FFFFFF"/>
+              </a:contourClr>
+            </a:sp3d>
+          </a:bodyPr>
+          <a:lstStyle>
+            <a:defPPr>
+              <a:defRPr lang="zh-CN"/>
+            </a:defPPr>
+            <a:lvl1pPr algn="l" rtl="0" eaLnBrk="0" fontAlgn="base" hangingPunct="0">
+              <a:spcBef>
+                <a:spcPct val="0"/>
+              </a:spcBef>
+              <a:spcAft>
+                <a:spcPct val="0"/>
+              </a:spcAft>
+              <a:defRPr kern="1200">
+                <a:solidFill>
+                  <a:schemeClr val="lt1"/>
+                </a:solidFill>
+                <a:latin typeface="+mn-lt"/>
+                <a:ea typeface="+mn-ea"/>
+                <a:cs typeface="+mn-cs"/>
+              </a:defRPr>
+            </a:lvl1pPr>
+            <a:lvl2pPr marL="457200" algn="l" rtl="0" eaLnBrk="0" fontAlgn="base" hangingPunct="0">
+              <a:spcBef>
+                <a:spcPct val="0"/>
+              </a:spcBef>
+              <a:spcAft>
+                <a:spcPct val="0"/>
+              </a:spcAft>
+              <a:defRPr kern="1200">
+                <a:solidFill>
+                  <a:schemeClr val="lt1"/>
+                </a:solidFill>
+                <a:latin typeface="+mn-lt"/>
+                <a:ea typeface="+mn-ea"/>
+                <a:cs typeface="+mn-cs"/>
+              </a:defRPr>
+            </a:lvl2pPr>
+            <a:lvl3pPr marL="914400" algn="l" rtl="0" eaLnBrk="0" fontAlgn="base" hangingPunct="0">
+              <a:spcBef>
+                <a:spcPct val="0"/>
+              </a:spcBef>
+              <a:spcAft>
+                <a:spcPct val="0"/>
+              </a:spcAft>
+              <a:defRPr kern="1200">
+                <a:solidFill>
+                  <a:schemeClr val="lt1"/>
+                </a:solidFill>
+                <a:latin typeface="+mn-lt"/>
+                <a:ea typeface="+mn-ea"/>
+                <a:cs typeface="+mn-cs"/>
+              </a:defRPr>
+            </a:lvl3pPr>
+            <a:lvl4pPr marL="1371600" algn="l" rtl="0" eaLnBrk="0" fontAlgn="base" hangingPunct="0">
+              <a:spcBef>
+                <a:spcPct val="0"/>
+              </a:spcBef>
+              <a:spcAft>
+                <a:spcPct val="0"/>
+              </a:spcAft>
+              <a:defRPr kern="1200">
+                <a:solidFill>
+                  <a:schemeClr val="lt1"/>
+                </a:solidFill>
+                <a:latin typeface="+mn-lt"/>
+                <a:ea typeface="+mn-ea"/>
+                <a:cs typeface="+mn-cs"/>
+              </a:defRPr>
+            </a:lvl4pPr>
+            <a:lvl5pPr marL="1828800" algn="l" rtl="0" eaLnBrk="0" fontAlgn="base" hangingPunct="0">
+              <a:spcBef>
+                <a:spcPct val="0"/>
+              </a:spcBef>
+              <a:spcAft>
+                <a:spcPct val="0"/>
+              </a:spcAft>
+              <a:defRPr kern="1200">
+                <a:solidFill>
+                  <a:schemeClr val="lt1"/>
+                </a:solidFill>
+                <a:latin typeface="+mn-lt"/>
+                <a:ea typeface="+mn-ea"/>
+                <a:cs typeface="+mn-cs"/>
+              </a:defRPr>
+            </a:lvl5pPr>
+            <a:lvl6pPr marL="2286000" algn="l" defTabSz="914400" rtl="0" eaLnBrk="1" latinLnBrk="0" hangingPunct="1">
+              <a:defRPr kern="1200">
+                <a:solidFill>
+                  <a:schemeClr val="lt1"/>
+                </a:solidFill>
+                <a:latin typeface="+mn-lt"/>
+                <a:ea typeface="+mn-ea"/>
+                <a:cs typeface="+mn-cs"/>
+              </a:defRPr>
+            </a:lvl6pPr>
+            <a:lvl7pPr marL="2743200" algn="l" defTabSz="914400" rtl="0" eaLnBrk="1" latinLnBrk="0" hangingPunct="1">
+              <a:defRPr kern="1200">
+                <a:solidFill>
+                  <a:schemeClr val="lt1"/>
+                </a:solidFill>
+                <a:latin typeface="+mn-lt"/>
+                <a:ea typeface="+mn-ea"/>
+                <a:cs typeface="+mn-cs"/>
+              </a:defRPr>
+            </a:lvl7pPr>
+            <a:lvl8pPr marL="3200400" algn="l" defTabSz="914400" rtl="0" eaLnBrk="1" latinLnBrk="0" hangingPunct="1">
+              <a:defRPr kern="1200">
+                <a:solidFill>
+                  <a:schemeClr val="lt1"/>
+                </a:solidFill>
+                <a:latin typeface="+mn-lt"/>
+                <a:ea typeface="+mn-ea"/>
+                <a:cs typeface="+mn-cs"/>
+              </a:defRPr>
+            </a:lvl8pPr>
+            <a:lvl9pPr marL="3657600" algn="l" defTabSz="914400" rtl="0" eaLnBrk="1" latinLnBrk="0" hangingPunct="1">
+              <a:defRPr kern="1200">
+                <a:solidFill>
+                  <a:schemeClr val="lt1"/>
+                </a:solidFill>
+                <a:latin typeface="+mn-lt"/>
+                <a:ea typeface="+mn-ea"/>
+                <a:cs typeface="+mn-cs"/>
+              </a:defRPr>
+            </a:lvl9pPr>
+          </a:lstStyle>
+          <a:p>
+            <a:pPr algn="ctr" eaLnBrk="1" fontAlgn="auto" hangingPunct="1">
+              <a:spcBef>
+                <a:spcPts val="0"/>
+              </a:spcBef>
+              <a:spcAft>
+                <a:spcPts val="0"/>
+              </a:spcAft>
+              <a:defRPr/>
+            </a:pPr>
+            <a:endParaRPr lang="zh-CN" altLang="en-US">
+              <a:solidFill>
+                <a:srgbClr val="FFFFFF"/>
+              </a:solidFill>
+            </a:endParaRPr>
+          </a:p>
+        </p:txBody>
+      </p:sp>
+    </p:spTree>
+    <p:custDataLst>
+      <p:tags r:id="rId1"/>
+    </p:custDataLst>
+  </p:cSld>
+  <p:clrMapOvr>
+    <a:masterClrMapping/>
+  </p:clrMapOvr>
+</p:sld>
+</file>
+
+<file path=ppt/slides/slide15.xml><?xml version="1.0" encoding="utf-8"?>
+<p:sld xmlns:a="http://schemas.openxmlformats.org/drawingml/2006/main" xmlns:r="http://schemas.openxmlformats.org/officeDocument/2006/relationships" xmlns:p="http://schemas.openxmlformats.org/presentationml/2006/main">
+  <p:cSld>
+    <p:spTree>
+      <p:nvGrpSpPr>
+        <p:cNvPr id="1" name=""/>
+        <p:cNvGrpSpPr/>
+        <p:nvPr/>
+      </p:nvGrpSpPr>
+      <p:grpSpPr/>
+      <p:sp>
+        <p:nvSpPr>
+          <p:cNvPr id="2" name="标题 1"/>
+          <p:cNvSpPr>
+            <a:spLocks noGrp="1"/>
+          </p:cNvSpPr>
+          <p:nvPr>
+            <p:ph type="title"/>
+          </p:nvPr>
+        </p:nvSpPr>
+        <p:spPr/>
+        <p:txBody>
+          <a:bodyPr/>
+          <a:p>
+            <a:r>
+              <a:rPr lang="en-US" altLang="zh-CN"/>
+              <a:t>Spring</a:t>
+            </a:r>
+            <a:r>
+              <a:rPr lang="zh-CN" altLang="en-US"/>
+              <a:t>事务机制</a:t>
+            </a:r>
+            <a:endParaRPr lang="zh-CN" altLang="en-US"/>
+          </a:p>
+        </p:txBody>
+      </p:sp>
+      <p:pic>
+        <p:nvPicPr>
+          <p:cNvPr id="4" name="内容占位符 3"/>
+          <p:cNvPicPr>
+            <a:picLocks noChangeAspect="1"/>
+          </p:cNvPicPr>
+          <p:nvPr>
+            <p:ph idx="1"/>
+          </p:nvPr>
+        </p:nvPicPr>
+        <p:blipFill>
+          <a:blip r:embed="rId1"/>
+          <a:stretch>
+            <a:fillRect/>
+          </a:stretch>
+        </p:blipFill>
+        <p:spPr>
+          <a:xfrm>
+            <a:off x="876300" y="2297430"/>
+            <a:ext cx="10440035" cy="3428365"/>
+          </a:xfrm>
+          <a:prstGeom prst="rect">
+            <a:avLst/>
+          </a:prstGeom>
+        </p:spPr>
+      </p:pic>
+    </p:spTree>
+    <p:custDataLst>
+      <p:tags r:id="rId2"/>
+    </p:custDataLst>
+  </p:cSld>
+  <p:clrMapOvr>
+    <a:masterClrMapping/>
+  </p:clrMapOvr>
+</p:sld>
+</file>
+
+<file path=ppt/slides/slide16.xml><?xml version="1.0" encoding="utf-8"?>
+<p:sld xmlns:a="http://schemas.openxmlformats.org/drawingml/2006/main" xmlns:r="http://schemas.openxmlformats.org/officeDocument/2006/relationships" xmlns:p="http://schemas.openxmlformats.org/presentationml/2006/main">
+  <p:cSld>
+    <p:spTree>
+      <p:nvGrpSpPr>
+        <p:cNvPr id="1" name=""/>
+        <p:cNvGrpSpPr/>
+        <p:nvPr/>
+      </p:nvGrpSpPr>
+      <p:grpSpPr/>
+      <p:sp>
+        <p:nvSpPr>
+          <p:cNvPr id="2" name="标题 1"/>
+          <p:cNvSpPr>
+            <a:spLocks noGrp="1"/>
+          </p:cNvSpPr>
+          <p:nvPr>
+            <p:ph type="title"/>
+          </p:nvPr>
+        </p:nvSpPr>
+        <p:spPr/>
+        <p:txBody>
+          <a:bodyPr/>
+          <a:p>
+            <a:r>
+              <a:rPr lang="en-US" altLang="zh-CN"/>
+              <a:t>Spring</a:t>
+            </a:r>
+            <a:r>
+              <a:rPr lang="zh-CN" altLang="en-US"/>
+              <a:t>事务机制</a:t>
+            </a:r>
+            <a:endParaRPr lang="zh-CN" altLang="en-US"/>
+          </a:p>
+        </p:txBody>
+      </p:sp>
+      <p:pic>
+        <p:nvPicPr>
+          <p:cNvPr id="4" name="内容占位符 3"/>
+          <p:cNvPicPr>
+            <a:picLocks noChangeAspect="1"/>
+          </p:cNvPicPr>
+          <p:nvPr>
+            <p:ph idx="1"/>
+          </p:nvPr>
+        </p:nvPicPr>
+        <p:blipFill>
+          <a:blip r:embed="rId1"/>
+          <a:stretch>
+            <a:fillRect/>
+          </a:stretch>
+        </p:blipFill>
+        <p:spPr>
+          <a:xfrm>
+            <a:off x="1053465" y="1852295"/>
+            <a:ext cx="7570470" cy="4319905"/>
+          </a:xfrm>
+          <a:prstGeom prst="rect">
+            <a:avLst/>
+          </a:prstGeom>
+        </p:spPr>
+      </p:pic>
+    </p:spTree>
+    <p:custDataLst>
+      <p:tags r:id="rId2"/>
+    </p:custDataLst>
+  </p:cSld>
+  <p:clrMapOvr>
+    <a:masterClrMapping/>
+  </p:clrMapOvr>
+</p:sld>
+</file>
+
+<file path=ppt/slides/slide17.xml><?xml version="1.0" encoding="utf-8"?>
+<p:sld xmlns:a="http://schemas.openxmlformats.org/drawingml/2006/main" xmlns:r="http://schemas.openxmlformats.org/officeDocument/2006/relationships" xmlns:p="http://schemas.openxmlformats.org/presentationml/2006/main">
+  <p:cSld>
+    <p:spTree>
+      <p:nvGrpSpPr>
+        <p:cNvPr id="1" name=""/>
+        <p:cNvGrpSpPr/>
+        <p:nvPr/>
+      </p:nvGrpSpPr>
+      <p:grpSpPr/>
+      <p:sp>
+        <p:nvSpPr>
+          <p:cNvPr id="2" name="标题 1"/>
+          <p:cNvSpPr>
+            <a:spLocks noGrp="1"/>
+          </p:cNvSpPr>
+          <p:nvPr>
+            <p:ph type="title"/>
+          </p:nvPr>
+        </p:nvSpPr>
+        <p:spPr/>
+        <p:txBody>
+          <a:bodyPr/>
+          <a:p>
+            <a:r>
+              <a:rPr lang="en-US" altLang="zh-CN"/>
+              <a:t>XA</a:t>
+            </a:r>
+            <a:r>
+              <a:rPr lang="zh-CN" altLang="en-US"/>
+              <a:t>与</a:t>
+            </a:r>
+            <a:r>
+              <a:rPr lang="en-US" altLang="zh-CN"/>
+              <a:t>JTA</a:t>
+            </a:r>
+            <a:endParaRPr lang="en-US" altLang="zh-CN"/>
+          </a:p>
+        </p:txBody>
+      </p:sp>
+      <p:sp>
+        <p:nvSpPr>
+          <p:cNvPr id="3" name="内容占位符 2"/>
+          <p:cNvSpPr>
+            <a:spLocks noGrp="1"/>
+          </p:cNvSpPr>
+          <p:nvPr>
+            <p:ph idx="1"/>
+          </p:nvPr>
+        </p:nvSpPr>
+        <p:spPr/>
+        <p:txBody>
+          <a:bodyPr/>
+          <a:p>
+            <a:r>
+              <a:rPr lang="en-US" altLang="zh-CN"/>
+              <a:t>Transaction Manager</a:t>
+            </a:r>
+            <a:endParaRPr lang="en-US" altLang="zh-CN"/>
+          </a:p>
+          <a:p>
+            <a:endParaRPr lang="en-US" altLang="zh-CN"/>
+          </a:p>
+          <a:p>
+            <a:endParaRPr lang="en-US" altLang="zh-CN"/>
+          </a:p>
+          <a:p>
+            <a:r>
+              <a:rPr lang="en-US" altLang="zh-CN"/>
+              <a:t>XA Resource</a:t>
+            </a:r>
+            <a:endParaRPr lang="en-US" altLang="zh-CN"/>
+          </a:p>
+          <a:p>
+            <a:endParaRPr lang="en-US" altLang="zh-CN"/>
+          </a:p>
+          <a:p>
+            <a:endParaRPr lang="en-US" altLang="zh-CN"/>
+          </a:p>
+          <a:p>
+            <a:r>
+              <a:rPr lang="zh-CN" altLang="en-US"/>
+              <a:t>两阶段提交</a:t>
+            </a:r>
+            <a:endParaRPr lang="zh-CN" altLang="en-US"/>
+          </a:p>
+        </p:txBody>
+      </p:sp>
+    </p:spTree>
+    <p:custDataLst>
+      <p:tags r:id="rId1"/>
+    </p:custDataLst>
+  </p:cSld>
+  <p:clrMapOvr>
+    <a:masterClrMapping/>
+  </p:clrMapOvr>
+</p:sld>
+</file>
+
+<file path=ppt/slides/slide18.xml><?xml version="1.0" encoding="utf-8"?>
+<p:sld xmlns:a="http://schemas.openxmlformats.org/drawingml/2006/main" xmlns:r="http://schemas.openxmlformats.org/officeDocument/2006/relationships" xmlns:p="http://schemas.openxmlformats.org/presentationml/2006/main">
+  <p:cSld>
+    <p:spTree>
+      <p:nvGrpSpPr>
+        <p:cNvPr id="1" name=""/>
+        <p:cNvGrpSpPr/>
+        <p:nvPr/>
+      </p:nvGrpSpPr>
+      <p:grpSpPr/>
+      <p:sp>
+        <p:nvSpPr>
+          <p:cNvPr id="2" name="标题 1"/>
+          <p:cNvSpPr>
+            <a:spLocks noGrp="1"/>
+          </p:cNvSpPr>
+          <p:nvPr>
+            <p:ph type="title"/>
+          </p:nvPr>
+        </p:nvSpPr>
+        <p:spPr/>
+        <p:txBody>
+          <a:bodyPr/>
+          <a:p>
+            <a:r>
+              <a:rPr lang="en-US" altLang="zh-CN"/>
+              <a:t>XA</a:t>
+            </a:r>
+            <a:r>
+              <a:rPr lang="zh-CN" altLang="en-US"/>
+              <a:t>与</a:t>
+            </a:r>
+            <a:r>
+              <a:rPr lang="en-US" altLang="zh-CN"/>
+              <a:t>JTA</a:t>
+            </a:r>
+            <a:endParaRPr lang="en-US" altLang="zh-CN"/>
+          </a:p>
+        </p:txBody>
+      </p:sp>
+      <p:pic>
+        <p:nvPicPr>
+          <p:cNvPr id="4" name="内容占位符 3"/>
+          <p:cNvPicPr>
+            <a:picLocks noChangeAspect="1"/>
+          </p:cNvPicPr>
+          <p:nvPr>
+            <p:ph idx="1"/>
+          </p:nvPr>
+        </p:nvPicPr>
+        <p:blipFill>
+          <a:blip r:embed="rId1"/>
+          <a:stretch>
+            <a:fillRect/>
+          </a:stretch>
+        </p:blipFill>
+        <p:spPr>
+          <a:xfrm>
+            <a:off x="876300" y="2057400"/>
+            <a:ext cx="10440035" cy="3909060"/>
+          </a:xfrm>
+          <a:prstGeom prst="rect">
+            <a:avLst/>
+          </a:prstGeom>
+        </p:spPr>
+      </p:pic>
+    </p:spTree>
+    <p:custDataLst>
+      <p:tags r:id="rId2"/>
+    </p:custDataLst>
+  </p:cSld>
+  <p:clrMapOvr>
+    <a:masterClrMapping/>
+  </p:clrMapOvr>
+</p:sld>
+</file>
+
+<file path=ppt/slides/slide19.xml><?xml version="1.0" encoding="utf-8"?>
+<p:sld xmlns:a="http://schemas.openxmlformats.org/drawingml/2006/main" xmlns:r="http://schemas.openxmlformats.org/officeDocument/2006/relationships" xmlns:p="http://schemas.openxmlformats.org/presentationml/2006/main">
+  <p:cSld>
+    <p:spTree>
+      <p:nvGrpSpPr>
+        <p:cNvPr id="1" name=""/>
+        <p:cNvGrpSpPr/>
+        <p:nvPr/>
+      </p:nvGrpSpPr>
+      <p:grpSpPr/>
+      <p:sp>
+        <p:nvSpPr>
+          <p:cNvPr id="2" name="标题 1"/>
+          <p:cNvSpPr>
+            <a:spLocks noGrp="1"/>
+          </p:cNvSpPr>
+          <p:nvPr>
+            <p:ph type="title"/>
+          </p:nvPr>
+        </p:nvSpPr>
+        <p:spPr/>
+        <p:txBody>
+          <a:bodyPr/>
+          <a:p>
+            <a:r>
+              <a:rPr lang="en-US" altLang="zh-CN"/>
+              <a:t>JTA</a:t>
+            </a:r>
+            <a:r>
+              <a:rPr lang="zh-CN" altLang="en-US"/>
+              <a:t>的接口</a:t>
+            </a:r>
+            <a:endParaRPr lang="zh-CN" altLang="en-US"/>
+          </a:p>
+        </p:txBody>
+      </p:sp>
+      <p:sp>
+        <p:nvSpPr>
+          <p:cNvPr id="3" name="内容占位符 2"/>
+          <p:cNvSpPr>
+            <a:spLocks noGrp="1"/>
+          </p:cNvSpPr>
+          <p:nvPr>
+            <p:ph idx="1"/>
+          </p:nvPr>
+        </p:nvSpPr>
+        <p:spPr/>
+        <p:txBody>
+          <a:bodyPr/>
+          <a:p>
+            <a:r>
+              <a:rPr lang="en-US" altLang="zh-CN"/>
+              <a:t>TransactionManager</a:t>
+            </a:r>
+            <a:endParaRPr lang="en-US" altLang="zh-CN"/>
+          </a:p>
+          <a:p>
+            <a:endParaRPr lang="en-US" altLang="zh-CN"/>
+          </a:p>
+          <a:p>
+            <a:r>
+              <a:rPr lang="en-US" altLang="zh-CN"/>
+              <a:t>XAResource</a:t>
+            </a:r>
+            <a:endParaRPr lang="en-US" altLang="zh-CN"/>
+          </a:p>
+          <a:p>
+            <a:endParaRPr lang="en-US" altLang="zh-CN"/>
+          </a:p>
+          <a:p>
+            <a:r>
+              <a:rPr lang="en-US" altLang="zh-CN"/>
+              <a:t>XID</a:t>
+            </a:r>
+            <a:endParaRPr lang="en-US" altLang="zh-CN"/>
+          </a:p>
+        </p:txBody>
+      </p:sp>
+    </p:spTree>
+    <p:custDataLst>
+      <p:tags r:id="rId1"/>
+    </p:custDataLst>
+  </p:cSld>
+  <p:clrMapOvr>
+    <a:masterClrMapping/>
+  </p:clrMapOvr>
+</p:sld>
+</file>
+
+<file path=ppt/slides/slide2.xml><?xml version="1.0" encoding="utf-8"?>
+<p:sld xmlns:a="http://schemas.openxmlformats.org/drawingml/2006/main" xmlns:r="http://schemas.openxmlformats.org/officeDocument/2006/relationships" xmlns:p="http://schemas.openxmlformats.org/presentationml/2006/main">
+  <p:cSld>
+    <p:spTree>
+      <p:nvGrpSpPr>
+        <p:cNvPr id="1" name=""/>
+        <p:cNvGrpSpPr/>
+        <p:nvPr/>
+      </p:nvGrpSpPr>
+      <p:grpSpPr/>
+      <p:sp>
+        <p:nvSpPr>
+          <p:cNvPr id="2" name="标题 1"/>
+          <p:cNvSpPr>
+            <a:spLocks noGrp="1"/>
+          </p:cNvSpPr>
+          <p:nvPr>
+            <p:ph type="title"/>
+          </p:nvPr>
+        </p:nvSpPr>
+        <p:spPr/>
+        <p:txBody>
+          <a:bodyPr/>
+          <a:p>
+            <a:r>
+              <a:rPr lang="zh-CN" altLang="en-US"/>
+              <a:t>定义</a:t>
+            </a:r>
+            <a:endParaRPr lang="zh-CN" altLang="en-US"/>
+          </a:p>
+        </p:txBody>
+      </p:sp>
+      <p:sp>
+        <p:nvSpPr>
+          <p:cNvPr id="3" name="内容占位符 2"/>
+          <p:cNvSpPr>
+            <a:spLocks noGrp="1"/>
+          </p:cNvSpPr>
+          <p:nvPr>
+            <p:ph idx="1"/>
+          </p:nvPr>
+        </p:nvSpPr>
+        <p:spPr/>
+        <p:txBody>
+          <a:bodyPr/>
+          <a:p>
+            <a:r>
+              <a:rPr lang="zh-CN" altLang="en-US" b="1"/>
+              <a:t>分布式系统</a:t>
+            </a:r>
+            <a:endParaRPr lang="zh-CN" altLang="en-US"/>
+          </a:p>
+          <a:p>
+            <a:pPr marL="0" indent="0">
+              <a:buNone/>
+            </a:pPr>
+            <a:r>
+              <a:rPr lang="zh-CN" altLang="en-US"/>
+              <a:t>   将不同的组件分布在不同的服务器上，给用户提供一个可靠的，统一的服务。</a:t>
+            </a:r>
+            <a:endParaRPr lang="zh-CN" altLang="en-US"/>
+          </a:p>
+          <a:p>
+            <a:endParaRPr lang="zh-CN" altLang="en-US"/>
+          </a:p>
+          <a:p>
+            <a:r>
+              <a:rPr lang="zh-CN" altLang="en-US"/>
+              <a:t>实现事务</a:t>
+            </a:r>
+            <a:endParaRPr lang="zh-CN" altLang="en-US"/>
+          </a:p>
+        </p:txBody>
+      </p:sp>
+    </p:spTree>
+    <p:custDataLst>
+      <p:tags r:id="rId1"/>
+    </p:custDataLst>
+  </p:cSld>
+  <p:clrMapOvr>
+    <a:masterClrMapping/>
+  </p:clrMapOvr>
+</p:sld>
+</file>
+
+<file path=ppt/slides/slide20.xml><?xml version="1.0" encoding="utf-8"?>
+<p:sld xmlns:a="http://schemas.openxmlformats.org/drawingml/2006/main" xmlns:r="http://schemas.openxmlformats.org/officeDocument/2006/relationships" xmlns:p="http://schemas.openxmlformats.org/presentationml/2006/main">
+  <p:cSld>
+    <p:spTree>
+      <p:nvGrpSpPr>
+        <p:cNvPr id="1" name=""/>
+        <p:cNvGrpSpPr/>
+        <p:nvPr/>
+      </p:nvGrpSpPr>
+      <p:grpSpPr/>
+      <p:sp>
+        <p:nvSpPr>
+          <p:cNvPr id="2" name="标题 1"/>
+          <p:cNvSpPr>
+            <a:spLocks noGrp="1"/>
+          </p:cNvSpPr>
+          <p:nvPr>
+            <p:ph type="title"/>
+          </p:nvPr>
+        </p:nvSpPr>
+        <p:spPr/>
+        <p:txBody>
+          <a:bodyPr/>
+          <a:p>
+            <a:r>
+              <a:rPr lang="en-US" altLang="zh-CN"/>
+              <a:t>JTA</a:t>
+            </a:r>
+            <a:r>
+              <a:rPr lang="zh-CN" altLang="en-US"/>
+              <a:t>的利弊</a:t>
+            </a:r>
+            <a:endParaRPr lang="zh-CN" altLang="en-US"/>
+          </a:p>
+        </p:txBody>
+      </p:sp>
+      <p:sp>
+        <p:nvSpPr>
+          <p:cNvPr id="3" name="内容占位符 2"/>
+          <p:cNvSpPr>
+            <a:spLocks noGrp="1"/>
+          </p:cNvSpPr>
+          <p:nvPr>
+            <p:ph idx="1"/>
+          </p:nvPr>
+        </p:nvSpPr>
+        <p:spPr/>
+        <p:txBody>
+          <a:bodyPr/>
+          <a:p>
+            <a:r>
+              <a:rPr lang="zh-CN" altLang="en-US"/>
+              <a:t>多数据源事务管理</a:t>
+            </a:r>
+            <a:endParaRPr lang="zh-CN" altLang="en-US"/>
+          </a:p>
+          <a:p>
+            <a:endParaRPr lang="zh-CN" altLang="en-US"/>
+          </a:p>
+          <a:p>
+            <a:r>
+              <a:rPr lang="zh-CN" altLang="en-US"/>
+              <a:t>保证事务一致性</a:t>
+            </a:r>
+            <a:endParaRPr lang="zh-CN" altLang="en-US"/>
+          </a:p>
+          <a:p>
+            <a:endParaRPr lang="zh-CN" altLang="en-US"/>
+          </a:p>
+          <a:p>
+            <a:r>
+              <a:rPr lang="zh-CN" altLang="en-US">
+                <a:ln w="22225">
+                  <a:solidFill>
+                    <a:schemeClr val="accent2"/>
+                  </a:solidFill>
+                  <a:prstDash val="solid"/>
+                </a:ln>
+                <a:solidFill>
+                  <a:schemeClr val="accent2">
+                    <a:lumMod val="40000"/>
+                    <a:lumOff val="60000"/>
+                  </a:schemeClr>
+                </a:solidFill>
+                <a:effectLst/>
+              </a:rPr>
+              <a:t>两阶段提交</a:t>
+            </a:r>
+            <a:endParaRPr lang="zh-CN" altLang="en-US"/>
+          </a:p>
+          <a:p>
+            <a:endParaRPr lang="zh-CN" altLang="en-US"/>
+          </a:p>
+          <a:p>
+            <a:r>
+              <a:rPr lang="zh-CN" altLang="en-US"/>
+              <a:t>事务的时间太长，锁时间太长</a:t>
+            </a:r>
+            <a:endParaRPr lang="zh-CN" altLang="en-US"/>
+          </a:p>
+          <a:p>
+            <a:endParaRPr lang="zh-CN" altLang="en-US"/>
+          </a:p>
+          <a:p>
+            <a:r>
+              <a:rPr lang="zh-CN" altLang="en-US"/>
+              <a:t>低性能低吞吐量</a:t>
+            </a:r>
+            <a:endParaRPr lang="zh-CN" altLang="en-US"/>
+          </a:p>
+        </p:txBody>
+      </p:sp>
+    </p:spTree>
+    <p:custDataLst>
+      <p:tags r:id="rId1"/>
+    </p:custDataLst>
+  </p:cSld>
+  <p:clrMapOvr>
+    <a:masterClrMapping/>
+  </p:clrMapOvr>
+</p:sld>
+</file>
+
+<file path=ppt/slides/slide21.xml><?xml version="1.0" encoding="utf-8"?>
+<p:sld xmlns:a="http://schemas.openxmlformats.org/drawingml/2006/main" xmlns:r="http://schemas.openxmlformats.org/officeDocument/2006/relationships" xmlns:p="http://schemas.openxmlformats.org/presentationml/2006/main">
+  <p:cSld>
+    <p:spTree>
+      <p:nvGrpSpPr>
+        <p:cNvPr id="1" name=""/>
+        <p:cNvGrpSpPr/>
+        <p:nvPr/>
+      </p:nvGrpSpPr>
+      <p:grpSpPr/>
+      <p:sp>
+        <p:nvSpPr>
+          <p:cNvPr id="2" name="标题 1"/>
+          <p:cNvSpPr>
+            <a:spLocks noGrp="1"/>
+          </p:cNvSpPr>
+          <p:nvPr>
+            <p:ph type="title"/>
+          </p:nvPr>
+        </p:nvSpPr>
+        <p:spPr/>
+        <p:txBody>
+          <a:bodyPr/>
+          <a:p>
+            <a:r>
+              <a:rPr lang="zh-CN" altLang="en-US"/>
+              <a:t>不使用</a:t>
+            </a:r>
+            <a:r>
+              <a:rPr lang="en-US" altLang="zh-CN"/>
+              <a:t>JTA的</a:t>
+            </a:r>
+            <a:r>
+              <a:rPr lang="zh-CN" altLang="en-US"/>
+              <a:t>多数据源</a:t>
+            </a:r>
+            <a:r>
+              <a:rPr lang="zh-CN" altLang="en-US"/>
+              <a:t>事务管理</a:t>
+            </a:r>
+            <a:endParaRPr lang="zh-CN" altLang="en-US"/>
+          </a:p>
+        </p:txBody>
+      </p:sp>
+      <p:sp>
+        <p:nvSpPr>
+          <p:cNvPr id="3" name="内容占位符 2"/>
+          <p:cNvSpPr>
+            <a:spLocks noGrp="1"/>
+          </p:cNvSpPr>
+          <p:nvPr>
+            <p:ph idx="1"/>
+          </p:nvPr>
+        </p:nvSpPr>
+        <p:spPr/>
+        <p:txBody>
+          <a:bodyPr/>
+          <a:p>
+            <a:r>
+              <a:rPr lang="en-US" altLang="zh-CN"/>
+              <a:t>Spring</a:t>
+            </a:r>
+            <a:r>
+              <a:rPr lang="zh-CN" altLang="en-US"/>
+              <a:t>事务的同步机制</a:t>
+            </a:r>
+            <a:endParaRPr lang="zh-CN" altLang="en-US"/>
+          </a:p>
+          <a:p>
+            <a:endParaRPr lang="zh-CN" altLang="en-US"/>
+          </a:p>
+          <a:p>
+            <a:r>
+              <a:rPr lang="zh-CN" altLang="en-US"/>
+              <a:t>多个数据源上实现近似事务一致性</a:t>
+            </a:r>
+            <a:endParaRPr lang="zh-CN" altLang="en-US"/>
+          </a:p>
+          <a:p>
+            <a:endParaRPr lang="zh-CN" altLang="en-US"/>
+          </a:p>
+          <a:p>
+            <a:r>
+              <a:rPr lang="zh-CN" altLang="en-US"/>
+              <a:t>高性能，高吞吐量</a:t>
+            </a:r>
+            <a:endParaRPr lang="zh-CN" altLang="en-US"/>
+          </a:p>
+        </p:txBody>
+      </p:sp>
+    </p:spTree>
+    <p:custDataLst>
+      <p:tags r:id="rId1"/>
+    </p:custDataLst>
+  </p:cSld>
+  <p:clrMapOvr>
+    <a:masterClrMapping/>
+  </p:clrMapOvr>
+</p:sld>
+</file>
+
+<file path=ppt/slides/slide22.xml><?xml version="1.0" encoding="utf-8"?>
+<p:sld xmlns:a="http://schemas.openxmlformats.org/drawingml/2006/main" xmlns:r="http://schemas.openxmlformats.org/officeDocument/2006/relationships" xmlns:p="http://schemas.openxmlformats.org/presentationml/2006/main">
+  <p:cSld>
+    <p:spTree>
+      <p:nvGrpSpPr>
+        <p:cNvPr id="1" name=""/>
+        <p:cNvGrpSpPr/>
+        <p:nvPr/>
+      </p:nvGrpSpPr>
+      <p:grpSpPr/>
+      <p:sp>
+        <p:nvSpPr>
+          <p:cNvPr id="2" name="标题 1"/>
+          <p:cNvSpPr>
+            <a:spLocks noGrp="1"/>
+          </p:cNvSpPr>
+          <p:nvPr>
+            <p:ph type="title"/>
+          </p:nvPr>
+        </p:nvSpPr>
+        <p:spPr/>
+        <p:txBody>
+          <a:bodyPr/>
+          <a:p>
+            <a:r>
+              <a:rPr lang="en-US" altLang="zh-CN"/>
+              <a:t>XA</a:t>
+            </a:r>
+            <a:r>
+              <a:rPr lang="zh-CN" altLang="en-US"/>
+              <a:t>与</a:t>
+            </a:r>
+            <a:r>
+              <a:rPr lang="en-US" altLang="zh-CN"/>
+              <a:t>JTA</a:t>
+            </a:r>
+            <a:endParaRPr lang="en-US" altLang="zh-CN"/>
+          </a:p>
+        </p:txBody>
+      </p:sp>
+      <p:pic>
+        <p:nvPicPr>
+          <p:cNvPr id="4" name="内容占位符 3"/>
+          <p:cNvPicPr>
+            <a:picLocks noChangeAspect="1"/>
+          </p:cNvPicPr>
+          <p:nvPr>
+            <p:ph idx="1"/>
+          </p:nvPr>
+        </p:nvPicPr>
+        <p:blipFill>
+          <a:blip r:embed="rId1"/>
+          <a:stretch>
+            <a:fillRect/>
+          </a:stretch>
+        </p:blipFill>
+        <p:spPr>
+          <a:xfrm>
+            <a:off x="1426845" y="1852295"/>
+            <a:ext cx="9338310" cy="4319905"/>
+          </a:xfrm>
+          <a:prstGeom prst="rect">
+            <a:avLst/>
+          </a:prstGeom>
+        </p:spPr>
+      </p:pic>
+    </p:spTree>
+    <p:custDataLst>
+      <p:tags r:id="rId2"/>
+    </p:custDataLst>
+  </p:cSld>
+  <p:clrMapOvr>
+    <a:masterClrMapping/>
+  </p:clrMapOvr>
+</p:sld>
+</file>
+
+<file path=ppt/slides/slide23.xml><?xml version="1.0" encoding="utf-8"?>
+<p:sld xmlns:a="http://schemas.openxmlformats.org/drawingml/2006/main" xmlns:r="http://schemas.openxmlformats.org/officeDocument/2006/relationships" xmlns:p="http://schemas.openxmlformats.org/presentationml/2006/main">
+  <p:cSld>
+    <p:spTree>
+      <p:nvGrpSpPr>
+        <p:cNvPr id="1" name=""/>
+        <p:cNvGrpSpPr/>
+        <p:nvPr/>
+      </p:nvGrpSpPr>
+      <p:grpSpPr/>
+      <p:sp>
+        <p:nvSpPr>
+          <p:cNvPr id="2" name="标题 1"/>
+          <p:cNvSpPr>
+            <a:spLocks noGrp="1"/>
+          </p:cNvSpPr>
+          <p:nvPr>
+            <p:ph type="title"/>
+          </p:nvPr>
+        </p:nvSpPr>
+        <p:spPr/>
+        <p:txBody>
+          <a:bodyPr/>
+          <a:p>
+            <a:r>
+              <a:rPr lang="en-US" altLang="zh-CN"/>
               <a:t>Spring JTA</a:t>
             </a:r>
             <a:endParaRPr lang="en-US" altLang="zh-CN"/>
@@ -5763,7 +9344,7 @@
 </p:sld>
 </file>
 
-<file path=ppt/slides/slide11.xml><?xml version="1.0" encoding="utf-8"?>
+<file path=ppt/slides/slide24.xml><?xml version="1.0" encoding="utf-8"?>
 <p:sld xmlns:a="http://schemas.openxmlformats.org/drawingml/2006/main" xmlns:r="http://schemas.openxmlformats.org/officeDocument/2006/relationships" xmlns:p="http://schemas.openxmlformats.org/presentationml/2006/main">
   <p:cSld>
     <p:spTree>
@@ -5857,7 +9438,7 @@
 </p:sld>
 </file>
 
-<file path=ppt/slides/slide12.xml><?xml version="1.0" encoding="utf-8"?>
+<file path=ppt/slides/slide25.xml><?xml version="1.0" encoding="utf-8"?>
 <p:sld xmlns:a="http://schemas.openxmlformats.org/drawingml/2006/main" xmlns:r="http://schemas.openxmlformats.org/officeDocument/2006/relationships" xmlns:p="http://schemas.openxmlformats.org/presentationml/2006/main">
   <p:cSld>
     <p:spTree>
@@ -5934,7 +9515,7 @@
 </p:sld>
 </file>
 
-<file path=ppt/slides/slide13.xml><?xml version="1.0" encoding="utf-8"?>
+<file path=ppt/slides/slide26.xml><?xml version="1.0" encoding="utf-8"?>
 <p:sld xmlns:a="http://schemas.openxmlformats.org/drawingml/2006/main" xmlns:r="http://schemas.openxmlformats.org/officeDocument/2006/relationships" xmlns:p="http://schemas.openxmlformats.org/presentationml/2006/main">
   <p:cSld>
     <p:spTree>
@@ -6024,7 +9605,7 @@
 </p:sld>
 </file>
 
-<file path=ppt/slides/slide14.xml><?xml version="1.0" encoding="utf-8"?>
+<file path=ppt/slides/slide27.xml><?xml version="1.0" encoding="utf-8"?>
 <p:sld xmlns:a="http://schemas.openxmlformats.org/drawingml/2006/main" xmlns:r="http://schemas.openxmlformats.org/officeDocument/2006/relationships" xmlns:p="http://schemas.openxmlformats.org/presentationml/2006/main">
   <p:cSld>
     <p:spTree>
@@ -6097,7 +9678,7 @@
 </p:sld>
 </file>
 
-<file path=ppt/slides/slide15.xml><?xml version="1.0" encoding="utf-8"?>
+<file path=ppt/slides/slide28.xml><?xml version="1.0" encoding="utf-8"?>
 <p:sld xmlns:a="http://schemas.openxmlformats.org/drawingml/2006/main" xmlns:r="http://schemas.openxmlformats.org/officeDocument/2006/relationships" xmlns:p="http://schemas.openxmlformats.org/presentationml/2006/main">
   <p:cSld>
     <p:spTree>
@@ -6166,7 +9747,7 @@
 </p:sld>
 </file>
 
-<file path=ppt/slides/slide16.xml><?xml version="1.0" encoding="utf-8"?>
+<file path=ppt/slides/slide29.xml><?xml version="1.0" encoding="utf-8"?>
 <p:sld xmlns:a="http://schemas.openxmlformats.org/drawingml/2006/main" xmlns:r="http://schemas.openxmlformats.org/officeDocument/2006/relationships" xmlns:p="http://schemas.openxmlformats.org/presentationml/2006/main">
   <p:cSld>
     <p:spTree>
@@ -6235,7 +9816,76 @@
 </p:sld>
 </file>
 
-<file path=ppt/slides/slide17.xml><?xml version="1.0" encoding="utf-8"?>
+<file path=ppt/slides/slide3.xml><?xml version="1.0" encoding="utf-8"?>
+<p:sld xmlns:a="http://schemas.openxmlformats.org/drawingml/2006/main" xmlns:r="http://schemas.openxmlformats.org/officeDocument/2006/relationships" xmlns:p="http://schemas.openxmlformats.org/presentationml/2006/main">
+  <p:cSld>
+    <p:spTree>
+      <p:nvGrpSpPr>
+        <p:cNvPr id="1" name=""/>
+        <p:cNvGrpSpPr/>
+        <p:nvPr/>
+      </p:nvGrpSpPr>
+      <p:grpSpPr/>
+      <p:sp>
+        <p:nvSpPr>
+          <p:cNvPr id="2" name="标题 1"/>
+          <p:cNvSpPr>
+            <a:spLocks noGrp="1"/>
+          </p:cNvSpPr>
+          <p:nvPr>
+            <p:ph type="title"/>
+          </p:nvPr>
+        </p:nvSpPr>
+        <p:spPr/>
+        <p:txBody>
+          <a:bodyPr/>
+          <a:p>
+            <a:r>
+              <a:rPr lang="zh-CN" altLang="en-US"/>
+              <a:t>事务</a:t>
+            </a:r>
+            <a:endParaRPr lang="zh-CN" altLang="en-US"/>
+          </a:p>
+        </p:txBody>
+      </p:sp>
+      <p:pic>
+        <p:nvPicPr>
+          <p:cNvPr id="4" name="内容占位符 3"/>
+          <p:cNvPicPr>
+            <a:picLocks noChangeAspect="1"/>
+          </p:cNvPicPr>
+          <p:nvPr>
+            <p:ph idx="1"/>
+          </p:nvPr>
+        </p:nvPicPr>
+        <p:blipFill>
+          <a:blip r:embed="rId1"/>
+          <a:stretch>
+            <a:fillRect/>
+          </a:stretch>
+        </p:blipFill>
+        <p:spPr>
+          <a:xfrm>
+            <a:off x="876300" y="2237105"/>
+            <a:ext cx="10440035" cy="3549015"/>
+          </a:xfrm>
+          <a:prstGeom prst="rect">
+            <a:avLst/>
+          </a:prstGeom>
+        </p:spPr>
+      </p:pic>
+    </p:spTree>
+    <p:custDataLst>
+      <p:tags r:id="rId2"/>
+    </p:custDataLst>
+  </p:cSld>
+  <p:clrMapOvr>
+    <a:masterClrMapping/>
+  </p:clrMapOvr>
+</p:sld>
+</file>
+
+<file path=ppt/slides/slide30.xml><?xml version="1.0" encoding="utf-8"?>
 <p:sld xmlns:a="http://schemas.openxmlformats.org/drawingml/2006/main" xmlns:r="http://schemas.openxmlformats.org/officeDocument/2006/relationships" xmlns:p="http://schemas.openxmlformats.org/presentationml/2006/main">
   <p:cSld>
     <p:spTree>
@@ -6304,7 +9954,7 @@
 </p:sld>
 </file>
 
-<file path=ppt/slides/slide18.xml><?xml version="1.0" encoding="utf-8"?>
+<file path=ppt/slides/slide31.xml><?xml version="1.0" encoding="utf-8"?>
 <p:sld xmlns:a="http://schemas.openxmlformats.org/drawingml/2006/main" xmlns:r="http://schemas.openxmlformats.org/officeDocument/2006/relationships" xmlns:p="http://schemas.openxmlformats.org/presentationml/2006/main">
   <p:cSld>
     <p:spTree>
@@ -6385,7 +10035,7 @@
 </p:sld>
 </file>
 
-<file path=ppt/slides/slide19.xml><?xml version="1.0" encoding="utf-8"?>
+<file path=ppt/slides/slide32.xml><?xml version="1.0" encoding="utf-8"?>
 <p:sld xmlns:a="http://schemas.openxmlformats.org/drawingml/2006/main" xmlns:r="http://schemas.openxmlformats.org/officeDocument/2006/relationships" xmlns:p="http://schemas.openxmlformats.org/presentationml/2006/main">
   <p:cSld>
     <p:spTree>
@@ -6476,79 +10126,7 @@
 </p:sld>
 </file>
 
-<file path=ppt/slides/slide2.xml><?xml version="1.0" encoding="utf-8"?>
-<p:sld xmlns:a="http://schemas.openxmlformats.org/drawingml/2006/main" xmlns:r="http://schemas.openxmlformats.org/officeDocument/2006/relationships" xmlns:p="http://schemas.openxmlformats.org/presentationml/2006/main">
-  <p:cSld>
-    <p:spTree>
-      <p:nvGrpSpPr>
-        <p:cNvPr id="1" name=""/>
-        <p:cNvGrpSpPr/>
-        <p:nvPr/>
-      </p:nvGrpSpPr>
-      <p:grpSpPr/>
-      <p:sp>
-        <p:nvSpPr>
-          <p:cNvPr id="2" name="标题 1"/>
-          <p:cNvSpPr>
-            <a:spLocks noGrp="1"/>
-          </p:cNvSpPr>
-          <p:nvPr>
-            <p:ph type="title"/>
-          </p:nvPr>
-        </p:nvSpPr>
-        <p:spPr/>
-        <p:txBody>
-          <a:bodyPr/>
-          <a:p>
-            <a:r>
-              <a:rPr lang="zh-CN" altLang="en-US"/>
-              <a:t>定义</a:t>
-            </a:r>
-            <a:endParaRPr lang="zh-CN" altLang="en-US"/>
-          </a:p>
-        </p:txBody>
-      </p:sp>
-      <p:sp>
-        <p:nvSpPr>
-          <p:cNvPr id="3" name="内容占位符 2"/>
-          <p:cNvSpPr>
-            <a:spLocks noGrp="1"/>
-          </p:cNvSpPr>
-          <p:nvPr>
-            <p:ph idx="1"/>
-          </p:nvPr>
-        </p:nvSpPr>
-        <p:spPr/>
-        <p:txBody>
-          <a:bodyPr/>
-          <a:p>
-            <a:r>
-              <a:rPr lang="zh-CN" altLang="en-US"/>
-              <a:t>分布式系统</a:t>
-            </a:r>
-            <a:endParaRPr lang="zh-CN" altLang="en-US"/>
-          </a:p>
-          <a:p>
-            <a:r>
-              <a:rPr lang="zh-CN" altLang="en-US"/>
-              <a:t>实现事务</a:t>
-            </a:r>
-            <a:endParaRPr lang="zh-CN" altLang="en-US"/>
-          </a:p>
-        </p:txBody>
-      </p:sp>
-    </p:spTree>
-    <p:custDataLst>
-      <p:tags r:id="rId1"/>
-    </p:custDataLst>
-  </p:cSld>
-  <p:clrMapOvr>
-    <a:masterClrMapping/>
-  </p:clrMapOvr>
-</p:sld>
-</file>
-
-<file path=ppt/slides/slide20.xml><?xml version="1.0" encoding="utf-8"?>
+<file path=ppt/slides/slide33.xml><?xml version="1.0" encoding="utf-8"?>
 <p:sld xmlns:a="http://schemas.openxmlformats.org/drawingml/2006/main" xmlns:r="http://schemas.openxmlformats.org/officeDocument/2006/relationships" xmlns:p="http://schemas.openxmlformats.org/presentationml/2006/main">
   <p:cSld>
     <p:spTree>
@@ -6639,7 +10217,7 @@
 </p:sld>
 </file>
 
-<file path=ppt/slides/slide21.xml><?xml version="1.0" encoding="utf-8"?>
+<file path=ppt/slides/slide34.xml><?xml version="1.0" encoding="utf-8"?>
 <p:sld xmlns:a="http://schemas.openxmlformats.org/drawingml/2006/main" xmlns:r="http://schemas.openxmlformats.org/officeDocument/2006/relationships" xmlns:p="http://schemas.openxmlformats.org/presentationml/2006/main">
   <p:cSld>
     <p:spTree>
@@ -6716,7 +10294,7 @@
 </p:sld>
 </file>
 
-<file path=ppt/slides/slide22.xml><?xml version="1.0" encoding="utf-8"?>
+<file path=ppt/slides/slide35.xml><?xml version="1.0" encoding="utf-8"?>
 <p:sld xmlns:a="http://schemas.openxmlformats.org/drawingml/2006/main" xmlns:r="http://schemas.openxmlformats.org/officeDocument/2006/relationships" xmlns:p="http://schemas.openxmlformats.org/presentationml/2006/main">
   <p:cSld>
     <p:spTree>
@@ -6785,7 +10363,7 @@
 </p:sld>
 </file>
 
-<file path=ppt/slides/slide23.xml><?xml version="1.0" encoding="utf-8"?>
+<file path=ppt/slides/slide36.xml><?xml version="1.0" encoding="utf-8"?>
 <p:sld xmlns:a="http://schemas.openxmlformats.org/drawingml/2006/main" xmlns:r="http://schemas.openxmlformats.org/officeDocument/2006/relationships" xmlns:p="http://schemas.openxmlformats.org/presentationml/2006/main">
   <p:cSld>
     <p:spTree>
@@ -6854,7 +10432,7 @@
 </p:sld>
 </file>
 
-<file path=ppt/slides/slide24.xml><?xml version="1.0" encoding="utf-8"?>
+<file path=ppt/slides/slide37.xml><?xml version="1.0" encoding="utf-8"?>
 <p:sld xmlns:a="http://schemas.openxmlformats.org/drawingml/2006/main" xmlns:r="http://schemas.openxmlformats.org/officeDocument/2006/relationships" xmlns:p="http://schemas.openxmlformats.org/presentationml/2006/main">
   <p:cSld>
     <p:spTree>
@@ -6923,7 +10501,7 @@
 </p:sld>
 </file>
 
-<file path=ppt/slides/slide3.xml><?xml version="1.0" encoding="utf-8"?>
+<file path=ppt/slides/slide38.xml><?xml version="1.0" encoding="utf-8"?>
 <p:sld xmlns:a="http://schemas.openxmlformats.org/drawingml/2006/main" xmlns:r="http://schemas.openxmlformats.org/officeDocument/2006/relationships" xmlns:p="http://schemas.openxmlformats.org/presentationml/2006/main">
   <p:cSld>
     <p:spTree>
@@ -6947,14 +10525,6 @@
         <p:txBody>
           <a:bodyPr/>
           <a:p>
-            <a:r>
-              <a:rPr lang="en-US" altLang="zh-CN"/>
-              <a:t>CAP</a:t>
-            </a:r>
-            <a:r>
-              <a:rPr lang="zh-CN" altLang="en-US"/>
-              <a:t>原则</a:t>
-            </a:r>
             <a:endParaRPr lang="zh-CN" altLang="en-US"/>
           </a:p>
         </p:txBody>
@@ -6974,34 +10544,36 @@
           <a:bodyPr/>
           <a:p>
             <a:r>
+              <a:rPr lang="zh-CN" altLang="en-US"/>
+              <a:t>https://www.2cto.com/kf/201803/728799.html</a:t>
+            </a:r>
+            <a:endParaRPr lang="zh-CN" altLang="en-US"/>
+          </a:p>
+          <a:p>
+            <a:r>
+              <a:rPr lang="zh-CN" altLang="en-US"/>
+              <a:t>配合spring-tx实现事务的原理</a:t>
+            </a:r>
+            <a:endParaRPr lang="zh-CN" altLang="en-US"/>
+          </a:p>
+          <a:p>
+            <a:endParaRPr lang="zh-CN" altLang="en-US"/>
+          </a:p>
+          <a:p>
+            <a:r>
+              <a:rPr lang="zh-CN" altLang="en-US"/>
+              <a:t>https://blog.csdn.net/weixin_42861564/article/details/81590093</a:t>
+            </a:r>
+            <a:endParaRPr lang="zh-CN" altLang="en-US"/>
+          </a:p>
+          <a:p>
+            <a:r>
               <a:rPr lang="en-US" altLang="zh-CN"/>
-              <a:t>C  Consistency </a:t>
+              <a:t>Spring</a:t>
             </a:r>
             <a:r>
               <a:rPr lang="zh-CN" altLang="en-US"/>
-              <a:t>一致性</a:t>
-            </a:r>
-            <a:endParaRPr lang="en-US" altLang="zh-CN"/>
-          </a:p>
-          <a:p>
-            <a:r>
-              <a:rPr lang="en-US" altLang="zh-CN"/>
-              <a:t>A  Availability </a:t>
-            </a:r>
-            <a:r>
-              <a:rPr lang="zh-CN" altLang="en-US"/>
-              <a:t>可用性</a:t>
-            </a:r>
-            <a:endParaRPr lang="en-US" altLang="zh-CN"/>
-          </a:p>
-          <a:p>
-            <a:r>
-              <a:rPr lang="en-US" altLang="zh-CN"/>
-              <a:t>P  Partition tolorance </a:t>
-            </a:r>
-            <a:r>
-              <a:rPr lang="zh-CN" altLang="en-US"/>
-              <a:t>分区容错性</a:t>
+              <a:t>事务同步</a:t>
             </a:r>
             <a:endParaRPr lang="zh-CN" altLang="en-US"/>
           </a:p>
@@ -7043,8 +10615,556 @@
           <a:bodyPr/>
           <a:p>
             <a:r>
+              <a:rPr lang="en-US" altLang="zh-CN"/>
+              <a:t>CAP</a:t>
+            </a:r>
+            <a:r>
               <a:rPr lang="zh-CN" altLang="en-US"/>
-              <a:t>事务</a:t>
+              <a:t>原则</a:t>
+            </a:r>
+            <a:endParaRPr lang="zh-CN" altLang="en-US"/>
+          </a:p>
+        </p:txBody>
+      </p:sp>
+      <p:sp>
+        <p:nvSpPr>
+          <p:cNvPr id="3" name="内容占位符 2"/>
+          <p:cNvSpPr>
+            <a:spLocks noGrp="1"/>
+          </p:cNvSpPr>
+          <p:nvPr>
+            <p:ph idx="1"/>
+          </p:nvPr>
+        </p:nvSpPr>
+        <p:spPr/>
+        <p:txBody>
+          <a:bodyPr/>
+          <a:p>
+            <a:r>
+              <a:rPr lang="en-US" altLang="zh-CN"/>
+              <a:t>C  Consistency </a:t>
+            </a:r>
+            <a:r>
+              <a:rPr lang="zh-CN" altLang="en-US"/>
+              <a:t>一致性</a:t>
+            </a:r>
+            <a:endParaRPr lang="zh-CN" altLang="en-US"/>
+          </a:p>
+          <a:p>
+            <a:endParaRPr lang="en-US" altLang="zh-CN"/>
+          </a:p>
+          <a:p>
+            <a:r>
+              <a:rPr lang="en-US" altLang="zh-CN"/>
+              <a:t>A  Availability </a:t>
+            </a:r>
+            <a:r>
+              <a:rPr lang="zh-CN" altLang="en-US"/>
+              <a:t>可用性</a:t>
+            </a:r>
+            <a:endParaRPr lang="zh-CN" altLang="en-US"/>
+          </a:p>
+          <a:p>
+            <a:endParaRPr lang="en-US" altLang="zh-CN"/>
+          </a:p>
+          <a:p>
+            <a:r>
+              <a:rPr lang="en-US" altLang="zh-CN"/>
+              <a:t>P  Partition tolorance </a:t>
+            </a:r>
+            <a:r>
+              <a:rPr lang="zh-CN" altLang="en-US"/>
+              <a:t>分区容错性</a:t>
+            </a:r>
+            <a:endParaRPr lang="zh-CN" altLang="en-US"/>
+          </a:p>
+        </p:txBody>
+      </p:sp>
+    </p:spTree>
+    <p:custDataLst>
+      <p:tags r:id="rId1"/>
+    </p:custDataLst>
+  </p:cSld>
+  <p:clrMapOvr>
+    <a:masterClrMapping/>
+  </p:clrMapOvr>
+</p:sld>
+</file>
+
+<file path=ppt/slides/slide5.xml><?xml version="1.0" encoding="utf-8"?>
+<p:sld xmlns:a="http://schemas.openxmlformats.org/drawingml/2006/main" xmlns:r="http://schemas.openxmlformats.org/officeDocument/2006/relationships" xmlns:p="http://schemas.openxmlformats.org/presentationml/2006/main">
+  <p:cSld>
+    <p:spTree>
+      <p:nvGrpSpPr>
+        <p:cNvPr id="1" name=""/>
+        <p:cNvGrpSpPr/>
+        <p:nvPr/>
+      </p:nvGrpSpPr>
+      <p:grpSpPr/>
+      <p:sp>
+        <p:nvSpPr>
+          <p:cNvPr id="2" name="标题 1"/>
+          <p:cNvSpPr>
+            <a:spLocks noGrp="1"/>
+          </p:cNvSpPr>
+          <p:nvPr>
+            <p:ph type="title"/>
+          </p:nvPr>
+        </p:nvSpPr>
+        <p:spPr/>
+        <p:txBody>
+          <a:bodyPr/>
+          <a:p>
+            <a:r>
+              <a:rPr lang="zh-CN" altLang="en-US"/>
+              <a:t>分布式事务一致性</a:t>
+            </a:r>
+            <a:r>
+              <a:rPr lang="en-US" altLang="zh-CN"/>
+              <a:t>	</a:t>
+            </a:r>
+            <a:endParaRPr lang="en-US" altLang="zh-CN"/>
+          </a:p>
+        </p:txBody>
+      </p:sp>
+      <p:sp>
+        <p:nvSpPr>
+          <p:cNvPr id="3" name="内容占位符 2"/>
+          <p:cNvSpPr>
+            <a:spLocks noGrp="1"/>
+          </p:cNvSpPr>
+          <p:nvPr>
+            <p:ph idx="1"/>
+          </p:nvPr>
+        </p:nvSpPr>
+        <p:spPr/>
+        <p:txBody>
+          <a:bodyPr/>
+          <a:p>
+            <a:r>
+              <a:rPr lang="zh-CN" altLang="en-US"/>
+              <a:t>强一致性 </a:t>
+            </a:r>
+            <a:endParaRPr lang="zh-CN" altLang="en-US"/>
+          </a:p>
+          <a:p>
+            <a:endParaRPr lang="zh-CN" altLang="en-US"/>
+          </a:p>
+          <a:p>
+            <a:r>
+              <a:rPr lang="zh-CN" altLang="en-US"/>
+              <a:t>弱一致性</a:t>
+            </a:r>
+            <a:endParaRPr lang="zh-CN" altLang="en-US"/>
+          </a:p>
+          <a:p>
+            <a:endParaRPr lang="zh-CN" altLang="en-US"/>
+          </a:p>
+          <a:p>
+            <a:r>
+              <a:rPr lang="zh-CN" altLang="en-US"/>
+              <a:t>最终一致性</a:t>
+            </a:r>
+            <a:endParaRPr lang="zh-CN" altLang="en-US"/>
+          </a:p>
+        </p:txBody>
+      </p:sp>
+    </p:spTree>
+    <p:custDataLst>
+      <p:tags r:id="rId1"/>
+    </p:custDataLst>
+  </p:cSld>
+  <p:clrMapOvr>
+    <a:masterClrMapping/>
+  </p:clrMapOvr>
+</p:sld>
+</file>
+
+<file path=ppt/slides/slide6.xml><?xml version="1.0" encoding="utf-8"?>
+<p:sld xmlns:a="http://schemas.openxmlformats.org/drawingml/2006/main" xmlns:r="http://schemas.openxmlformats.org/officeDocument/2006/relationships" xmlns:p="http://schemas.openxmlformats.org/presentationml/2006/main">
+  <p:cSld>
+    <p:spTree>
+      <p:nvGrpSpPr>
+        <p:cNvPr id="1" name=""/>
+        <p:cNvGrpSpPr/>
+        <p:nvPr/>
+      </p:nvGrpSpPr>
+      <p:grpSpPr/>
+      <p:sp>
+        <p:nvSpPr>
+          <p:cNvPr id="2" name="标题 1"/>
+          <p:cNvSpPr>
+            <a:spLocks noGrp="1"/>
+          </p:cNvSpPr>
+          <p:nvPr>
+            <p:ph type="title"/>
+          </p:nvPr>
+        </p:nvSpPr>
+        <p:spPr/>
+        <p:txBody>
+          <a:bodyPr/>
+          <a:p>
+            <a:r>
+              <a:rPr lang="en-US" altLang="zh-CN"/>
+              <a:t>BASE</a:t>
+            </a:r>
+            <a:r>
+              <a:rPr lang="zh-CN" altLang="en-US"/>
+              <a:t>理论</a:t>
+            </a:r>
+            <a:endParaRPr lang="zh-CN" altLang="en-US"/>
+          </a:p>
+        </p:txBody>
+      </p:sp>
+      <p:sp>
+        <p:nvSpPr>
+          <p:cNvPr id="3" name="内容占位符 2"/>
+          <p:cNvSpPr>
+            <a:spLocks noGrp="1"/>
+          </p:cNvSpPr>
+          <p:nvPr>
+            <p:ph idx="1"/>
+          </p:nvPr>
+        </p:nvSpPr>
+        <p:spPr/>
+        <p:txBody>
+          <a:bodyPr/>
+          <a:p>
+            <a:r>
+              <a:rPr lang="en-US" altLang="zh-CN"/>
+              <a:t>Basic Available</a:t>
+            </a:r>
+            <a:endParaRPr lang="zh-CN" altLang="en-US"/>
+          </a:p>
+          <a:p>
+            <a:endParaRPr lang="zh-CN" altLang="en-US"/>
+          </a:p>
+          <a:p>
+            <a:r>
+              <a:rPr lang="en-US" altLang="zh-CN"/>
+              <a:t>Soft state </a:t>
+            </a:r>
+            <a:endParaRPr lang="en-US" altLang="zh-CN"/>
+          </a:p>
+          <a:p>
+            <a:endParaRPr lang="zh-CN" altLang="en-US"/>
+          </a:p>
+          <a:p>
+            <a:r>
+              <a:rPr lang="en-US" altLang="zh-CN"/>
+              <a:t>Eventually Consistent</a:t>
+            </a:r>
+            <a:endParaRPr lang="en-US" altLang="zh-CN"/>
+          </a:p>
+        </p:txBody>
+      </p:sp>
+    </p:spTree>
+    <p:custDataLst>
+      <p:tags r:id="rId1"/>
+    </p:custDataLst>
+  </p:cSld>
+  <p:clrMapOvr>
+    <a:masterClrMapping/>
+  </p:clrMapOvr>
+</p:sld>
+</file>
+
+<file path=ppt/slides/slide7.xml><?xml version="1.0" encoding="utf-8"?>
+<p:sld xmlns:a="http://schemas.openxmlformats.org/drawingml/2006/main" xmlns:r="http://schemas.openxmlformats.org/officeDocument/2006/relationships" xmlns:p="http://schemas.openxmlformats.org/presentationml/2006/main">
+  <p:cSld>
+    <p:spTree>
+      <p:nvGrpSpPr>
+        <p:cNvPr id="1" name=""/>
+        <p:cNvGrpSpPr/>
+        <p:nvPr/>
+      </p:nvGrpSpPr>
+      <p:grpSpPr/>
+      <p:sp>
+        <p:nvSpPr>
+          <p:cNvPr id="2" name="标题 1"/>
+          <p:cNvSpPr>
+            <a:spLocks noGrp="1"/>
+          </p:cNvSpPr>
+          <p:nvPr>
+            <p:ph type="title"/>
+          </p:nvPr>
+        </p:nvSpPr>
+        <p:spPr/>
+        <p:txBody>
+          <a:bodyPr/>
+          <a:p>
+            <a:r>
+              <a:rPr lang="en-US" altLang="zh-CN"/>
+              <a:t>Agenda</a:t>
+            </a:r>
+            <a:endParaRPr lang="en-US" altLang="zh-CN"/>
+          </a:p>
+        </p:txBody>
+      </p:sp>
+      <p:sp>
+        <p:nvSpPr>
+          <p:cNvPr id="3" name="内容占位符 2"/>
+          <p:cNvSpPr>
+            <a:spLocks noGrp="1"/>
+          </p:cNvSpPr>
+          <p:nvPr>
+            <p:ph idx="1"/>
+          </p:nvPr>
+        </p:nvSpPr>
+        <p:spPr>
+          <a:xfrm>
+            <a:off x="876300" y="1852295"/>
+            <a:ext cx="10440035" cy="4310380"/>
+          </a:xfrm>
+        </p:spPr>
+        <p:txBody>
+          <a:bodyPr/>
+          <a:p>
+            <a:r>
+              <a:rPr lang="en-US" altLang="zh-CN"/>
+              <a:t>Spring</a:t>
+            </a:r>
+            <a:r>
+              <a:rPr lang="zh-CN" altLang="en-US"/>
+              <a:t>事务机制</a:t>
+            </a:r>
+            <a:endParaRPr lang="zh-CN" altLang="en-US"/>
+          </a:p>
+          <a:p>
+            <a:endParaRPr lang="en-US" altLang="zh-CN"/>
+          </a:p>
+          <a:p>
+            <a:r>
+              <a:rPr lang="en-US" altLang="zh-CN"/>
+              <a:t>JTA</a:t>
+            </a:r>
+            <a:r>
+              <a:rPr lang="zh-CN" altLang="en-US"/>
+              <a:t>与</a:t>
+            </a:r>
+            <a:r>
+              <a:rPr lang="en-US" altLang="zh-CN"/>
+              <a:t>XA</a:t>
+            </a:r>
+            <a:endParaRPr lang="en-US" altLang="zh-CN"/>
+          </a:p>
+          <a:p>
+            <a:endParaRPr lang="en-US" altLang="zh-CN"/>
+          </a:p>
+          <a:p>
+            <a:r>
+              <a:rPr lang="en-US" altLang="zh-CN"/>
+              <a:t>Spring JTA</a:t>
+            </a:r>
+            <a:r>
+              <a:rPr lang="zh-CN" altLang="en-US"/>
+              <a:t>分布式事务实现</a:t>
+            </a:r>
+            <a:endParaRPr lang="zh-CN" altLang="en-US"/>
+          </a:p>
+          <a:p>
+            <a:endParaRPr lang="zh-CN" altLang="en-US"/>
+          </a:p>
+          <a:p>
+            <a:r>
+              <a:rPr lang="en-US" altLang="zh-CN"/>
+              <a:t>Spring </a:t>
+            </a:r>
+            <a:r>
+              <a:rPr lang="zh-CN" altLang="en-US"/>
+              <a:t>不使用</a:t>
+            </a:r>
+            <a:r>
+              <a:rPr lang="en-US" altLang="zh-CN"/>
+              <a:t>JTA</a:t>
+            </a:r>
+            <a:r>
+              <a:rPr lang="zh-CN" altLang="en-US"/>
+              <a:t>的分布式事务实现</a:t>
+            </a:r>
+            <a:endParaRPr lang="zh-CN" altLang="en-US"/>
+          </a:p>
+        </p:txBody>
+      </p:sp>
+    </p:spTree>
+    <p:custDataLst>
+      <p:tags r:id="rId1"/>
+    </p:custDataLst>
+  </p:cSld>
+  <p:clrMapOvr>
+    <a:masterClrMapping/>
+  </p:clrMapOvr>
+</p:sld>
+</file>
+
+<file path=ppt/slides/slide8.xml><?xml version="1.0" encoding="utf-8"?>
+<p:sld xmlns:a="http://schemas.openxmlformats.org/drawingml/2006/main" xmlns:r="http://schemas.openxmlformats.org/officeDocument/2006/relationships" xmlns:p="http://schemas.openxmlformats.org/presentationml/2006/main">
+  <p:cSld>
+    <p:spTree>
+      <p:nvGrpSpPr>
+        <p:cNvPr id="1" name=""/>
+        <p:cNvGrpSpPr/>
+        <p:nvPr/>
+      </p:nvGrpSpPr>
+      <p:grpSpPr/>
+      <p:sp>
+        <p:nvSpPr>
+          <p:cNvPr id="2" name="标题 1"/>
+          <p:cNvSpPr>
+            <a:spLocks noGrp="1"/>
+          </p:cNvSpPr>
+          <p:nvPr>
+            <p:ph type="title"/>
+          </p:nvPr>
+        </p:nvSpPr>
+        <p:spPr/>
+        <p:txBody>
+          <a:bodyPr/>
+          <a:p>
+            <a:r>
+              <a:rPr lang="en-US" altLang="zh-CN"/>
+              <a:t>Spring</a:t>
+            </a:r>
+            <a:r>
+              <a:rPr lang="zh-CN" altLang="en-US"/>
+              <a:t>事务机制</a:t>
+            </a:r>
+            <a:r>
+              <a:rPr lang="en-US" altLang="zh-CN"/>
+              <a:t>-</a:t>
+            </a:r>
+            <a:r>
+              <a:rPr lang="zh-CN" altLang="en-US"/>
+              <a:t>本地事务</a:t>
+            </a:r>
+            <a:endParaRPr lang="zh-CN" altLang="en-US"/>
+          </a:p>
+        </p:txBody>
+      </p:sp>
+      <p:sp>
+        <p:nvSpPr>
+          <p:cNvPr id="3" name="内容占位符 2"/>
+          <p:cNvSpPr>
+            <a:spLocks noGrp="1"/>
+          </p:cNvSpPr>
+          <p:nvPr>
+            <p:ph idx="1"/>
+          </p:nvPr>
+        </p:nvSpPr>
+        <p:spPr>
+          <a:xfrm>
+            <a:off x="875665" y="2122170"/>
+            <a:ext cx="10440035" cy="3769360"/>
+          </a:xfrm>
+        </p:spPr>
+        <p:txBody>
+          <a:bodyPr>
+            <a:normAutofit/>
+          </a:bodyPr>
+          <a:p>
+            <a:r>
+              <a:rPr lang="en-US" altLang="zh-CN"/>
+              <a:t>Spring</a:t>
+            </a:r>
+            <a:r>
+              <a:rPr lang="zh-CN" altLang="en-US"/>
+              <a:t>容器管理生命周期</a:t>
+            </a:r>
+            <a:endParaRPr lang="zh-CN" altLang="en-US"/>
+          </a:p>
+          <a:p>
+            <a:endParaRPr lang="zh-CN" altLang="en-US"/>
+          </a:p>
+          <a:p>
+            <a:r>
+              <a:rPr lang="zh-CN" altLang="en-US"/>
+              <a:t>通过</a:t>
+            </a:r>
+            <a:r>
+              <a:rPr lang="en-US" altLang="zh-CN"/>
+              <a:t>Spring</a:t>
+            </a:r>
+            <a:r>
+              <a:rPr lang="zh-CN" altLang="en-US"/>
+              <a:t>事务接口调用</a:t>
+            </a:r>
+            <a:endParaRPr lang="zh-CN" altLang="en-US"/>
+          </a:p>
+          <a:p>
+            <a:endParaRPr lang="zh-CN" altLang="en-US"/>
+          </a:p>
+          <a:p>
+            <a:r>
+              <a:rPr lang="zh-CN" altLang="en-US"/>
+              <a:t>业务代码与具体事务的实现无关</a:t>
+            </a:r>
+            <a:endParaRPr lang="zh-CN" altLang="en-US"/>
+          </a:p>
+          <a:p>
+            <a:endParaRPr lang="zh-CN" altLang="en-US"/>
+          </a:p>
+        </p:txBody>
+      </p:sp>
+    </p:spTree>
+    <p:custDataLst>
+      <p:tags r:id="rId1"/>
+    </p:custDataLst>
+  </p:cSld>
+  <p:clrMapOvr>
+    <a:masterClrMapping/>
+  </p:clrMapOvr>
+</p:sld>
+</file>
+
+<file path=ppt/slides/slide9.xml><?xml version="1.0" encoding="utf-8"?>
+<p:sld xmlns:a="http://schemas.openxmlformats.org/drawingml/2006/main" xmlns:r="http://schemas.openxmlformats.org/officeDocument/2006/relationships" xmlns:p="http://schemas.openxmlformats.org/presentationml/2006/main">
+  <p:cSld>
+    <p:spTree>
+      <p:nvGrpSpPr>
+        <p:cNvPr id="1" name=""/>
+        <p:cNvGrpSpPr/>
+        <p:nvPr/>
+      </p:nvGrpSpPr>
+      <p:grpSpPr/>
+      <p:sp>
+        <p:nvSpPr>
+          <p:cNvPr id="2" name="标题 1"/>
+          <p:cNvSpPr>
+            <a:spLocks noGrp="1"/>
+          </p:cNvSpPr>
+          <p:nvPr>
+            <p:ph type="title"/>
+          </p:nvPr>
+        </p:nvSpPr>
+        <p:spPr/>
+        <p:txBody>
+          <a:bodyPr>
+            <a:normAutofit/>
+          </a:bodyPr>
+          <a:p>
+            <a:r>
+              <a:rPr lang="en-US" altLang="zh-CN">
+                <a:sym typeface="+mn-ea"/>
+              </a:rPr>
+              <a:t>Spring</a:t>
+            </a:r>
+            <a:r>
+              <a:rPr lang="zh-CN" altLang="en-US">
+                <a:sym typeface="+mn-ea"/>
+              </a:rPr>
+              <a:t>事务机制</a:t>
+            </a:r>
+            <a:r>
+              <a:rPr lang="en-US" altLang="zh-CN">
+                <a:sym typeface="+mn-ea"/>
+              </a:rPr>
+              <a:t>-</a:t>
+            </a:r>
+            <a:r>
+              <a:rPr lang="zh-CN" altLang="en-US">
+                <a:sym typeface="+mn-ea"/>
+              </a:rPr>
+              <a:t>本地事务</a:t>
             </a:r>
             <a:endParaRPr lang="zh-CN" altLang="en-US"/>
           </a:p>
@@ -7068,8 +11188,8 @@
         </p:blipFill>
         <p:spPr>
           <a:xfrm>
-            <a:off x="876300" y="2237105"/>
-            <a:ext cx="10440035" cy="3549015"/>
+            <a:off x="916940" y="1852295"/>
+            <a:ext cx="10357485" cy="4319905"/>
           </a:xfrm>
           <a:prstGeom prst="rect">
             <a:avLst/>
@@ -7087,433 +11207,6 @@
 </p:sld>
 </file>
 
-<file path=ppt/slides/slide5.xml><?xml version="1.0" encoding="utf-8"?>
-<p:sld xmlns:a="http://schemas.openxmlformats.org/drawingml/2006/main" xmlns:r="http://schemas.openxmlformats.org/officeDocument/2006/relationships" xmlns:p="http://schemas.openxmlformats.org/presentationml/2006/main">
-  <p:cSld>
-    <p:spTree>
-      <p:nvGrpSpPr>
-        <p:cNvPr id="1" name=""/>
-        <p:cNvGrpSpPr/>
-        <p:nvPr/>
-      </p:nvGrpSpPr>
-      <p:grpSpPr/>
-      <p:sp>
-        <p:nvSpPr>
-          <p:cNvPr id="2" name="标题 1"/>
-          <p:cNvSpPr>
-            <a:spLocks noGrp="1"/>
-          </p:cNvSpPr>
-          <p:nvPr>
-            <p:ph type="title"/>
-          </p:nvPr>
-        </p:nvSpPr>
-        <p:spPr/>
-        <p:txBody>
-          <a:bodyPr/>
-          <a:p>
-            <a:r>
-              <a:rPr lang="zh-CN" altLang="en-US"/>
-              <a:t>分布式事务一致性</a:t>
-            </a:r>
-            <a:r>
-              <a:rPr lang="en-US" altLang="zh-CN"/>
-              <a:t>	</a:t>
-            </a:r>
-            <a:endParaRPr lang="en-US" altLang="zh-CN"/>
-          </a:p>
-        </p:txBody>
-      </p:sp>
-      <p:sp>
-        <p:nvSpPr>
-          <p:cNvPr id="3" name="内容占位符 2"/>
-          <p:cNvSpPr>
-            <a:spLocks noGrp="1"/>
-          </p:cNvSpPr>
-          <p:nvPr>
-            <p:ph idx="1"/>
-          </p:nvPr>
-        </p:nvSpPr>
-        <p:spPr/>
-        <p:txBody>
-          <a:bodyPr/>
-          <a:p>
-            <a:r>
-              <a:rPr lang="zh-CN" altLang="en-US"/>
-              <a:t>强一致性 </a:t>
-            </a:r>
-            <a:endParaRPr lang="zh-CN" altLang="en-US"/>
-          </a:p>
-          <a:p>
-            <a:r>
-              <a:rPr lang="zh-CN" altLang="en-US"/>
-              <a:t>弱一致性</a:t>
-            </a:r>
-            <a:endParaRPr lang="zh-CN" altLang="en-US"/>
-          </a:p>
-          <a:p>
-            <a:r>
-              <a:rPr lang="zh-CN" altLang="en-US"/>
-              <a:t>最终一致性</a:t>
-            </a:r>
-            <a:endParaRPr lang="zh-CN" altLang="en-US"/>
-          </a:p>
-        </p:txBody>
-      </p:sp>
-    </p:spTree>
-    <p:custDataLst>
-      <p:tags r:id="rId1"/>
-    </p:custDataLst>
-  </p:cSld>
-  <p:clrMapOvr>
-    <a:masterClrMapping/>
-  </p:clrMapOvr>
-</p:sld>
-</file>
-
-<file path=ppt/slides/slide6.xml><?xml version="1.0" encoding="utf-8"?>
-<p:sld xmlns:a="http://schemas.openxmlformats.org/drawingml/2006/main" xmlns:r="http://schemas.openxmlformats.org/officeDocument/2006/relationships" xmlns:p="http://schemas.openxmlformats.org/presentationml/2006/main">
-  <p:cSld>
-    <p:spTree>
-      <p:nvGrpSpPr>
-        <p:cNvPr id="1" name=""/>
-        <p:cNvGrpSpPr/>
-        <p:nvPr/>
-      </p:nvGrpSpPr>
-      <p:grpSpPr/>
-      <p:sp>
-        <p:nvSpPr>
-          <p:cNvPr id="2" name="标题 1"/>
-          <p:cNvSpPr>
-            <a:spLocks noGrp="1"/>
-          </p:cNvSpPr>
-          <p:nvPr>
-            <p:ph type="title"/>
-          </p:nvPr>
-        </p:nvSpPr>
-        <p:spPr/>
-        <p:txBody>
-          <a:bodyPr/>
-          <a:p>
-            <a:r>
-              <a:rPr lang="en-US" altLang="zh-CN"/>
-              <a:t>Agenda</a:t>
-            </a:r>
-            <a:endParaRPr lang="en-US" altLang="zh-CN"/>
-          </a:p>
-        </p:txBody>
-      </p:sp>
-      <p:sp>
-        <p:nvSpPr>
-          <p:cNvPr id="3" name="内容占位符 2"/>
-          <p:cNvSpPr>
-            <a:spLocks noGrp="1"/>
-          </p:cNvSpPr>
-          <p:nvPr>
-            <p:ph idx="1"/>
-          </p:nvPr>
-        </p:nvSpPr>
-        <p:spPr/>
-        <p:txBody>
-          <a:bodyPr/>
-          <a:p>
-            <a:r>
-              <a:rPr lang="en-US" altLang="zh-CN"/>
-              <a:t>JTA</a:t>
-            </a:r>
-            <a:r>
-              <a:rPr lang="zh-CN" altLang="en-US"/>
-              <a:t>与</a:t>
-            </a:r>
-            <a:r>
-              <a:rPr lang="en-US" altLang="zh-CN"/>
-              <a:t>XA</a:t>
-            </a:r>
-            <a:endParaRPr lang="en-US" altLang="zh-CN"/>
-          </a:p>
-          <a:p>
-            <a:r>
-              <a:rPr lang="en-US" altLang="zh-CN"/>
-              <a:t>Spring JTA</a:t>
-            </a:r>
-            <a:r>
-              <a:rPr lang="zh-CN" altLang="en-US"/>
-              <a:t>分布式事务实现</a:t>
-            </a:r>
-            <a:endParaRPr lang="zh-CN" altLang="en-US"/>
-          </a:p>
-          <a:p>
-            <a:r>
-              <a:rPr lang="en-US" altLang="zh-CN"/>
-              <a:t>Spring </a:t>
-            </a:r>
-            <a:r>
-              <a:rPr lang="zh-CN" altLang="en-US"/>
-              <a:t>不使用</a:t>
-            </a:r>
-            <a:r>
-              <a:rPr lang="en-US" altLang="zh-CN"/>
-              <a:t>JTA</a:t>
-            </a:r>
-            <a:r>
-              <a:rPr lang="zh-CN" altLang="en-US"/>
-              <a:t>的分布式事务实现</a:t>
-            </a:r>
-            <a:endParaRPr lang="zh-CN" altLang="en-US"/>
-          </a:p>
-        </p:txBody>
-      </p:sp>
-    </p:spTree>
-    <p:custDataLst>
-      <p:tags r:id="rId1"/>
-    </p:custDataLst>
-  </p:cSld>
-  <p:clrMapOvr>
-    <a:masterClrMapping/>
-  </p:clrMapOvr>
-</p:sld>
-</file>
-
-<file path=ppt/slides/slide7.xml><?xml version="1.0" encoding="utf-8"?>
-<p:sld xmlns:a="http://schemas.openxmlformats.org/drawingml/2006/main" xmlns:r="http://schemas.openxmlformats.org/officeDocument/2006/relationships" xmlns:p="http://schemas.openxmlformats.org/presentationml/2006/main">
-  <p:cSld>
-    <p:spTree>
-      <p:nvGrpSpPr>
-        <p:cNvPr id="1" name=""/>
-        <p:cNvGrpSpPr/>
-        <p:nvPr/>
-      </p:nvGrpSpPr>
-      <p:grpSpPr/>
-      <p:sp>
-        <p:nvSpPr>
-          <p:cNvPr id="2" name="标题 1"/>
-          <p:cNvSpPr>
-            <a:spLocks noGrp="1"/>
-          </p:cNvSpPr>
-          <p:nvPr>
-            <p:ph type="title"/>
-          </p:nvPr>
-        </p:nvSpPr>
-        <p:spPr/>
-        <p:txBody>
-          <a:bodyPr/>
-          <a:p>
-            <a:r>
-              <a:rPr lang="en-US" altLang="zh-CN"/>
-              <a:t>XA</a:t>
-            </a:r>
-            <a:r>
-              <a:rPr lang="zh-CN" altLang="en-US"/>
-              <a:t>与</a:t>
-            </a:r>
-            <a:r>
-              <a:rPr lang="en-US" altLang="zh-CN"/>
-              <a:t>JTA</a:t>
-            </a:r>
-            <a:endParaRPr lang="en-US" altLang="zh-CN"/>
-          </a:p>
-        </p:txBody>
-      </p:sp>
-      <p:sp>
-        <p:nvSpPr>
-          <p:cNvPr id="3" name="内容占位符 2"/>
-          <p:cNvSpPr>
-            <a:spLocks noGrp="1"/>
-          </p:cNvSpPr>
-          <p:nvPr>
-            <p:ph idx="1"/>
-          </p:nvPr>
-        </p:nvSpPr>
-        <p:spPr/>
-        <p:txBody>
-          <a:bodyPr/>
-          <a:p>
-            <a:r>
-              <a:rPr lang="en-US" altLang="zh-CN"/>
-              <a:t>Transaction Manager</a:t>
-            </a:r>
-            <a:endParaRPr lang="en-US" altLang="zh-CN"/>
-          </a:p>
-          <a:p>
-            <a:r>
-              <a:rPr lang="en-US" altLang="zh-CN"/>
-              <a:t>XA Resource</a:t>
-            </a:r>
-            <a:endParaRPr lang="en-US" altLang="zh-CN"/>
-          </a:p>
-          <a:p>
-            <a:r>
-              <a:rPr lang="zh-CN" altLang="en-US"/>
-              <a:t>两阶段提交</a:t>
-            </a:r>
-            <a:endParaRPr lang="zh-CN" altLang="en-US"/>
-          </a:p>
-        </p:txBody>
-      </p:sp>
-    </p:spTree>
-    <p:custDataLst>
-      <p:tags r:id="rId1"/>
-    </p:custDataLst>
-  </p:cSld>
-  <p:clrMapOvr>
-    <a:masterClrMapping/>
-  </p:clrMapOvr>
-</p:sld>
-</file>
-
-<file path=ppt/slides/slide8.xml><?xml version="1.0" encoding="utf-8"?>
-<p:sld xmlns:a="http://schemas.openxmlformats.org/drawingml/2006/main" xmlns:r="http://schemas.openxmlformats.org/officeDocument/2006/relationships" xmlns:p="http://schemas.openxmlformats.org/presentationml/2006/main">
-  <p:cSld>
-    <p:spTree>
-      <p:nvGrpSpPr>
-        <p:cNvPr id="1" name=""/>
-        <p:cNvGrpSpPr/>
-        <p:nvPr/>
-      </p:nvGrpSpPr>
-      <p:grpSpPr/>
-      <p:sp>
-        <p:nvSpPr>
-          <p:cNvPr id="2" name="标题 1"/>
-          <p:cNvSpPr>
-            <a:spLocks noGrp="1"/>
-          </p:cNvSpPr>
-          <p:nvPr>
-            <p:ph type="title"/>
-          </p:nvPr>
-        </p:nvSpPr>
-        <p:spPr/>
-        <p:txBody>
-          <a:bodyPr/>
-          <a:p>
-            <a:r>
-              <a:rPr lang="en-US" altLang="zh-CN"/>
-              <a:t>XA</a:t>
-            </a:r>
-            <a:r>
-              <a:rPr lang="zh-CN" altLang="en-US"/>
-              <a:t>与</a:t>
-            </a:r>
-            <a:r>
-              <a:rPr lang="en-US" altLang="zh-CN"/>
-              <a:t>JTA</a:t>
-            </a:r>
-            <a:endParaRPr lang="en-US" altLang="zh-CN"/>
-          </a:p>
-        </p:txBody>
-      </p:sp>
-      <p:pic>
-        <p:nvPicPr>
-          <p:cNvPr id="4" name="内容占位符 3"/>
-          <p:cNvPicPr>
-            <a:picLocks noChangeAspect="1"/>
-          </p:cNvPicPr>
-          <p:nvPr>
-            <p:ph idx="1"/>
-          </p:nvPr>
-        </p:nvPicPr>
-        <p:blipFill>
-          <a:blip r:embed="rId1"/>
-          <a:stretch>
-            <a:fillRect/>
-          </a:stretch>
-        </p:blipFill>
-        <p:spPr>
-          <a:xfrm>
-            <a:off x="876300" y="2057400"/>
-            <a:ext cx="10440035" cy="3909060"/>
-          </a:xfrm>
-          <a:prstGeom prst="rect">
-            <a:avLst/>
-          </a:prstGeom>
-        </p:spPr>
-      </p:pic>
-    </p:spTree>
-    <p:custDataLst>
-      <p:tags r:id="rId2"/>
-    </p:custDataLst>
-  </p:cSld>
-  <p:clrMapOvr>
-    <a:masterClrMapping/>
-  </p:clrMapOvr>
-</p:sld>
-</file>
-
-<file path=ppt/slides/slide9.xml><?xml version="1.0" encoding="utf-8"?>
-<p:sld xmlns:a="http://schemas.openxmlformats.org/drawingml/2006/main" xmlns:r="http://schemas.openxmlformats.org/officeDocument/2006/relationships" xmlns:p="http://schemas.openxmlformats.org/presentationml/2006/main">
-  <p:cSld>
-    <p:spTree>
-      <p:nvGrpSpPr>
-        <p:cNvPr id="1" name=""/>
-        <p:cNvGrpSpPr/>
-        <p:nvPr/>
-      </p:nvGrpSpPr>
-      <p:grpSpPr/>
-      <p:sp>
-        <p:nvSpPr>
-          <p:cNvPr id="2" name="标题 1"/>
-          <p:cNvSpPr>
-            <a:spLocks noGrp="1"/>
-          </p:cNvSpPr>
-          <p:nvPr>
-            <p:ph type="title"/>
-          </p:nvPr>
-        </p:nvSpPr>
-        <p:spPr/>
-        <p:txBody>
-          <a:bodyPr/>
-          <a:p>
-            <a:r>
-              <a:rPr lang="en-US" altLang="zh-CN"/>
-              <a:t>XA</a:t>
-            </a:r>
-            <a:r>
-              <a:rPr lang="zh-CN" altLang="en-US"/>
-              <a:t>与</a:t>
-            </a:r>
-            <a:r>
-              <a:rPr lang="en-US" altLang="zh-CN"/>
-              <a:t>JTA</a:t>
-            </a:r>
-            <a:endParaRPr lang="en-US" altLang="zh-CN"/>
-          </a:p>
-        </p:txBody>
-      </p:sp>
-      <p:pic>
-        <p:nvPicPr>
-          <p:cNvPr id="4" name="内容占位符 3"/>
-          <p:cNvPicPr>
-            <a:picLocks noChangeAspect="1"/>
-          </p:cNvPicPr>
-          <p:nvPr>
-            <p:ph idx="1"/>
-          </p:nvPr>
-        </p:nvPicPr>
-        <p:blipFill>
-          <a:blip r:embed="rId1"/>
-          <a:stretch>
-            <a:fillRect/>
-          </a:stretch>
-        </p:blipFill>
-        <p:spPr>
-          <a:xfrm>
-            <a:off x="1426845" y="1852295"/>
-            <a:ext cx="9338310" cy="4319905"/>
-          </a:xfrm>
-          <a:prstGeom prst="rect">
-            <a:avLst/>
-          </a:prstGeom>
-        </p:spPr>
-      </p:pic>
-    </p:spTree>
-    <p:custDataLst>
-      <p:tags r:id="rId2"/>
-    </p:custDataLst>
-  </p:cSld>
-  <p:clrMapOvr>
-    <a:masterClrMapping/>
-  </p:clrMapOvr>
-</p:sld>
-</file>
-
 <file path=ppt/tags/tag1.xml><?xml version="1.0" encoding="utf-8"?>
 <p:tagLst xmlns:p="http://schemas.openxmlformats.org/presentationml/2006/main">
   <p:tag name="PA" val="v3.0.1"/>
@@ -7680,9 +11373,97 @@
 </p:tagLst>
 </file>
 
+<file path=ppt/tags/tag29.xml><?xml version="1.0" encoding="utf-8"?>
+<p:tagLst xmlns:p="http://schemas.openxmlformats.org/presentationml/2006/main">
+  <p:tag name="KSO_WM_BEAUTIFY_FLAG" val="#wm#"/>
+  <p:tag name="KSO_WM_TEMPLATE_CATEGORY" val="custom"/>
+  <p:tag name="KSO_WM_TEMPLATE_INDEX" val="20184545"/>
+</p:tagLst>
+</file>
+
 <file path=ppt/tags/tag3.xml><?xml version="1.0" encoding="utf-8"?>
 <p:tagLst xmlns:p="http://schemas.openxmlformats.org/presentationml/2006/main">
   <p:tag name="KSO_WM_TAG_VERSION" val="1.0"/>
+  <p:tag name="KSO_WM_TEMPLATE_CATEGORY" val="custom"/>
+  <p:tag name="KSO_WM_TEMPLATE_INDEX" val="20184545"/>
+</p:tagLst>
+</file>
+
+<file path=ppt/tags/tag30.xml><?xml version="1.0" encoding="utf-8"?>
+<p:tagLst xmlns:p="http://schemas.openxmlformats.org/presentationml/2006/main">
+  <p:tag name="KSO_WM_BEAUTIFY_FLAG" val="#wm#"/>
+  <p:tag name="KSO_WM_TEMPLATE_CATEGORY" val="custom"/>
+  <p:tag name="KSO_WM_TEMPLATE_INDEX" val="20184545"/>
+</p:tagLst>
+</file>
+
+<file path=ppt/tags/tag31.xml><?xml version="1.0" encoding="utf-8"?>
+<p:tagLst xmlns:p="http://schemas.openxmlformats.org/presentationml/2006/main">
+  <p:tag name="KSO_WM_BEAUTIFY_FLAG" val="#wm#"/>
+  <p:tag name="KSO_WM_TEMPLATE_CATEGORY" val="custom"/>
+  <p:tag name="KSO_WM_TEMPLATE_INDEX" val="20184545"/>
+</p:tagLst>
+</file>
+
+<file path=ppt/tags/tag32.xml><?xml version="1.0" encoding="utf-8"?>
+<p:tagLst xmlns:p="http://schemas.openxmlformats.org/presentationml/2006/main">
+  <p:tag name="KSO_WM_BEAUTIFY_FLAG" val="#wm#"/>
+  <p:tag name="KSO_WM_TEMPLATE_CATEGORY" val="custom"/>
+  <p:tag name="KSO_WM_TEMPLATE_INDEX" val="20184545"/>
+</p:tagLst>
+</file>
+
+<file path=ppt/tags/tag33.xml><?xml version="1.0" encoding="utf-8"?>
+<p:tagLst xmlns:p="http://schemas.openxmlformats.org/presentationml/2006/main">
+  <p:tag name="KSO_WM_BEAUTIFY_FLAG" val="#wm#"/>
+  <p:tag name="KSO_WM_TEMPLATE_CATEGORY" val="custom"/>
+  <p:tag name="KSO_WM_TEMPLATE_INDEX" val="20184545"/>
+</p:tagLst>
+</file>
+
+<file path=ppt/tags/tag34.xml><?xml version="1.0" encoding="utf-8"?>
+<p:tagLst xmlns:p="http://schemas.openxmlformats.org/presentationml/2006/main">
+  <p:tag name="KSO_WM_BEAUTIFY_FLAG" val="#wm#"/>
+  <p:tag name="KSO_WM_TEMPLATE_CATEGORY" val="custom"/>
+  <p:tag name="KSO_WM_TEMPLATE_INDEX" val="20184545"/>
+</p:tagLst>
+</file>
+
+<file path=ppt/tags/tag35.xml><?xml version="1.0" encoding="utf-8"?>
+<p:tagLst xmlns:p="http://schemas.openxmlformats.org/presentationml/2006/main">
+  <p:tag name="KSO_WM_BEAUTIFY_FLAG" val="#wm#"/>
+  <p:tag name="KSO_WM_TEMPLATE_CATEGORY" val="custom"/>
+  <p:tag name="KSO_WM_TEMPLATE_INDEX" val="20184545"/>
+</p:tagLst>
+</file>
+
+<file path=ppt/tags/tag36.xml><?xml version="1.0" encoding="utf-8"?>
+<p:tagLst xmlns:p="http://schemas.openxmlformats.org/presentationml/2006/main">
+  <p:tag name="KSO_WM_BEAUTIFY_FLAG" val="#wm#"/>
+  <p:tag name="KSO_WM_TEMPLATE_CATEGORY" val="custom"/>
+  <p:tag name="KSO_WM_TEMPLATE_INDEX" val="20184545"/>
+</p:tagLst>
+</file>
+
+<file path=ppt/tags/tag37.xml><?xml version="1.0" encoding="utf-8"?>
+<p:tagLst xmlns:p="http://schemas.openxmlformats.org/presentationml/2006/main">
+  <p:tag name="KSO_WM_BEAUTIFY_FLAG" val="#wm#"/>
+  <p:tag name="KSO_WM_TEMPLATE_CATEGORY" val="custom"/>
+  <p:tag name="KSO_WM_TEMPLATE_INDEX" val="20184545"/>
+</p:tagLst>
+</file>
+
+<file path=ppt/tags/tag38.xml><?xml version="1.0" encoding="utf-8"?>
+<p:tagLst xmlns:p="http://schemas.openxmlformats.org/presentationml/2006/main">
+  <p:tag name="KSO_WM_BEAUTIFY_FLAG" val="#wm#"/>
+  <p:tag name="KSO_WM_TEMPLATE_CATEGORY" val="custom"/>
+  <p:tag name="KSO_WM_TEMPLATE_INDEX" val="20184545"/>
+</p:tagLst>
+</file>
+
+<file path=ppt/tags/tag39.xml><?xml version="1.0" encoding="utf-8"?>
+<p:tagLst xmlns:p="http://schemas.openxmlformats.org/presentationml/2006/main">
+  <p:tag name="KSO_WM_BEAUTIFY_FLAG" val="#wm#"/>
   <p:tag name="KSO_WM_TEMPLATE_CATEGORY" val="custom"/>
   <p:tag name="KSO_WM_TEMPLATE_INDEX" val="20184545"/>
 </p:tagLst>
@@ -7700,6 +11481,30 @@
   <p:tag name="KSO_WM_TEMPLATE_SCENE_ID" val="1"/>
   <p:tag name="KSO_WM_TEMPLATE_JOB_ID" val="6"/>
   <p:tag name="KSO_WM_TEMPLATE_TOPIC_DEFAULT" val="0"/>
+</p:tagLst>
+</file>
+
+<file path=ppt/tags/tag40.xml><?xml version="1.0" encoding="utf-8"?>
+<p:tagLst xmlns:p="http://schemas.openxmlformats.org/presentationml/2006/main">
+  <p:tag name="KSO_WM_BEAUTIFY_FLAG" val="#wm#"/>
+  <p:tag name="KSO_WM_TEMPLATE_CATEGORY" val="custom"/>
+  <p:tag name="KSO_WM_TEMPLATE_INDEX" val="20184545"/>
+</p:tagLst>
+</file>
+
+<file path=ppt/tags/tag41.xml><?xml version="1.0" encoding="utf-8"?>
+<p:tagLst xmlns:p="http://schemas.openxmlformats.org/presentationml/2006/main">
+  <p:tag name="KSO_WM_BEAUTIFY_FLAG" val="#wm#"/>
+  <p:tag name="KSO_WM_TEMPLATE_CATEGORY" val="custom"/>
+  <p:tag name="KSO_WM_TEMPLATE_INDEX" val="20184545"/>
+</p:tagLst>
+</file>
+
+<file path=ppt/tags/tag42.xml><?xml version="1.0" encoding="utf-8"?>
+<p:tagLst xmlns:p="http://schemas.openxmlformats.org/presentationml/2006/main">
+  <p:tag name="KSO_WM_BEAUTIFY_FLAG" val="#wm#"/>
+  <p:tag name="KSO_WM_TEMPLATE_CATEGORY" val="custom"/>
+  <p:tag name="KSO_WM_TEMPLATE_INDEX" val="20184545"/>
 </p:tagLst>
 </file>
 

--- a/docs/distributedsystemtransaction.pptx
+++ b/docs/distributedsystemtransaction.pptx
@@ -45,7 +45,17 @@
     <p:sldId id="277" r:id="rId38"/>
     <p:sldId id="278" r:id="rId39"/>
     <p:sldId id="279" r:id="rId40"/>
-    <p:sldId id="293" r:id="rId41"/>
+    <p:sldId id="325" r:id="rId41"/>
+    <p:sldId id="326" r:id="rId42"/>
+    <p:sldId id="327" r:id="rId43"/>
+    <p:sldId id="328" r:id="rId44"/>
+    <p:sldId id="329" r:id="rId45"/>
+    <p:sldId id="330" r:id="rId46"/>
+    <p:sldId id="331" r:id="rId47"/>
+    <p:sldId id="332" r:id="rId48"/>
+    <p:sldId id="333" r:id="rId49"/>
+    <p:sldId id="334" r:id="rId50"/>
+    <p:sldId id="293" r:id="rId51"/>
   </p:sldIdLst>
   <p:sldSz cx="12192000" cy="6858000"/>
   <p:notesSz cx="6858000" cy="9144000"/>
@@ -154,38 +164,41 @@
         </p14:section>
         <p14:section name="分布式事务" id="{9bd903e1-33a4-489f-9a0f-73afc4a7cf46}">
           <p14:sldIdLst>
-            <p14:sldId id="260"/>
-            <p14:sldId id="292"/>
             <p14:sldId id="257"/>
             <p14:sldId id="259"/>
             <p14:sldId id="258"/>
+            <p14:sldId id="260"/>
+            <p14:sldId id="292"/>
           </p14:sldIdLst>
         </p14:section>
         <p14:section name="Spring分布式实现" id="{41e07a71-3558-4fa5-8638-b04a83776b83}">
           <p14:sldIdLst>
             <p14:sldId id="261"/>
+            <p14:sldId id="280"/>
+            <p14:sldId id="281"/>
             <p14:sldId id="282"/>
+            <p14:sldId id="283"/>
+            <p14:sldId id="284"/>
+            <p14:sldId id="285"/>
+            <p14:sldId id="286"/>
+            <p14:sldId id="287"/>
+            <p14:sldId id="288"/>
+            <p14:sldId id="262"/>
             <p14:sldId id="263"/>
+            <p14:sldId id="289"/>
             <p14:sldId id="290"/>
             <p14:sldId id="291"/>
             <p14:sldId id="264"/>
             <p14:sldId id="265"/>
             <p14:sldId id="266"/>
-            <p14:sldId id="280"/>
-            <p14:sldId id="284"/>
-            <p14:sldId id="285"/>
-            <p14:sldId id="286"/>
-            <p14:sldId id="288"/>
-            <p14:sldId id="281"/>
-            <p14:sldId id="262"/>
-            <p14:sldId id="287"/>
-            <p14:sldId id="283"/>
-            <p14:sldId id="289"/>
           </p14:sldIdLst>
         </p14:section>
         <p14:section name="不使用JTA" id="{a1e4495f-3ef2-4370-a049-5ea14e4c5b0b}">
           <p14:sldIdLst>
+            <p14:sldId id="267"/>
+            <p14:sldId id="268"/>
             <p14:sldId id="269"/>
+            <p14:sldId id="270"/>
             <p14:sldId id="271"/>
             <p14:sldId id="272"/>
             <p14:sldId id="273"/>
@@ -195,9 +208,20 @@
             <p14:sldId id="277"/>
             <p14:sldId id="278"/>
             <p14:sldId id="279"/>
-            <p14:sldId id="268"/>
-            <p14:sldId id="270"/>
-            <p14:sldId id="267"/>
+          </p14:sldIdLst>
+        </p14:section>
+        <p14:section name="分布式事务实现的模式与技术" id="{da5c7ad6-713f-4a2f-997d-27194b135141}">
+          <p14:sldIdLst>
+            <p14:sldId id="325"/>
+            <p14:sldId id="327"/>
+            <p14:sldId id="328"/>
+            <p14:sldId id="329"/>
+            <p14:sldId id="330"/>
+            <p14:sldId id="331"/>
+            <p14:sldId id="332"/>
+            <p14:sldId id="333"/>
+            <p14:sldId id="334"/>
+            <p14:sldId id="326"/>
           </p14:sldIdLst>
         </p14:section>
         <p14:section name="参考资料" id="{18cec514-9ae0-4c12-9247-8aaeda3d09e6}">
@@ -1900,6 +1924,370 @@
 </p:notes>
 </file>
 
+<file path=ppt/notesSlides/notesSlide33.xml><?xml version="1.0" encoding="utf-8"?>
+<p:notes xmlns:a="http://schemas.openxmlformats.org/drawingml/2006/main" xmlns:r="http://schemas.openxmlformats.org/officeDocument/2006/relationships" xmlns:p="http://schemas.openxmlformats.org/presentationml/2006/main">
+  <p:cSld>
+    <p:spTree>
+      <p:nvGrpSpPr>
+        <p:cNvPr id="1" name=""/>
+        <p:cNvGrpSpPr/>
+        <p:nvPr/>
+      </p:nvGrpSpPr>
+      <p:grpSpPr/>
+      <p:sp>
+        <p:nvSpPr>
+          <p:cNvPr id="2" name="幻灯片图像占位符 1"/>
+          <p:cNvSpPr/>
+          <p:nvPr>
+            <p:ph type="sldImg" idx="2"/>
+          </p:nvPr>
+        </p:nvSpPr>
+        <p:spPr/>
+      </p:sp>
+      <p:sp>
+        <p:nvSpPr>
+          <p:cNvPr id="3" name="文本占位符 2"/>
+          <p:cNvSpPr/>
+          <p:nvPr>
+            <p:ph type="body" idx="3"/>
+          </p:nvPr>
+        </p:nvSpPr>
+        <p:spPr/>
+        <p:txBody>
+          <a:bodyPr/>
+          <a:p>
+            <a:r>
+              <a:rPr lang="zh-CN" altLang="en-US"/>
+              <a:t>分布式事务实现的几种模式</a:t>
+            </a:r>
+            <a:endParaRPr lang="zh-CN" altLang="en-US"/>
+          </a:p>
+          <a:p>
+            <a:r>
+              <a:rPr lang="zh-CN" altLang="en-US"/>
+              <a:t>幂等性，唯一性</a:t>
+            </a:r>
+            <a:r>
+              <a:rPr lang="en-US" altLang="zh-CN"/>
+              <a:t>ID</a:t>
+            </a:r>
+            <a:endParaRPr lang="en-US" altLang="zh-CN"/>
+          </a:p>
+          <a:p>
+            <a:r>
+              <a:rPr lang="zh-CN" altLang="en-US"/>
+              <a:t>分布式锁与对象</a:t>
+            </a:r>
+            <a:endParaRPr lang="zh-CN" altLang="en-US"/>
+          </a:p>
+        </p:txBody>
+      </p:sp>
+    </p:spTree>
+  </p:cSld>
+  <p:clrMapOvr>
+    <a:masterClrMapping/>
+  </p:clrMapOvr>
+</p:notes>
+</file>
+
+<file path=ppt/notesSlides/notesSlide34.xml><?xml version="1.0" encoding="utf-8"?>
+<p:notes xmlns:a="http://schemas.openxmlformats.org/drawingml/2006/main" xmlns:r="http://schemas.openxmlformats.org/officeDocument/2006/relationships" xmlns:p="http://schemas.openxmlformats.org/presentationml/2006/main">
+  <p:cSld>
+    <p:spTree>
+      <p:nvGrpSpPr>
+        <p:cNvPr id="1" name=""/>
+        <p:cNvGrpSpPr/>
+        <p:nvPr/>
+      </p:nvGrpSpPr>
+      <p:grpSpPr/>
+      <p:sp>
+        <p:nvSpPr>
+          <p:cNvPr id="2" name="幻灯片图像占位符 1"/>
+          <p:cNvSpPr/>
+          <p:nvPr>
+            <p:ph type="sldImg" idx="2"/>
+          </p:nvPr>
+        </p:nvSpPr>
+        <p:spPr/>
+      </p:sp>
+      <p:sp>
+        <p:nvSpPr>
+          <p:cNvPr id="3" name="文本占位符 2"/>
+          <p:cNvSpPr/>
+          <p:nvPr>
+            <p:ph type="body" idx="3"/>
+          </p:nvPr>
+        </p:nvSpPr>
+        <p:spPr/>
+        <p:txBody>
+          <a:bodyPr/>
+          <a:p>
+            <a:r>
+              <a:rPr lang="en-US" altLang="zh-CN"/>
+              <a:t>Event Sourcing: </a:t>
+            </a:r>
+            <a:r>
+              <a:rPr lang="zh-CN" altLang="en-US"/>
+              <a:t>只会使用一个</a:t>
+            </a:r>
+            <a:r>
+              <a:rPr lang="en-US" altLang="zh-CN"/>
+              <a:t>event store</a:t>
+            </a:r>
+            <a:r>
+              <a:rPr lang="zh-CN" altLang="en-US"/>
+              <a:t>的数据源</a:t>
+            </a:r>
+            <a:endParaRPr lang="zh-CN" altLang="en-US"/>
+          </a:p>
+          <a:p>
+            <a:r>
+              <a:rPr lang="en-US" altLang="zh-CN"/>
+              <a:t>TCC</a:t>
+            </a:r>
+            <a:r>
+              <a:rPr lang="zh-CN" altLang="en-US"/>
+              <a:t>： 服务间调用的时候</a:t>
+            </a:r>
+            <a:endParaRPr lang="zh-CN" altLang="en-US"/>
+          </a:p>
+          <a:p>
+            <a:endParaRPr lang="zh-CN" altLang="en-US"/>
+          </a:p>
+        </p:txBody>
+      </p:sp>
+    </p:spTree>
+  </p:cSld>
+  <p:clrMapOvr>
+    <a:masterClrMapping/>
+  </p:clrMapOvr>
+</p:notes>
+</file>
+
+<file path=ppt/notesSlides/notesSlide35.xml><?xml version="1.0" encoding="utf-8"?>
+<p:notes xmlns:a="http://schemas.openxmlformats.org/drawingml/2006/main" xmlns:r="http://schemas.openxmlformats.org/officeDocument/2006/relationships" xmlns:p="http://schemas.openxmlformats.org/presentationml/2006/main">
+  <p:cSld>
+    <p:spTree>
+      <p:nvGrpSpPr>
+        <p:cNvPr id="1" name=""/>
+        <p:cNvGrpSpPr/>
+        <p:nvPr/>
+      </p:nvGrpSpPr>
+      <p:grpSpPr/>
+      <p:sp>
+        <p:nvSpPr>
+          <p:cNvPr id="2" name="幻灯片图像占位符 1"/>
+          <p:cNvSpPr/>
+          <p:nvPr>
+            <p:ph type="sldImg" idx="2"/>
+          </p:nvPr>
+        </p:nvSpPr>
+        <p:spPr/>
+      </p:sp>
+      <p:sp>
+        <p:nvSpPr>
+          <p:cNvPr id="3" name="文本占位符 2"/>
+          <p:cNvSpPr/>
+          <p:nvPr>
+            <p:ph type="body" idx="3"/>
+          </p:nvPr>
+        </p:nvSpPr>
+        <p:spPr/>
+        <p:txBody>
+          <a:bodyPr/>
+          <a:p>
+            <a:endParaRPr lang="zh-CN" altLang="en-US"/>
+          </a:p>
+        </p:txBody>
+      </p:sp>
+    </p:spTree>
+  </p:cSld>
+  <p:clrMapOvr>
+    <a:masterClrMapping/>
+  </p:clrMapOvr>
+</p:notes>
+</file>
+
+<file path=ppt/notesSlides/notesSlide36.xml><?xml version="1.0" encoding="utf-8"?>
+<p:notes xmlns:a="http://schemas.openxmlformats.org/drawingml/2006/main" xmlns:r="http://schemas.openxmlformats.org/officeDocument/2006/relationships" xmlns:p="http://schemas.openxmlformats.org/presentationml/2006/main">
+  <p:cSld>
+    <p:spTree>
+      <p:nvGrpSpPr>
+        <p:cNvPr id="1" name=""/>
+        <p:cNvGrpSpPr/>
+        <p:nvPr/>
+      </p:nvGrpSpPr>
+      <p:grpSpPr/>
+      <p:sp>
+        <p:nvSpPr>
+          <p:cNvPr id="2" name="幻灯片图像占位符 1"/>
+          <p:cNvSpPr/>
+          <p:nvPr>
+            <p:ph type="sldImg" idx="2"/>
+          </p:nvPr>
+        </p:nvSpPr>
+        <p:spPr/>
+      </p:sp>
+      <p:sp>
+        <p:nvSpPr>
+          <p:cNvPr id="3" name="文本占位符 2"/>
+          <p:cNvSpPr/>
+          <p:nvPr>
+            <p:ph type="body" idx="3"/>
+          </p:nvPr>
+        </p:nvSpPr>
+        <p:spPr/>
+        <p:txBody>
+          <a:bodyPr/>
+          <a:p>
+            <a:r>
+              <a:rPr lang="zh-CN" altLang="en-US"/>
+              <a:t>微服务的安全性和幂等性。</a:t>
+            </a:r>
+            <a:endParaRPr lang="zh-CN" altLang="en-US"/>
+          </a:p>
+        </p:txBody>
+      </p:sp>
+    </p:spTree>
+  </p:cSld>
+  <p:clrMapOvr>
+    <a:masterClrMapping/>
+  </p:clrMapOvr>
+</p:notes>
+</file>
+
+<file path=ppt/notesSlides/notesSlide37.xml><?xml version="1.0" encoding="utf-8"?>
+<p:notes xmlns:a="http://schemas.openxmlformats.org/drawingml/2006/main" xmlns:r="http://schemas.openxmlformats.org/officeDocument/2006/relationships" xmlns:p="http://schemas.openxmlformats.org/presentationml/2006/main">
+  <p:cSld>
+    <p:spTree>
+      <p:nvGrpSpPr>
+        <p:cNvPr id="1" name=""/>
+        <p:cNvGrpSpPr/>
+        <p:nvPr/>
+      </p:nvGrpSpPr>
+      <p:grpSpPr/>
+      <p:sp>
+        <p:nvSpPr>
+          <p:cNvPr id="2" name="幻灯片图像占位符 1"/>
+          <p:cNvSpPr/>
+          <p:nvPr>
+            <p:ph type="sldImg" idx="2"/>
+          </p:nvPr>
+        </p:nvSpPr>
+        <p:spPr/>
+      </p:sp>
+      <p:sp>
+        <p:nvSpPr>
+          <p:cNvPr id="3" name="文本占位符 2"/>
+          <p:cNvSpPr/>
+          <p:nvPr>
+            <p:ph type="body" idx="3"/>
+          </p:nvPr>
+        </p:nvSpPr>
+        <p:spPr/>
+        <p:txBody>
+          <a:bodyPr/>
+          <a:p>
+            <a:endParaRPr lang="zh-CN" altLang="en-US"/>
+          </a:p>
+        </p:txBody>
+      </p:sp>
+    </p:spTree>
+  </p:cSld>
+  <p:clrMapOvr>
+    <a:masterClrMapping/>
+  </p:clrMapOvr>
+</p:notes>
+</file>
+
+<file path=ppt/notesSlides/notesSlide38.xml><?xml version="1.0" encoding="utf-8"?>
+<p:notes xmlns:a="http://schemas.openxmlformats.org/drawingml/2006/main" xmlns:r="http://schemas.openxmlformats.org/officeDocument/2006/relationships" xmlns:p="http://schemas.openxmlformats.org/presentationml/2006/main">
+  <p:cSld>
+    <p:spTree>
+      <p:nvGrpSpPr>
+        <p:cNvPr id="1" name=""/>
+        <p:cNvGrpSpPr/>
+        <p:nvPr/>
+      </p:nvGrpSpPr>
+      <p:grpSpPr/>
+      <p:sp>
+        <p:nvSpPr>
+          <p:cNvPr id="2" name="幻灯片图像占位符 1"/>
+          <p:cNvSpPr/>
+          <p:nvPr>
+            <p:ph type="sldImg" idx="2"/>
+          </p:nvPr>
+        </p:nvSpPr>
+        <p:spPr/>
+      </p:sp>
+      <p:sp>
+        <p:nvSpPr>
+          <p:cNvPr id="3" name="文本占位符 2"/>
+          <p:cNvSpPr/>
+          <p:nvPr>
+            <p:ph type="body" idx="3"/>
+          </p:nvPr>
+        </p:nvSpPr>
+        <p:spPr/>
+        <p:txBody>
+          <a:bodyPr/>
+          <a:p>
+            <a:endParaRPr lang="zh-CN" altLang="en-US"/>
+          </a:p>
+        </p:txBody>
+      </p:sp>
+    </p:spTree>
+  </p:cSld>
+  <p:clrMapOvr>
+    <a:masterClrMapping/>
+  </p:clrMapOvr>
+</p:notes>
+</file>
+
+<file path=ppt/notesSlides/notesSlide39.xml><?xml version="1.0" encoding="utf-8"?>
+<p:notes xmlns:a="http://schemas.openxmlformats.org/drawingml/2006/main" xmlns:r="http://schemas.openxmlformats.org/officeDocument/2006/relationships" xmlns:p="http://schemas.openxmlformats.org/presentationml/2006/main">
+  <p:cSld>
+    <p:spTree>
+      <p:nvGrpSpPr>
+        <p:cNvPr id="1" name=""/>
+        <p:cNvGrpSpPr/>
+        <p:nvPr/>
+      </p:nvGrpSpPr>
+      <p:grpSpPr/>
+      <p:sp>
+        <p:nvSpPr>
+          <p:cNvPr id="2" name="幻灯片图像占位符 1"/>
+          <p:cNvSpPr/>
+          <p:nvPr>
+            <p:ph type="sldImg" idx="2"/>
+          </p:nvPr>
+        </p:nvSpPr>
+        <p:spPr/>
+      </p:sp>
+      <p:sp>
+        <p:nvSpPr>
+          <p:cNvPr id="3" name="文本占位符 2"/>
+          <p:cNvSpPr/>
+          <p:nvPr>
+            <p:ph type="body" idx="3"/>
+          </p:nvPr>
+        </p:nvSpPr>
+        <p:spPr/>
+        <p:txBody>
+          <a:bodyPr/>
+          <a:p>
+            <a:endParaRPr lang="zh-CN" altLang="en-US"/>
+          </a:p>
+        </p:txBody>
+      </p:sp>
+    </p:spTree>
+  </p:cSld>
+  <p:clrMapOvr>
+    <a:masterClrMapping/>
+  </p:clrMapOvr>
+</p:notes>
+</file>
+
 <file path=ppt/notesSlides/notesSlide4.xml><?xml version="1.0" encoding="utf-8"?>
 <p:notes xmlns:a="http://schemas.openxmlformats.org/drawingml/2006/main" xmlns:r="http://schemas.openxmlformats.org/officeDocument/2006/relationships" xmlns:p="http://schemas.openxmlformats.org/presentationml/2006/main">
   <p:cSld>
@@ -1976,6 +2364,254 @@
               <a:rPr lang="zh-CN" altLang="en-US"/>
               <a:t>弱一致性与最终一致性区别在于错误处理机制</a:t>
             </a:r>
+            <a:endParaRPr lang="zh-CN" altLang="en-US"/>
+          </a:p>
+        </p:txBody>
+      </p:sp>
+    </p:spTree>
+  </p:cSld>
+  <p:clrMapOvr>
+    <a:masterClrMapping/>
+  </p:clrMapOvr>
+</p:notes>
+</file>
+
+<file path=ppt/notesSlides/notesSlide40.xml><?xml version="1.0" encoding="utf-8"?>
+<p:notes xmlns:a="http://schemas.openxmlformats.org/drawingml/2006/main" xmlns:r="http://schemas.openxmlformats.org/officeDocument/2006/relationships" xmlns:p="http://schemas.openxmlformats.org/presentationml/2006/main">
+  <p:cSld>
+    <p:spTree>
+      <p:nvGrpSpPr>
+        <p:cNvPr id="1" name=""/>
+        <p:cNvGrpSpPr/>
+        <p:nvPr/>
+      </p:nvGrpSpPr>
+      <p:grpSpPr/>
+      <p:sp>
+        <p:nvSpPr>
+          <p:cNvPr id="2" name="幻灯片图像占位符 1"/>
+          <p:cNvSpPr/>
+          <p:nvPr>
+            <p:ph type="sldImg" idx="2"/>
+          </p:nvPr>
+        </p:nvSpPr>
+        <p:spPr/>
+      </p:sp>
+      <p:sp>
+        <p:nvSpPr>
+          <p:cNvPr id="3" name="文本占位符 2"/>
+          <p:cNvSpPr/>
+          <p:nvPr>
+            <p:ph type="body" idx="3"/>
+          </p:nvPr>
+        </p:nvSpPr>
+        <p:spPr/>
+        <p:txBody>
+          <a:bodyPr/>
+          <a:p>
+            <a:r>
+              <a:rPr lang="zh-CN" altLang="en-US"/>
+              <a:t>数据库自增序列： 需要分布式服务共用一个数据库</a:t>
+            </a:r>
+            <a:endParaRPr lang="zh-CN" altLang="en-US"/>
+          </a:p>
+          <a:p>
+            <a:r>
+              <a:rPr lang="en-US" altLang="zh-CN"/>
+              <a:t>UUID</a:t>
+            </a:r>
+            <a:r>
+              <a:rPr lang="zh-CN" altLang="en-US"/>
+              <a:t>： </a:t>
+            </a:r>
+            <a:r>
+              <a:rPr lang="en-US" altLang="zh-CN"/>
+              <a:t>128</a:t>
+            </a:r>
+            <a:r>
+              <a:rPr lang="zh-CN" altLang="en-US"/>
+              <a:t>位，</a:t>
+            </a:r>
+            <a:r>
+              <a:rPr lang="en-US" altLang="zh-CN"/>
+              <a:t>32</a:t>
+            </a:r>
+            <a:r>
+              <a:rPr lang="zh-CN" altLang="en-US"/>
+              <a:t>个</a:t>
+            </a:r>
+            <a:r>
+              <a:rPr lang="en-US" altLang="zh-CN"/>
+              <a:t>16</a:t>
+            </a:r>
+            <a:r>
+              <a:rPr lang="zh-CN" altLang="en-US"/>
+              <a:t>进制字符</a:t>
+            </a:r>
+            <a:endParaRPr lang="zh-CN" altLang="en-US"/>
+          </a:p>
+          <a:p>
+            <a:r>
+              <a:rPr lang="en-US" altLang="zh-CN"/>
+              <a:t>MongoDB</a:t>
+            </a:r>
+            <a:r>
+              <a:rPr lang="zh-CN" altLang="en-US"/>
+              <a:t>只保证系统中唯一，不保证全世界唯一。</a:t>
+            </a:r>
+            <a:r>
+              <a:rPr lang="en-US" altLang="zh-CN"/>
+              <a:t>24</a:t>
+            </a:r>
+            <a:r>
+              <a:rPr lang="zh-CN" altLang="en-US"/>
+              <a:t>个</a:t>
+            </a:r>
+            <a:r>
+              <a:rPr lang="en-US" altLang="zh-CN"/>
+              <a:t>16</a:t>
+            </a:r>
+            <a:r>
+              <a:rPr lang="zh-CN" altLang="en-US"/>
+              <a:t>进制字符</a:t>
+            </a:r>
+            <a:endParaRPr lang="zh-CN" altLang="en-US"/>
+          </a:p>
+          <a:p>
+            <a:r>
+              <a:rPr lang="en-US" altLang="zh-CN"/>
+              <a:t>Redis</a:t>
+            </a:r>
+            <a:r>
+              <a:rPr lang="zh-CN" altLang="en-US"/>
+              <a:t>、</a:t>
+            </a:r>
+            <a:r>
+              <a:rPr lang="en-US" altLang="zh-CN"/>
+              <a:t>Zookeeper:</a:t>
+            </a:r>
+            <a:endParaRPr lang="en-US" altLang="zh-CN"/>
+          </a:p>
+        </p:txBody>
+      </p:sp>
+    </p:spTree>
+  </p:cSld>
+  <p:clrMapOvr>
+    <a:masterClrMapping/>
+  </p:clrMapOvr>
+</p:notes>
+</file>
+
+<file path=ppt/notesSlides/notesSlide41.xml><?xml version="1.0" encoding="utf-8"?>
+<p:notes xmlns:a="http://schemas.openxmlformats.org/drawingml/2006/main" xmlns:r="http://schemas.openxmlformats.org/officeDocument/2006/relationships" xmlns:p="http://schemas.openxmlformats.org/presentationml/2006/main">
+  <p:cSld>
+    <p:spTree>
+      <p:nvGrpSpPr>
+        <p:cNvPr id="1" name=""/>
+        <p:cNvGrpSpPr/>
+        <p:nvPr/>
+      </p:nvGrpSpPr>
+      <p:grpSpPr/>
+      <p:sp>
+        <p:nvSpPr>
+          <p:cNvPr id="2" name="幻灯片图像占位符 1"/>
+          <p:cNvSpPr/>
+          <p:nvPr>
+            <p:ph type="sldImg" idx="2"/>
+          </p:nvPr>
+        </p:nvSpPr>
+        <p:spPr/>
+      </p:sp>
+      <p:sp>
+        <p:nvSpPr>
+          <p:cNvPr id="3" name="文本占位符 2"/>
+          <p:cNvSpPr/>
+          <p:nvPr>
+            <p:ph type="body" idx="3"/>
+          </p:nvPr>
+        </p:nvSpPr>
+        <p:spPr/>
+        <p:txBody>
+          <a:bodyPr/>
+          <a:p>
+            <a:r>
+              <a:rPr lang="zh-CN" altLang="en-US"/>
+              <a:t>自增</a:t>
+            </a:r>
+            <a:r>
+              <a:rPr lang="en-US" altLang="zh-CN"/>
+              <a:t>ID</a:t>
+            </a:r>
+            <a:r>
+              <a:rPr lang="zh-CN" altLang="en-US"/>
+              <a:t>的部署：所有的服务都需要访问一个数据库</a:t>
+            </a:r>
+            <a:endParaRPr lang="zh-CN" altLang="en-US"/>
+          </a:p>
+          <a:p>
+            <a:r>
+              <a:rPr lang="zh-CN" altLang="en-US"/>
+              <a:t>是否建索引：把</a:t>
+            </a:r>
+            <a:r>
+              <a:rPr lang="en-US" altLang="zh-CN"/>
+              <a:t>UUID</a:t>
+            </a:r>
+            <a:r>
+              <a:rPr lang="zh-CN" altLang="en-US"/>
+              <a:t>转成</a:t>
+            </a:r>
+            <a:r>
+              <a:rPr lang="en-US" altLang="zh-CN"/>
+              <a:t>Long</a:t>
+            </a:r>
+            <a:r>
+              <a:rPr lang="zh-CN" altLang="en-US"/>
+              <a:t>型保存建索引</a:t>
+            </a:r>
+            <a:endParaRPr lang="zh-CN" altLang="en-US"/>
+          </a:p>
+        </p:txBody>
+      </p:sp>
+    </p:spTree>
+  </p:cSld>
+  <p:clrMapOvr>
+    <a:masterClrMapping/>
+  </p:clrMapOvr>
+</p:notes>
+</file>
+
+<file path=ppt/notesSlides/notesSlide42.xml><?xml version="1.0" encoding="utf-8"?>
+<p:notes xmlns:a="http://schemas.openxmlformats.org/drawingml/2006/main" xmlns:r="http://schemas.openxmlformats.org/officeDocument/2006/relationships" xmlns:p="http://schemas.openxmlformats.org/presentationml/2006/main">
+  <p:cSld>
+    <p:spTree>
+      <p:nvGrpSpPr>
+        <p:cNvPr id="1" name=""/>
+        <p:cNvGrpSpPr/>
+        <p:nvPr/>
+      </p:nvGrpSpPr>
+      <p:grpSpPr/>
+      <p:sp>
+        <p:nvSpPr>
+          <p:cNvPr id="2" name="幻灯片图像占位符 1"/>
+          <p:cNvSpPr/>
+          <p:nvPr>
+            <p:ph type="sldImg" idx="2"/>
+          </p:nvPr>
+        </p:nvSpPr>
+        <p:spPr/>
+      </p:sp>
+      <p:sp>
+        <p:nvSpPr>
+          <p:cNvPr id="3" name="文本占位符 2"/>
+          <p:cNvSpPr/>
+          <p:nvPr>
+            <p:ph type="body" idx="3"/>
+          </p:nvPr>
+        </p:nvSpPr>
+        <p:spPr/>
+        <p:txBody>
+          <a:bodyPr/>
+          <a:p>
             <a:endParaRPr lang="zh-CN" altLang="en-US"/>
           </a:p>
         </p:txBody>
@@ -9131,11 +9767,7 @@
             </a:r>
             <a:r>
               <a:rPr lang="zh-CN" altLang="en-US"/>
-              <a:t>多数据源</a:t>
-            </a:r>
-            <a:r>
-              <a:rPr lang="zh-CN" altLang="en-US"/>
-              <a:t>事务管理</a:t>
+              <a:t>多数据源事务管理</a:t>
             </a:r>
             <a:endParaRPr lang="zh-CN" altLang="en-US"/>
           </a:p>
@@ -10525,6 +11157,10 @@
         <p:txBody>
           <a:bodyPr/>
           <a:p>
+            <a:r>
+              <a:rPr lang="zh-CN" altLang="en-US"/>
+              <a:t>分布式事务实现的模式与技术</a:t>
+            </a:r>
             <a:endParaRPr lang="zh-CN" altLang="en-US"/>
           </a:p>
         </p:txBody>
@@ -10544,37 +11180,149 @@
           <a:bodyPr/>
           <a:p>
             <a:r>
-              <a:rPr lang="zh-CN" altLang="en-US"/>
-              <a:t>https://www.2cto.com/kf/201803/728799.html</a:t>
-            </a:r>
-            <a:endParaRPr lang="zh-CN" altLang="en-US"/>
-          </a:p>
-          <a:p>
-            <a:r>
-              <a:rPr lang="zh-CN" altLang="en-US"/>
-              <a:t>配合spring-tx实现事务的原理</a:t>
-            </a:r>
-            <a:endParaRPr lang="zh-CN" altLang="en-US"/>
-          </a:p>
-          <a:p>
-            <a:endParaRPr lang="zh-CN" altLang="en-US"/>
-          </a:p>
-          <a:p>
-            <a:r>
-              <a:rPr lang="zh-CN" altLang="en-US"/>
-              <a:t>https://blog.csdn.net/weixin_42861564/article/details/81590093</a:t>
-            </a:r>
-            <a:endParaRPr lang="zh-CN" altLang="en-US"/>
-          </a:p>
-          <a:p>
+              <a:rPr lang="zh-CN" altLang="en-US">
+                <a:sym typeface="+mn-ea"/>
+              </a:rPr>
+              <a:t>分布式事务实现的几种模式</a:t>
+            </a:r>
+            <a:endParaRPr lang="zh-CN" altLang="en-US">
+              <a:sym typeface="+mn-ea"/>
+            </a:endParaRPr>
+          </a:p>
+          <a:p>
+            <a:endParaRPr lang="zh-CN" altLang="en-US"/>
+          </a:p>
+          <a:p>
+            <a:r>
+              <a:rPr lang="zh-CN" altLang="en-US">
+                <a:sym typeface="+mn-ea"/>
+              </a:rPr>
+              <a:t>幂等性，唯一性</a:t>
+            </a:r>
+            <a:r>
+              <a:rPr lang="en-US" altLang="zh-CN">
+                <a:sym typeface="+mn-ea"/>
+              </a:rPr>
+              <a:t>ID</a:t>
+            </a:r>
+            <a:endParaRPr lang="en-US" altLang="zh-CN">
+              <a:sym typeface="+mn-ea"/>
+            </a:endParaRPr>
+          </a:p>
+          <a:p>
+            <a:endParaRPr lang="en-US" altLang="zh-CN"/>
+          </a:p>
+          <a:p>
+            <a:r>
+              <a:rPr lang="zh-CN" altLang="en-US">
+                <a:sym typeface="+mn-ea"/>
+              </a:rPr>
+              <a:t>分布式锁与对象</a:t>
+            </a:r>
+            <a:endParaRPr lang="zh-CN" altLang="en-US"/>
+          </a:p>
+        </p:txBody>
+      </p:sp>
+    </p:spTree>
+    <p:custDataLst>
+      <p:tags r:id="rId1"/>
+    </p:custDataLst>
+  </p:cSld>
+  <p:clrMapOvr>
+    <a:masterClrMapping/>
+  </p:clrMapOvr>
+</p:sld>
+</file>
+
+<file path=ppt/slides/slide39.xml><?xml version="1.0" encoding="utf-8"?>
+<p:sld xmlns:a="http://schemas.openxmlformats.org/drawingml/2006/main" xmlns:r="http://schemas.openxmlformats.org/officeDocument/2006/relationships" xmlns:p="http://schemas.openxmlformats.org/presentationml/2006/main">
+  <p:cSld>
+    <p:spTree>
+      <p:nvGrpSpPr>
+        <p:cNvPr id="1" name=""/>
+        <p:cNvGrpSpPr/>
+        <p:nvPr/>
+      </p:nvGrpSpPr>
+      <p:grpSpPr/>
+      <p:sp>
+        <p:nvSpPr>
+          <p:cNvPr id="2" name="标题 1"/>
+          <p:cNvSpPr>
+            <a:spLocks noGrp="1"/>
+          </p:cNvSpPr>
+          <p:nvPr>
+            <p:ph type="title"/>
+          </p:nvPr>
+        </p:nvSpPr>
+        <p:spPr/>
+        <p:txBody>
+          <a:bodyPr/>
+          <a:p>
+            <a:r>
+              <a:rPr lang="zh-CN" altLang="en-US"/>
+              <a:t>分布式事务的几种模式</a:t>
+            </a:r>
+            <a:endParaRPr lang="zh-CN" altLang="en-US"/>
+          </a:p>
+        </p:txBody>
+      </p:sp>
+      <p:sp>
+        <p:nvSpPr>
+          <p:cNvPr id="3" name="内容占位符 2"/>
+          <p:cNvSpPr>
+            <a:spLocks noGrp="1"/>
+          </p:cNvSpPr>
+          <p:nvPr>
+            <p:ph idx="1"/>
+          </p:nvPr>
+        </p:nvSpPr>
+        <p:spPr/>
+        <p:txBody>
+          <a:bodyPr/>
+          <a:p>
+            <a:r>
+              <a:rPr lang="zh-CN" altLang="en-US"/>
+              <a:t>消息驱动模式 </a:t>
+            </a:r>
             <a:r>
               <a:rPr lang="en-US" altLang="zh-CN"/>
-              <a:t>Spring</a:t>
-            </a:r>
-            <a:r>
-              <a:rPr lang="zh-CN" altLang="en-US"/>
-              <a:t>事务同步</a:t>
-            </a:r>
+              <a:t>Message Driven</a:t>
+            </a:r>
+            <a:endParaRPr lang="en-US" altLang="zh-CN"/>
+          </a:p>
+          <a:p>
+            <a:endParaRPr lang="en-US" altLang="zh-CN"/>
+          </a:p>
+          <a:p>
+            <a:r>
+              <a:rPr lang="zh-CN" altLang="en-US"/>
+              <a:t>事件溯源模式 </a:t>
+            </a:r>
+            <a:r>
+              <a:rPr lang="en-US" altLang="zh-CN"/>
+              <a:t>Event Sourcing</a:t>
+            </a:r>
+            <a:endParaRPr lang="en-US" altLang="zh-CN"/>
+          </a:p>
+          <a:p>
+            <a:endParaRPr lang="en-US" altLang="zh-CN"/>
+          </a:p>
+          <a:p>
+            <a:r>
+              <a:rPr lang="en-US" altLang="zh-CN"/>
+              <a:t>TCC</a:t>
+            </a:r>
+            <a:r>
+              <a:rPr lang="zh-CN" altLang="en-US"/>
+              <a:t>模式 </a:t>
+            </a:r>
+            <a:r>
+              <a:rPr lang="en-US" altLang="zh-CN"/>
+              <a:t>Try-Confirm-Cancel</a:t>
+            </a:r>
+            <a:endParaRPr lang="zh-CN" altLang="en-US"/>
+          </a:p>
+          <a:p>
             <a:endParaRPr lang="zh-CN" altLang="en-US"/>
           </a:p>
         </p:txBody>
@@ -10675,6 +11423,1001 @@
             <a:r>
               <a:rPr lang="zh-CN" altLang="en-US"/>
               <a:t>分区容错性</a:t>
+            </a:r>
+            <a:endParaRPr lang="zh-CN" altLang="en-US"/>
+          </a:p>
+        </p:txBody>
+      </p:sp>
+    </p:spTree>
+    <p:custDataLst>
+      <p:tags r:id="rId1"/>
+    </p:custDataLst>
+  </p:cSld>
+  <p:clrMapOvr>
+    <a:masterClrMapping/>
+  </p:clrMapOvr>
+</p:sld>
+</file>
+
+<file path=ppt/slides/slide40.xml><?xml version="1.0" encoding="utf-8"?>
+<p:sld xmlns:a="http://schemas.openxmlformats.org/drawingml/2006/main" xmlns:r="http://schemas.openxmlformats.org/officeDocument/2006/relationships" xmlns:p="http://schemas.openxmlformats.org/presentationml/2006/main">
+  <p:cSld>
+    <p:spTree>
+      <p:nvGrpSpPr>
+        <p:cNvPr id="1" name=""/>
+        <p:cNvGrpSpPr/>
+        <p:nvPr/>
+      </p:nvGrpSpPr>
+      <p:grpSpPr/>
+      <p:sp>
+        <p:nvSpPr>
+          <p:cNvPr id="2" name="标题 1"/>
+          <p:cNvSpPr>
+            <a:spLocks noGrp="1"/>
+          </p:cNvSpPr>
+          <p:nvPr>
+            <p:ph type="title"/>
+          </p:nvPr>
+        </p:nvSpPr>
+        <p:spPr/>
+        <p:txBody>
+          <a:bodyPr/>
+          <a:p>
+            <a:r>
+              <a:rPr lang="zh-CN" altLang="en-US"/>
+              <a:t>分布式事务的性质</a:t>
+            </a:r>
+            <a:endParaRPr lang="zh-CN" altLang="en-US"/>
+          </a:p>
+        </p:txBody>
+      </p:sp>
+      <p:sp>
+        <p:nvSpPr>
+          <p:cNvPr id="3" name="内容占位符 2"/>
+          <p:cNvSpPr>
+            <a:spLocks noGrp="1"/>
+          </p:cNvSpPr>
+          <p:nvPr>
+            <p:ph idx="1"/>
+          </p:nvPr>
+        </p:nvSpPr>
+        <p:spPr/>
+        <p:txBody>
+          <a:bodyPr/>
+          <a:p>
+            <a:r>
+              <a:rPr lang="zh-CN" altLang="en-US"/>
+              <a:t>幂等性：</a:t>
+            </a:r>
+            <a:endParaRPr lang="zh-CN" altLang="en-US"/>
+          </a:p>
+          <a:p>
+            <a:endParaRPr lang="zh-CN" altLang="en-US"/>
+          </a:p>
+          <a:p>
+            <a:pPr lvl="1"/>
+            <a:r>
+              <a:rPr lang="zh-CN" altLang="en-US"/>
+              <a:t>幂等操作：任意多次操作与一次操作执行的影响是一样的</a:t>
+            </a:r>
+            <a:endParaRPr lang="zh-CN" altLang="en-US"/>
+          </a:p>
+          <a:p>
+            <a:pPr lvl="1"/>
+            <a:endParaRPr lang="zh-CN" altLang="en-US"/>
+          </a:p>
+          <a:p>
+            <a:pPr lvl="1"/>
+            <a:r>
+              <a:rPr lang="zh-CN" altLang="en-US"/>
+              <a:t>方法的幂等性：使用样的参数调用多次与一次结果相同</a:t>
+            </a:r>
+            <a:endParaRPr lang="zh-CN" altLang="en-US"/>
+          </a:p>
+          <a:p>
+            <a:pPr lvl="1"/>
+            <a:endParaRPr lang="zh-CN" altLang="en-US"/>
+          </a:p>
+          <a:p>
+            <a:pPr lvl="1"/>
+            <a:r>
+              <a:rPr lang="zh-CN" altLang="en-US"/>
+              <a:t>接口的幂等性：接口使用同样的参数被重复调用，结果一致</a:t>
+            </a:r>
+            <a:endParaRPr lang="zh-CN" altLang="en-US"/>
+          </a:p>
+          <a:p>
+            <a:endParaRPr lang="zh-CN" altLang="en-US"/>
+          </a:p>
+        </p:txBody>
+      </p:sp>
+    </p:spTree>
+    <p:custDataLst>
+      <p:tags r:id="rId1"/>
+    </p:custDataLst>
+  </p:cSld>
+  <p:clrMapOvr>
+    <a:masterClrMapping/>
+  </p:clrMapOvr>
+</p:sld>
+</file>
+
+<file path=ppt/slides/slide41.xml><?xml version="1.0" encoding="utf-8"?>
+<p:sld xmlns:a="http://schemas.openxmlformats.org/drawingml/2006/main" xmlns:r="http://schemas.openxmlformats.org/officeDocument/2006/relationships" xmlns:p="http://schemas.openxmlformats.org/presentationml/2006/main">
+  <p:cSld>
+    <p:spTree>
+      <p:nvGrpSpPr>
+        <p:cNvPr id="1" name=""/>
+        <p:cNvGrpSpPr/>
+        <p:nvPr/>
+      </p:nvGrpSpPr>
+      <p:grpSpPr/>
+      <p:sp>
+        <p:nvSpPr>
+          <p:cNvPr id="2" name="标题 1"/>
+          <p:cNvSpPr>
+            <a:spLocks noGrp="1"/>
+          </p:cNvSpPr>
+          <p:nvPr>
+            <p:ph type="title"/>
+          </p:nvPr>
+        </p:nvSpPr>
+        <p:spPr/>
+        <p:txBody>
+          <a:bodyPr/>
+          <a:p>
+            <a:r>
+              <a:rPr lang="zh-CN" altLang="en-US"/>
+              <a:t>微服务接口的幂等性</a:t>
+            </a:r>
+            <a:endParaRPr lang="zh-CN" altLang="en-US"/>
+          </a:p>
+        </p:txBody>
+      </p:sp>
+      <p:sp>
+        <p:nvSpPr>
+          <p:cNvPr id="3" name="内容占位符 2"/>
+          <p:cNvSpPr>
+            <a:spLocks noGrp="1"/>
+          </p:cNvSpPr>
+          <p:nvPr>
+            <p:ph idx="1"/>
+          </p:nvPr>
+        </p:nvSpPr>
+        <p:spPr/>
+        <p:txBody>
+          <a:bodyPr/>
+          <a:p>
+            <a:r>
+              <a:rPr lang="zh-CN" altLang="en-US"/>
+              <a:t>重要性：经常需要通过重试实现分布式事务的一致性</a:t>
+            </a:r>
+            <a:endParaRPr lang="zh-CN" altLang="en-US"/>
+          </a:p>
+          <a:p>
+            <a:endParaRPr lang="zh-CN" altLang="en-US"/>
+          </a:p>
+          <a:p>
+            <a:r>
+              <a:rPr lang="en-US" altLang="zh-CN"/>
+              <a:t>GET</a:t>
+            </a:r>
+            <a:r>
+              <a:rPr lang="zh-CN" altLang="en-US"/>
+              <a:t>方法不会对系统产生副作用，具有幂等性</a:t>
+            </a:r>
+            <a:endParaRPr lang="zh-CN" altLang="en-US"/>
+          </a:p>
+          <a:p>
+            <a:endParaRPr lang="zh-CN" altLang="en-US"/>
+          </a:p>
+          <a:p>
+            <a:r>
+              <a:rPr lang="en-US" altLang="zh-CN"/>
+              <a:t>POST</a:t>
+            </a:r>
+            <a:r>
+              <a:rPr lang="zh-CN" altLang="en-US"/>
+              <a:t>、</a:t>
+            </a:r>
+            <a:r>
+              <a:rPr lang="en-US" altLang="zh-CN"/>
+              <a:t>PUT</a:t>
+            </a:r>
+            <a:r>
+              <a:rPr lang="zh-CN" altLang="en-US"/>
+              <a:t>、</a:t>
+            </a:r>
+            <a:r>
+              <a:rPr lang="en-US" altLang="zh-CN"/>
+              <a:t>DELETE</a:t>
+            </a:r>
+            <a:r>
+              <a:rPr lang="zh-CN" altLang="en-US"/>
+              <a:t>方法实现需要满足幂等性</a:t>
+            </a:r>
+            <a:endParaRPr lang="zh-CN" altLang="en-US"/>
+          </a:p>
+        </p:txBody>
+      </p:sp>
+    </p:spTree>
+    <p:custDataLst>
+      <p:tags r:id="rId1"/>
+    </p:custDataLst>
+  </p:cSld>
+  <p:clrMapOvr>
+    <a:masterClrMapping/>
+  </p:clrMapOvr>
+</p:sld>
+</file>
+
+<file path=ppt/slides/slide42.xml><?xml version="1.0" encoding="utf-8"?>
+<p:sld xmlns:a="http://schemas.openxmlformats.org/drawingml/2006/main" xmlns:r="http://schemas.openxmlformats.org/officeDocument/2006/relationships" xmlns:p="http://schemas.openxmlformats.org/presentationml/2006/main">
+  <p:cSld>
+    <p:spTree>
+      <p:nvGrpSpPr>
+        <p:cNvPr id="1" name=""/>
+        <p:cNvGrpSpPr/>
+        <p:nvPr/>
+      </p:nvGrpSpPr>
+      <p:grpSpPr/>
+      <p:sp>
+        <p:nvSpPr>
+          <p:cNvPr id="2" name="标题 1"/>
+          <p:cNvSpPr>
+            <a:spLocks noGrp="1"/>
+          </p:cNvSpPr>
+          <p:nvPr>
+            <p:ph type="title"/>
+          </p:nvPr>
+        </p:nvSpPr>
+        <p:spPr/>
+        <p:txBody>
+          <a:bodyPr/>
+          <a:p>
+            <a:r>
+              <a:rPr lang="zh-CN" altLang="en-US"/>
+              <a:t>幂等性实现</a:t>
+            </a:r>
+            <a:endParaRPr lang="zh-CN" altLang="en-US"/>
+          </a:p>
+        </p:txBody>
+      </p:sp>
+      <p:pic>
+        <p:nvPicPr>
+          <p:cNvPr id="4" name="内容占位符 3"/>
+          <p:cNvPicPr>
+            <a:picLocks noChangeAspect="1"/>
+          </p:cNvPicPr>
+          <p:nvPr>
+            <p:ph idx="1"/>
+          </p:nvPr>
+        </p:nvPicPr>
+        <p:blipFill>
+          <a:blip r:embed="rId1"/>
+          <a:stretch>
+            <a:fillRect/>
+          </a:stretch>
+        </p:blipFill>
+        <p:spPr>
+          <a:xfrm>
+            <a:off x="876300" y="1916430"/>
+            <a:ext cx="10440035" cy="4190365"/>
+          </a:xfrm>
+          <a:prstGeom prst="rect">
+            <a:avLst/>
+          </a:prstGeom>
+        </p:spPr>
+      </p:pic>
+    </p:spTree>
+    <p:custDataLst>
+      <p:tags r:id="rId2"/>
+    </p:custDataLst>
+  </p:cSld>
+  <p:clrMapOvr>
+    <a:masterClrMapping/>
+  </p:clrMapOvr>
+</p:sld>
+</file>
+
+<file path=ppt/slides/slide43.xml><?xml version="1.0" encoding="utf-8"?>
+<p:sld xmlns:a="http://schemas.openxmlformats.org/drawingml/2006/main" xmlns:r="http://schemas.openxmlformats.org/officeDocument/2006/relationships" xmlns:p="http://schemas.openxmlformats.org/presentationml/2006/main">
+  <p:cSld>
+    <p:spTree>
+      <p:nvGrpSpPr>
+        <p:cNvPr id="1" name=""/>
+        <p:cNvGrpSpPr/>
+        <p:nvPr/>
+      </p:nvGrpSpPr>
+      <p:grpSpPr/>
+      <p:sp>
+        <p:nvSpPr>
+          <p:cNvPr id="2" name="标题 1"/>
+          <p:cNvSpPr>
+            <a:spLocks noGrp="1"/>
+          </p:cNvSpPr>
+          <p:nvPr>
+            <p:ph type="title"/>
+          </p:nvPr>
+        </p:nvSpPr>
+        <p:spPr/>
+        <p:txBody>
+          <a:bodyPr/>
+          <a:p>
+            <a:r>
+              <a:rPr lang="zh-CN" altLang="en-US"/>
+              <a:t>幂等性实现</a:t>
+            </a:r>
+            <a:endParaRPr lang="zh-CN" altLang="en-US"/>
+          </a:p>
+        </p:txBody>
+      </p:sp>
+      <p:pic>
+        <p:nvPicPr>
+          <p:cNvPr id="4" name="内容占位符 3"/>
+          <p:cNvPicPr>
+            <a:picLocks noChangeAspect="1"/>
+          </p:cNvPicPr>
+          <p:nvPr>
+            <p:ph idx="1"/>
+          </p:nvPr>
+        </p:nvPicPr>
+        <p:blipFill>
+          <a:blip r:embed="rId1"/>
+          <a:stretch>
+            <a:fillRect/>
+          </a:stretch>
+        </p:blipFill>
+        <p:spPr>
+          <a:xfrm>
+            <a:off x="876300" y="2835910"/>
+            <a:ext cx="10440035" cy="2352040"/>
+          </a:xfrm>
+          <a:prstGeom prst="rect">
+            <a:avLst/>
+          </a:prstGeom>
+        </p:spPr>
+      </p:pic>
+    </p:spTree>
+    <p:custDataLst>
+      <p:tags r:id="rId2"/>
+    </p:custDataLst>
+  </p:cSld>
+  <p:clrMapOvr>
+    <a:masterClrMapping/>
+  </p:clrMapOvr>
+</p:sld>
+</file>
+
+<file path=ppt/slides/slide44.xml><?xml version="1.0" encoding="utf-8"?>
+<p:sld xmlns:a="http://schemas.openxmlformats.org/drawingml/2006/main" xmlns:r="http://schemas.openxmlformats.org/officeDocument/2006/relationships" xmlns:p="http://schemas.openxmlformats.org/presentationml/2006/main">
+  <p:cSld>
+    <p:spTree>
+      <p:nvGrpSpPr>
+        <p:cNvPr id="1" name=""/>
+        <p:cNvGrpSpPr/>
+        <p:nvPr/>
+      </p:nvGrpSpPr>
+      <p:grpSpPr/>
+      <p:sp>
+        <p:nvSpPr>
+          <p:cNvPr id="2" name="标题 1"/>
+          <p:cNvSpPr>
+            <a:spLocks noGrp="1"/>
+          </p:cNvSpPr>
+          <p:nvPr>
+            <p:ph type="title"/>
+          </p:nvPr>
+        </p:nvSpPr>
+        <p:spPr/>
+        <p:txBody>
+          <a:bodyPr/>
+          <a:p>
+            <a:r>
+              <a:rPr lang="zh-CN" altLang="en-US"/>
+              <a:t>分布式系统唯一性</a:t>
+            </a:r>
+            <a:r>
+              <a:rPr lang="en-US" altLang="zh-CN"/>
+              <a:t>ID </a:t>
+            </a:r>
+            <a:r>
+              <a:rPr lang="zh-CN" altLang="en-US"/>
+              <a:t>：</a:t>
+            </a:r>
+            <a:r>
+              <a:rPr lang="en-US" altLang="zh-CN"/>
+              <a:t>GUID</a:t>
+            </a:r>
+            <a:endParaRPr lang="en-US" altLang="zh-CN"/>
+          </a:p>
+        </p:txBody>
+      </p:sp>
+      <p:sp>
+        <p:nvSpPr>
+          <p:cNvPr id="3" name="内容占位符 2"/>
+          <p:cNvSpPr>
+            <a:spLocks noGrp="1"/>
+          </p:cNvSpPr>
+          <p:nvPr>
+            <p:ph idx="1"/>
+          </p:nvPr>
+        </p:nvSpPr>
+        <p:spPr/>
+        <p:txBody>
+          <a:bodyPr/>
+          <a:p>
+            <a:r>
+              <a:rPr lang="zh-CN" altLang="en-US"/>
+              <a:t>分布式系统的全局唯一标识</a:t>
+            </a:r>
+            <a:endParaRPr lang="zh-CN" altLang="en-US"/>
+          </a:p>
+          <a:p>
+            <a:endParaRPr lang="zh-CN" altLang="en-US"/>
+          </a:p>
+          <a:p>
+            <a:r>
+              <a:rPr lang="en-US" altLang="zh-CN"/>
+              <a:t>UUID</a:t>
+            </a:r>
+            <a:r>
+              <a:rPr lang="zh-CN" altLang="en-US"/>
+              <a:t>： 生成</a:t>
+            </a:r>
+            <a:r>
+              <a:rPr lang="en-US" altLang="zh-CN"/>
+              <a:t>ID</a:t>
+            </a:r>
+            <a:r>
+              <a:rPr lang="zh-CN" altLang="en-US"/>
+              <a:t>的规范</a:t>
+            </a:r>
+            <a:endParaRPr lang="zh-CN" altLang="en-US"/>
+          </a:p>
+          <a:p>
+            <a:endParaRPr lang="zh-CN" altLang="en-US"/>
+          </a:p>
+          <a:p>
+            <a:r>
+              <a:rPr lang="zh-CN" altLang="en-US"/>
+              <a:t>用于唯一标识，处理重复消息</a:t>
+            </a:r>
+            <a:endParaRPr lang="zh-CN" altLang="en-US"/>
+          </a:p>
+        </p:txBody>
+      </p:sp>
+    </p:spTree>
+    <p:custDataLst>
+      <p:tags r:id="rId1"/>
+    </p:custDataLst>
+  </p:cSld>
+  <p:clrMapOvr>
+    <a:masterClrMapping/>
+  </p:clrMapOvr>
+</p:sld>
+</file>
+
+<file path=ppt/slides/slide45.xml><?xml version="1.0" encoding="utf-8"?>
+<p:sld xmlns:a="http://schemas.openxmlformats.org/drawingml/2006/main" xmlns:r="http://schemas.openxmlformats.org/officeDocument/2006/relationships" xmlns:p="http://schemas.openxmlformats.org/presentationml/2006/main">
+  <p:cSld>
+    <p:spTree>
+      <p:nvGrpSpPr>
+        <p:cNvPr id="1" name=""/>
+        <p:cNvGrpSpPr/>
+        <p:nvPr/>
+      </p:nvGrpSpPr>
+      <p:grpSpPr/>
+      <p:sp>
+        <p:nvSpPr>
+          <p:cNvPr id="2" name="标题 1"/>
+          <p:cNvSpPr>
+            <a:spLocks noGrp="1"/>
+          </p:cNvSpPr>
+          <p:nvPr>
+            <p:ph type="title"/>
+          </p:nvPr>
+        </p:nvSpPr>
+        <p:spPr/>
+        <p:txBody>
+          <a:bodyPr/>
+          <a:p>
+            <a:r>
+              <a:rPr lang="zh-CN" altLang="en-US"/>
+              <a:t>分布式系统唯一</a:t>
+            </a:r>
+            <a:r>
+              <a:rPr lang="en-US" altLang="zh-CN"/>
+              <a:t>ID</a:t>
+            </a:r>
+            <a:r>
+              <a:rPr lang="zh-CN" altLang="en-US"/>
+              <a:t>的生成</a:t>
+            </a:r>
+            <a:endParaRPr lang="zh-CN" altLang="en-US"/>
+          </a:p>
+        </p:txBody>
+      </p:sp>
+      <p:sp>
+        <p:nvSpPr>
+          <p:cNvPr id="3" name="内容占位符 2"/>
+          <p:cNvSpPr>
+            <a:spLocks noGrp="1"/>
+          </p:cNvSpPr>
+          <p:nvPr>
+            <p:ph idx="1"/>
+          </p:nvPr>
+        </p:nvSpPr>
+        <p:spPr/>
+        <p:txBody>
+          <a:bodyPr/>
+          <a:p>
+            <a:r>
+              <a:rPr lang="zh-CN" altLang="en-US"/>
+              <a:t>数据库自增序列</a:t>
+            </a:r>
+            <a:endParaRPr lang="zh-CN" altLang="en-US"/>
+          </a:p>
+          <a:p>
+            <a:endParaRPr lang="zh-CN" altLang="en-US"/>
+          </a:p>
+          <a:p>
+            <a:r>
+              <a:rPr lang="en-US" altLang="zh-CN"/>
+              <a:t>UUID</a:t>
+            </a:r>
+            <a:r>
+              <a:rPr lang="zh-CN" altLang="en-US"/>
+              <a:t>： 唯一</a:t>
+            </a:r>
+            <a:r>
+              <a:rPr lang="en-US" altLang="zh-CN"/>
+              <a:t>ID</a:t>
+            </a:r>
+            <a:r>
+              <a:rPr lang="zh-CN" altLang="en-US"/>
+              <a:t>标准，</a:t>
+            </a:r>
+            <a:r>
+              <a:rPr lang="en-US" altLang="zh-CN"/>
+              <a:t>128</a:t>
+            </a:r>
+            <a:r>
+              <a:rPr lang="zh-CN" altLang="en-US"/>
+              <a:t>位，几种版本</a:t>
+            </a:r>
+            <a:endParaRPr lang="zh-CN" altLang="en-US"/>
+          </a:p>
+          <a:p>
+            <a:endParaRPr lang="zh-CN" altLang="en-US"/>
+          </a:p>
+          <a:p>
+            <a:r>
+              <a:rPr lang="zh-CN" altLang="en-US"/>
+              <a:t>参考</a:t>
+            </a:r>
+            <a:r>
+              <a:rPr lang="en-US" altLang="zh-CN"/>
+              <a:t>MongoDB</a:t>
+            </a:r>
+            <a:r>
+              <a:rPr lang="zh-CN" altLang="en-US"/>
+              <a:t>的</a:t>
+            </a:r>
+            <a:r>
+              <a:rPr lang="en-US" altLang="zh-CN"/>
+              <a:t>ObjectID</a:t>
+            </a:r>
+            <a:r>
+              <a:rPr lang="zh-CN" altLang="en-US"/>
+              <a:t>：时间戳</a:t>
+            </a:r>
+            <a:r>
+              <a:rPr lang="en-US" altLang="zh-CN"/>
+              <a:t>+</a:t>
+            </a:r>
+            <a:r>
+              <a:rPr lang="zh-CN" altLang="en-US"/>
+              <a:t>机器</a:t>
+            </a:r>
+            <a:r>
+              <a:rPr lang="en-US" altLang="zh-CN"/>
+              <a:t>ID+</a:t>
+            </a:r>
+            <a:r>
+              <a:rPr lang="zh-CN" altLang="en-US"/>
+              <a:t>进程</a:t>
+            </a:r>
+            <a:r>
+              <a:rPr lang="en-US" altLang="zh-CN"/>
+              <a:t>ID+</a:t>
+            </a:r>
+            <a:r>
+              <a:rPr lang="zh-CN" altLang="en-US"/>
+              <a:t>序号</a:t>
+            </a:r>
+            <a:endParaRPr lang="zh-CN" altLang="en-US"/>
+          </a:p>
+          <a:p>
+            <a:endParaRPr lang="zh-CN" altLang="en-US"/>
+          </a:p>
+          <a:p>
+            <a:r>
+              <a:rPr lang="zh-CN" altLang="en-US"/>
+              <a:t>分布式的第三方服务如：</a:t>
+            </a:r>
+            <a:r>
+              <a:rPr lang="en-US" altLang="zh-CN"/>
+              <a:t>Redis</a:t>
+            </a:r>
+            <a:r>
+              <a:rPr lang="zh-CN" altLang="en-US"/>
+              <a:t>的</a:t>
+            </a:r>
+            <a:r>
+              <a:rPr lang="en-US" altLang="zh-CN"/>
+              <a:t>INCR</a:t>
+            </a:r>
+            <a:r>
+              <a:rPr lang="zh-CN" altLang="en-US"/>
+              <a:t>操作、</a:t>
+            </a:r>
+            <a:r>
+              <a:rPr lang="en-US" altLang="zh-CN"/>
+              <a:t>Zookeeper</a:t>
+            </a:r>
+            <a:r>
+              <a:rPr lang="zh-CN" altLang="en-US"/>
+              <a:t>节点的版本号</a:t>
+            </a:r>
+            <a:endParaRPr lang="zh-CN" altLang="en-US"/>
+          </a:p>
+          <a:p>
+            <a:endParaRPr lang="zh-CN" altLang="en-US"/>
+          </a:p>
+          <a:p>
+            <a:endParaRPr lang="zh-CN" altLang="en-US"/>
+          </a:p>
+        </p:txBody>
+      </p:sp>
+    </p:spTree>
+    <p:custDataLst>
+      <p:tags r:id="rId1"/>
+    </p:custDataLst>
+  </p:cSld>
+  <p:clrMapOvr>
+    <a:masterClrMapping/>
+  </p:clrMapOvr>
+</p:sld>
+</file>
+
+<file path=ppt/slides/slide46.xml><?xml version="1.0" encoding="utf-8"?>
+<p:sld xmlns:a="http://schemas.openxmlformats.org/drawingml/2006/main" xmlns:r="http://schemas.openxmlformats.org/officeDocument/2006/relationships" xmlns:p="http://schemas.openxmlformats.org/presentationml/2006/main">
+  <p:cSld>
+    <p:spTree>
+      <p:nvGrpSpPr>
+        <p:cNvPr id="1" name=""/>
+        <p:cNvGrpSpPr/>
+        <p:nvPr/>
+      </p:nvGrpSpPr>
+      <p:grpSpPr/>
+      <p:sp>
+        <p:nvSpPr>
+          <p:cNvPr id="2" name="标题 1"/>
+          <p:cNvSpPr>
+            <a:spLocks noGrp="1"/>
+          </p:cNvSpPr>
+          <p:nvPr>
+            <p:ph type="title"/>
+          </p:nvPr>
+        </p:nvSpPr>
+        <p:spPr/>
+        <p:txBody>
+          <a:bodyPr/>
+          <a:p>
+            <a:r>
+              <a:rPr lang="zh-CN" altLang="en-US"/>
+              <a:t>唯一</a:t>
+            </a:r>
+            <a:r>
+              <a:rPr lang="en-US" altLang="zh-CN"/>
+              <a:t>ID</a:t>
+            </a:r>
+            <a:r>
+              <a:rPr lang="zh-CN" altLang="en-US"/>
+              <a:t>生成方式的选择</a:t>
+            </a:r>
+            <a:endParaRPr lang="zh-CN" altLang="en-US"/>
+          </a:p>
+        </p:txBody>
+      </p:sp>
+      <p:sp>
+        <p:nvSpPr>
+          <p:cNvPr id="3" name="内容占位符 2"/>
+          <p:cNvSpPr>
+            <a:spLocks noGrp="1"/>
+          </p:cNvSpPr>
+          <p:nvPr>
+            <p:ph idx="1"/>
+          </p:nvPr>
+        </p:nvSpPr>
+        <p:spPr/>
+        <p:txBody>
+          <a:bodyPr/>
+          <a:p>
+            <a:r>
+              <a:rPr lang="zh-CN" altLang="en-US"/>
+              <a:t>自增的</a:t>
+            </a:r>
+            <a:r>
+              <a:rPr lang="en-US" altLang="zh-CN"/>
+              <a:t>ID</a:t>
+            </a:r>
+            <a:r>
+              <a:rPr lang="zh-CN" altLang="en-US"/>
+              <a:t>：考虑安全性、部署</a:t>
+            </a:r>
+            <a:endParaRPr lang="zh-CN" altLang="en-US"/>
+          </a:p>
+          <a:p>
+            <a:endParaRPr lang="zh-CN" altLang="en-US"/>
+          </a:p>
+          <a:p>
+            <a:r>
+              <a:rPr lang="zh-CN" altLang="en-US"/>
+              <a:t>时间有序：便于通过</a:t>
+            </a:r>
+            <a:r>
+              <a:rPr lang="en-US" altLang="zh-CN"/>
+              <a:t>ID</a:t>
+            </a:r>
+            <a:r>
+              <a:rPr lang="zh-CN" altLang="en-US"/>
+              <a:t>判断创建时间</a:t>
+            </a:r>
+            <a:endParaRPr lang="zh-CN" altLang="en-US"/>
+          </a:p>
+          <a:p>
+            <a:endParaRPr lang="zh-CN" altLang="en-US"/>
+          </a:p>
+          <a:p>
+            <a:r>
+              <a:rPr lang="zh-CN" altLang="en-US"/>
+              <a:t>长度、是否数字类型：是否建索引</a:t>
+            </a:r>
+            <a:endParaRPr lang="en-US" altLang="zh-CN"/>
+          </a:p>
+          <a:p>
+            <a:endParaRPr lang="en-US" altLang="zh-CN"/>
+          </a:p>
+        </p:txBody>
+      </p:sp>
+    </p:spTree>
+    <p:custDataLst>
+      <p:tags r:id="rId1"/>
+    </p:custDataLst>
+  </p:cSld>
+  <p:clrMapOvr>
+    <a:masterClrMapping/>
+  </p:clrMapOvr>
+</p:sld>
+</file>
+
+<file path=ppt/slides/slide47.xml><?xml version="1.0" encoding="utf-8"?>
+<p:sld xmlns:a="http://schemas.openxmlformats.org/drawingml/2006/main" xmlns:r="http://schemas.openxmlformats.org/officeDocument/2006/relationships" xmlns:p="http://schemas.openxmlformats.org/presentationml/2006/main">
+  <p:cSld>
+    <p:spTree>
+      <p:nvGrpSpPr>
+        <p:cNvPr id="1" name=""/>
+        <p:cNvGrpSpPr/>
+        <p:nvPr/>
+      </p:nvGrpSpPr>
+      <p:grpSpPr/>
+      <p:sp>
+        <p:nvSpPr>
+          <p:cNvPr id="2" name="标题 1"/>
+          <p:cNvSpPr>
+            <a:spLocks noGrp="1"/>
+          </p:cNvSpPr>
+          <p:nvPr>
+            <p:ph type="title"/>
+          </p:nvPr>
+        </p:nvSpPr>
+        <p:spPr/>
+        <p:txBody>
+          <a:bodyPr/>
+          <a:p>
+            <a:r>
+              <a:rPr lang="zh-CN" altLang="en-US"/>
+              <a:t>分布式系统分布式对象</a:t>
+            </a:r>
+            <a:endParaRPr lang="zh-CN" altLang="en-US"/>
+          </a:p>
+        </p:txBody>
+      </p:sp>
+      <p:sp>
+        <p:nvSpPr>
+          <p:cNvPr id="3" name="内容占位符 2"/>
+          <p:cNvSpPr>
+            <a:spLocks noGrp="1"/>
+          </p:cNvSpPr>
+          <p:nvPr>
+            <p:ph idx="1"/>
+          </p:nvPr>
+        </p:nvSpPr>
+        <p:spPr/>
+        <p:txBody>
+          <a:bodyPr/>
+          <a:p>
+            <a:r>
+              <a:rPr lang="en-US" altLang="zh-CN"/>
+              <a:t>Redis</a:t>
+            </a:r>
+            <a:r>
+              <a:rPr lang="zh-CN" altLang="en-US"/>
+              <a:t>： </a:t>
+            </a:r>
+            <a:r>
+              <a:rPr lang="en-US" altLang="zh-CN"/>
+              <a:t>Redisson</a:t>
+            </a:r>
+            <a:r>
+              <a:rPr lang="zh-CN" altLang="en-US"/>
+              <a:t>库：</a:t>
+            </a:r>
+            <a:r>
+              <a:rPr lang="en-US" altLang="zh-CN"/>
+              <a:t>RLock</a:t>
+            </a:r>
+            <a:r>
+              <a:rPr lang="zh-CN" altLang="en-US"/>
+              <a:t>，</a:t>
+            </a:r>
+            <a:r>
+              <a:rPr lang="en-US" altLang="zh-CN"/>
+              <a:t>RMap</a:t>
+            </a:r>
+            <a:r>
+              <a:rPr lang="zh-CN" altLang="en-US"/>
+              <a:t>，</a:t>
+            </a:r>
+            <a:r>
+              <a:rPr lang="en-US" altLang="zh-CN"/>
+              <a:t>RQueue</a:t>
+            </a:r>
+            <a:r>
+              <a:rPr lang="zh-CN" altLang="en-US"/>
+              <a:t>等对象</a:t>
+            </a:r>
+            <a:endParaRPr lang="zh-CN" altLang="en-US"/>
+          </a:p>
+          <a:p>
+            <a:endParaRPr lang="zh-CN" altLang="en-US"/>
+          </a:p>
+          <a:p>
+            <a:endParaRPr lang="zh-CN" altLang="en-US"/>
+          </a:p>
+          <a:p>
+            <a:r>
+              <a:rPr lang="en-US" altLang="zh-CN"/>
+              <a:t>Zookeeper</a:t>
+            </a:r>
+            <a:r>
+              <a:rPr lang="zh-CN" altLang="en-US"/>
+              <a:t>： </a:t>
+            </a:r>
+            <a:r>
+              <a:rPr lang="en-US" altLang="zh-CN"/>
+              <a:t>Netflix Curator </a:t>
+            </a:r>
+            <a:r>
+              <a:rPr lang="zh-CN" altLang="en-US"/>
+              <a:t>库： </a:t>
+            </a:r>
+            <a:r>
+              <a:rPr lang="en-US" altLang="zh-CN"/>
+              <a:t>Lock</a:t>
+            </a:r>
+            <a:r>
+              <a:rPr lang="zh-CN" altLang="en-US"/>
+              <a:t>，</a:t>
+            </a:r>
+            <a:r>
+              <a:rPr lang="en-US" altLang="zh-CN"/>
+              <a:t>Queue</a:t>
+            </a:r>
+            <a:r>
+              <a:rPr lang="zh-CN" altLang="en-US"/>
+              <a:t>等对象</a:t>
+            </a:r>
+            <a:endParaRPr lang="zh-CN" altLang="en-US"/>
+          </a:p>
+        </p:txBody>
+      </p:sp>
+    </p:spTree>
+    <p:custDataLst>
+      <p:tags r:id="rId1"/>
+    </p:custDataLst>
+  </p:cSld>
+  <p:clrMapOvr>
+    <a:masterClrMapping/>
+  </p:clrMapOvr>
+</p:sld>
+</file>
+
+<file path=ppt/slides/slide48.xml><?xml version="1.0" encoding="utf-8"?>
+<p:sld xmlns:a="http://schemas.openxmlformats.org/drawingml/2006/main" xmlns:r="http://schemas.openxmlformats.org/officeDocument/2006/relationships" xmlns:p="http://schemas.openxmlformats.org/presentationml/2006/main">
+  <p:cSld>
+    <p:spTree>
+      <p:nvGrpSpPr>
+        <p:cNvPr id="1" name=""/>
+        <p:cNvGrpSpPr/>
+        <p:nvPr/>
+      </p:nvGrpSpPr>
+      <p:grpSpPr/>
+      <p:sp>
+        <p:nvSpPr>
+          <p:cNvPr id="2" name="标题 1"/>
+          <p:cNvSpPr>
+            <a:spLocks noGrp="1"/>
+          </p:cNvSpPr>
+          <p:nvPr>
+            <p:ph type="title"/>
+          </p:nvPr>
+        </p:nvSpPr>
+        <p:spPr/>
+        <p:txBody>
+          <a:bodyPr/>
+          <a:p>
+            <a:endParaRPr lang="zh-CN" altLang="en-US"/>
+          </a:p>
+        </p:txBody>
+      </p:sp>
+      <p:sp>
+        <p:nvSpPr>
+          <p:cNvPr id="3" name="内容占位符 2"/>
+          <p:cNvSpPr>
+            <a:spLocks noGrp="1"/>
+          </p:cNvSpPr>
+          <p:nvPr>
+            <p:ph idx="1"/>
+          </p:nvPr>
+        </p:nvSpPr>
+        <p:spPr/>
+        <p:txBody>
+          <a:bodyPr/>
+          <a:p>
+            <a:r>
+              <a:rPr lang="zh-CN" altLang="en-US"/>
+              <a:t>https://www.2cto.com/kf/201803/728799.html</a:t>
+            </a:r>
+            <a:endParaRPr lang="zh-CN" altLang="en-US"/>
+          </a:p>
+          <a:p>
+            <a:r>
+              <a:rPr lang="zh-CN" altLang="en-US"/>
+              <a:t>配合spring-tx实现事务的原理</a:t>
+            </a:r>
+            <a:endParaRPr lang="zh-CN" altLang="en-US"/>
+          </a:p>
+          <a:p>
+            <a:endParaRPr lang="zh-CN" altLang="en-US"/>
+          </a:p>
+          <a:p>
+            <a:r>
+              <a:rPr lang="zh-CN" altLang="en-US"/>
+              <a:t>https://blog.csdn.net/weixin_42861564/article/details/81590093</a:t>
+            </a:r>
+            <a:endParaRPr lang="zh-CN" altLang="en-US"/>
+          </a:p>
+          <a:p>
+            <a:r>
+              <a:rPr lang="en-US" altLang="zh-CN"/>
+              <a:t>Spring</a:t>
+            </a:r>
+            <a:r>
+              <a:rPr lang="zh-CN" altLang="en-US"/>
+              <a:t>事务同步</a:t>
             </a:r>
             <a:endParaRPr lang="zh-CN" altLang="en-US"/>
           </a:p>
@@ -11508,8 +13251,88 @@
 </p:tagLst>
 </file>
 
+<file path=ppt/tags/tag43.xml><?xml version="1.0" encoding="utf-8"?>
+<p:tagLst xmlns:p="http://schemas.openxmlformats.org/presentationml/2006/main">
+  <p:tag name="KSO_WM_BEAUTIFY_FLAG" val="#wm#"/>
+  <p:tag name="KSO_WM_TEMPLATE_CATEGORY" val="custom"/>
+  <p:tag name="KSO_WM_TEMPLATE_INDEX" val="20184545"/>
+</p:tagLst>
+</file>
+
+<file path=ppt/tags/tag44.xml><?xml version="1.0" encoding="utf-8"?>
+<p:tagLst xmlns:p="http://schemas.openxmlformats.org/presentationml/2006/main">
+  <p:tag name="KSO_WM_BEAUTIFY_FLAG" val="#wm#"/>
+  <p:tag name="KSO_WM_TEMPLATE_CATEGORY" val="custom"/>
+  <p:tag name="KSO_WM_TEMPLATE_INDEX" val="20184545"/>
+</p:tagLst>
+</file>
+
+<file path=ppt/tags/tag45.xml><?xml version="1.0" encoding="utf-8"?>
+<p:tagLst xmlns:p="http://schemas.openxmlformats.org/presentationml/2006/main">
+  <p:tag name="KSO_WM_BEAUTIFY_FLAG" val="#wm#"/>
+  <p:tag name="KSO_WM_TEMPLATE_CATEGORY" val="custom"/>
+  <p:tag name="KSO_WM_TEMPLATE_INDEX" val="20184545"/>
+</p:tagLst>
+</file>
+
+<file path=ppt/tags/tag46.xml><?xml version="1.0" encoding="utf-8"?>
+<p:tagLst xmlns:p="http://schemas.openxmlformats.org/presentationml/2006/main">
+  <p:tag name="KSO_WM_BEAUTIFY_FLAG" val="#wm#"/>
+  <p:tag name="KSO_WM_TEMPLATE_CATEGORY" val="custom"/>
+  <p:tag name="KSO_WM_TEMPLATE_INDEX" val="20184545"/>
+</p:tagLst>
+</file>
+
+<file path=ppt/tags/tag47.xml><?xml version="1.0" encoding="utf-8"?>
+<p:tagLst xmlns:p="http://schemas.openxmlformats.org/presentationml/2006/main">
+  <p:tag name="KSO_WM_BEAUTIFY_FLAG" val="#wm#"/>
+  <p:tag name="KSO_WM_TEMPLATE_CATEGORY" val="custom"/>
+  <p:tag name="KSO_WM_TEMPLATE_INDEX" val="20184545"/>
+</p:tagLst>
+</file>
+
+<file path=ppt/tags/tag48.xml><?xml version="1.0" encoding="utf-8"?>
+<p:tagLst xmlns:p="http://schemas.openxmlformats.org/presentationml/2006/main">
+  <p:tag name="KSO_WM_BEAUTIFY_FLAG" val="#wm#"/>
+  <p:tag name="KSO_WM_TEMPLATE_CATEGORY" val="custom"/>
+  <p:tag name="KSO_WM_TEMPLATE_INDEX" val="20184545"/>
+</p:tagLst>
+</file>
+
+<file path=ppt/tags/tag49.xml><?xml version="1.0" encoding="utf-8"?>
+<p:tagLst xmlns:p="http://schemas.openxmlformats.org/presentationml/2006/main">
+  <p:tag name="KSO_WM_BEAUTIFY_FLAG" val="#wm#"/>
+  <p:tag name="KSO_WM_TEMPLATE_CATEGORY" val="custom"/>
+  <p:tag name="KSO_WM_TEMPLATE_INDEX" val="20184545"/>
+</p:tagLst>
+</file>
+
 <file path=ppt/tags/tag5.xml><?xml version="1.0" encoding="utf-8"?>
 <p:tagLst xmlns:p="http://schemas.openxmlformats.org/presentationml/2006/main">
+  <p:tag name="KSO_WM_TEMPLATE_CATEGORY" val="custom"/>
+  <p:tag name="KSO_WM_TEMPLATE_INDEX" val="20184545"/>
+</p:tagLst>
+</file>
+
+<file path=ppt/tags/tag50.xml><?xml version="1.0" encoding="utf-8"?>
+<p:tagLst xmlns:p="http://schemas.openxmlformats.org/presentationml/2006/main">
+  <p:tag name="KSO_WM_BEAUTIFY_FLAG" val="#wm#"/>
+  <p:tag name="KSO_WM_TEMPLATE_CATEGORY" val="custom"/>
+  <p:tag name="KSO_WM_TEMPLATE_INDEX" val="20184545"/>
+</p:tagLst>
+</file>
+
+<file path=ppt/tags/tag51.xml><?xml version="1.0" encoding="utf-8"?>
+<p:tagLst xmlns:p="http://schemas.openxmlformats.org/presentationml/2006/main">
+  <p:tag name="KSO_WM_BEAUTIFY_FLAG" val="#wm#"/>
+  <p:tag name="KSO_WM_TEMPLATE_CATEGORY" val="custom"/>
+  <p:tag name="KSO_WM_TEMPLATE_INDEX" val="20184545"/>
+</p:tagLst>
+</file>
+
+<file path=ppt/tags/tag52.xml><?xml version="1.0" encoding="utf-8"?>
+<p:tagLst xmlns:p="http://schemas.openxmlformats.org/presentationml/2006/main">
+  <p:tag name="KSO_WM_BEAUTIFY_FLAG" val="#wm#"/>
   <p:tag name="KSO_WM_TEMPLATE_CATEGORY" val="custom"/>
   <p:tag name="KSO_WM_TEMPLATE_INDEX" val="20184545"/>
 </p:tagLst>

--- a/docs/distributedsystemtransaction.pptx
+++ b/docs/distributedsystemtransaction.pptx
@@ -233,8 +233,12 @@
             <p14:sldId id="624"/>
             <p14:sldId id="728"/>
             <p14:sldId id="727"/>
+            <p14:sldId id="262"/>
+            <p14:sldId id="263"/>
+            <p14:sldId id="289"/>
             <p14:sldId id="280"/>
             <p14:sldId id="625"/>
+            <p14:sldId id="282"/>
             <p14:sldId id="283"/>
             <p14:sldId id="680"/>
             <p14:sldId id="681"/>
@@ -244,10 +248,6 @@
             <p14:sldId id="264"/>
             <p14:sldId id="266"/>
             <p14:sldId id="623"/>
-            <p14:sldId id="282"/>
-            <p14:sldId id="262"/>
-            <p14:sldId id="263"/>
-            <p14:sldId id="289"/>
           </p14:sldIdLst>
         </p14:section>
         <p14:section name="事务同步模式" id="{A1E4495F-3EF2-4370-A049-5EA14E4C5B0B}">
@@ -255,19 +255,19 @@
             <p14:sldId id="267"/>
             <p14:sldId id="729"/>
             <p14:sldId id="268"/>
+            <p14:sldId id="733"/>
             <p14:sldId id="732"/>
+            <p14:sldId id="739"/>
             <p14:sldId id="738"/>
+            <p14:sldId id="731"/>
+            <p14:sldId id="740"/>
+            <p14:sldId id="741"/>
             <p14:sldId id="276"/>
+            <p14:sldId id="742"/>
             <p14:sldId id="734"/>
             <p14:sldId id="735"/>
             <p14:sldId id="736"/>
             <p14:sldId id="737"/>
-            <p14:sldId id="731"/>
-            <p14:sldId id="733"/>
-            <p14:sldId id="739"/>
-            <p14:sldId id="740"/>
-            <p14:sldId id="741"/>
-            <p14:sldId id="742"/>
           </p14:sldIdLst>
         </p14:section>
         <p14:section name="分布式事务实现的技术" id="{DA5C7AD6-713F-4A2F-997D-27194B135141}">
@@ -2045,13 +2045,7 @@
               <a:rPr lang="zh-CN" altLang="en-US">
                 <a:sym typeface="+mn-ea"/>
               </a:rPr>
-              <a:t>也就是说，</a:t>
-            </a:r>
-            <a:r>
-              <a:rPr lang="zh-CN" altLang="en-US">
-                <a:sym typeface="+mn-ea"/>
-              </a:rPr>
-              <a:t>如果调用者已存在一个事务上下文，则当前方法加入该事务；如果调用者不存在一个事务上下文，则当前方法也不会在事务中运行。</a:t>
+              <a:t>也就是说，如果调用者已存在一个事务上下文，则当前方法加入该事务；如果调用者不存在一个事务上下文，则当前方法也不会在事务中运行。</a:t>
             </a:r>
             <a:endParaRPr lang="zh-CN" altLang="en-US">
               <a:sym typeface="+mn-ea"/>
@@ -2815,6 +2809,30 @@
             <a:r>
               <a:rPr lang="zh-CN" altLang="en-US"/>
               <a:t>事务接口通过线程里的事务管理器来进行管理。</a:t>
+            </a:r>
+            <a:endParaRPr lang="zh-CN" altLang="en-US"/>
+          </a:p>
+          <a:p>
+            <a:endParaRPr lang="zh-CN" altLang="en-US"/>
+          </a:p>
+          <a:p>
+            <a:endParaRPr lang="en-US" altLang="zh-CN"/>
+          </a:p>
+          <a:p>
+            <a:r>
+              <a:rPr lang="en-US" altLang="zh-CN"/>
+              <a:t>Atomikos&amp;Bitronix </a:t>
+            </a:r>
+            <a:r>
+              <a:rPr lang="zh-CN" altLang="en-US"/>
+              <a:t>比较</a:t>
+            </a:r>
+            <a:endParaRPr lang="zh-CN" altLang="en-US"/>
+          </a:p>
+          <a:p>
+            <a:r>
+              <a:rPr lang="zh-CN" altLang="en-US"/>
+              <a:t>https://www.jianshu.com/p/cf8e01afd710</a:t>
             </a:r>
             <a:endParaRPr lang="zh-CN" altLang="en-US"/>
           </a:p>
@@ -13440,6 +13458,14 @@
               <a:rPr lang="en-US" altLang="zh-CN"/>
               <a:t>Bitronix</a:t>
             </a:r>
+            <a:r>
+              <a:rPr lang="zh-CN" altLang="en-US"/>
+              <a:t>、</a:t>
+            </a:r>
+            <a:r>
+              <a:rPr lang="en-US" altLang="zh-CN"/>
+              <a:t>JOTM</a:t>
+            </a:r>
             <a:endParaRPr lang="zh-CN" altLang="en-US"/>
           </a:p>
           <a:p>
@@ -14452,7 +14478,6 @@
           <a:p>
             <a:r>
               <a:rPr lang="en-US" altLang="zh-CN" i="1">
-                <a:ln/>
                 <a:solidFill>
                   <a:schemeClr val="tx1"/>
                 </a:solidFill>
@@ -14469,7 +14494,6 @@
             </a:r>
             <a:r>
               <a:rPr lang="zh-CN" altLang="en-US" i="1">
-                <a:ln/>
                 <a:solidFill>
                   <a:schemeClr val="tx1"/>
                 </a:solidFill>
@@ -16076,11 +16100,7 @@
           <a:p>
             <a:r>
               <a:rPr lang="zh-CN" altLang="en-US"/>
-              <a:t>模式选择（根据</a:t>
-            </a:r>
-            <a:r>
-              <a:rPr lang="zh-CN" altLang="en-US"/>
-              <a:t>一致性需求）</a:t>
+              <a:t>模式选择（根据一致性需求）</a:t>
             </a:r>
             <a:endParaRPr lang="zh-CN" altLang="en-US"/>
           </a:p>

--- a/docs/distributedsystemtransaction.pptx
+++ b/docs/distributedsystemtransaction.pptx
@@ -7,6 +7,9 @@
   <p:notesMasterIdLst>
     <p:notesMasterId r:id="rId4"/>
   </p:notesMasterIdLst>
+  <p:handoutMasterIdLst>
+    <p:handoutMasterId r:id="rId95"/>
+  </p:handoutMasterIdLst>
   <p:sldIdLst>
     <p:sldId id="256" r:id="rId3"/>
     <p:sldId id="422" r:id="rId5"/>
@@ -88,11 +91,17 @@
     <p:sldId id="338" r:id="rId81"/>
     <p:sldId id="339" r:id="rId82"/>
     <p:sldId id="341" r:id="rId83"/>
-    <p:sldId id="342" r:id="rId84"/>
-    <p:sldId id="343" r:id="rId85"/>
-    <p:sldId id="355" r:id="rId86"/>
-    <p:sldId id="293" r:id="rId87"/>
-    <p:sldId id="425" r:id="rId88"/>
+    <p:sldId id="862" r:id="rId84"/>
+    <p:sldId id="342" r:id="rId85"/>
+    <p:sldId id="861" r:id="rId86"/>
+    <p:sldId id="343" r:id="rId87"/>
+    <p:sldId id="860" r:id="rId88"/>
+    <p:sldId id="854" r:id="rId89"/>
+    <p:sldId id="859" r:id="rId90"/>
+    <p:sldId id="355" r:id="rId91"/>
+    <p:sldId id="853" r:id="rId92"/>
+    <p:sldId id="293" r:id="rId93"/>
+    <p:sldId id="425" r:id="rId94"/>
   </p:sldIdLst>
   <p:sldSz cx="12192000" cy="6858000"/>
   <p:notesSz cx="6858000" cy="9144000"/>
@@ -224,12 +233,12 @@
           <p14:sldIdLst>
             <p14:sldId id="492"/>
             <p14:sldId id="495"/>
-            <p14:sldId id="784"/>
-            <p14:sldId id="563"/>
             <p14:sldId id="496"/>
             <p14:sldId id="620"/>
             <p14:sldId id="619"/>
             <p14:sldId id="622"/>
+            <p14:sldId id="563"/>
+            <p14:sldId id="784"/>
             <p14:sldId id="621"/>
           </p14:sldIdLst>
         </p14:section>
@@ -284,45 +293,55 @@
             <p14:sldId id="329"/>
             <p14:sldId id="330"/>
             <p14:sldId id="331"/>
+            <p14:sldId id="332"/>
+            <p14:sldId id="785"/>
+            <p14:sldId id="786"/>
             <p14:sldId id="333"/>
             <p14:sldId id="334"/>
-            <p14:sldId id="785"/>
-            <p14:sldId id="786"/>
-            <p14:sldId id="332"/>
           </p14:sldIdLst>
         </p14:section>
         <p14:section name="分布式锁" id="{C23D9AA9-9A07-4027-B664-A05F8FFBBBA6}">
           <p14:sldIdLst>
             <p14:sldId id="344"/>
             <p14:sldId id="345"/>
-            <p14:sldId id="787"/>
             <p14:sldId id="354"/>
             <p14:sldId id="788"/>
+            <p14:sldId id="787"/>
           </p14:sldIdLst>
         </p14:section>
         <p14:section name="消息驱动分布式事务" id="{EEC6AEC8-5FB6-4169-9C2F-CC3C7C48E76B}">
           <p14:sldIdLst>
             <p14:sldId id="743"/>
+            <p14:sldId id="336"/>
             <p14:sldId id="337"/>
             <p14:sldId id="338"/>
             <p14:sldId id="339"/>
-            <p14:sldId id="336"/>
           </p14:sldIdLst>
         </p14:section>
         <p14:section name="事件溯源模式" id="{D6275F70-EA6A-4C55-BC84-3737F07CC31D}">
           <p14:sldIdLst>
+            <p14:sldId id="342"/>
+            <p14:sldId id="861"/>
+            <p14:sldId id="862"/>
             <p14:sldId id="341"/>
-            <p14:sldId id="342"/>
           </p14:sldIdLst>
         </p14:section>
         <p14:section name="TCC模式" id="{9490DF95-3264-4CA3-AF46-BF7BB3737EC9}">
           <p14:sldIdLst>
             <p14:sldId id="343"/>
+            <p14:sldId id="860"/>
           </p14:sldIdLst>
         </p14:section>
-        <p14:section name="Fescar" id="{D7680A34-D0B4-4B66-BD81-45B1897A3598}">
+        <p14:section name="LCN 框架" id="{6a6af03b-0a94-4b2a-ada8-8b3f387d457b}">
+          <p14:sldIdLst>
+            <p14:sldId id="854"/>
+            <p14:sldId id="859"/>
+          </p14:sldIdLst>
+        </p14:section>
+        <p14:section name="Fescar框架" id="{D7680A34-D0B4-4B66-BD81-45B1897A3598}">
           <p14:sldIdLst>
             <p14:sldId id="355"/>
+            <p14:sldId id="853"/>
           </p14:sldIdLst>
         </p14:section>
         <p14:section name="参考资料" id="{18CEC514-9AE0-4C12-9247-8AAEDA3D09E6}">
@@ -335,6 +354,164 @@
     </p:ext>
   </p:extLst>
 </p:presentation>
+</file>
+
+<file path=ppt/handoutMasters/handoutMaster1.xml><?xml version="1.0" encoding="utf-8"?>
+<p:handoutMaster xmlns:a="http://schemas.openxmlformats.org/drawingml/2006/main" xmlns:r="http://schemas.openxmlformats.org/officeDocument/2006/relationships" xmlns:p="http://schemas.openxmlformats.org/presentationml/2006/main">
+  <p:cSld>
+    <p:bg>
+      <p:bgRef idx="1001">
+        <a:schemeClr val="bg1"/>
+      </p:bgRef>
+    </p:bg>
+    <p:spTree>
+      <p:nvGrpSpPr>
+        <p:cNvPr id="1" name=""/>
+        <p:cNvGrpSpPr/>
+        <p:nvPr/>
+      </p:nvGrpSpPr>
+      <p:grpSpPr>
+        <a:xfrm>
+          <a:off x="0" y="0"/>
+          <a:ext cx="0" cy="0"/>
+          <a:chOff x="0" y="0"/>
+          <a:chExt cx="0" cy="0"/>
+        </a:xfrm>
+      </p:grpSpPr>
+      <p:sp>
+        <p:nvSpPr>
+          <p:cNvPr id="2" name="页眉占位符 1"/>
+          <p:cNvSpPr>
+            <a:spLocks noGrp="1"/>
+          </p:cNvSpPr>
+          <p:nvPr>
+            <p:ph type="hdr" sz="quarter"/>
+          </p:nvPr>
+        </p:nvSpPr>
+        <p:spPr>
+          <a:xfrm>
+            <a:off x="0" y="0"/>
+            <a:ext cx="2971800" cy="458788"/>
+          </a:xfrm>
+          <a:prstGeom prst="rect">
+            <a:avLst/>
+          </a:prstGeom>
+        </p:spPr>
+        <p:txBody>
+          <a:bodyPr vert="horz" lIns="91440" tIns="45720" rIns="91440" bIns="45720" rtlCol="0"/>
+          <a:lstStyle>
+            <a:lvl1pPr algn="l">
+              <a:defRPr sz="1200"/>
+            </a:lvl1pPr>
+          </a:lstStyle>
+          <a:p>
+            <a:endParaRPr lang="zh-CN" altLang="en-US"/>
+          </a:p>
+        </p:txBody>
+      </p:sp>
+      <p:sp>
+        <p:nvSpPr>
+          <p:cNvPr id="3" name="日期占位符 2"/>
+          <p:cNvSpPr>
+            <a:spLocks noGrp="1"/>
+          </p:cNvSpPr>
+          <p:nvPr>
+            <p:ph type="dt" sz="quarter" idx="1"/>
+          </p:nvPr>
+        </p:nvSpPr>
+        <p:spPr>
+          <a:xfrm>
+            <a:off x="3884613" y="0"/>
+            <a:ext cx="2971800" cy="458788"/>
+          </a:xfrm>
+          <a:prstGeom prst="rect">
+            <a:avLst/>
+          </a:prstGeom>
+        </p:spPr>
+        <p:txBody>
+          <a:bodyPr vert="horz" lIns="91440" tIns="45720" rIns="91440" bIns="45720" rtlCol="0"/>
+          <a:lstStyle>
+            <a:lvl1pPr algn="r">
+              <a:defRPr sz="1200"/>
+            </a:lvl1pPr>
+          </a:lstStyle>
+          <a:p>
+            <a:fld id="{0F9B84EA-7D68-4D60-9CB1-D50884785D1C}" type="datetimeFigureOut">
+              <a:rPr lang="zh-CN" altLang="en-US" smtClean="0"/>
+            </a:fld>
+            <a:endParaRPr lang="zh-CN" altLang="en-US"/>
+          </a:p>
+        </p:txBody>
+      </p:sp>
+      <p:sp>
+        <p:nvSpPr>
+          <p:cNvPr id="4" name="页脚占位符 3"/>
+          <p:cNvSpPr>
+            <a:spLocks noGrp="1"/>
+          </p:cNvSpPr>
+          <p:nvPr>
+            <p:ph type="ftr" sz="quarter" idx="2"/>
+          </p:nvPr>
+        </p:nvSpPr>
+        <p:spPr>
+          <a:xfrm>
+            <a:off x="0" y="8685213"/>
+            <a:ext cx="2971800" cy="458787"/>
+          </a:xfrm>
+          <a:prstGeom prst="rect">
+            <a:avLst/>
+          </a:prstGeom>
+        </p:spPr>
+        <p:txBody>
+          <a:bodyPr vert="horz" lIns="91440" tIns="45720" rIns="91440" bIns="45720" rtlCol="0" anchor="b"/>
+          <a:lstStyle>
+            <a:lvl1pPr algn="l">
+              <a:defRPr sz="1200"/>
+            </a:lvl1pPr>
+          </a:lstStyle>
+          <a:p>
+            <a:endParaRPr lang="zh-CN" altLang="en-US"/>
+          </a:p>
+        </p:txBody>
+      </p:sp>
+      <p:sp>
+        <p:nvSpPr>
+          <p:cNvPr id="5" name="灯片编号占位符 4"/>
+          <p:cNvSpPr>
+            <a:spLocks noGrp="1"/>
+          </p:cNvSpPr>
+          <p:nvPr>
+            <p:ph type="sldNum" sz="quarter" idx="3"/>
+          </p:nvPr>
+        </p:nvSpPr>
+        <p:spPr>
+          <a:xfrm>
+            <a:off x="3884613" y="8685213"/>
+            <a:ext cx="2971800" cy="458787"/>
+          </a:xfrm>
+          <a:prstGeom prst="rect">
+            <a:avLst/>
+          </a:prstGeom>
+        </p:spPr>
+        <p:txBody>
+          <a:bodyPr vert="horz" lIns="91440" tIns="45720" rIns="91440" bIns="45720" rtlCol="0" anchor="b"/>
+          <a:lstStyle>
+            <a:lvl1pPr algn="r">
+              <a:defRPr sz="1200"/>
+            </a:lvl1pPr>
+          </a:lstStyle>
+          <a:p>
+            <a:fld id="{8D4E0FC9-F1F8-4FAE-9988-3BA365CFD46F}" type="slidenum">
+              <a:rPr lang="zh-CN" altLang="en-US" smtClean="0"/>
+            </a:fld>
+            <a:endParaRPr lang="zh-CN" altLang="en-US"/>
+          </a:p>
+        </p:txBody>
+      </p:sp>
+    </p:spTree>
+  </p:cSld>
+  <p:clrMap bg1="lt1" tx1="dk1" bg2="lt2" tx2="dk2" accent1="accent1" accent2="accent2" accent3="accent3" accent4="accent4" accent5="accent5" accent6="accent6" hlink="hlink" folHlink="folHlink"/>
+</p:handoutMaster>
 </file>
 
 <file path=ppt/notesMasters/notesMaster1.xml><?xml version="1.0" encoding="utf-8"?>
@@ -1720,6 +1897,13 @@
             </a:r>
             <a:endParaRPr lang="zh-CN" altLang="en-US"/>
           </a:p>
+          <a:p>
+            <a:r>
+              <a:rPr lang="zh-CN" altLang="en-US"/>
+              <a:t>https://www.jianshu.com/p/7ef9c48164e3</a:t>
+            </a:r>
+            <a:endParaRPr lang="zh-CN" altLang="en-US"/>
+          </a:p>
         </p:txBody>
       </p:sp>
     </p:spTree>
@@ -1809,6 +1993,16 @@
             <a:r>
               <a:rPr lang="zh-CN" altLang="en-US"/>
               <a:t>libpaxos3源码：https://bitbucket.org/sciascid/libpaxos</a:t>
+            </a:r>
+            <a:endParaRPr lang="zh-CN" altLang="en-US"/>
+          </a:p>
+          <a:p>
+            <a:endParaRPr lang="zh-CN" altLang="en-US"/>
+          </a:p>
+          <a:p>
+            <a:r>
+              <a:rPr lang="zh-CN" altLang="en-US"/>
+              <a:t>Google Chubby的作者Mike Burrows说过， there is only one consensus protocol, and that’s Paxos” – all other approaches are just broken versions of Paxos.</a:t>
             </a:r>
             <a:endParaRPr lang="zh-CN" altLang="en-US"/>
           </a:p>
@@ -2288,6 +2482,23 @@
             </a:r>
             <a:endParaRPr lang="zh-CN" altLang="en-US"/>
           </a:p>
+          <a:p>
+            <a:endParaRPr lang="zh-CN" altLang="en-US"/>
+          </a:p>
+          <a:p>
+            <a:r>
+              <a:rPr lang="en-US" altLang="zh-CN"/>
+              <a:t># JTA_PSQL</a:t>
+            </a:r>
+            <a:endParaRPr lang="zh-CN" altLang="en-US"/>
+          </a:p>
+          <a:p>
+            <a:r>
+              <a:rPr lang="zh-CN" altLang="en-US"/>
+              <a:t>https://www.cnblogs.com/Leo_wl/p/5728027.html</a:t>
+            </a:r>
+            <a:endParaRPr lang="zh-CN" altLang="en-US"/>
+          </a:p>
         </p:txBody>
       </p:sp>
     </p:spTree>
@@ -5416,6 +5627,295 @@
         <p:txBody>
           <a:bodyPr/>
           <a:p>
+            <a:r>
+              <a:rPr lang="zh-CN" altLang="en-US"/>
+              <a:t>https://microservices.io/patterns/data/cqrs.html</a:t>
+            </a:r>
+            <a:endParaRPr lang="zh-CN" altLang="en-US"/>
+          </a:p>
+          <a:p>
+            <a:r>
+              <a:rPr lang="zh-CN" altLang="en-US"/>
+              <a:t>https://microservices.io/patterns/data/event-sourcing.html</a:t>
+            </a:r>
+            <a:endParaRPr lang="zh-CN" altLang="en-US"/>
+          </a:p>
+          <a:p>
+            <a:endParaRPr lang="zh-CN" altLang="en-US"/>
+          </a:p>
+          <a:p>
+            <a:endParaRPr lang="zh-CN" altLang="en-US"/>
+          </a:p>
+          <a:p>
+            <a:endParaRPr lang="zh-CN" altLang="en-US"/>
+          </a:p>
+          <a:p>
+            <a:r>
+              <a:rPr lang="en-US" altLang="zh-CN"/>
+              <a:t>Axon</a:t>
+            </a:r>
+            <a:endParaRPr lang="en-US" altLang="zh-CN"/>
+          </a:p>
+          <a:p>
+            <a:r>
+              <a:rPr lang="en-US" altLang="zh-CN"/>
+              <a:t>SAGA</a:t>
+            </a:r>
+            <a:endParaRPr lang="zh-CN" altLang="en-US"/>
+          </a:p>
+          <a:p>
+            <a:endParaRPr lang="zh-CN" altLang="en-US"/>
+          </a:p>
+        </p:txBody>
+      </p:sp>
+    </p:spTree>
+  </p:cSld>
+  <p:clrMapOvr>
+    <a:masterClrMapping/>
+  </p:clrMapOvr>
+</p:notes>
+</file>
+
+<file path=ppt/notesSlides/notesSlide74.xml><?xml version="1.0" encoding="utf-8"?>
+<p:notes xmlns:a="http://schemas.openxmlformats.org/drawingml/2006/main" xmlns:r="http://schemas.openxmlformats.org/officeDocument/2006/relationships" xmlns:p="http://schemas.openxmlformats.org/presentationml/2006/main">
+  <p:cSld>
+    <p:spTree>
+      <p:nvGrpSpPr>
+        <p:cNvPr id="1" name=""/>
+        <p:cNvGrpSpPr/>
+        <p:nvPr/>
+      </p:nvGrpSpPr>
+      <p:grpSpPr/>
+      <p:sp>
+        <p:nvSpPr>
+          <p:cNvPr id="2" name="幻灯片图像占位符 1"/>
+          <p:cNvSpPr/>
+          <p:nvPr>
+            <p:ph type="sldImg" idx="2"/>
+          </p:nvPr>
+        </p:nvSpPr>
+        <p:spPr/>
+      </p:sp>
+      <p:sp>
+        <p:nvSpPr>
+          <p:cNvPr id="3" name="文本占位符 2"/>
+          <p:cNvSpPr/>
+          <p:nvPr>
+            <p:ph type="body" idx="3"/>
+          </p:nvPr>
+        </p:nvSpPr>
+        <p:spPr/>
+        <p:txBody>
+          <a:bodyPr/>
+          <a:p>
+            <a:r>
+              <a:rPr lang="zh-CN" altLang="en-US">
+                <a:sym typeface="+mn-ea"/>
+              </a:rPr>
+              <a:t>https://docs.axoniq.io/reference-guide/architecture-overview</a:t>
+            </a:r>
+            <a:endParaRPr lang="zh-CN" altLang="en-US"/>
+          </a:p>
+        </p:txBody>
+      </p:sp>
+    </p:spTree>
+  </p:cSld>
+  <p:clrMapOvr>
+    <a:masterClrMapping/>
+  </p:clrMapOvr>
+</p:notes>
+</file>
+
+<file path=ppt/notesSlides/notesSlide75.xml><?xml version="1.0" encoding="utf-8"?>
+<p:notes xmlns:a="http://schemas.openxmlformats.org/drawingml/2006/main" xmlns:r="http://schemas.openxmlformats.org/officeDocument/2006/relationships" xmlns:p="http://schemas.openxmlformats.org/presentationml/2006/main">
+  <p:cSld>
+    <p:spTree>
+      <p:nvGrpSpPr>
+        <p:cNvPr id="1" name=""/>
+        <p:cNvGrpSpPr/>
+        <p:nvPr/>
+      </p:nvGrpSpPr>
+      <p:grpSpPr/>
+      <p:sp>
+        <p:nvSpPr>
+          <p:cNvPr id="2" name="幻灯片图像占位符 1"/>
+          <p:cNvSpPr/>
+          <p:nvPr>
+            <p:ph type="sldImg" idx="2"/>
+          </p:nvPr>
+        </p:nvSpPr>
+        <p:spPr/>
+      </p:sp>
+      <p:sp>
+        <p:nvSpPr>
+          <p:cNvPr id="3" name="文本占位符 2"/>
+          <p:cNvSpPr/>
+          <p:nvPr>
+            <p:ph type="body" idx="3"/>
+          </p:nvPr>
+        </p:nvSpPr>
+        <p:spPr/>
+        <p:txBody>
+          <a:bodyPr/>
+          <a:p>
+            <a:endParaRPr lang="zh-CN" altLang="en-US"/>
+          </a:p>
+        </p:txBody>
+      </p:sp>
+    </p:spTree>
+  </p:cSld>
+  <p:clrMapOvr>
+    <a:masterClrMapping/>
+  </p:clrMapOvr>
+</p:notes>
+</file>
+
+<file path=ppt/notesSlides/notesSlide76.xml><?xml version="1.0" encoding="utf-8"?>
+<p:notes xmlns:a="http://schemas.openxmlformats.org/drawingml/2006/main" xmlns:r="http://schemas.openxmlformats.org/officeDocument/2006/relationships" xmlns:p="http://schemas.openxmlformats.org/presentationml/2006/main">
+  <p:cSld>
+    <p:spTree>
+      <p:nvGrpSpPr>
+        <p:cNvPr id="1" name=""/>
+        <p:cNvGrpSpPr/>
+        <p:nvPr/>
+      </p:nvGrpSpPr>
+      <p:grpSpPr/>
+      <p:sp>
+        <p:nvSpPr>
+          <p:cNvPr id="2" name="幻灯片图像占位符 1"/>
+          <p:cNvSpPr/>
+          <p:nvPr>
+            <p:ph type="sldImg" idx="2"/>
+          </p:nvPr>
+        </p:nvSpPr>
+        <p:spPr/>
+      </p:sp>
+      <p:sp>
+        <p:nvSpPr>
+          <p:cNvPr id="3" name="文本占位符 2"/>
+          <p:cNvSpPr/>
+          <p:nvPr>
+            <p:ph type="body" idx="3"/>
+          </p:nvPr>
+        </p:nvSpPr>
+        <p:spPr/>
+        <p:txBody>
+          <a:bodyPr/>
+          <a:p>
+            <a:r>
+              <a:rPr lang="en-US" altLang="zh-CN"/>
+              <a:t>DEMO:</a:t>
+            </a:r>
+            <a:endParaRPr lang="en-US" altLang="zh-CN"/>
+          </a:p>
+          <a:p>
+            <a:r>
+              <a:rPr lang="en-US" altLang="zh-CN"/>
+              <a:t>https://txlcn.org/en-us/docs/demo/dubbo.html</a:t>
+            </a:r>
+            <a:endParaRPr lang="en-US" altLang="zh-CN"/>
+          </a:p>
+        </p:txBody>
+      </p:sp>
+    </p:spTree>
+  </p:cSld>
+  <p:clrMapOvr>
+    <a:masterClrMapping/>
+  </p:clrMapOvr>
+</p:notes>
+</file>
+
+<file path=ppt/notesSlides/notesSlide77.xml><?xml version="1.0" encoding="utf-8"?>
+<p:notes xmlns:a="http://schemas.openxmlformats.org/drawingml/2006/main" xmlns:r="http://schemas.openxmlformats.org/officeDocument/2006/relationships" xmlns:p="http://schemas.openxmlformats.org/presentationml/2006/main">
+  <p:cSld>
+    <p:spTree>
+      <p:nvGrpSpPr>
+        <p:cNvPr id="1" name=""/>
+        <p:cNvGrpSpPr/>
+        <p:nvPr/>
+      </p:nvGrpSpPr>
+      <p:grpSpPr/>
+      <p:sp>
+        <p:nvSpPr>
+          <p:cNvPr id="2" name="幻灯片图像占位符 1"/>
+          <p:cNvSpPr/>
+          <p:nvPr>
+            <p:ph type="sldImg" idx="2"/>
+          </p:nvPr>
+        </p:nvSpPr>
+        <p:spPr/>
+      </p:sp>
+      <p:sp>
+        <p:nvSpPr>
+          <p:cNvPr id="3" name="文本占位符 2"/>
+          <p:cNvSpPr/>
+          <p:nvPr>
+            <p:ph type="body" idx="3"/>
+          </p:nvPr>
+        </p:nvSpPr>
+        <p:spPr/>
+        <p:txBody>
+          <a:bodyPr/>
+          <a:p>
+            <a:r>
+              <a:rPr lang="zh-CN" altLang="en-US"/>
+              <a:t>https://txlcn.org/en-us/docs/principle/control.html</a:t>
+            </a:r>
+            <a:endParaRPr lang="zh-CN" altLang="en-US"/>
+          </a:p>
+          <a:p>
+            <a:r>
+              <a:rPr lang="en-US" altLang="zh-CN"/>
+              <a:t>DEMO: https://txlcn.org/en-us/docs/demo/dubbo.html</a:t>
+            </a:r>
+            <a:endParaRPr lang="en-US" altLang="zh-CN"/>
+          </a:p>
+        </p:txBody>
+      </p:sp>
+    </p:spTree>
+  </p:cSld>
+  <p:clrMapOvr>
+    <a:masterClrMapping/>
+  </p:clrMapOvr>
+</p:notes>
+</file>
+
+<file path=ppt/notesSlides/notesSlide78.xml><?xml version="1.0" encoding="utf-8"?>
+<p:notes xmlns:a="http://schemas.openxmlformats.org/drawingml/2006/main" xmlns:r="http://schemas.openxmlformats.org/officeDocument/2006/relationships" xmlns:p="http://schemas.openxmlformats.org/presentationml/2006/main">
+  <p:cSld>
+    <p:spTree>
+      <p:nvGrpSpPr>
+        <p:cNvPr id="1" name=""/>
+        <p:cNvGrpSpPr/>
+        <p:nvPr/>
+      </p:nvGrpSpPr>
+      <p:grpSpPr/>
+      <p:sp>
+        <p:nvSpPr>
+          <p:cNvPr id="2" name="幻灯片图像占位符 1"/>
+          <p:cNvSpPr/>
+          <p:nvPr>
+            <p:ph type="sldImg" idx="2"/>
+          </p:nvPr>
+        </p:nvSpPr>
+        <p:spPr/>
+      </p:sp>
+      <p:sp>
+        <p:nvSpPr>
+          <p:cNvPr id="3" name="文本占位符 2"/>
+          <p:cNvSpPr/>
+          <p:nvPr>
+            <p:ph type="body" idx="3"/>
+          </p:nvPr>
+        </p:nvSpPr>
+        <p:spPr/>
+        <p:txBody>
+          <a:bodyPr/>
+          <a:p>
+            <a:r>
+              <a:rPr lang="zh-CN" altLang="en-US"/>
+              <a:t>https://github.com/alibaba/fescar/wiki/%E6%A6%82%E8%A7%88</a:t>
+            </a:r>
             <a:endParaRPr lang="zh-CN" altLang="en-US"/>
           </a:p>
         </p:txBody>
@@ -10452,10 +10952,9 @@
             <a:endParaRPr lang="zh-CN" altLang="en-US"/>
           </a:p>
           <a:p>
-            <a:r>
-              <a:rPr lang="en-US" altLang="zh-CN"/>
-              <a:t>Paxos</a:t>
-            </a:r>
+            <a:pPr marL="0" indent="0">
+              <a:buNone/>
+            </a:pPr>
             <a:endParaRPr lang="en-US" altLang="zh-CN"/>
           </a:p>
         </p:txBody>
@@ -11646,7 +12145,7 @@
 </file>
 
 <file path=ppt/slides/slide23.xml><?xml version="1.0" encoding="utf-8"?>
-<p:sld xmlns:a="http://schemas.openxmlformats.org/drawingml/2006/main" xmlns:r="http://schemas.openxmlformats.org/officeDocument/2006/relationships" xmlns:p="http://schemas.openxmlformats.org/presentationml/2006/main">
+<p:sld xmlns:a="http://schemas.openxmlformats.org/drawingml/2006/main" xmlns:r="http://schemas.openxmlformats.org/officeDocument/2006/relationships" xmlns:p="http://schemas.openxmlformats.org/presentationml/2006/main" show="0">
   <p:cSld>
     <p:spTree>
       <p:nvGrpSpPr>
@@ -11709,6 +12208,7 @@
   <p:clrMapOvr>
     <a:masterClrMapping/>
   </p:clrMapOvr>
+  <p:transition/>
 </p:sld>
 </file>
 
@@ -16087,9 +16587,9 @@
       </p:sp>
       <p:pic>
         <p:nvPicPr>
-          <p:cNvPr id="4" name="内容占位符 3"/>
+          <p:cNvPr id="5" name="内容占位符 4"/>
           <p:cNvPicPr>
-            <a:picLocks noGrp="1" noChangeAspect="1"/>
+            <a:picLocks noChangeAspect="1"/>
           </p:cNvPicPr>
           <p:nvPr>
             <p:ph idx="1"/>
@@ -16103,8 +16603,8 @@
         </p:blipFill>
         <p:spPr>
           <a:xfrm>
-            <a:off x="876300" y="1901190"/>
-            <a:ext cx="10440035" cy="4221480"/>
+            <a:off x="1035050" y="1880870"/>
+            <a:ext cx="8115300" cy="3619500"/>
           </a:xfrm>
           <a:prstGeom prst="rect">
             <a:avLst/>
@@ -19317,9 +19817,9 @@
       </p:sp>
       <p:pic>
         <p:nvPicPr>
-          <p:cNvPr id="4" name="内容占位符 3"/>
+          <p:cNvPr id="5" name="内容占位符 4"/>
           <p:cNvPicPr>
-            <a:picLocks noGrp="1" noChangeAspect="1"/>
+            <a:picLocks noChangeAspect="1"/>
           </p:cNvPicPr>
           <p:nvPr>
             <p:ph idx="1"/>
@@ -19333,8 +19833,8 @@
         </p:blipFill>
         <p:spPr>
           <a:xfrm>
-            <a:off x="889635" y="1852295"/>
-            <a:ext cx="10412095" cy="4319905"/>
+            <a:off x="876300" y="1702435"/>
+            <a:ext cx="8115300" cy="3619500"/>
           </a:xfrm>
           <a:prstGeom prst="rect">
             <a:avLst/>
@@ -19666,7 +20166,7 @@
           <a:p>
             <a:r>
               <a:rPr lang="en-US" altLang="zh-CN"/>
-              <a:t>Event Sourcing</a:t>
+              <a:t>Event Sourcing -- CQRS</a:t>
             </a:r>
             <a:endParaRPr lang="en-US" altLang="zh-CN"/>
           </a:p>
@@ -19674,10 +20174,8 @@
       </p:sp>
       <p:sp>
         <p:nvSpPr>
-          <p:cNvPr id="3" name="内容占位符 2"/>
-          <p:cNvSpPr>
-            <a:spLocks noGrp="1"/>
-          </p:cNvSpPr>
+          <p:cNvPr id="5" name="内容占位符 4"/>
+          <p:cNvSpPr/>
           <p:nvPr>
             <p:ph idx="1"/>
           </p:nvPr>
@@ -19685,20 +20183,196 @@
         <p:spPr/>
         <p:txBody>
           <a:bodyPr/>
-          <a:lstStyle/>
-          <a:p>
-            <a:endParaRPr lang="zh-CN" altLang="en-US"/>
-          </a:p>
-        </p:txBody>
-      </p:sp>
+          <a:p>
+            <a:r>
+              <a:rPr lang="en-US" altLang="zh-CN"/>
+              <a:t>CQRS: </a:t>
+            </a:r>
+            <a:r>
+              <a:rPr lang="zh-CN" altLang="en-US"/>
+              <a:t>Command Query Responsibility Segregation</a:t>
+            </a:r>
+            <a:endParaRPr lang="zh-CN" altLang="en-US"/>
+          </a:p>
+        </p:txBody>
+      </p:sp>
+      <p:pic>
+        <p:nvPicPr>
+          <p:cNvPr id="3" name="图片 2" descr="QuerySideService"/>
+          <p:cNvPicPr>
+            <a:picLocks noChangeAspect="1"/>
+          </p:cNvPicPr>
+          <p:nvPr/>
+        </p:nvPicPr>
+        <p:blipFill>
+          <a:blip r:embed="rId1"/>
+          <a:stretch>
+            <a:fillRect/>
+          </a:stretch>
+        </p:blipFill>
+        <p:spPr>
+          <a:xfrm>
+            <a:off x="936625" y="2364740"/>
+            <a:ext cx="4924425" cy="4074795"/>
+          </a:xfrm>
+          <a:prstGeom prst="rect">
+            <a:avLst/>
+          </a:prstGeom>
+        </p:spPr>
+      </p:pic>
+      <p:pic>
+        <p:nvPicPr>
+          <p:cNvPr id="8" name="图片 7"/>
+          <p:cNvPicPr>
+            <a:picLocks noChangeAspect="1"/>
+          </p:cNvPicPr>
+          <p:nvPr/>
+        </p:nvPicPr>
+        <p:blipFill>
+          <a:blip r:embed="rId2"/>
+          <a:stretch>
+            <a:fillRect/>
+          </a:stretch>
+        </p:blipFill>
+        <p:spPr>
+          <a:xfrm>
+            <a:off x="6569075" y="2330450"/>
+            <a:ext cx="4747260" cy="4095115"/>
+          </a:xfrm>
+          <a:prstGeom prst="rect">
+            <a:avLst/>
+          </a:prstGeom>
+        </p:spPr>
+      </p:pic>
     </p:spTree>
     <p:custDataLst>
-      <p:tags r:id="rId1"/>
+      <p:tags r:id="rId3"/>
     </p:custDataLst>
   </p:cSld>
   <p:clrMapOvr>
     <a:masterClrMapping/>
   </p:clrMapOvr>
+  <p:timing>
+    <p:tnLst>
+      <p:par>
+        <p:cTn id="1" dur="indefinite" restart="never" nodeType="tmRoot">
+          <p:childTnLst>
+            <p:seq concurrent="1" nextAc="seek">
+              <p:cTn id="2" dur="indefinite" nodeType="mainSeq">
+                <p:childTnLst>
+                  <p:par>
+                    <p:cTn id="3" fill="hold">
+                      <p:stCondLst>
+                        <p:cond delay="indefinite"/>
+                      </p:stCondLst>
+                      <p:childTnLst>
+                        <p:par>
+                          <p:cTn id="4" fill="hold">
+                            <p:stCondLst>
+                              <p:cond delay="0"/>
+                            </p:stCondLst>
+                            <p:childTnLst>
+                              <p:par>
+                                <p:cTn id="5" presetID="2" presetClass="entr" presetSubtype="4" fill="hold" nodeType="clickEffect">
+                                  <p:stCondLst>
+                                    <p:cond delay="0"/>
+                                  </p:stCondLst>
+                                  <p:childTnLst>
+                                    <p:set>
+                                      <p:cBhvr>
+                                        <p:cTn id="6" dur="500" fill="hold">
+                                          <p:stCondLst>
+                                            <p:cond delay="0"/>
+                                          </p:stCondLst>
+                                        </p:cTn>
+                                        <p:tgtEl>
+                                          <p:spTgt spid="3"/>
+                                        </p:tgtEl>
+                                        <p:attrNameLst>
+                                          <p:attrName>style.visibility</p:attrName>
+                                        </p:attrNameLst>
+                                      </p:cBhvr>
+                                      <p:to>
+                                        <p:strVal val="visible"/>
+                                      </p:to>
+                                    </p:set>
+                                    <p:anim calcmode="lin" valueType="num">
+                                      <p:cBhvr additive="base">
+                                        <p:cTn id="7" dur="500" fill="hold"/>
+                                        <p:tgtEl>
+                                          <p:spTgt spid="3"/>
+                                        </p:tgtEl>
+                                        <p:attrNameLst>
+                                          <p:attrName>ppt_x</p:attrName>
+                                        </p:attrNameLst>
+                                      </p:cBhvr>
+                                      <p:tavLst>
+                                        <p:tav tm="0">
+                                          <p:val>
+                                            <p:strVal val="#ppt_x"/>
+                                          </p:val>
+                                        </p:tav>
+                                        <p:tav tm="100000">
+                                          <p:val>
+                                            <p:strVal val="#ppt_x"/>
+                                          </p:val>
+                                        </p:tav>
+                                      </p:tavLst>
+                                    </p:anim>
+                                    <p:anim calcmode="lin" valueType="num">
+                                      <p:cBhvr additive="base">
+                                        <p:cTn id="8" dur="500" fill="hold"/>
+                                        <p:tgtEl>
+                                          <p:spTgt spid="3"/>
+                                        </p:tgtEl>
+                                        <p:attrNameLst>
+                                          <p:attrName>ppt_y</p:attrName>
+                                        </p:attrNameLst>
+                                      </p:cBhvr>
+                                      <p:tavLst>
+                                        <p:tav tm="0">
+                                          <p:val>
+                                            <p:strVal val="1+#ppt_h/2"/>
+                                          </p:val>
+                                        </p:tav>
+                                        <p:tav tm="100000">
+                                          <p:val>
+                                            <p:strVal val="#ppt_y"/>
+                                          </p:val>
+                                        </p:tav>
+                                      </p:tavLst>
+                                    </p:anim>
+                                  </p:childTnLst>
+                                </p:cTn>
+                              </p:par>
+                            </p:childTnLst>
+                          </p:cTn>
+                        </p:par>
+                      </p:childTnLst>
+                    </p:cTn>
+                  </p:par>
+                </p:childTnLst>
+              </p:cTn>
+              <p:prevCondLst>
+                <p:cond evt="onPrev" delay="0">
+                  <p:tgtEl>
+                    <p:sldTgt/>
+                  </p:tgtEl>
+                </p:cond>
+              </p:prevCondLst>
+              <p:nextCondLst>
+                <p:cond evt="onNext" delay="0">
+                  <p:tgtEl>
+                    <p:sldTgt/>
+                  </p:tgtEl>
+                </p:cond>
+              </p:nextCondLst>
+            </p:seq>
+          </p:childTnLst>
+        </p:cTn>
+      </p:par>
+    </p:tnLst>
+  </p:timing>
 </p:sld>
 </file>
 
@@ -19711,14 +20385,7 @@
         <p:cNvGrpSpPr/>
         <p:nvPr/>
       </p:nvGrpSpPr>
-      <p:grpSpPr>
-        <a:xfrm>
-          <a:off x="0" y="0"/>
-          <a:ext cx="0" cy="0"/>
-          <a:chOff x="0" y="0"/>
-          <a:chExt cx="0" cy="0"/>
-        </a:xfrm>
-      </p:grpSpPr>
+      <p:grpSpPr/>
       <p:sp>
         <p:nvSpPr>
           <p:cNvPr id="2" name="标题 1"/>
@@ -19732,8 +20399,15 @@
         <p:spPr/>
         <p:txBody>
           <a:bodyPr/>
-          <a:lstStyle/>
-          <a:p>
+          <a:p>
+            <a:r>
+              <a:rPr lang="en-US" altLang="zh-CN"/>
+              <a:t>AXON </a:t>
+            </a:r>
+            <a:r>
+              <a:rPr lang="zh-CN" altLang="en-US"/>
+              <a:t>框架</a:t>
+            </a:r>
             <a:endParaRPr lang="zh-CN" altLang="en-US"/>
           </a:p>
         </p:txBody>
@@ -19751,15 +20425,38 @@
         <p:spPr/>
         <p:txBody>
           <a:bodyPr/>
-          <a:lstStyle/>
-          <a:p>
-            <a:endParaRPr lang="zh-CN" altLang="en-US"/>
-          </a:p>
-        </p:txBody>
-      </p:sp>
+          <a:p>
+            <a:endParaRPr lang="zh-CN" altLang="en-US"/>
+          </a:p>
+        </p:txBody>
+      </p:sp>
+      <p:pic>
+        <p:nvPicPr>
+          <p:cNvPr id="4" name="图片 3" descr="assets--LOb1hJMvj2flvCj-pr_--LU5wVmzdvJ-6AlTcWD---LU5wXn73463Z6jsRtcu-architecture-overview"/>
+          <p:cNvPicPr>
+            <a:picLocks noChangeAspect="1"/>
+          </p:cNvPicPr>
+          <p:nvPr/>
+        </p:nvPicPr>
+        <p:blipFill>
+          <a:blip r:embed="rId1"/>
+          <a:stretch>
+            <a:fillRect/>
+          </a:stretch>
+        </p:blipFill>
+        <p:spPr>
+          <a:xfrm>
+            <a:off x="5678170" y="523875"/>
+            <a:ext cx="6115050" cy="5810250"/>
+          </a:xfrm>
+          <a:prstGeom prst="rect">
+            <a:avLst/>
+          </a:prstGeom>
+        </p:spPr>
+      </p:pic>
     </p:spTree>
     <p:custDataLst>
-      <p:tags r:id="rId1"/>
+      <p:tags r:id="rId2"/>
     </p:custDataLst>
   </p:cSld>
   <p:clrMapOvr>
@@ -19801,10 +20498,10 @@
           <a:lstStyle/>
           <a:p>
             <a:r>
-              <a:rPr lang="en-US" altLang="zh-CN"/>
-              <a:t>TCC</a:t>
-            </a:r>
-            <a:endParaRPr lang="en-US" altLang="zh-CN"/>
+              <a:rPr lang="zh-CN" altLang="en-US"/>
+              <a:t>优点</a:t>
+            </a:r>
+            <a:endParaRPr lang="zh-CN" altLang="en-US"/>
           </a:p>
         </p:txBody>
       </p:sp>
@@ -19823,6 +20520,40 @@
           <a:bodyPr/>
           <a:lstStyle/>
           <a:p>
+            <a:r>
+              <a:rPr lang="zh-CN" altLang="en-US"/>
+              <a:t>历史重现： 从事件中重新生成视图数据库</a:t>
+            </a:r>
+            <a:endParaRPr lang="zh-CN" altLang="en-US"/>
+          </a:p>
+          <a:p>
+            <a:endParaRPr lang="zh-CN" altLang="en-US"/>
+          </a:p>
+          <a:p>
+            <a:r>
+              <a:rPr lang="zh-CN" altLang="en-US"/>
+              <a:t>方便的数据流处理与报告生成</a:t>
+            </a:r>
+            <a:endParaRPr lang="zh-CN" altLang="en-US"/>
+          </a:p>
+          <a:p>
+            <a:endParaRPr lang="zh-CN" altLang="en-US"/>
+          </a:p>
+          <a:p>
+            <a:r>
+              <a:rPr lang="zh-CN" altLang="en-US"/>
+              <a:t>性能</a:t>
+            </a:r>
+            <a:endParaRPr lang="zh-CN" altLang="en-US"/>
+          </a:p>
+          <a:p>
+            <a:endParaRPr lang="zh-CN" altLang="en-US"/>
+          </a:p>
+          <a:p>
+            <a:r>
+              <a:rPr lang="zh-CN" altLang="en-US"/>
+              <a:t>服务的松耦合</a:t>
+            </a:r>
             <a:endParaRPr lang="zh-CN" altLang="en-US"/>
           </a:p>
         </p:txBody>
@@ -19847,14 +20578,7 @@
         <p:cNvGrpSpPr/>
         <p:nvPr/>
       </p:nvGrpSpPr>
-      <p:grpSpPr>
-        <a:xfrm>
-          <a:off x="0" y="0"/>
-          <a:ext cx="0" cy="0"/>
-          <a:chOff x="0" y="0"/>
-          <a:chExt cx="0" cy="0"/>
-        </a:xfrm>
-      </p:grpSpPr>
+      <p:grpSpPr/>
       <p:sp>
         <p:nvSpPr>
           <p:cNvPr id="2" name="标题 1"/>
@@ -19868,31 +20592,71 @@
         <p:spPr/>
         <p:txBody>
           <a:bodyPr/>
-          <a:lstStyle/>
-          <a:p>
+          <a:p>
+            <a:r>
+              <a:rPr lang="zh-CN" altLang="en-US"/>
+              <a:t>缺点</a:t>
+            </a:r>
+            <a:endParaRPr lang="zh-CN" altLang="en-US"/>
+          </a:p>
+        </p:txBody>
+      </p:sp>
+      <p:sp>
+        <p:nvSpPr>
+          <p:cNvPr id="3" name="内容占位符 2"/>
+          <p:cNvSpPr>
+            <a:spLocks noGrp="1"/>
+          </p:cNvSpPr>
+          <p:nvPr>
+            <p:ph idx="1"/>
+          </p:nvPr>
+        </p:nvSpPr>
+        <p:spPr/>
+        <p:txBody>
+          <a:bodyPr/>
+          <a:p>
+            <a:r>
+              <a:rPr lang="zh-CN" altLang="en-US"/>
+              <a:t>只能保证事务的最终一致性</a:t>
+            </a:r>
+            <a:endParaRPr lang="zh-CN" altLang="en-US"/>
+          </a:p>
+          <a:p>
+            <a:endParaRPr lang="zh-CN" altLang="en-US"/>
+          </a:p>
+          <a:p>
+            <a:r>
+              <a:rPr lang="zh-CN" altLang="en-US"/>
+              <a:t>设计和开发思维的转变、学习成本。</a:t>
+            </a:r>
+            <a:endParaRPr lang="zh-CN" altLang="en-US"/>
+          </a:p>
+          <a:p>
+            <a:endParaRPr lang="zh-CN" altLang="en-US"/>
+          </a:p>
+          <a:p>
+            <a:r>
+              <a:rPr lang="zh-CN" altLang="en-US"/>
+              <a:t>事件结构的改变</a:t>
+            </a:r>
+            <a:endParaRPr lang="zh-CN" altLang="en-US"/>
+          </a:p>
+          <a:p>
+            <a:endParaRPr lang="zh-CN" altLang="en-US"/>
+          </a:p>
+          <a:p>
+            <a:r>
+              <a:rPr lang="zh-CN" altLang="en-US"/>
+              <a:t>横向扩展性：</a:t>
+            </a:r>
             <a:r>
               <a:rPr lang="en-US" altLang="zh-CN"/>
-              <a:t>Fescar </a:t>
-            </a:r>
-            <a:endParaRPr lang="en-US" altLang="zh-CN"/>
-          </a:p>
-        </p:txBody>
-      </p:sp>
-      <p:sp>
-        <p:nvSpPr>
-          <p:cNvPr id="3" name="内容占位符 2"/>
-          <p:cNvSpPr>
-            <a:spLocks noGrp="1"/>
-          </p:cNvSpPr>
-          <p:nvPr>
-            <p:ph idx="1"/>
-          </p:nvPr>
-        </p:nvSpPr>
-        <p:spPr/>
-        <p:txBody>
-          <a:bodyPr/>
-          <a:lstStyle/>
-          <a:p>
+              <a:t>Event Store</a:t>
+            </a:r>
+            <a:r>
+              <a:rPr lang="zh-CN" altLang="en-US"/>
+              <a:t>的分布式实现，事件的分布式处理</a:t>
+            </a:r>
             <a:endParaRPr lang="zh-CN" altLang="en-US"/>
           </a:p>
         </p:txBody>
@@ -19940,7 +20704,11 @@
           <a:bodyPr/>
           <a:lstStyle/>
           <a:p>
-            <a:endParaRPr lang="zh-CN" altLang="en-US"/>
+            <a:r>
+              <a:rPr lang="en-US" altLang="zh-CN"/>
+              <a:t>TCC (Try-Confirm-Cancel)</a:t>
+            </a:r>
+            <a:endParaRPr lang="en-US" altLang="zh-CN"/>
           </a:p>
         </p:txBody>
       </p:sp>
@@ -19959,55 +20727,6 @@
           <a:bodyPr/>
           <a:lstStyle/>
           <a:p>
-            <a:r>
-              <a:rPr lang="zh-CN" altLang="en-US"/>
-              <a:t>https://www.2cto.com/kf/201803/728799.html</a:t>
-            </a:r>
-            <a:endParaRPr lang="zh-CN" altLang="en-US"/>
-          </a:p>
-          <a:p>
-            <a:r>
-              <a:rPr lang="zh-CN" altLang="en-US"/>
-              <a:t>配合spring-tx实现事务的原理</a:t>
-            </a:r>
-            <a:endParaRPr lang="zh-CN" altLang="en-US"/>
-          </a:p>
-          <a:p>
-            <a:endParaRPr lang="zh-CN" altLang="en-US"/>
-          </a:p>
-          <a:p>
-            <a:r>
-              <a:rPr lang="zh-CN" altLang="en-US"/>
-              <a:t>https://blog.csdn.net/weixin_42861564/article/details/81590093</a:t>
-            </a:r>
-            <a:endParaRPr lang="zh-CN" altLang="en-US"/>
-          </a:p>
-          <a:p>
-            <a:r>
-              <a:rPr lang="en-US" altLang="zh-CN"/>
-              <a:t>Spring</a:t>
-            </a:r>
-            <a:r>
-              <a:rPr lang="zh-CN" altLang="en-US"/>
-              <a:t>事务同步</a:t>
-            </a:r>
-            <a:endParaRPr lang="zh-CN" altLang="en-US"/>
-          </a:p>
-          <a:p>
-            <a:endParaRPr lang="zh-CN" altLang="en-US"/>
-          </a:p>
-          <a:p>
-            <a:r>
-              <a:rPr lang="zh-CN" altLang="en-US"/>
-              <a:t>https://github.com/spring-projects/spring-framework/issues/8524</a:t>
-            </a:r>
-            <a:endParaRPr lang="zh-CN" altLang="en-US"/>
-          </a:p>
-          <a:p>
-            <a:r>
-              <a:rPr lang="zh-CN" altLang="en-US"/>
-              <a:t>Provide a "best efforts" 1PC transaction manager out of the box</a:t>
-            </a:r>
             <a:endParaRPr lang="zh-CN" altLang="en-US"/>
           </a:p>
         </p:txBody>
@@ -20047,7 +20766,11 @@
         <p:txBody>
           <a:bodyPr/>
           <a:p>
-            <a:endParaRPr lang="zh-CN" altLang="en-US"/>
+            <a:r>
+              <a:rPr lang="en-US" altLang="zh-CN"/>
+              <a:t>TCC</a:t>
+            </a:r>
+            <a:endParaRPr lang="en-US" altLang="zh-CN"/>
           </a:p>
         </p:txBody>
       </p:sp>
@@ -20067,32 +20790,558 @@
           <a:p>
             <a:r>
               <a:rPr lang="zh-CN" altLang="en-US"/>
-              <a:t>https://www.javaworld.com/article/2077963/open-source-tools/distributed-transactions-in-spring--with-and-without-xa.html</a:t>
-            </a:r>
-            <a:endParaRPr lang="zh-CN" altLang="en-US"/>
-          </a:p>
-          <a:p>
-            <a:r>
-              <a:rPr lang="zh-CN" altLang="en-US"/>
-              <a:t>Distributed transactions in Spring, with and without XA</a:t>
-            </a:r>
-            <a:endParaRPr lang="zh-CN" altLang="en-US"/>
-          </a:p>
-          <a:p>
-            <a:endParaRPr lang="zh-CN" altLang="en-US"/>
-          </a:p>
-          <a:p>
-            <a:r>
-              <a:rPr lang="zh-CN" altLang="en-US"/>
-              <a:t>https://www.cnblogs.com/malcome/articles/5909632.html?from=timeline&amp;isappinstalled=1</a:t>
-            </a:r>
-            <a:endParaRPr lang="zh-CN" altLang="en-US"/>
-          </a:p>
-          <a:p>
-            <a:r>
-              <a:rPr lang="zh-CN" altLang="en-US"/>
-              <a:t>JAVA分布式架构的演变及解决方案</a:t>
-            </a:r>
+              <a:t>代码侵入性高</a:t>
+            </a:r>
+            <a:endParaRPr lang="zh-CN" altLang="en-US"/>
+          </a:p>
+          <a:p>
+            <a:endParaRPr lang="zh-CN" altLang="en-US"/>
+          </a:p>
+          <a:p>
+            <a:r>
+              <a:rPr lang="zh-CN" altLang="en-US"/>
+              <a:t>没有标准</a:t>
+            </a:r>
+            <a:endParaRPr lang="zh-CN" altLang="en-US"/>
+          </a:p>
+        </p:txBody>
+      </p:sp>
+    </p:spTree>
+    <p:custDataLst>
+      <p:tags r:id="rId1"/>
+    </p:custDataLst>
+  </p:cSld>
+  <p:clrMapOvr>
+    <a:masterClrMapping/>
+  </p:clrMapOvr>
+</p:sld>
+</file>
+
+<file path=ppt/slides/slide86.xml><?xml version="1.0" encoding="utf-8"?>
+<p:sld xmlns:a="http://schemas.openxmlformats.org/drawingml/2006/main" xmlns:r="http://schemas.openxmlformats.org/officeDocument/2006/relationships" xmlns:p="http://schemas.openxmlformats.org/presentationml/2006/main">
+  <p:cSld>
+    <p:spTree>
+      <p:nvGrpSpPr>
+        <p:cNvPr id="1" name=""/>
+        <p:cNvGrpSpPr/>
+        <p:nvPr/>
+      </p:nvGrpSpPr>
+      <p:grpSpPr/>
+      <p:sp>
+        <p:nvSpPr>
+          <p:cNvPr id="2" name="标题 1"/>
+          <p:cNvSpPr>
+            <a:spLocks noGrp="1"/>
+          </p:cNvSpPr>
+          <p:nvPr>
+            <p:ph type="title"/>
+          </p:nvPr>
+        </p:nvSpPr>
+        <p:spPr/>
+        <p:txBody>
+          <a:bodyPr/>
+          <a:p>
+            <a:r>
+              <a:rPr lang="en-US" altLang="zh-CN"/>
+              <a:t>TX-LCN (Lock-Confirm-Notify)</a:t>
+            </a:r>
+            <a:endParaRPr lang="en-US" altLang="zh-CN"/>
+          </a:p>
+        </p:txBody>
+      </p:sp>
+      <p:sp>
+        <p:nvSpPr>
+          <p:cNvPr id="5" name="内容占位符 4"/>
+          <p:cNvSpPr/>
+          <p:nvPr>
+            <p:ph idx="1"/>
+          </p:nvPr>
+        </p:nvSpPr>
+        <p:spPr/>
+        <p:txBody>
+          <a:bodyPr/>
+          <a:p>
+            <a:r>
+              <a:rPr lang="en-US" altLang="zh-CN"/>
+              <a:t>LCN </a:t>
+            </a:r>
+            <a:r>
+              <a:rPr lang="zh-CN" altLang="en-US"/>
+              <a:t>模式</a:t>
+            </a:r>
+            <a:endParaRPr lang="en-US" altLang="zh-CN"/>
+          </a:p>
+          <a:p>
+            <a:endParaRPr lang="en-US" altLang="zh-CN"/>
+          </a:p>
+          <a:p>
+            <a:r>
+              <a:rPr lang="en-US" altLang="zh-CN"/>
+              <a:t>TCC </a:t>
+            </a:r>
+            <a:r>
+              <a:rPr lang="zh-CN" altLang="en-US"/>
+              <a:t>模式</a:t>
+            </a:r>
+            <a:endParaRPr lang="en-US" altLang="zh-CN"/>
+          </a:p>
+          <a:p>
+            <a:endParaRPr lang="en-US" altLang="zh-CN"/>
+          </a:p>
+          <a:p>
+            <a:r>
+              <a:rPr lang="en-US" altLang="zh-CN"/>
+              <a:t>TXC </a:t>
+            </a:r>
+            <a:r>
+              <a:rPr lang="zh-CN" altLang="en-US"/>
+              <a:t>模式</a:t>
+            </a:r>
+            <a:endParaRPr lang="zh-CN" altLang="en-US"/>
+          </a:p>
+          <a:p>
+            <a:endParaRPr lang="zh-CN" altLang="en-US"/>
+          </a:p>
+          <a:p>
+            <a:endParaRPr lang="zh-CN" altLang="en-US"/>
+          </a:p>
+        </p:txBody>
+      </p:sp>
+      <p:pic>
+        <p:nvPicPr>
+          <p:cNvPr id="6" name="内容占位符 3"/>
+          <p:cNvPicPr>
+            <a:picLocks noChangeAspect="1"/>
+          </p:cNvPicPr>
+          <p:nvPr/>
+        </p:nvPicPr>
+        <p:blipFill>
+          <a:blip r:embed="rId1"/>
+          <a:stretch>
+            <a:fillRect/>
+          </a:stretch>
+        </p:blipFill>
+        <p:spPr>
+          <a:xfrm>
+            <a:off x="5342255" y="1852295"/>
+            <a:ext cx="4399915" cy="4319905"/>
+          </a:xfrm>
+          <a:prstGeom prst="rect">
+            <a:avLst/>
+          </a:prstGeom>
+        </p:spPr>
+      </p:pic>
+    </p:spTree>
+    <p:custDataLst>
+      <p:tags r:id="rId2"/>
+    </p:custDataLst>
+  </p:cSld>
+  <p:clrMapOvr>
+    <a:masterClrMapping/>
+  </p:clrMapOvr>
+</p:sld>
+</file>
+
+<file path=ppt/slides/slide87.xml><?xml version="1.0" encoding="utf-8"?>
+<p:sld xmlns:a="http://schemas.openxmlformats.org/drawingml/2006/main" xmlns:r="http://schemas.openxmlformats.org/officeDocument/2006/relationships" xmlns:p="http://schemas.openxmlformats.org/presentationml/2006/main">
+  <p:cSld>
+    <p:spTree>
+      <p:nvGrpSpPr>
+        <p:cNvPr id="1" name=""/>
+        <p:cNvGrpSpPr/>
+        <p:nvPr/>
+      </p:nvGrpSpPr>
+      <p:grpSpPr/>
+      <p:sp>
+        <p:nvSpPr>
+          <p:cNvPr id="2" name="标题 1"/>
+          <p:cNvSpPr>
+            <a:spLocks noGrp="1"/>
+          </p:cNvSpPr>
+          <p:nvPr>
+            <p:ph type="title"/>
+          </p:nvPr>
+        </p:nvSpPr>
+        <p:spPr/>
+        <p:txBody>
+          <a:bodyPr/>
+          <a:p>
+            <a:r>
+              <a:rPr lang="en-US" altLang="zh-CN"/>
+              <a:t>TX-LCN</a:t>
+            </a:r>
+            <a:endParaRPr lang="en-US" altLang="zh-CN"/>
+          </a:p>
+        </p:txBody>
+      </p:sp>
+      <p:sp>
+        <p:nvSpPr>
+          <p:cNvPr id="3" name="内容占位符 2"/>
+          <p:cNvSpPr>
+            <a:spLocks noGrp="1"/>
+          </p:cNvSpPr>
+          <p:nvPr>
+            <p:ph idx="1"/>
+          </p:nvPr>
+        </p:nvSpPr>
+        <p:spPr/>
+        <p:txBody>
+          <a:bodyPr/>
+          <a:p>
+            <a:r>
+              <a:rPr lang="zh-CN" altLang="en-US">
+                <a:sym typeface="+mn-ea"/>
+              </a:rPr>
+              <a:t>支持</a:t>
+            </a:r>
+            <a:r>
+              <a:rPr lang="en-US" altLang="zh-CN">
+                <a:sym typeface="+mn-ea"/>
+              </a:rPr>
+              <a:t>dubbo, SpringCloud</a:t>
+            </a:r>
+            <a:endParaRPr lang="en-US" altLang="zh-CN"/>
+          </a:p>
+          <a:p>
+            <a:endParaRPr lang="en-US" altLang="zh-CN"/>
+          </a:p>
+          <a:p>
+            <a:r>
+              <a:rPr lang="zh-CN" altLang="en-US">
+                <a:sym typeface="+mn-ea"/>
+              </a:rPr>
+              <a:t>事务协调器的高可用</a:t>
+            </a:r>
+            <a:endParaRPr lang="zh-CN" altLang="en-US">
+              <a:sym typeface="+mn-ea"/>
+            </a:endParaRPr>
+          </a:p>
+          <a:p>
+            <a:endParaRPr lang="zh-CN" altLang="en-US"/>
+          </a:p>
+          <a:p>
+            <a:r>
+              <a:rPr lang="zh-CN" altLang="en-US"/>
+              <a:t>支持声明式编程，代码侵入性低</a:t>
+            </a:r>
+            <a:endParaRPr lang="zh-CN" altLang="en-US"/>
+          </a:p>
+        </p:txBody>
+      </p:sp>
+    </p:spTree>
+    <p:custDataLst>
+      <p:tags r:id="rId1"/>
+    </p:custDataLst>
+  </p:cSld>
+  <p:clrMapOvr>
+    <a:masterClrMapping/>
+  </p:clrMapOvr>
+</p:sld>
+</file>
+
+<file path=ppt/slides/slide88.xml><?xml version="1.0" encoding="utf-8"?>
+<p:sld xmlns:a="http://schemas.openxmlformats.org/drawingml/2006/main" xmlns:r="http://schemas.openxmlformats.org/officeDocument/2006/relationships" xmlns:p="http://schemas.openxmlformats.org/presentationml/2006/main">
+  <p:cSld>
+    <p:spTree>
+      <p:nvGrpSpPr>
+        <p:cNvPr id="1" name=""/>
+        <p:cNvGrpSpPr/>
+        <p:nvPr/>
+      </p:nvGrpSpPr>
+      <p:grpSpPr>
+        <a:xfrm>
+          <a:off x="0" y="0"/>
+          <a:ext cx="0" cy="0"/>
+          <a:chOff x="0" y="0"/>
+          <a:chExt cx="0" cy="0"/>
+        </a:xfrm>
+      </p:grpSpPr>
+      <p:sp>
+        <p:nvSpPr>
+          <p:cNvPr id="2" name="标题 1"/>
+          <p:cNvSpPr>
+            <a:spLocks noGrp="1"/>
+          </p:cNvSpPr>
+          <p:nvPr>
+            <p:ph type="title"/>
+          </p:nvPr>
+        </p:nvSpPr>
+        <p:spPr/>
+        <p:txBody>
+          <a:bodyPr>
+            <a:normAutofit/>
+          </a:bodyPr>
+          <a:lstStyle/>
+          <a:p>
+            <a:r>
+              <a:rPr lang="en-US" altLang="zh-CN"/>
+              <a:t> 					</a:t>
+            </a:r>
+            <a:r>
+              <a:rPr lang="en-US" altLang="zh-CN" sz="2800">
+                <a:ln w="22225">
+                  <a:solidFill>
+                    <a:schemeClr val="accent2"/>
+                  </a:solidFill>
+                  <a:prstDash val="solid"/>
+                </a:ln>
+                <a:solidFill>
+                  <a:schemeClr val="accent2">
+                    <a:lumMod val="40000"/>
+                    <a:lumOff val="60000"/>
+                  </a:schemeClr>
+                </a:solidFill>
+                <a:effectLst/>
+              </a:rPr>
+              <a:t>F</a:t>
+            </a:r>
+            <a:r>
+              <a:rPr lang="en-US" altLang="zh-CN" sz="2800"/>
+              <a:t>ast &amp; </a:t>
+            </a:r>
+            <a:r>
+              <a:rPr lang="en-US" altLang="zh-CN" sz="2800">
+                <a:ln w="22225">
+                  <a:solidFill>
+                    <a:schemeClr val="accent2"/>
+                  </a:solidFill>
+                  <a:prstDash val="solid"/>
+                </a:ln>
+                <a:solidFill>
+                  <a:schemeClr val="accent2">
+                    <a:lumMod val="40000"/>
+                    <a:lumOff val="60000"/>
+                  </a:schemeClr>
+                </a:solidFill>
+                <a:effectLst/>
+              </a:rPr>
+              <a:t>E</a:t>
+            </a:r>
+            <a:r>
+              <a:rPr lang="en-US" altLang="zh-CN" sz="2800"/>
+              <a:t>a</a:t>
+            </a:r>
+            <a:r>
+              <a:rPr lang="en-US" altLang="zh-CN" sz="2800">
+                <a:ln w="22225">
+                  <a:solidFill>
+                    <a:schemeClr val="accent2"/>
+                  </a:solidFill>
+                  <a:prstDash val="solid"/>
+                </a:ln>
+                <a:solidFill>
+                  <a:schemeClr val="accent2">
+                    <a:lumMod val="40000"/>
+                    <a:lumOff val="60000"/>
+                  </a:schemeClr>
+                </a:solidFill>
+                <a:effectLst/>
+              </a:rPr>
+              <a:t>S</a:t>
+            </a:r>
+            <a:r>
+              <a:rPr lang="en-US" altLang="zh-CN" sz="2800"/>
+              <a:t>y </a:t>
+            </a:r>
+            <a:r>
+              <a:rPr lang="en-US" altLang="zh-CN" sz="2800">
+                <a:ln w="22225">
+                  <a:solidFill>
+                    <a:schemeClr val="accent2"/>
+                  </a:solidFill>
+                  <a:prstDash val="solid"/>
+                </a:ln>
+                <a:solidFill>
+                  <a:schemeClr val="accent2">
+                    <a:lumMod val="40000"/>
+                    <a:lumOff val="60000"/>
+                  </a:schemeClr>
+                </a:solidFill>
+                <a:effectLst/>
+              </a:rPr>
+              <a:t>C</a:t>
+            </a:r>
+            <a:r>
+              <a:rPr lang="en-US" altLang="zh-CN" sz="2800"/>
+              <a:t>ommit </a:t>
+            </a:r>
+            <a:r>
+              <a:rPr lang="en-US" altLang="zh-CN" sz="2800">
+                <a:ln w="22225">
+                  <a:solidFill>
+                    <a:schemeClr val="accent2"/>
+                  </a:solidFill>
+                  <a:prstDash val="solid"/>
+                </a:ln>
+                <a:solidFill>
+                  <a:schemeClr val="accent2">
+                    <a:lumMod val="40000"/>
+                    <a:lumOff val="60000"/>
+                  </a:schemeClr>
+                </a:solidFill>
+                <a:effectLst/>
+              </a:rPr>
+              <a:t>A</a:t>
+            </a:r>
+            <a:r>
+              <a:rPr lang="en-US" altLang="zh-CN" sz="2800"/>
+              <a:t>nd </a:t>
+            </a:r>
+            <a:r>
+              <a:rPr lang="en-US" altLang="zh-CN" sz="2800">
+                <a:ln w="22225">
+                  <a:solidFill>
+                    <a:schemeClr val="accent2"/>
+                  </a:solidFill>
+                  <a:prstDash val="solid"/>
+                </a:ln>
+                <a:solidFill>
+                  <a:schemeClr val="accent2">
+                    <a:lumMod val="40000"/>
+                    <a:lumOff val="60000"/>
+                  </a:schemeClr>
+                </a:solidFill>
+                <a:effectLst/>
+              </a:rPr>
+              <a:t>R</a:t>
+            </a:r>
+            <a:r>
+              <a:rPr lang="en-US" altLang="zh-CN" sz="2800"/>
+              <a:t>ollback</a:t>
+            </a:r>
+            <a:endParaRPr lang="en-US" altLang="zh-CN" sz="2800"/>
+          </a:p>
+        </p:txBody>
+      </p:sp>
+      <p:sp>
+        <p:nvSpPr>
+          <p:cNvPr id="3" name="内容占位符 2"/>
+          <p:cNvSpPr>
+            <a:spLocks noGrp="1"/>
+          </p:cNvSpPr>
+          <p:nvPr>
+            <p:ph idx="1"/>
+          </p:nvPr>
+        </p:nvSpPr>
+        <p:spPr>
+          <a:xfrm>
+            <a:off x="876300" y="1852295"/>
+            <a:ext cx="5204460" cy="4319905"/>
+          </a:xfrm>
+        </p:spPr>
+        <p:txBody>
+          <a:bodyPr/>
+          <a:lstStyle/>
+          <a:p>
+            <a:r>
+              <a:rPr lang="zh-CN" altLang="en-US"/>
+              <a:t>Fescar 是 阿里巴巴 开源的 分布式事务中间件，以 高效 并且对业务 0 侵入 的方式，解决 微服务 场景下面临的分布式事务问题。</a:t>
+            </a:r>
+            <a:endParaRPr lang="zh-CN" altLang="en-US"/>
+          </a:p>
+        </p:txBody>
+      </p:sp>
+      <p:pic>
+        <p:nvPicPr>
+          <p:cNvPr id="4" name="图片 3" descr="fescar"/>
+          <p:cNvPicPr>
+            <a:picLocks noChangeAspect="1"/>
+          </p:cNvPicPr>
+          <p:nvPr/>
+        </p:nvPicPr>
+        <p:blipFill>
+          <a:blip r:embed="rId1"/>
+          <a:stretch>
+            <a:fillRect/>
+          </a:stretch>
+        </p:blipFill>
+        <p:spPr>
+          <a:xfrm>
+            <a:off x="876300" y="492760"/>
+            <a:ext cx="3931920" cy="1051560"/>
+          </a:xfrm>
+          <a:prstGeom prst="rect">
+            <a:avLst/>
+          </a:prstGeom>
+        </p:spPr>
+      </p:pic>
+      <p:pic>
+        <p:nvPicPr>
+          <p:cNvPr id="5" name="图片 4" descr="68747470733a2f2f63646e2e6e6c61726b2e636f6d2f6c61726b2f302f323031382f706e672f31383836322f313534353239363738313233312d34303239646139632d383830332d343361342d616332662d3663386231653265613434382e706e67"/>
+          <p:cNvPicPr>
+            <a:picLocks noChangeAspect="1"/>
+          </p:cNvPicPr>
+          <p:nvPr/>
+        </p:nvPicPr>
+        <p:blipFill>
+          <a:blip r:embed="rId2"/>
+          <a:stretch>
+            <a:fillRect/>
+          </a:stretch>
+        </p:blipFill>
+        <p:spPr>
+          <a:xfrm>
+            <a:off x="6153785" y="1852295"/>
+            <a:ext cx="5162550" cy="4324350"/>
+          </a:xfrm>
+          <a:prstGeom prst="rect">
+            <a:avLst/>
+          </a:prstGeom>
+        </p:spPr>
+      </p:pic>
+    </p:spTree>
+    <p:custDataLst>
+      <p:tags r:id="rId3"/>
+    </p:custDataLst>
+  </p:cSld>
+  <p:clrMapOvr>
+    <a:masterClrMapping/>
+  </p:clrMapOvr>
+</p:sld>
+</file>
+
+<file path=ppt/slides/slide89.xml><?xml version="1.0" encoding="utf-8"?>
+<p:sld xmlns:a="http://schemas.openxmlformats.org/drawingml/2006/main" xmlns:r="http://schemas.openxmlformats.org/officeDocument/2006/relationships" xmlns:p="http://schemas.openxmlformats.org/presentationml/2006/main">
+  <p:cSld>
+    <p:spTree>
+      <p:nvGrpSpPr>
+        <p:cNvPr id="1" name=""/>
+        <p:cNvGrpSpPr/>
+        <p:nvPr/>
+      </p:nvGrpSpPr>
+      <p:grpSpPr/>
+      <p:sp>
+        <p:nvSpPr>
+          <p:cNvPr id="2" name="标题 1"/>
+          <p:cNvSpPr>
+            <a:spLocks noGrp="1"/>
+          </p:cNvSpPr>
+          <p:nvPr>
+            <p:ph type="title"/>
+          </p:nvPr>
+        </p:nvSpPr>
+        <p:spPr/>
+        <p:txBody>
+          <a:bodyPr/>
+          <a:p>
+            <a:endParaRPr lang="zh-CN" altLang="en-US"/>
+          </a:p>
+        </p:txBody>
+      </p:sp>
+      <p:sp>
+        <p:nvSpPr>
+          <p:cNvPr id="3" name="内容占位符 2"/>
+          <p:cNvSpPr>
+            <a:spLocks noGrp="1"/>
+          </p:cNvSpPr>
+          <p:nvPr>
+            <p:ph idx="1"/>
+          </p:nvPr>
+        </p:nvSpPr>
+        <p:spPr/>
+        <p:txBody>
+          <a:bodyPr/>
+          <a:p>
             <a:endParaRPr lang="zh-CN" altLang="en-US"/>
           </a:p>
         </p:txBody>
@@ -20195,6 +21444,206 @@
             <a:r>
               <a:rPr lang="zh-CN" altLang="en-US"/>
               <a:t>理论</a:t>
+            </a:r>
+            <a:endParaRPr lang="zh-CN" altLang="en-US"/>
+          </a:p>
+        </p:txBody>
+      </p:sp>
+    </p:spTree>
+    <p:custDataLst>
+      <p:tags r:id="rId1"/>
+    </p:custDataLst>
+  </p:cSld>
+  <p:clrMapOvr>
+    <a:masterClrMapping/>
+  </p:clrMapOvr>
+</p:sld>
+</file>
+
+<file path=ppt/slides/slide90.xml><?xml version="1.0" encoding="utf-8"?>
+<p:sld xmlns:a="http://schemas.openxmlformats.org/drawingml/2006/main" xmlns:r="http://schemas.openxmlformats.org/officeDocument/2006/relationships" xmlns:p="http://schemas.openxmlformats.org/presentationml/2006/main">
+  <p:cSld>
+    <p:spTree>
+      <p:nvGrpSpPr>
+        <p:cNvPr id="1" name=""/>
+        <p:cNvGrpSpPr/>
+        <p:nvPr/>
+      </p:nvGrpSpPr>
+      <p:grpSpPr>
+        <a:xfrm>
+          <a:off x="0" y="0"/>
+          <a:ext cx="0" cy="0"/>
+          <a:chOff x="0" y="0"/>
+          <a:chExt cx="0" cy="0"/>
+        </a:xfrm>
+      </p:grpSpPr>
+      <p:sp>
+        <p:nvSpPr>
+          <p:cNvPr id="2" name="标题 1"/>
+          <p:cNvSpPr>
+            <a:spLocks noGrp="1"/>
+          </p:cNvSpPr>
+          <p:nvPr>
+            <p:ph type="title"/>
+          </p:nvPr>
+        </p:nvSpPr>
+        <p:spPr/>
+        <p:txBody>
+          <a:bodyPr/>
+          <a:lstStyle/>
+          <a:p>
+            <a:endParaRPr lang="zh-CN" altLang="en-US"/>
+          </a:p>
+        </p:txBody>
+      </p:sp>
+      <p:sp>
+        <p:nvSpPr>
+          <p:cNvPr id="3" name="内容占位符 2"/>
+          <p:cNvSpPr>
+            <a:spLocks noGrp="1"/>
+          </p:cNvSpPr>
+          <p:nvPr>
+            <p:ph idx="1"/>
+          </p:nvPr>
+        </p:nvSpPr>
+        <p:spPr/>
+        <p:txBody>
+          <a:bodyPr/>
+          <a:lstStyle/>
+          <a:p>
+            <a:r>
+              <a:rPr lang="zh-CN" altLang="en-US"/>
+              <a:t>https://www.2cto.com/kf/201803/728799.html</a:t>
+            </a:r>
+            <a:endParaRPr lang="zh-CN" altLang="en-US"/>
+          </a:p>
+          <a:p>
+            <a:r>
+              <a:rPr lang="zh-CN" altLang="en-US"/>
+              <a:t>配合spring-tx实现事务的原理</a:t>
+            </a:r>
+            <a:endParaRPr lang="zh-CN" altLang="en-US"/>
+          </a:p>
+          <a:p>
+            <a:endParaRPr lang="zh-CN" altLang="en-US"/>
+          </a:p>
+          <a:p>
+            <a:r>
+              <a:rPr lang="zh-CN" altLang="en-US"/>
+              <a:t>https://blog.csdn.net/weixin_42861564/article/details/81590093</a:t>
+            </a:r>
+            <a:endParaRPr lang="zh-CN" altLang="en-US"/>
+          </a:p>
+          <a:p>
+            <a:r>
+              <a:rPr lang="en-US" altLang="zh-CN"/>
+              <a:t>Spring</a:t>
+            </a:r>
+            <a:r>
+              <a:rPr lang="zh-CN" altLang="en-US"/>
+              <a:t>事务同步</a:t>
+            </a:r>
+            <a:endParaRPr lang="zh-CN" altLang="en-US"/>
+          </a:p>
+          <a:p>
+            <a:endParaRPr lang="zh-CN" altLang="en-US"/>
+          </a:p>
+          <a:p>
+            <a:r>
+              <a:rPr lang="zh-CN" altLang="en-US"/>
+              <a:t>https://github.com/spring-projects/spring-framework/issues/8524</a:t>
+            </a:r>
+            <a:endParaRPr lang="zh-CN" altLang="en-US"/>
+          </a:p>
+          <a:p>
+            <a:r>
+              <a:rPr lang="zh-CN" altLang="en-US"/>
+              <a:t>Provide a "best efforts" 1PC transaction manager out of the box</a:t>
+            </a:r>
+            <a:endParaRPr lang="zh-CN" altLang="en-US"/>
+          </a:p>
+        </p:txBody>
+      </p:sp>
+    </p:spTree>
+    <p:custDataLst>
+      <p:tags r:id="rId1"/>
+    </p:custDataLst>
+  </p:cSld>
+  <p:clrMapOvr>
+    <a:masterClrMapping/>
+  </p:clrMapOvr>
+</p:sld>
+</file>
+
+<file path=ppt/slides/slide91.xml><?xml version="1.0" encoding="utf-8"?>
+<p:sld xmlns:a="http://schemas.openxmlformats.org/drawingml/2006/main" xmlns:r="http://schemas.openxmlformats.org/officeDocument/2006/relationships" xmlns:p="http://schemas.openxmlformats.org/presentationml/2006/main">
+  <p:cSld>
+    <p:spTree>
+      <p:nvGrpSpPr>
+        <p:cNvPr id="1" name=""/>
+        <p:cNvGrpSpPr/>
+        <p:nvPr/>
+      </p:nvGrpSpPr>
+      <p:grpSpPr/>
+      <p:sp>
+        <p:nvSpPr>
+          <p:cNvPr id="2" name="标题 1"/>
+          <p:cNvSpPr>
+            <a:spLocks noGrp="1"/>
+          </p:cNvSpPr>
+          <p:nvPr>
+            <p:ph type="title"/>
+          </p:nvPr>
+        </p:nvSpPr>
+        <p:spPr/>
+        <p:txBody>
+          <a:bodyPr/>
+          <a:p>
+            <a:endParaRPr lang="zh-CN" altLang="en-US"/>
+          </a:p>
+        </p:txBody>
+      </p:sp>
+      <p:sp>
+        <p:nvSpPr>
+          <p:cNvPr id="3" name="内容占位符 2"/>
+          <p:cNvSpPr>
+            <a:spLocks noGrp="1"/>
+          </p:cNvSpPr>
+          <p:nvPr>
+            <p:ph idx="1"/>
+          </p:nvPr>
+        </p:nvSpPr>
+        <p:spPr/>
+        <p:txBody>
+          <a:bodyPr/>
+          <a:p>
+            <a:r>
+              <a:rPr lang="zh-CN" altLang="en-US"/>
+              <a:t>https://www.javaworld.com/article/2077963/open-source-tools/distributed-transactions-in-spring--with-and-without-xa.html</a:t>
+            </a:r>
+            <a:endParaRPr lang="zh-CN" altLang="en-US"/>
+          </a:p>
+          <a:p>
+            <a:r>
+              <a:rPr lang="zh-CN" altLang="en-US"/>
+              <a:t>Distributed transactions in Spring, with and without XA</a:t>
+            </a:r>
+            <a:endParaRPr lang="zh-CN" altLang="en-US"/>
+          </a:p>
+          <a:p>
+            <a:endParaRPr lang="zh-CN" altLang="en-US"/>
+          </a:p>
+          <a:p>
+            <a:r>
+              <a:rPr lang="zh-CN" altLang="en-US"/>
+              <a:t>https://www.cnblogs.com/malcome/articles/5909632.html?from=timeline&amp;isappinstalled=1</a:t>
+            </a:r>
+            <a:endParaRPr lang="zh-CN" altLang="en-US"/>
+          </a:p>
+          <a:p>
+            <a:r>
+              <a:rPr lang="zh-CN" altLang="en-US"/>
+              <a:t>JAVA分布式架构的演变及解决方案</a:t>
             </a:r>
             <a:endParaRPr lang="zh-CN" altLang="en-US"/>
           </a:p>
@@ -20879,7 +22328,55 @@
 </p:tagLst>
 </file>
 
+<file path=ppt/tags/tag85.xml><?xml version="1.0" encoding="utf-8"?>
+<p:tagLst xmlns:p="http://schemas.openxmlformats.org/presentationml/2006/main">
+  <p:tag name="KSO_WM_BEAUTIFY_FLAG" val="#wm#"/>
+  <p:tag name="KSO_WM_TEMPLATE_CATEGORY" val="custom"/>
+  <p:tag name="KSO_WM_TEMPLATE_INDEX" val="20184545"/>
+</p:tagLst>
+</file>
+
+<file path=ppt/tags/tag86.xml><?xml version="1.0" encoding="utf-8"?>
+<p:tagLst xmlns:p="http://schemas.openxmlformats.org/presentationml/2006/main">
+  <p:tag name="KSO_WM_BEAUTIFY_FLAG" val="#wm#"/>
+  <p:tag name="KSO_WM_TEMPLATE_CATEGORY" val="custom"/>
+  <p:tag name="KSO_WM_TEMPLATE_INDEX" val="20184545"/>
+</p:tagLst>
+</file>
+
+<file path=ppt/tags/tag87.xml><?xml version="1.0" encoding="utf-8"?>
+<p:tagLst xmlns:p="http://schemas.openxmlformats.org/presentationml/2006/main">
+  <p:tag name="KSO_WM_BEAUTIFY_FLAG" val="#wm#"/>
+  <p:tag name="KSO_WM_TEMPLATE_CATEGORY" val="custom"/>
+  <p:tag name="KSO_WM_TEMPLATE_INDEX" val="20184545"/>
+</p:tagLst>
+</file>
+
+<file path=ppt/tags/tag88.xml><?xml version="1.0" encoding="utf-8"?>
+<p:tagLst xmlns:p="http://schemas.openxmlformats.org/presentationml/2006/main">
+  <p:tag name="KSO_WM_BEAUTIFY_FLAG" val="#wm#"/>
+  <p:tag name="KSO_WM_TEMPLATE_CATEGORY" val="custom"/>
+  <p:tag name="KSO_WM_TEMPLATE_INDEX" val="20184545"/>
+</p:tagLst>
+</file>
+
+<file path=ppt/tags/tag89.xml><?xml version="1.0" encoding="utf-8"?>
+<p:tagLst xmlns:p="http://schemas.openxmlformats.org/presentationml/2006/main">
+  <p:tag name="KSO_WM_BEAUTIFY_FLAG" val="#wm#"/>
+  <p:tag name="KSO_WM_TEMPLATE_CATEGORY" val="custom"/>
+  <p:tag name="KSO_WM_TEMPLATE_INDEX" val="20184545"/>
+</p:tagLst>
+</file>
+
 <file path=ppt/tags/tag9.xml><?xml version="1.0" encoding="utf-8"?>
+<p:tagLst xmlns:p="http://schemas.openxmlformats.org/presentationml/2006/main">
+  <p:tag name="KSO_WM_BEAUTIFY_FLAG" val="#wm#"/>
+  <p:tag name="KSO_WM_TEMPLATE_CATEGORY" val="custom"/>
+  <p:tag name="KSO_WM_TEMPLATE_INDEX" val="20184545"/>
+</p:tagLst>
+</file>
+
+<file path=ppt/tags/tag90.xml><?xml version="1.0" encoding="utf-8"?>
 <p:tagLst xmlns:p="http://schemas.openxmlformats.org/presentationml/2006/main">
   <p:tag name="KSO_WM_BEAUTIFY_FLAG" val="#wm#"/>
   <p:tag name="KSO_WM_TEMPLATE_CATEGORY" val="custom"/>
@@ -21403,4 +22900,263 @@
     </a:ext>
   </a:extLst>
 </a:theme>
+</file>
+
+<file path=ppt/theme/theme3.xml><?xml version="1.0" encoding="utf-8"?>
+<a:theme xmlns:a="http://schemas.openxmlformats.org/drawingml/2006/main" name="Office 主题">
+  <a:themeElements>
+    <a:clrScheme name="Office">
+      <a:dk1>
+        <a:sysClr val="windowText" lastClr="000000"/>
+      </a:dk1>
+      <a:lt1>
+        <a:sysClr val="window" lastClr="FFFFFF"/>
+      </a:lt1>
+      <a:dk2>
+        <a:srgbClr val="44546A"/>
+      </a:dk2>
+      <a:lt2>
+        <a:srgbClr val="E7E6E6"/>
+      </a:lt2>
+      <a:accent1>
+        <a:srgbClr val="5B9BD5"/>
+      </a:accent1>
+      <a:accent2>
+        <a:srgbClr val="ED7D31"/>
+      </a:accent2>
+      <a:accent3>
+        <a:srgbClr val="A5A5A5"/>
+      </a:accent3>
+      <a:accent4>
+        <a:srgbClr val="FFC000"/>
+      </a:accent4>
+      <a:accent5>
+        <a:srgbClr val="4472C4"/>
+      </a:accent5>
+      <a:accent6>
+        <a:srgbClr val="70AD47"/>
+      </a:accent6>
+      <a:hlink>
+        <a:srgbClr val="0563C1"/>
+      </a:hlink>
+      <a:folHlink>
+        <a:srgbClr val="954F72"/>
+      </a:folHlink>
+    </a:clrScheme>
+    <a:fontScheme name="Office">
+      <a:majorFont>
+        <a:latin typeface="Calibri Light"/>
+        <a:ea typeface=""/>
+        <a:cs typeface=""/>
+        <a:font script="Jpan" typeface="ＭＳ Ｐゴシック"/>
+        <a:font script="Hang" typeface="맑은 고딕"/>
+        <a:font script="Hans" typeface="宋体"/>
+        <a:font script="Hant" typeface="新細明體"/>
+        <a:font script="Arab" typeface="Times New Roman"/>
+        <a:font script="Hebr" typeface="Times New Roman"/>
+        <a:font script="Thai" typeface="Angsana New"/>
+        <a:font script="Ethi" typeface="Nyala"/>
+        <a:font script="Beng" typeface="Vrinda"/>
+        <a:font script="Gujr" typeface="Shruti"/>
+        <a:font script="Khmr" typeface="MoolBoran"/>
+        <a:font script="Knda" typeface="Tunga"/>
+        <a:font script="Guru" typeface="Raavi"/>
+        <a:font script="Cans" typeface="Euphemia"/>
+        <a:font script="Cher" typeface="Plantagenet Cherokee"/>
+        <a:font script="Yiii" typeface="Microsoft Yi Baiti"/>
+        <a:font script="Tibt" typeface="Microsoft Himalaya"/>
+        <a:font script="Thaa" typeface="MV Boli"/>
+        <a:font script="Deva" typeface="Mangal"/>
+        <a:font script="Telu" typeface="Gautami"/>
+        <a:font script="Taml" typeface="Latha"/>
+        <a:font script="Syrc" typeface="Estrangelo Edessa"/>
+        <a:font script="Orya" typeface="Kalinga"/>
+        <a:font script="Mlym" typeface="Kartika"/>
+        <a:font script="Laoo" typeface="DokChampa"/>
+        <a:font script="Sinh" typeface="Iskoola Pota"/>
+        <a:font script="Mong" typeface="Mongolian Baiti"/>
+        <a:font script="Viet" typeface="Times New Roman"/>
+        <a:font script="Uigh" typeface="Microsoft Uighur"/>
+        <a:font script="Geor" typeface="Sylfaen"/>
+      </a:majorFont>
+      <a:minorFont>
+        <a:latin typeface="Calibri"/>
+        <a:ea typeface=""/>
+        <a:cs typeface=""/>
+        <a:font script="Jpan" typeface="ＭＳ Ｐゴシック"/>
+        <a:font script="Hang" typeface="맑은 고딕"/>
+        <a:font script="Hans" typeface="宋体"/>
+        <a:font script="Hant" typeface="新細明體"/>
+        <a:font script="Arab" typeface="Arial"/>
+        <a:font script="Hebr" typeface="Arial"/>
+        <a:font script="Thai" typeface="Cordia New"/>
+        <a:font script="Ethi" typeface="Nyala"/>
+        <a:font script="Beng" typeface="Vrinda"/>
+        <a:font script="Gujr" typeface="Shruti"/>
+        <a:font script="Khmr" typeface="DaunPenh"/>
+        <a:font script="Knda" typeface="Tunga"/>
+        <a:font script="Guru" typeface="Raavi"/>
+        <a:font script="Cans" typeface="Euphemia"/>
+        <a:font script="Cher" typeface="Plantagenet Cherokee"/>
+        <a:font script="Yiii" typeface="Microsoft Yi Baiti"/>
+        <a:font script="Tibt" typeface="Microsoft Himalaya"/>
+        <a:font script="Thaa" typeface="MV Boli"/>
+        <a:font script="Deva" typeface="Mangal"/>
+        <a:font script="Telu" typeface="Gautami"/>
+        <a:font script="Taml" typeface="Latha"/>
+        <a:font script="Syrc" typeface="Estrangelo Edessa"/>
+        <a:font script="Orya" typeface="Kalinga"/>
+        <a:font script="Mlym" typeface="Kartika"/>
+        <a:font script="Laoo" typeface="DokChampa"/>
+        <a:font script="Sinh" typeface="Iskoola Pota"/>
+        <a:font script="Mong" typeface="Mongolian Baiti"/>
+        <a:font script="Viet" typeface="Arial"/>
+        <a:font script="Uigh" typeface="Microsoft Uighur"/>
+        <a:font script="Geor" typeface="Sylfaen"/>
+      </a:minorFont>
+    </a:fontScheme>
+    <a:fmtScheme name="Office">
+      <a:fillStyleLst>
+        <a:solidFill>
+          <a:schemeClr val="phClr"/>
+        </a:solidFill>
+        <a:gradFill rotWithShape="1">
+          <a:gsLst>
+            <a:gs pos="0">
+              <a:schemeClr val="phClr">
+                <a:lumMod val="110000"/>
+                <a:satMod val="105000"/>
+                <a:tint val="67000"/>
+              </a:schemeClr>
+            </a:gs>
+            <a:gs pos="50000">
+              <a:schemeClr val="phClr">
+                <a:lumMod val="105000"/>
+                <a:satMod val="103000"/>
+                <a:tint val="73000"/>
+              </a:schemeClr>
+            </a:gs>
+            <a:gs pos="100000">
+              <a:schemeClr val="phClr">
+                <a:lumMod val="105000"/>
+                <a:satMod val="109000"/>
+                <a:tint val="81000"/>
+              </a:schemeClr>
+            </a:gs>
+          </a:gsLst>
+          <a:lin ang="5400000" scaled="0"/>
+        </a:gradFill>
+        <a:gradFill rotWithShape="1">
+          <a:gsLst>
+            <a:gs pos="0">
+              <a:schemeClr val="phClr">
+                <a:satMod val="103000"/>
+                <a:lumMod val="102000"/>
+                <a:tint val="94000"/>
+              </a:schemeClr>
+            </a:gs>
+            <a:gs pos="50000">
+              <a:schemeClr val="phClr">
+                <a:satMod val="110000"/>
+                <a:lumMod val="100000"/>
+                <a:shade val="100000"/>
+              </a:schemeClr>
+            </a:gs>
+            <a:gs pos="100000">
+              <a:schemeClr val="phClr">
+                <a:lumMod val="99000"/>
+                <a:satMod val="120000"/>
+                <a:shade val="78000"/>
+              </a:schemeClr>
+            </a:gs>
+          </a:gsLst>
+          <a:lin ang="5400000" scaled="0"/>
+        </a:gradFill>
+      </a:fillStyleLst>
+      <a:lnStyleLst>
+        <a:ln w="6350" cap="flat" cmpd="sng" algn="ctr">
+          <a:solidFill>
+            <a:schemeClr val="phClr"/>
+          </a:solidFill>
+          <a:prstDash val="solid"/>
+          <a:miter lim="800000"/>
+        </a:ln>
+        <a:ln w="12700" cap="flat" cmpd="sng" algn="ctr">
+          <a:solidFill>
+            <a:schemeClr val="phClr"/>
+          </a:solidFill>
+          <a:prstDash val="solid"/>
+          <a:miter lim="800000"/>
+        </a:ln>
+        <a:ln w="19050" cap="flat" cmpd="sng" algn="ctr">
+          <a:solidFill>
+            <a:schemeClr val="phClr"/>
+          </a:solidFill>
+          <a:prstDash val="solid"/>
+          <a:miter lim="800000"/>
+        </a:ln>
+      </a:lnStyleLst>
+      <a:effectStyleLst>
+        <a:effectStyle>
+          <a:effectLst/>
+        </a:effectStyle>
+        <a:effectStyle>
+          <a:effectLst/>
+        </a:effectStyle>
+        <a:effectStyle>
+          <a:effectLst>
+            <a:outerShdw blurRad="57150" dist="19050" dir="5400000" algn="ctr" rotWithShape="0">
+              <a:srgbClr val="000000">
+                <a:alpha val="63000"/>
+              </a:srgbClr>
+            </a:outerShdw>
+          </a:effectLst>
+        </a:effectStyle>
+      </a:effectStyleLst>
+      <a:bgFillStyleLst>
+        <a:solidFill>
+          <a:schemeClr val="phClr"/>
+        </a:solidFill>
+        <a:solidFill>
+          <a:schemeClr val="phClr">
+            <a:tint val="95000"/>
+            <a:satMod val="170000"/>
+          </a:schemeClr>
+        </a:solidFill>
+        <a:gradFill rotWithShape="1">
+          <a:gsLst>
+            <a:gs pos="0">
+              <a:schemeClr val="phClr">
+                <a:tint val="93000"/>
+                <a:satMod val="150000"/>
+                <a:shade val="98000"/>
+                <a:lumMod val="102000"/>
+              </a:schemeClr>
+            </a:gs>
+            <a:gs pos="50000">
+              <a:schemeClr val="phClr">
+                <a:tint val="98000"/>
+                <a:satMod val="130000"/>
+                <a:shade val="90000"/>
+                <a:lumMod val="103000"/>
+              </a:schemeClr>
+            </a:gs>
+            <a:gs pos="100000">
+              <a:schemeClr val="phClr">
+                <a:shade val="63000"/>
+                <a:satMod val="120000"/>
+              </a:schemeClr>
+            </a:gs>
+          </a:gsLst>
+          <a:lin ang="5400000" scaled="0"/>
+        </a:gradFill>
+      </a:bgFillStyleLst>
+    </a:fmtScheme>
+  </a:themeElements>
+  <a:extLst>
+    <a:ext uri="{05A4C25C-085E-4340-85A3-A5531E510DB2}">
+      <thm15:themeFamily xmlns:thm15="http://schemas.microsoft.com/office/thememl/2012/main" name="Office Theme" id="{62F939B6-93AF-4DB8-9C6B-D6C7DFDC589F}" vid="{4A3C46E8-61CC-4603-A589-7422A47A8E4A}"/>
+    </a:ext>
+  </a:extLst>
+</a:theme>
 </file>
--- a/docs/distributedsystemtransaction.pptx
+++ b/docs/distributedsystemtransaction.pptx
@@ -8,7 +8,7 @@
     <p:notesMasterId r:id="rId4"/>
   </p:notesMasterIdLst>
   <p:handoutMasterIdLst>
-    <p:handoutMasterId r:id="rId95"/>
+    <p:handoutMasterId r:id="rId96"/>
   </p:handoutMasterIdLst>
   <p:sldIdLst>
     <p:sldId id="256" r:id="rId3"/>
@@ -100,8 +100,9 @@
     <p:sldId id="859" r:id="rId90"/>
     <p:sldId id="355" r:id="rId91"/>
     <p:sldId id="853" r:id="rId92"/>
-    <p:sldId id="293" r:id="rId93"/>
-    <p:sldId id="425" r:id="rId94"/>
+    <p:sldId id="873" r:id="rId93"/>
+    <p:sldId id="293" r:id="rId94"/>
+    <p:sldId id="425" r:id="rId95"/>
   </p:sldIdLst>
   <p:sldSz cx="12192000" cy="6858000"/>
   <p:notesSz cx="6858000" cy="9144000"/>
@@ -233,13 +234,13 @@
           <p14:sldIdLst>
             <p14:sldId id="492"/>
             <p14:sldId id="495"/>
+            <p14:sldId id="784"/>
+            <p14:sldId id="563"/>
             <p14:sldId id="496"/>
             <p14:sldId id="620"/>
             <p14:sldId id="619"/>
+            <p14:sldId id="621"/>
             <p14:sldId id="622"/>
-            <p14:sldId id="563"/>
-            <p14:sldId id="784"/>
-            <p14:sldId id="621"/>
           </p14:sldIdLst>
         </p14:section>
         <p14:section name="Spring事务分布式实现" id="{41E07A71-3558-4FA5-8638-B04A83776B83}">
@@ -255,14 +256,14 @@
             <p14:sldId id="625"/>
             <p14:sldId id="282"/>
             <p14:sldId id="283"/>
-            <p14:sldId id="680"/>
             <p14:sldId id="681"/>
             <p14:sldId id="265"/>
-            <p14:sldId id="290"/>
             <p14:sldId id="291"/>
             <p14:sldId id="264"/>
             <p14:sldId id="266"/>
             <p14:sldId id="623"/>
+            <p14:sldId id="680"/>
+            <p14:sldId id="290"/>
           </p14:sldIdLst>
         </p14:section>
         <p14:section name="事务同步模式" id="{A1E4495F-3EF2-4370-A049-5EA14E4C5B0B}">
@@ -320,10 +321,10 @@
         </p14:section>
         <p14:section name="事件溯源模式" id="{D6275F70-EA6A-4C55-BC84-3737F07CC31D}">
           <p14:sldIdLst>
+            <p14:sldId id="341"/>
+            <p14:sldId id="862"/>
             <p14:sldId id="342"/>
             <p14:sldId id="861"/>
-            <p14:sldId id="862"/>
-            <p14:sldId id="341"/>
           </p14:sldIdLst>
         </p14:section>
         <p14:section name="TCC模式" id="{9490DF95-3264-4CA3-AF46-BF7BB3737EC9}">
@@ -342,6 +343,11 @@
           <p14:sldIdLst>
             <p14:sldId id="355"/>
             <p14:sldId id="853"/>
+          </p14:sldIdLst>
+        </p14:section>
+        <p14:section name="CSP" id="{b2d4c996-f93f-4e44-b95a-c6477ac0094c}">
+          <p14:sldIdLst>
+            <p14:sldId id="873"/>
           </p14:sldIdLst>
         </p14:section>
         <p14:section name="参考资料" id="{18CEC514-9AE0-4C12-9247-8AAEDA3D09E6}">
@@ -5802,18 +5808,7 @@
         <p:txBody>
           <a:bodyPr/>
           <a:p>
-            <a:r>
-              <a:rPr lang="en-US" altLang="zh-CN"/>
-              <a:t>DEMO:</a:t>
-            </a:r>
-            <a:endParaRPr lang="en-US" altLang="zh-CN"/>
-          </a:p>
-          <a:p>
-            <a:r>
-              <a:rPr lang="en-US" altLang="zh-CN"/>
-              <a:t>https://txlcn.org/en-us/docs/demo/dubbo.html</a:t>
-            </a:r>
-            <a:endParaRPr lang="en-US" altLang="zh-CN"/>
+            <a:endParaRPr lang="zh-CN" altLang="en-US"/>
           </a:p>
         </p:txBody>
       </p:sp>
@@ -5858,15 +5853,15 @@
           <a:bodyPr/>
           <a:p>
             <a:r>
-              <a:rPr lang="zh-CN" altLang="en-US"/>
-              <a:t>https://txlcn.org/en-us/docs/principle/control.html</a:t>
-            </a:r>
-            <a:endParaRPr lang="zh-CN" altLang="en-US"/>
-          </a:p>
-          <a:p>
-            <a:r>
               <a:rPr lang="en-US" altLang="zh-CN"/>
-              <a:t>DEMO: https://txlcn.org/en-us/docs/demo/dubbo.html</a:t>
+              <a:t>DEMO:</a:t>
+            </a:r>
+            <a:endParaRPr lang="en-US" altLang="zh-CN"/>
+          </a:p>
+          <a:p>
+            <a:r>
+              <a:rPr lang="en-US" altLang="zh-CN"/>
+              <a:t>https://txlcn.org/en-us/docs/demo/dubbo.html</a:t>
             </a:r>
             <a:endParaRPr lang="en-US" altLang="zh-CN"/>
           </a:p>
@@ -5914,6 +5909,61 @@
           <a:p>
             <a:r>
               <a:rPr lang="zh-CN" altLang="en-US"/>
+              <a:t>https://txlcn.org/en-us/docs/principle/control.html</a:t>
+            </a:r>
+            <a:endParaRPr lang="zh-CN" altLang="en-US"/>
+          </a:p>
+          <a:p>
+            <a:r>
+              <a:rPr lang="en-US" altLang="zh-CN"/>
+              <a:t>DEMO: https://txlcn.org/en-us/docs/demo/dubbo.html</a:t>
+            </a:r>
+            <a:endParaRPr lang="en-US" altLang="zh-CN"/>
+          </a:p>
+        </p:txBody>
+      </p:sp>
+    </p:spTree>
+  </p:cSld>
+  <p:clrMapOvr>
+    <a:masterClrMapping/>
+  </p:clrMapOvr>
+</p:notes>
+</file>
+
+<file path=ppt/notesSlides/notesSlide79.xml><?xml version="1.0" encoding="utf-8"?>
+<p:notes xmlns:a="http://schemas.openxmlformats.org/drawingml/2006/main" xmlns:r="http://schemas.openxmlformats.org/officeDocument/2006/relationships" xmlns:p="http://schemas.openxmlformats.org/presentationml/2006/main">
+  <p:cSld>
+    <p:spTree>
+      <p:nvGrpSpPr>
+        <p:cNvPr id="1" name=""/>
+        <p:cNvGrpSpPr/>
+        <p:nvPr/>
+      </p:nvGrpSpPr>
+      <p:grpSpPr/>
+      <p:sp>
+        <p:nvSpPr>
+          <p:cNvPr id="2" name="幻灯片图像占位符 1"/>
+          <p:cNvSpPr/>
+          <p:nvPr>
+            <p:ph type="sldImg" idx="2"/>
+          </p:nvPr>
+        </p:nvSpPr>
+        <p:spPr/>
+      </p:sp>
+      <p:sp>
+        <p:nvSpPr>
+          <p:cNvPr id="3" name="文本占位符 2"/>
+          <p:cNvSpPr/>
+          <p:nvPr>
+            <p:ph type="body" idx="3"/>
+          </p:nvPr>
+        </p:nvSpPr>
+        <p:spPr/>
+        <p:txBody>
+          <a:bodyPr/>
+          <a:p>
+            <a:r>
+              <a:rPr lang="zh-CN" altLang="en-US"/>
               <a:t>https://github.com/alibaba/fescar/wiki/%E6%A6%82%E8%A7%88</a:t>
             </a:r>
             <a:endParaRPr lang="zh-CN" altLang="en-US"/>
@@ -5966,6 +6016,50 @@
               </a:rPr>
               <a:t>https://martinfowler.com/articles/microservices.html</a:t>
             </a:r>
+            <a:endParaRPr lang="zh-CN" altLang="en-US"/>
+          </a:p>
+        </p:txBody>
+      </p:sp>
+    </p:spTree>
+  </p:cSld>
+  <p:clrMapOvr>
+    <a:masterClrMapping/>
+  </p:clrMapOvr>
+</p:notes>
+</file>
+
+<file path=ppt/notesSlides/notesSlide80.xml><?xml version="1.0" encoding="utf-8"?>
+<p:notes xmlns:a="http://schemas.openxmlformats.org/drawingml/2006/main" xmlns:r="http://schemas.openxmlformats.org/officeDocument/2006/relationships" xmlns:p="http://schemas.openxmlformats.org/presentationml/2006/main">
+  <p:cSld>
+    <p:spTree>
+      <p:nvGrpSpPr>
+        <p:cNvPr id="1" name=""/>
+        <p:cNvGrpSpPr/>
+        <p:nvPr/>
+      </p:nvGrpSpPr>
+      <p:grpSpPr/>
+      <p:sp>
+        <p:nvSpPr>
+          <p:cNvPr id="2" name="幻灯片图像占位符 1"/>
+          <p:cNvSpPr/>
+          <p:nvPr>
+            <p:ph type="sldImg" idx="2"/>
+          </p:nvPr>
+        </p:nvSpPr>
+        <p:spPr/>
+      </p:sp>
+      <p:sp>
+        <p:nvSpPr>
+          <p:cNvPr id="3" name="文本占位符 2"/>
+          <p:cNvSpPr/>
+          <p:nvPr>
+            <p:ph type="body" idx="3"/>
+          </p:nvPr>
+        </p:nvSpPr>
+        <p:spPr/>
+        <p:txBody>
+          <a:bodyPr/>
+          <a:p>
             <a:endParaRPr lang="zh-CN" altLang="en-US"/>
           </a:p>
         </p:txBody>
@@ -21469,14 +21563,7 @@
         <p:cNvGrpSpPr/>
         <p:nvPr/>
       </p:nvGrpSpPr>
-      <p:grpSpPr>
-        <a:xfrm>
-          <a:off x="0" y="0"/>
-          <a:ext cx="0" cy="0"/>
-          <a:chOff x="0" y="0"/>
-          <a:chExt cx="0" cy="0"/>
-        </a:xfrm>
-      </p:grpSpPr>
+      <p:grpSpPr/>
       <p:sp>
         <p:nvSpPr>
           <p:cNvPr id="2" name="标题 1"/>
@@ -21490,9 +21577,12 @@
         <p:spPr/>
         <p:txBody>
           <a:bodyPr/>
-          <a:lstStyle/>
-          <a:p>
-            <a:endParaRPr lang="zh-CN" altLang="en-US"/>
+          <a:p>
+            <a:r>
+              <a:rPr lang="en-US" altLang="zh-CN"/>
+              <a:t>CSP</a:t>
+            </a:r>
+            <a:endParaRPr lang="en-US" altLang="zh-CN"/>
           </a:p>
         </p:txBody>
       </p:sp>
@@ -21509,56 +21599,56 @@
         <p:spPr/>
         <p:txBody>
           <a:bodyPr/>
-          <a:lstStyle/>
-          <a:p>
-            <a:r>
-              <a:rPr lang="zh-CN" altLang="en-US"/>
-              <a:t>https://www.2cto.com/kf/201803/728799.html</a:t>
-            </a:r>
-            <a:endParaRPr lang="zh-CN" altLang="en-US"/>
-          </a:p>
-          <a:p>
-            <a:r>
-              <a:rPr lang="zh-CN" altLang="en-US"/>
-              <a:t>配合spring-tx实现事务的原理</a:t>
-            </a:r>
-            <a:endParaRPr lang="zh-CN" altLang="en-US"/>
-          </a:p>
-          <a:p>
-            <a:endParaRPr lang="zh-CN" altLang="en-US"/>
-          </a:p>
-          <a:p>
-            <a:r>
-              <a:rPr lang="zh-CN" altLang="en-US"/>
-              <a:t>https://blog.csdn.net/weixin_42861564/article/details/81590093</a:t>
-            </a:r>
-            <a:endParaRPr lang="zh-CN" altLang="en-US"/>
-          </a:p>
           <a:p>
             <a:r>
               <a:rPr lang="en-US" altLang="zh-CN"/>
-              <a:t>Spring</a:t>
-            </a:r>
-            <a:r>
-              <a:rPr lang="zh-CN" altLang="en-US"/>
-              <a:t>事务同步</a:t>
-            </a:r>
-            <a:endParaRPr lang="zh-CN" altLang="en-US"/>
-          </a:p>
-          <a:p>
-            <a:endParaRPr lang="zh-CN" altLang="en-US"/>
-          </a:p>
-          <a:p>
-            <a:r>
-              <a:rPr lang="zh-CN" altLang="en-US"/>
-              <a:t>https://github.com/spring-projects/spring-framework/issues/8524</a:t>
-            </a:r>
-            <a:endParaRPr lang="zh-CN" altLang="en-US"/>
-          </a:p>
-          <a:p>
-            <a:r>
-              <a:rPr lang="zh-CN" altLang="en-US"/>
-              <a:t>Provide a "best efforts" 1PC transaction manager out of the box</a:t>
+              <a:t>springboot 1.X </a:t>
+            </a:r>
+            <a:r>
+              <a:rPr lang="zh-CN" altLang="en-US"/>
+              <a:t>停止更新</a:t>
+            </a:r>
+            <a:endParaRPr lang="zh-CN" altLang="en-US"/>
+          </a:p>
+          <a:p>
+            <a:pPr lvl="1"/>
+            <a:r>
+              <a:rPr lang="zh-CN" altLang="en-US"/>
+              <a:t>https://spring.io/blog/2018/07/30/spring-boot-1-x-eol-aug-1st-2019</a:t>
+            </a:r>
+            <a:r>
+              <a:rPr lang="en-US" altLang="zh-CN"/>
+              <a:t>s'p'r</a:t>
+            </a:r>
+            <a:endParaRPr lang="zh-CN" altLang="en-US"/>
+          </a:p>
+          <a:p>
+            <a:endParaRPr lang="zh-CN" altLang="en-US"/>
+          </a:p>
+          <a:p>
+            <a:r>
+              <a:rPr lang="en-US" altLang="zh-CN"/>
+              <a:t>dubbo </a:t>
+            </a:r>
+            <a:r>
+              <a:rPr lang="zh-CN" altLang="en-US"/>
+              <a:t>生态系统</a:t>
+            </a:r>
+            <a:endParaRPr lang="zh-CN" altLang="en-US"/>
+          </a:p>
+          <a:p>
+            <a:pPr lvl="1"/>
+            <a:r>
+              <a:rPr lang="zh-CN" altLang="en-US"/>
+              <a:t>http://dubbo.apache.org/zh-cn/community/index.html</a:t>
+            </a:r>
+            <a:endParaRPr lang="zh-CN" altLang="en-US"/>
+          </a:p>
+          <a:p>
+            <a:pPr lvl="1"/>
+            <a:r>
+              <a:rPr lang="zh-CN" altLang="en-US"/>
+              <a:t>http://jm.taobao.org/2019/01/14/%E5%BE%AE%E6%9C%8D%E5%8A%A1%E7%94%9F%E6%80%81/</a:t>
             </a:r>
             <a:endParaRPr lang="zh-CN" altLang="en-US"/>
           </a:p>
@@ -21576,6 +21666,121 @@
 </file>
 
 <file path=ppt/slides/slide91.xml><?xml version="1.0" encoding="utf-8"?>
+<p:sld xmlns:a="http://schemas.openxmlformats.org/drawingml/2006/main" xmlns:r="http://schemas.openxmlformats.org/officeDocument/2006/relationships" xmlns:p="http://schemas.openxmlformats.org/presentationml/2006/main">
+  <p:cSld>
+    <p:spTree>
+      <p:nvGrpSpPr>
+        <p:cNvPr id="1" name=""/>
+        <p:cNvGrpSpPr/>
+        <p:nvPr/>
+      </p:nvGrpSpPr>
+      <p:grpSpPr>
+        <a:xfrm>
+          <a:off x="0" y="0"/>
+          <a:ext cx="0" cy="0"/>
+          <a:chOff x="0" y="0"/>
+          <a:chExt cx="0" cy="0"/>
+        </a:xfrm>
+      </p:grpSpPr>
+      <p:sp>
+        <p:nvSpPr>
+          <p:cNvPr id="2" name="标题 1"/>
+          <p:cNvSpPr>
+            <a:spLocks noGrp="1"/>
+          </p:cNvSpPr>
+          <p:nvPr>
+            <p:ph type="title"/>
+          </p:nvPr>
+        </p:nvSpPr>
+        <p:spPr/>
+        <p:txBody>
+          <a:bodyPr/>
+          <a:lstStyle/>
+          <a:p>
+            <a:endParaRPr lang="zh-CN" altLang="en-US"/>
+          </a:p>
+        </p:txBody>
+      </p:sp>
+      <p:sp>
+        <p:nvSpPr>
+          <p:cNvPr id="3" name="内容占位符 2"/>
+          <p:cNvSpPr>
+            <a:spLocks noGrp="1"/>
+          </p:cNvSpPr>
+          <p:nvPr>
+            <p:ph idx="1"/>
+          </p:nvPr>
+        </p:nvSpPr>
+        <p:spPr/>
+        <p:txBody>
+          <a:bodyPr/>
+          <a:lstStyle/>
+          <a:p>
+            <a:r>
+              <a:rPr lang="zh-CN" altLang="en-US"/>
+              <a:t>https://www.2cto.com/kf/201803/728799.html</a:t>
+            </a:r>
+            <a:endParaRPr lang="zh-CN" altLang="en-US"/>
+          </a:p>
+          <a:p>
+            <a:r>
+              <a:rPr lang="zh-CN" altLang="en-US"/>
+              <a:t>配合spring-tx实现事务的原理</a:t>
+            </a:r>
+            <a:endParaRPr lang="zh-CN" altLang="en-US"/>
+          </a:p>
+          <a:p>
+            <a:endParaRPr lang="zh-CN" altLang="en-US"/>
+          </a:p>
+          <a:p>
+            <a:r>
+              <a:rPr lang="zh-CN" altLang="en-US"/>
+              <a:t>https://blog.csdn.net/weixin_42861564/article/details/81590093</a:t>
+            </a:r>
+            <a:endParaRPr lang="zh-CN" altLang="en-US"/>
+          </a:p>
+          <a:p>
+            <a:r>
+              <a:rPr lang="en-US" altLang="zh-CN"/>
+              <a:t>Spring</a:t>
+            </a:r>
+            <a:r>
+              <a:rPr lang="zh-CN" altLang="en-US"/>
+              <a:t>事务同步</a:t>
+            </a:r>
+            <a:endParaRPr lang="zh-CN" altLang="en-US"/>
+          </a:p>
+          <a:p>
+            <a:endParaRPr lang="zh-CN" altLang="en-US"/>
+          </a:p>
+          <a:p>
+            <a:r>
+              <a:rPr lang="zh-CN" altLang="en-US"/>
+              <a:t>https://github.com/spring-projects/spring-framework/issues/8524</a:t>
+            </a:r>
+            <a:endParaRPr lang="zh-CN" altLang="en-US"/>
+          </a:p>
+          <a:p>
+            <a:r>
+              <a:rPr lang="zh-CN" altLang="en-US"/>
+              <a:t>Provide a "best efforts" 1PC transaction manager out of the box</a:t>
+            </a:r>
+            <a:endParaRPr lang="zh-CN" altLang="en-US"/>
+          </a:p>
+        </p:txBody>
+      </p:sp>
+    </p:spTree>
+    <p:custDataLst>
+      <p:tags r:id="rId1"/>
+    </p:custDataLst>
+  </p:cSld>
+  <p:clrMapOvr>
+    <a:masterClrMapping/>
+  </p:clrMapOvr>
+</p:sld>
+</file>
+
+<file path=ppt/slides/slide92.xml><?xml version="1.0" encoding="utf-8"?>
 <p:sld xmlns:a="http://schemas.openxmlformats.org/drawingml/2006/main" xmlns:r="http://schemas.openxmlformats.org/officeDocument/2006/relationships" xmlns:p="http://schemas.openxmlformats.org/presentationml/2006/main">
   <p:cSld>
     <p:spTree>
@@ -22377,6 +22582,14 @@
 </file>
 
 <file path=ppt/tags/tag90.xml><?xml version="1.0" encoding="utf-8"?>
+<p:tagLst xmlns:p="http://schemas.openxmlformats.org/presentationml/2006/main">
+  <p:tag name="KSO_WM_BEAUTIFY_FLAG" val="#wm#"/>
+  <p:tag name="KSO_WM_TEMPLATE_CATEGORY" val="custom"/>
+  <p:tag name="KSO_WM_TEMPLATE_INDEX" val="20184545"/>
+</p:tagLst>
+</file>
+
+<file path=ppt/tags/tag91.xml><?xml version="1.0" encoding="utf-8"?>
 <p:tagLst xmlns:p="http://schemas.openxmlformats.org/presentationml/2006/main">
   <p:tag name="KSO_WM_BEAUTIFY_FLAG" val="#wm#"/>
   <p:tag name="KSO_WM_TEMPLATE_CATEGORY" val="custom"/>

--- a/docs/distributedsystemtransaction.pptx
+++ b/docs/distributedsystemtransaction.pptx
@@ -238,9 +238,9 @@
             <p14:sldId id="563"/>
             <p14:sldId id="496"/>
             <p14:sldId id="620"/>
+            <p14:sldId id="622"/>
+            <p14:sldId id="621"/>
             <p14:sldId id="619"/>
-            <p14:sldId id="621"/>
-            <p14:sldId id="622"/>
           </p14:sldIdLst>
         </p14:section>
         <p14:section name="Spring事务分布式实现" id="{41E07A71-3558-4FA5-8638-B04A83776B83}">
@@ -256,14 +256,14 @@
             <p14:sldId id="625"/>
             <p14:sldId id="282"/>
             <p14:sldId id="283"/>
+            <p14:sldId id="680"/>
             <p14:sldId id="681"/>
             <p14:sldId id="265"/>
+            <p14:sldId id="290"/>
             <p14:sldId id="291"/>
             <p14:sldId id="264"/>
             <p14:sldId id="266"/>
             <p14:sldId id="623"/>
-            <p14:sldId id="680"/>
-            <p14:sldId id="290"/>
           </p14:sldIdLst>
         </p14:section>
         <p14:section name="事务同步模式" id="{A1E4495F-3EF2-4370-A049-5EA14E4C5B0B}">
@@ -1103,6 +1103,23 @@
             <a:endParaRPr lang="en-US" altLang="zh-CN"/>
           </a:p>
           <a:p>
+            <a:endParaRPr lang="en-US" altLang="zh-CN"/>
+          </a:p>
+          <a:p>
+            <a:r>
+              <a:rPr lang="en-US" altLang="zh-CN"/>
+              <a:t>#ACID&amp;CAP</a:t>
+            </a:r>
+            <a:endParaRPr lang="en-US" altLang="zh-CN"/>
+          </a:p>
+          <a:p>
+            <a:r>
+              <a:rPr lang="en-US" altLang="zh-CN"/>
+              <a:t>https://www.jdon.com/artichect/acid-cap.html</a:t>
+            </a:r>
+            <a:endParaRPr lang="en-US" altLang="zh-CN"/>
+          </a:p>
+          <a:p>
             <a:endParaRPr lang="zh-CN" altLang="en-US"/>
           </a:p>
         </p:txBody>
@@ -1910,6 +1927,9 @@
             </a:r>
             <a:endParaRPr lang="zh-CN" altLang="en-US"/>
           </a:p>
+          <a:p>
+            <a:endParaRPr lang="zh-CN" altLang="en-US"/>
+          </a:p>
         </p:txBody>
       </p:sp>
     </p:spTree>
@@ -1951,6 +1971,30 @@
         <p:spPr/>
         <p:txBody>
           <a:bodyPr/>
+          <a:p>
+            <a:r>
+              <a:rPr lang="zh-CN" altLang="en-US">
+                <a:sym typeface="+mn-ea"/>
+              </a:rPr>
+              <a:t>https://coolshell.cn/articles/10910.html</a:t>
+            </a:r>
+            <a:r>
+              <a:rPr lang="en-US" altLang="zh-CN">
+                <a:sym typeface="+mn-ea"/>
+              </a:rPr>
+              <a:t>:</a:t>
+            </a:r>
+            <a:endParaRPr lang="zh-CN" altLang="en-US"/>
+          </a:p>
+          <a:p>
+            <a:r>
+              <a:rPr lang="zh-CN" altLang="en-US">
+                <a:sym typeface="+mn-ea"/>
+              </a:rPr>
+              <a:t>在询问的时候并不锁定资源，除非所有人都同意了，才开始锁资源。</a:t>
+            </a:r>
+            <a:endParaRPr lang="zh-CN" altLang="en-US"/>
+          </a:p>
           <a:p>
             <a:endParaRPr lang="zh-CN" altLang="en-US"/>
           </a:p>
@@ -12225,6 +12269,16 @@
             </a:r>
             <a:endParaRPr lang="zh-CN" altLang="en-US"/>
           </a:p>
+          <a:p>
+            <a:pPr lvl="1"/>
+            <a:r>
+              <a:rPr lang="zh-CN" altLang="en-US">
+                <a:sym typeface="+mn-ea"/>
+              </a:rPr>
+              <a:t>在询问的时候并不锁定资源，除非所有人都同意了，才开始锁资源。</a:t>
+            </a:r>
+            <a:endParaRPr lang="zh-CN" altLang="en-US"/>
+          </a:p>
         </p:txBody>
       </p:sp>
     </p:spTree>
